--- a/Etapes/ESGI PA FINALE GroupeMyGes9.pptx
+++ b/Etapes/ESGI PA FINALE GroupeMyGes9.pptx
@@ -5,21 +5,18 @@
     <p:sldMasterId id="2147483660" r:id="rId4"/>
   </p:sldMasterIdLst>
   <p:notesMasterIdLst>
-    <p:notesMasterId r:id="rId17"/>
+    <p:notesMasterId r:id="rId14"/>
   </p:notesMasterIdLst>
   <p:sldIdLst>
     <p:sldId id="256" r:id="rId5"/>
     <p:sldId id="258" r:id="rId6"/>
     <p:sldId id="257" r:id="rId7"/>
     <p:sldId id="259" r:id="rId8"/>
-    <p:sldId id="267" r:id="rId9"/>
-    <p:sldId id="276" r:id="rId10"/>
-    <p:sldId id="263" r:id="rId11"/>
-    <p:sldId id="279" r:id="rId12"/>
-    <p:sldId id="269" r:id="rId13"/>
-    <p:sldId id="280" r:id="rId14"/>
-    <p:sldId id="277" r:id="rId15"/>
-    <p:sldId id="266" r:id="rId16"/>
+    <p:sldId id="276" r:id="rId9"/>
+    <p:sldId id="263" r:id="rId10"/>
+    <p:sldId id="281" r:id="rId11"/>
+    <p:sldId id="277" r:id="rId12"/>
+    <p:sldId id="266" r:id="rId13"/>
   </p:sldIdLst>
   <p:sldSz cx="12192000" cy="6858000"/>
   <p:notesSz cx="6858000" cy="9144000"/>
@@ -153,7 +150,10 @@
 <p1510:revInfo xmlns:a="http://schemas.openxmlformats.org/drawingml/2006/main" xmlns:r="http://schemas.openxmlformats.org/officeDocument/2006/relationships" xmlns:p1510="http://schemas.microsoft.com/office/powerpoint/2015/10/main">
   <p1510:revLst>
     <p1510:client id="{11CE124B-D2C7-4523-9046-2A07ACA31D74}" v="3" dt="2021-07-28T18:31:15.486"/>
-    <p1510:client id="{68C9AA30-A2DF-455F-A600-ECA66802E5A0}" v="224" dt="2021-07-28T20:31:09.256"/>
+    <p1510:client id="{3138735E-E9B9-4A92-A1F7-50F7B14DF7AF}" v="1" dt="2021-07-29T12:27:28.728"/>
+    <p1510:client id="{6040AAD4-73F3-47F0-BF17-5914BEFB2694}" v="40" dt="2021-07-29T14:02:22.335"/>
+    <p1510:client id="{68C9AA30-A2DF-455F-A600-ECA66802E5A0}" v="225" dt="2021-07-28T21:34:42.636"/>
+    <p1510:client id="{AF8258FE-E51D-44D6-A03E-C6CBF7DB34AC}" v="1" dt="2021-07-28T23:14:18.745"/>
     <p1510:client id="{EA4DFD5F-0923-4D0F-B0BF-E02A0E1E95B0}" v="28" dt="2021-07-28T20:25:15.606"/>
   </p1510:revLst>
 </p1510:revInfo>
@@ -161,166 +161,6 @@
 
 <file path=ppt/changesInfos/changesInfo1.xml><?xml version="1.0" encoding="utf-8"?>
 <pc:chgInfo xmlns:a="http://schemas.openxmlformats.org/drawingml/2006/main" xmlns:r="http://schemas.openxmlformats.org/officeDocument/2006/relationships" xmlns:ac="http://schemas.microsoft.com/office/drawing/2013/main/command" xmlns:pc="http://schemas.microsoft.com/office/powerpoint/2013/main/command">
-  <pc:docChgLst>
-    <pc:chgData name="Saïd ZENNADI" userId="S::szennadi@myges.fr::2b0413f6-b439-4ebe-a7c6-8b4f99af3d67" providerId="AD" clId="Web-{9CEBD64A-FDC9-41FD-B85E-E683D644C226}"/>
-    <pc:docChg chg="modSld">
-      <pc:chgData name="Saïd ZENNADI" userId="S::szennadi@myges.fr::2b0413f6-b439-4ebe-a7c6-8b4f99af3d67" providerId="AD" clId="Web-{9CEBD64A-FDC9-41FD-B85E-E683D644C226}" dt="2021-02-03T07:28:15.718" v="2" actId="20577"/>
-      <pc:docMkLst>
-        <pc:docMk/>
-      </pc:docMkLst>
-      <pc:sldChg chg="modSp">
-        <pc:chgData name="Saïd ZENNADI" userId="S::szennadi@myges.fr::2b0413f6-b439-4ebe-a7c6-8b4f99af3d67" providerId="AD" clId="Web-{9CEBD64A-FDC9-41FD-B85E-E683D644C226}" dt="2021-02-03T07:28:15.718" v="2" actId="20577"/>
-        <pc:sldMkLst>
-          <pc:docMk/>
-          <pc:sldMk cId="4274174818" sldId="264"/>
-        </pc:sldMkLst>
-        <pc:spChg chg="mod">
-          <ac:chgData name="Saïd ZENNADI" userId="S::szennadi@myges.fr::2b0413f6-b439-4ebe-a7c6-8b4f99af3d67" providerId="AD" clId="Web-{9CEBD64A-FDC9-41FD-B85E-E683D644C226}" dt="2021-02-03T07:28:15.718" v="2" actId="20577"/>
-          <ac:spMkLst>
-            <pc:docMk/>
-            <pc:sldMk cId="4274174818" sldId="264"/>
-            <ac:spMk id="5" creationId="{F1773E1C-60BC-45FC-BDFD-9AC360C0EF4A}"/>
-          </ac:spMkLst>
-        </pc:spChg>
-      </pc:sldChg>
-    </pc:docChg>
-  </pc:docChgLst>
-  <pc:docChgLst>
-    <pc:chgData name="Saïd ZENNADI" userId="S::szennadi@myges.fr::2b0413f6-b439-4ebe-a7c6-8b4f99af3d67" providerId="AD" clId="Web-{B2144B76-1BD3-461F-B9ED-A87ABBF2EE2A}"/>
-    <pc:docChg chg="modSld">
-      <pc:chgData name="Saïd ZENNADI" userId="S::szennadi@myges.fr::2b0413f6-b439-4ebe-a7c6-8b4f99af3d67" providerId="AD" clId="Web-{B2144B76-1BD3-461F-B9ED-A87ABBF2EE2A}" dt="2021-02-25T09:17:25.450" v="1" actId="20577"/>
-      <pc:docMkLst>
-        <pc:docMk/>
-      </pc:docMkLst>
-      <pc:sldChg chg="modSp">
-        <pc:chgData name="Saïd ZENNADI" userId="S::szennadi@myges.fr::2b0413f6-b439-4ebe-a7c6-8b4f99af3d67" providerId="AD" clId="Web-{B2144B76-1BD3-461F-B9ED-A87ABBF2EE2A}" dt="2021-02-25T09:17:25.450" v="1" actId="20577"/>
-        <pc:sldMkLst>
-          <pc:docMk/>
-          <pc:sldMk cId="2246072736" sldId="258"/>
-        </pc:sldMkLst>
-        <pc:spChg chg="mod">
-          <ac:chgData name="Saïd ZENNADI" userId="S::szennadi@myges.fr::2b0413f6-b439-4ebe-a7c6-8b4f99af3d67" providerId="AD" clId="Web-{B2144B76-1BD3-461F-B9ED-A87ABBF2EE2A}" dt="2021-02-25T09:17:25.450" v="1" actId="20577"/>
-          <ac:spMkLst>
-            <pc:docMk/>
-            <pc:sldMk cId="2246072736" sldId="258"/>
-            <ac:spMk id="5" creationId="{4899AFF2-C064-46FB-91BB-52A602A794D4}"/>
-          </ac:spMkLst>
-        </pc:spChg>
-      </pc:sldChg>
-    </pc:docChg>
-  </pc:docChgLst>
-  <pc:docChgLst>
-    <pc:chgData name="Loïc Menissier" userId="787ab598-b75f-48c5-b377-3c6bc02464cc" providerId="ADAL" clId="{D9C97B28-23B9-4CBB-BB58-02CDDB5E84D0}"/>
-    <pc:docChg chg="modSld">
-      <pc:chgData name="Loïc Menissier" userId="787ab598-b75f-48c5-b377-3c6bc02464cc" providerId="ADAL" clId="{D9C97B28-23B9-4CBB-BB58-02CDDB5E84D0}" dt="2021-02-07T18:40:19.886" v="0"/>
-      <pc:docMkLst>
-        <pc:docMk/>
-      </pc:docMkLst>
-      <pc:sldChg chg="modSp">
-        <pc:chgData name="Loïc Menissier" userId="787ab598-b75f-48c5-b377-3c6bc02464cc" providerId="ADAL" clId="{D9C97B28-23B9-4CBB-BB58-02CDDB5E84D0}" dt="2021-02-07T18:40:19.886" v="0"/>
-        <pc:sldMkLst>
-          <pc:docMk/>
-          <pc:sldMk cId="4001191277" sldId="259"/>
-        </pc:sldMkLst>
-        <pc:graphicFrameChg chg="mod">
-          <ac:chgData name="Loïc Menissier" userId="787ab598-b75f-48c5-b377-3c6bc02464cc" providerId="ADAL" clId="{D9C97B28-23B9-4CBB-BB58-02CDDB5E84D0}" dt="2021-02-07T18:40:19.886" v="0"/>
-          <ac:graphicFrameMkLst>
-            <pc:docMk/>
-            <pc:sldMk cId="4001191277" sldId="259"/>
-            <ac:graphicFrameMk id="4" creationId="{D151F20E-D168-44AC-A09E-B84A1F5C0C6D}"/>
-          </ac:graphicFrameMkLst>
-        </pc:graphicFrameChg>
-      </pc:sldChg>
-    </pc:docChg>
-  </pc:docChgLst>
-  <pc:docChgLst>
-    <pc:chgData name="Jacques CURTIS" userId="S::jcurtis1@myges.fr::edcf499e-1a5e-4907-96c2-48f94e90cc38" providerId="AD" clId="Web-{EA4DFD5F-0923-4D0F-B0BF-E02A0E1E95B0}"/>
-    <pc:docChg chg="modSld">
-      <pc:chgData name="Jacques CURTIS" userId="S::jcurtis1@myges.fr::edcf499e-1a5e-4907-96c2-48f94e90cc38" providerId="AD" clId="Web-{EA4DFD5F-0923-4D0F-B0BF-E02A0E1E95B0}" dt="2021-07-28T20:25:15.606" v="19"/>
-      <pc:docMkLst>
-        <pc:docMk/>
-      </pc:docMkLst>
-      <pc:sldChg chg="addSp delSp modSp">
-        <pc:chgData name="Jacques CURTIS" userId="S::jcurtis1@myges.fr::edcf499e-1a5e-4907-96c2-48f94e90cc38" providerId="AD" clId="Web-{EA4DFD5F-0923-4D0F-B0BF-E02A0E1E95B0}" dt="2021-07-28T20:25:15.606" v="19"/>
-        <pc:sldMkLst>
-          <pc:docMk/>
-          <pc:sldMk cId="2246072736" sldId="258"/>
-        </pc:sldMkLst>
-        <pc:spChg chg="mod">
-          <ac:chgData name="Jacques CURTIS" userId="S::jcurtis1@myges.fr::edcf499e-1a5e-4907-96c2-48f94e90cc38" providerId="AD" clId="Web-{EA4DFD5F-0923-4D0F-B0BF-E02A0E1E95B0}" dt="2021-07-28T20:25:13.122" v="16"/>
-          <ac:spMkLst>
-            <pc:docMk/>
-            <pc:sldMk cId="2246072736" sldId="258"/>
-            <ac:spMk id="2" creationId="{7EB72EFF-3985-47EB-A70A-6C853E5AB87C}"/>
-          </ac:spMkLst>
-        </pc:spChg>
-        <pc:graphicFrameChg chg="mod modGraphic">
-          <ac:chgData name="Jacques CURTIS" userId="S::jcurtis1@myges.fr::edcf499e-1a5e-4907-96c2-48f94e90cc38" providerId="AD" clId="Web-{EA4DFD5F-0923-4D0F-B0BF-E02A0E1E95B0}" dt="2021-07-28T20:25:15.606" v="19"/>
-          <ac:graphicFrameMkLst>
-            <pc:docMk/>
-            <pc:sldMk cId="2246072736" sldId="258"/>
-            <ac:graphicFrameMk id="7" creationId="{D52F5407-7EDB-433C-A510-407405514D2A}"/>
-          </ac:graphicFrameMkLst>
-        </pc:graphicFrameChg>
-        <pc:picChg chg="add del mod">
-          <ac:chgData name="Jacques CURTIS" userId="S::jcurtis1@myges.fr::edcf499e-1a5e-4907-96c2-48f94e90cc38" providerId="AD" clId="Web-{EA4DFD5F-0923-4D0F-B0BF-E02A0E1E95B0}" dt="2021-07-28T20:24:24.199" v="5"/>
-          <ac:picMkLst>
-            <pc:docMk/>
-            <pc:sldMk cId="2246072736" sldId="258"/>
-            <ac:picMk id="270" creationId="{14609089-F821-4027-B92D-555D0DAAB684}"/>
-          </ac:picMkLst>
-        </pc:picChg>
-      </pc:sldChg>
-    </pc:docChg>
-  </pc:docChgLst>
-  <pc:docChgLst>
-    <pc:chgData name="Saïd ZENNADI" userId="S::szennadi@myges.fr::2b0413f6-b439-4ebe-a7c6-8b4f99af3d67" providerId="AD" clId="Web-{837E313D-07FD-4C0F-9F2E-042098231E59}"/>
-    <pc:docChg chg="modSld">
-      <pc:chgData name="Saïd ZENNADI" userId="S::szennadi@myges.fr::2b0413f6-b439-4ebe-a7c6-8b4f99af3d67" providerId="AD" clId="Web-{837E313D-07FD-4C0F-9F2E-042098231E59}" dt="2021-02-02T22:31:28.628" v="2" actId="20577"/>
-      <pc:docMkLst>
-        <pc:docMk/>
-      </pc:docMkLst>
-      <pc:sldChg chg="modSp">
-        <pc:chgData name="Saïd ZENNADI" userId="S::szennadi@myges.fr::2b0413f6-b439-4ebe-a7c6-8b4f99af3d67" providerId="AD" clId="Web-{837E313D-07FD-4C0F-9F2E-042098231E59}" dt="2021-02-02T22:31:28.628" v="2" actId="20577"/>
-        <pc:sldMkLst>
-          <pc:docMk/>
-          <pc:sldMk cId="4274174818" sldId="264"/>
-        </pc:sldMkLst>
-        <pc:spChg chg="mod">
-          <ac:chgData name="Saïd ZENNADI" userId="S::szennadi@myges.fr::2b0413f6-b439-4ebe-a7c6-8b4f99af3d67" providerId="AD" clId="Web-{837E313D-07FD-4C0F-9F2E-042098231E59}" dt="2021-02-02T22:31:28.628" v="2" actId="20577"/>
-          <ac:spMkLst>
-            <pc:docMk/>
-            <pc:sldMk cId="4274174818" sldId="264"/>
-            <ac:spMk id="3" creationId="{269616CD-77A7-493F-BD0C-F96D73D64487}"/>
-          </ac:spMkLst>
-        </pc:spChg>
-      </pc:sldChg>
-    </pc:docChg>
-  </pc:docChgLst>
-  <pc:docChgLst>
-    <pc:chgData name="Jacques CURTIS" userId="edcf499e-1a5e-4907-96c2-48f94e90cc38" providerId="ADAL" clId="{11CE124B-D2C7-4523-9046-2A07ACA31D74}"/>
-    <pc:docChg chg="modSld">
-      <pc:chgData name="Jacques CURTIS" userId="edcf499e-1a5e-4907-96c2-48f94e90cc38" providerId="ADAL" clId="{11CE124B-D2C7-4523-9046-2A07ACA31D74}" dt="2021-07-28T18:31:04.116" v="0"/>
-      <pc:docMkLst>
-        <pc:docMk/>
-      </pc:docMkLst>
-      <pc:sldChg chg="modSp">
-        <pc:chgData name="Jacques CURTIS" userId="edcf499e-1a5e-4907-96c2-48f94e90cc38" providerId="ADAL" clId="{11CE124B-D2C7-4523-9046-2A07ACA31D74}" dt="2021-07-28T18:31:04.116" v="0"/>
-        <pc:sldMkLst>
-          <pc:docMk/>
-          <pc:sldMk cId="4127345592" sldId="280"/>
-        </pc:sldMkLst>
-        <pc:graphicFrameChg chg="mod">
-          <ac:chgData name="Jacques CURTIS" userId="edcf499e-1a5e-4907-96c2-48f94e90cc38" providerId="ADAL" clId="{11CE124B-D2C7-4523-9046-2A07ACA31D74}" dt="2021-07-28T18:31:04.116" v="0"/>
-          <ac:graphicFrameMkLst>
-            <pc:docMk/>
-            <pc:sldMk cId="4127345592" sldId="280"/>
-            <ac:graphicFrameMk id="7" creationId="{D5422442-C9FD-4847-B789-3A7E1F66DEC8}"/>
-          </ac:graphicFrameMkLst>
-        </pc:graphicFrameChg>
-      </pc:sldChg>
-    </pc:docChg>
-  </pc:docChgLst>
   <pc:docChgLst>
     <pc:chgData name="Loïc MENISSIER" userId="2f577b14-8d2f-41fb-9e65-33a0241782fd" providerId="ADAL" clId="{4FE0345C-5730-1945-A8EE-6D03E1C678E2}"/>
     <pc:docChg chg="modSld sldOrd">
@@ -345,6 +185,90 @@
     </pc:docChg>
   </pc:docChgLst>
   <pc:docChgLst>
+    <pc:chgData name="Jacques CURTIS" userId="S::jcurtis1@myges.fr::edcf499e-1a5e-4907-96c2-48f94e90cc38" providerId="AD" clId="Web-{8C4D3AC2-ABB9-4F0E-B7A0-A4178AD46552}"/>
+    <pc:docChg chg="modSld">
+      <pc:chgData name="Jacques CURTIS" userId="S::jcurtis1@myges.fr::edcf499e-1a5e-4907-96c2-48f94e90cc38" providerId="AD" clId="Web-{8C4D3AC2-ABB9-4F0E-B7A0-A4178AD46552}" dt="2021-02-02T21:39:15.411" v="4"/>
+      <pc:docMkLst>
+        <pc:docMk/>
+      </pc:docMkLst>
+      <pc:sldChg chg="delSp">
+        <pc:chgData name="Jacques CURTIS" userId="S::jcurtis1@myges.fr::edcf499e-1a5e-4907-96c2-48f94e90cc38" providerId="AD" clId="Web-{8C4D3AC2-ABB9-4F0E-B7A0-A4178AD46552}" dt="2021-02-02T21:39:06.270" v="1"/>
+        <pc:sldMkLst>
+          <pc:docMk/>
+          <pc:sldMk cId="128495895" sldId="257"/>
+        </pc:sldMkLst>
+        <pc:spChg chg="del">
+          <ac:chgData name="Jacques CURTIS" userId="S::jcurtis1@myges.fr::edcf499e-1a5e-4907-96c2-48f94e90cc38" providerId="AD" clId="Web-{8C4D3AC2-ABB9-4F0E-B7A0-A4178AD46552}" dt="2021-02-02T21:39:06.270" v="1"/>
+          <ac:spMkLst>
+            <pc:docMk/>
+            <pc:sldMk cId="128495895" sldId="257"/>
+            <ac:spMk id="4" creationId="{642CE904-9E3C-43AB-BAAC-AB963A410CB8}"/>
+          </ac:spMkLst>
+        </pc:spChg>
+      </pc:sldChg>
+      <pc:sldChg chg="delSp">
+        <pc:chgData name="Jacques CURTIS" userId="S::jcurtis1@myges.fr::edcf499e-1a5e-4907-96c2-48f94e90cc38" providerId="AD" clId="Web-{8C4D3AC2-ABB9-4F0E-B7A0-A4178AD46552}" dt="2021-02-02T21:39:11.130" v="3"/>
+        <pc:sldMkLst>
+          <pc:docMk/>
+          <pc:sldMk cId="4001191277" sldId="259"/>
+        </pc:sldMkLst>
+        <pc:spChg chg="del">
+          <ac:chgData name="Jacques CURTIS" userId="S::jcurtis1@myges.fr::edcf499e-1a5e-4907-96c2-48f94e90cc38" providerId="AD" clId="Web-{8C4D3AC2-ABB9-4F0E-B7A0-A4178AD46552}" dt="2021-02-02T21:39:11.130" v="3"/>
+          <ac:spMkLst>
+            <pc:docMk/>
+            <pc:sldMk cId="4001191277" sldId="259"/>
+            <ac:spMk id="3" creationId="{30092EB7-C804-47C5-BAE9-6E2E0617BAD9}"/>
+          </ac:spMkLst>
+        </pc:spChg>
+      </pc:sldChg>
+      <pc:sldChg chg="delSp">
+        <pc:chgData name="Jacques CURTIS" userId="S::jcurtis1@myges.fr::edcf499e-1a5e-4907-96c2-48f94e90cc38" providerId="AD" clId="Web-{8C4D3AC2-ABB9-4F0E-B7A0-A4178AD46552}" dt="2021-02-02T21:39:15.411" v="4"/>
+        <pc:sldMkLst>
+          <pc:docMk/>
+          <pc:sldMk cId="2534841834" sldId="260"/>
+        </pc:sldMkLst>
+        <pc:spChg chg="del">
+          <ac:chgData name="Jacques CURTIS" userId="S::jcurtis1@myges.fr::edcf499e-1a5e-4907-96c2-48f94e90cc38" providerId="AD" clId="Web-{8C4D3AC2-ABB9-4F0E-B7A0-A4178AD46552}" dt="2021-02-02T21:39:15.411" v="4"/>
+          <ac:spMkLst>
+            <pc:docMk/>
+            <pc:sldMk cId="2534841834" sldId="260"/>
+            <ac:spMk id="3" creationId="{550B1E44-F114-40BB-95C0-9B39A215E538}"/>
+          </ac:spMkLst>
+        </pc:spChg>
+      </pc:sldChg>
+      <pc:sldChg chg="delSp">
+        <pc:chgData name="Jacques CURTIS" userId="S::jcurtis1@myges.fr::edcf499e-1a5e-4907-96c2-48f94e90cc38" providerId="AD" clId="Web-{8C4D3AC2-ABB9-4F0E-B7A0-A4178AD46552}" dt="2021-02-02T21:39:08.286" v="2"/>
+        <pc:sldMkLst>
+          <pc:docMk/>
+          <pc:sldMk cId="478765012" sldId="261"/>
+        </pc:sldMkLst>
+        <pc:spChg chg="del">
+          <ac:chgData name="Jacques CURTIS" userId="S::jcurtis1@myges.fr::edcf499e-1a5e-4907-96c2-48f94e90cc38" providerId="AD" clId="Web-{8C4D3AC2-ABB9-4F0E-B7A0-A4178AD46552}" dt="2021-02-02T21:39:08.286" v="2"/>
+          <ac:spMkLst>
+            <pc:docMk/>
+            <pc:sldMk cId="478765012" sldId="261"/>
+            <ac:spMk id="4" creationId="{2EA2358D-E47D-4824-BFFE-E9D305D00861}"/>
+          </ac:spMkLst>
+        </pc:spChg>
+      </pc:sldChg>
+      <pc:sldChg chg="delSp">
+        <pc:chgData name="Jacques CURTIS" userId="S::jcurtis1@myges.fr::edcf499e-1a5e-4907-96c2-48f94e90cc38" providerId="AD" clId="Web-{8C4D3AC2-ABB9-4F0E-B7A0-A4178AD46552}" dt="2021-02-02T21:39:02.582" v="0"/>
+        <pc:sldMkLst>
+          <pc:docMk/>
+          <pc:sldMk cId="12277624" sldId="263"/>
+        </pc:sldMkLst>
+        <pc:spChg chg="del">
+          <ac:chgData name="Jacques CURTIS" userId="S::jcurtis1@myges.fr::edcf499e-1a5e-4907-96c2-48f94e90cc38" providerId="AD" clId="Web-{8C4D3AC2-ABB9-4F0E-B7A0-A4178AD46552}" dt="2021-02-02T21:39:02.582" v="0"/>
+          <ac:spMkLst>
+            <pc:docMk/>
+            <pc:sldMk cId="12277624" sldId="263"/>
+            <ac:spMk id="4" creationId="{F0B6301D-608D-498C-8495-16F77F01D5D1}"/>
+          </ac:spMkLst>
+        </pc:spChg>
+      </pc:sldChg>
+    </pc:docChg>
+  </pc:docChgLst>
+  <pc:docChgLst>
     <pc:chgData name="Jacques CURTIS" userId="S::jcurtis1@myges.fr::edcf499e-1a5e-4907-96c2-48f94e90cc38" providerId="AD" clId="Web-{6CDDAEC9-4713-44DC-A8C1-5D9F205E2ACE}"/>
     <pc:docChg chg="modSld">
       <pc:chgData name="Jacques CURTIS" userId="S::jcurtis1@myges.fr::edcf499e-1a5e-4907-96c2-48f94e90cc38" providerId="AD" clId="Web-{6CDDAEC9-4713-44DC-A8C1-5D9F205E2ACE}" dt="2021-02-02T21:59:06.194" v="18" actId="1076"/>
@@ -393,27 +317,182 @@
     </pc:docChg>
   </pc:docChgLst>
   <pc:docChgLst>
-    <pc:chgData name="Jacques CURTIS" userId="S::jcurtis1@myges.fr::edcf499e-1a5e-4907-96c2-48f94e90cc38" providerId="AD" clId="Web-{ECBAA5CE-2CD6-4452-B09F-D57FB06E559F}"/>
+    <pc:chgData name="Jacques CURTIS" userId="S::jcurtis1@myges.fr::edcf499e-1a5e-4907-96c2-48f94e90cc38" providerId="AD" clId="Web-{EFAE836B-D726-47D4-8B95-A0EB1A2CFC26}"/>
+    <pc:docChg chg="addSld modSld">
+      <pc:chgData name="Jacques CURTIS" userId="S::jcurtis1@myges.fr::edcf499e-1a5e-4907-96c2-48f94e90cc38" providerId="AD" clId="Web-{EFAE836B-D726-47D4-8B95-A0EB1A2CFC26}" dt="2021-02-02T20:00:48.909" v="194" actId="20577"/>
+      <pc:docMkLst>
+        <pc:docMk/>
+      </pc:docMkLst>
+      <pc:sldChg chg="modSp">
+        <pc:chgData name="Jacques CURTIS" userId="S::jcurtis1@myges.fr::edcf499e-1a5e-4907-96c2-48f94e90cc38" providerId="AD" clId="Web-{EFAE836B-D726-47D4-8B95-A0EB1A2CFC26}" dt="2021-02-02T20:00:42.252" v="187" actId="20577"/>
+        <pc:sldMkLst>
+          <pc:docMk/>
+          <pc:sldMk cId="2246072736" sldId="258"/>
+        </pc:sldMkLst>
+        <pc:spChg chg="mod">
+          <ac:chgData name="Jacques CURTIS" userId="S::jcurtis1@myges.fr::edcf499e-1a5e-4907-96c2-48f94e90cc38" providerId="AD" clId="Web-{EFAE836B-D726-47D4-8B95-A0EB1A2CFC26}" dt="2021-02-02T20:00:42.252" v="187" actId="20577"/>
+          <ac:spMkLst>
+            <pc:docMk/>
+            <pc:sldMk cId="2246072736" sldId="258"/>
+            <ac:spMk id="3" creationId="{3C2700ED-72E3-4C88-AA6A-0D6F1C838112}"/>
+          </ac:spMkLst>
+        </pc:spChg>
+      </pc:sldChg>
+      <pc:sldChg chg="modSp new">
+        <pc:chgData name="Jacques CURTIS" userId="S::jcurtis1@myges.fr::edcf499e-1a5e-4907-96c2-48f94e90cc38" providerId="AD" clId="Web-{EFAE836B-D726-47D4-8B95-A0EB1A2CFC26}" dt="2021-02-02T20:00:48.909" v="194" actId="20577"/>
+        <pc:sldMkLst>
+          <pc:docMk/>
+          <pc:sldMk cId="1882371955" sldId="265"/>
+        </pc:sldMkLst>
+        <pc:spChg chg="mod">
+          <ac:chgData name="Jacques CURTIS" userId="S::jcurtis1@myges.fr::edcf499e-1a5e-4907-96c2-48f94e90cc38" providerId="AD" clId="Web-{EFAE836B-D726-47D4-8B95-A0EB1A2CFC26}" dt="2021-02-02T20:00:48.909" v="194" actId="20577"/>
+          <ac:spMkLst>
+            <pc:docMk/>
+            <pc:sldMk cId="1882371955" sldId="265"/>
+            <ac:spMk id="2" creationId="{B96F274B-202F-4180-A0E3-5FDE17C7AA99}"/>
+          </ac:spMkLst>
+        </pc:spChg>
+        <pc:spChg chg="mod">
+          <ac:chgData name="Jacques CURTIS" userId="S::jcurtis1@myges.fr::edcf499e-1a5e-4907-96c2-48f94e90cc38" providerId="AD" clId="Web-{EFAE836B-D726-47D4-8B95-A0EB1A2CFC26}" dt="2021-02-02T19:59:44.797" v="170" actId="20577"/>
+          <ac:spMkLst>
+            <pc:docMk/>
+            <pc:sldMk cId="1882371955" sldId="265"/>
+            <ac:spMk id="3" creationId="{F3C2698F-38EF-42B1-A542-D2A75CE15061}"/>
+          </ac:spMkLst>
+        </pc:spChg>
+      </pc:sldChg>
+      <pc:sldChg chg="delSp modSp new">
+        <pc:chgData name="Jacques CURTIS" userId="S::jcurtis1@myges.fr::edcf499e-1a5e-4907-96c2-48f94e90cc38" providerId="AD" clId="Web-{EFAE836B-D726-47D4-8B95-A0EB1A2CFC26}" dt="2021-02-02T19:58:51.202" v="144" actId="14100"/>
+        <pc:sldMkLst>
+          <pc:docMk/>
+          <pc:sldMk cId="3647639019" sldId="266"/>
+        </pc:sldMkLst>
+        <pc:spChg chg="mod">
+          <ac:chgData name="Jacques CURTIS" userId="S::jcurtis1@myges.fr::edcf499e-1a5e-4907-96c2-48f94e90cc38" providerId="AD" clId="Web-{EFAE836B-D726-47D4-8B95-A0EB1A2CFC26}" dt="2021-02-02T19:58:51.202" v="144" actId="14100"/>
+          <ac:spMkLst>
+            <pc:docMk/>
+            <pc:sldMk cId="3647639019" sldId="266"/>
+            <ac:spMk id="2" creationId="{09B581CD-A5BC-46F4-830A-66F1847DB67B}"/>
+          </ac:spMkLst>
+        </pc:spChg>
+        <pc:spChg chg="del">
+          <ac:chgData name="Jacques CURTIS" userId="S::jcurtis1@myges.fr::edcf499e-1a5e-4907-96c2-48f94e90cc38" providerId="AD" clId="Web-{EFAE836B-D726-47D4-8B95-A0EB1A2CFC26}" dt="2021-02-02T19:58:37.686" v="141"/>
+          <ac:spMkLst>
+            <pc:docMk/>
+            <pc:sldMk cId="3647639019" sldId="266"/>
+            <ac:spMk id="3" creationId="{68139D27-C785-4B83-9CC6-F4ACF271D9D9}"/>
+          </ac:spMkLst>
+        </pc:spChg>
+      </pc:sldChg>
+    </pc:docChg>
+  </pc:docChgLst>
+  <pc:docChgLst>
+    <pc:chgData name="Jacques CURTIS" userId="S::jcurtis1@myges.fr::edcf499e-1a5e-4907-96c2-48f94e90cc38" providerId="AD" clId="Web-{06E5AF9C-8E7A-4888-AE84-5FBD32E82705}"/>
     <pc:docChg chg="addSld modSld sldOrd">
-      <pc:chgData name="Jacques CURTIS" userId="S::jcurtis1@myges.fr::edcf499e-1a5e-4907-96c2-48f94e90cc38" providerId="AD" clId="Web-{ECBAA5CE-2CD6-4452-B09F-D57FB06E559F}" dt="2021-02-02T18:38:38.181" v="57" actId="20577"/>
+      <pc:chgData name="Jacques CURTIS" userId="S::jcurtis1@myges.fr::edcf499e-1a5e-4907-96c2-48f94e90cc38" providerId="AD" clId="Web-{06E5AF9C-8E7A-4888-AE84-5FBD32E82705}" dt="2021-02-02T22:38:49.737" v="320"/>
       <pc:docMkLst>
         <pc:docMk/>
       </pc:docMkLst>
       <pc:sldChg chg="ord">
-        <pc:chgData name="Jacques CURTIS" userId="S::jcurtis1@myges.fr::edcf499e-1a5e-4907-96c2-48f94e90cc38" providerId="AD" clId="Web-{ECBAA5CE-2CD6-4452-B09F-D57FB06E559F}" dt="2021-02-02T18:37:43.570" v="0"/>
+        <pc:chgData name="Jacques CURTIS" userId="S::jcurtis1@myges.fr::edcf499e-1a5e-4907-96c2-48f94e90cc38" providerId="AD" clId="Web-{06E5AF9C-8E7A-4888-AE84-5FBD32E82705}" dt="2021-02-02T22:38:49.737" v="320"/>
+        <pc:sldMkLst>
+          <pc:docMk/>
+          <pc:sldMk cId="3784089036" sldId="256"/>
+        </pc:sldMkLst>
+      </pc:sldChg>
+      <pc:sldChg chg="addSp delSp modSp mod ord setBg">
+        <pc:chgData name="Jacques CURTIS" userId="S::jcurtis1@myges.fr::edcf499e-1a5e-4907-96c2-48f94e90cc38" providerId="AD" clId="Web-{06E5AF9C-8E7A-4888-AE84-5FBD32E82705}" dt="2021-02-02T22:38:42.330" v="319"/>
+        <pc:sldMkLst>
+          <pc:docMk/>
+          <pc:sldMk cId="128495895" sldId="257"/>
+        </pc:sldMkLst>
+        <pc:spChg chg="mod">
+          <ac:chgData name="Jacques CURTIS" userId="S::jcurtis1@myges.fr::edcf499e-1a5e-4907-96c2-48f94e90cc38" providerId="AD" clId="Web-{06E5AF9C-8E7A-4888-AE84-5FBD32E82705}" dt="2021-02-02T21:59:44.325" v="17"/>
+          <ac:spMkLst>
+            <pc:docMk/>
+            <pc:sldMk cId="128495895" sldId="257"/>
+            <ac:spMk id="2" creationId="{FE9E89C0-11F1-4582-AEC5-EE80EC1B0203}"/>
+          </ac:spMkLst>
+        </pc:spChg>
+        <pc:spChg chg="del">
+          <ac:chgData name="Jacques CURTIS" userId="S::jcurtis1@myges.fr::edcf499e-1a5e-4907-96c2-48f94e90cc38" providerId="AD" clId="Web-{06E5AF9C-8E7A-4888-AE84-5FBD32E82705}" dt="2021-02-02T21:59:44.325" v="17"/>
+          <ac:spMkLst>
+            <pc:docMk/>
+            <pc:sldMk cId="128495895" sldId="257"/>
+            <ac:spMk id="3" creationId="{9044E1CD-2D8D-42DF-A7D4-7BDE49B2C99D}"/>
+          </ac:spMkLst>
+        </pc:spChg>
+        <pc:graphicFrameChg chg="add">
+          <ac:chgData name="Jacques CURTIS" userId="S::jcurtis1@myges.fr::edcf499e-1a5e-4907-96c2-48f94e90cc38" providerId="AD" clId="Web-{06E5AF9C-8E7A-4888-AE84-5FBD32E82705}" dt="2021-02-02T21:59:44.325" v="17"/>
+          <ac:graphicFrameMkLst>
+            <pc:docMk/>
+            <pc:sldMk cId="128495895" sldId="257"/>
+            <ac:graphicFrameMk id="5" creationId="{52E22C8A-9EDC-41E4-99DA-09FC011C7832}"/>
+          </ac:graphicFrameMkLst>
+        </pc:graphicFrameChg>
+      </pc:sldChg>
+      <pc:sldChg chg="addSp delSp modSp mod setBg modNotes">
+        <pc:chgData name="Jacques CURTIS" userId="S::jcurtis1@myges.fr::edcf499e-1a5e-4907-96c2-48f94e90cc38" providerId="AD" clId="Web-{06E5AF9C-8E7A-4888-AE84-5FBD32E82705}" dt="2021-02-02T22:34:14.075" v="309"/>
+        <pc:sldMkLst>
+          <pc:docMk/>
+          <pc:sldMk cId="2246072736" sldId="258"/>
+        </pc:sldMkLst>
+        <pc:spChg chg="mod">
+          <ac:chgData name="Jacques CURTIS" userId="S::jcurtis1@myges.fr::edcf499e-1a5e-4907-96c2-48f94e90cc38" providerId="AD" clId="Web-{06E5AF9C-8E7A-4888-AE84-5FBD32E82705}" dt="2021-02-02T22:00:34.405" v="20"/>
+          <ac:spMkLst>
+            <pc:docMk/>
+            <pc:sldMk cId="2246072736" sldId="258"/>
+            <ac:spMk id="2" creationId="{7EB72EFF-3985-47EB-A70A-6C853E5AB87C}"/>
+          </ac:spMkLst>
+        </pc:spChg>
+        <pc:spChg chg="add del">
+          <ac:chgData name="Jacques CURTIS" userId="S::jcurtis1@myges.fr::edcf499e-1a5e-4907-96c2-48f94e90cc38" providerId="AD" clId="Web-{06E5AF9C-8E7A-4888-AE84-5FBD32E82705}" dt="2021-02-02T22:00:34.405" v="20"/>
+          <ac:spMkLst>
+            <pc:docMk/>
+            <pc:sldMk cId="2246072736" sldId="258"/>
+            <ac:spMk id="3" creationId="{3C2700ED-72E3-4C88-AA6A-0D6F1C838112}"/>
+          </ac:spMkLst>
+        </pc:spChg>
+        <pc:graphicFrameChg chg="add del">
+          <ac:chgData name="Jacques CURTIS" userId="S::jcurtis1@myges.fr::edcf499e-1a5e-4907-96c2-48f94e90cc38" providerId="AD" clId="Web-{06E5AF9C-8E7A-4888-AE84-5FBD32E82705}" dt="2021-02-02T22:00:34.342" v="19"/>
+          <ac:graphicFrameMkLst>
+            <pc:docMk/>
+            <pc:sldMk cId="2246072736" sldId="258"/>
+            <ac:graphicFrameMk id="5" creationId="{8404C77B-6236-47AD-9B83-EE194D0BBA45}"/>
+          </ac:graphicFrameMkLst>
+        </pc:graphicFrameChg>
+        <pc:graphicFrameChg chg="add">
+          <ac:chgData name="Jacques CURTIS" userId="S::jcurtis1@myges.fr::edcf499e-1a5e-4907-96c2-48f94e90cc38" providerId="AD" clId="Web-{06E5AF9C-8E7A-4888-AE84-5FBD32E82705}" dt="2021-02-02T22:00:34.405" v="20"/>
+          <ac:graphicFrameMkLst>
+            <pc:docMk/>
+            <pc:sldMk cId="2246072736" sldId="258"/>
+            <ac:graphicFrameMk id="6" creationId="{D8839239-5319-4E65-BA0E-0DF54BE45BC9}"/>
+          </ac:graphicFrameMkLst>
+        </pc:graphicFrameChg>
+      </pc:sldChg>
+      <pc:sldChg chg="modSp">
+        <pc:chgData name="Jacques CURTIS" userId="S::jcurtis1@myges.fr::edcf499e-1a5e-4907-96c2-48f94e90cc38" providerId="AD" clId="Web-{06E5AF9C-8E7A-4888-AE84-5FBD32E82705}" dt="2021-02-02T22:19:43.212" v="41" actId="1076"/>
         <pc:sldMkLst>
           <pc:docMk/>
           <pc:sldMk cId="4001191277" sldId="259"/>
         </pc:sldMkLst>
+        <pc:graphicFrameChg chg="mod">
+          <ac:chgData name="Jacques CURTIS" userId="S::jcurtis1@myges.fr::edcf499e-1a5e-4907-96c2-48f94e90cc38" providerId="AD" clId="Web-{06E5AF9C-8E7A-4888-AE84-5FBD32E82705}" dt="2021-02-02T22:19:43.212" v="41" actId="1076"/>
+          <ac:graphicFrameMkLst>
+            <pc:docMk/>
+            <pc:sldMk cId="4001191277" sldId="259"/>
+            <ac:graphicFrameMk id="4" creationId="{D151F20E-D168-44AC-A09E-B84A1F5C0C6D}"/>
+          </ac:graphicFrameMkLst>
+        </pc:graphicFrameChg>
       </pc:sldChg>
       <pc:sldChg chg="modSp">
-        <pc:chgData name="Jacques CURTIS" userId="S::jcurtis1@myges.fr::edcf499e-1a5e-4907-96c2-48f94e90cc38" providerId="AD" clId="Web-{ECBAA5CE-2CD6-4452-B09F-D57FB06E559F}" dt="2021-02-02T18:37:48.070" v="11" actId="20577"/>
+        <pc:chgData name="Jacques CURTIS" userId="S::jcurtis1@myges.fr::edcf499e-1a5e-4907-96c2-48f94e90cc38" providerId="AD" clId="Web-{06E5AF9C-8E7A-4888-AE84-5FBD32E82705}" dt="2021-02-02T22:27:25.191" v="42" actId="20577"/>
         <pc:sldMkLst>
           <pc:docMk/>
           <pc:sldMk cId="2534841834" sldId="260"/>
         </pc:sldMkLst>
         <pc:spChg chg="mod">
-          <ac:chgData name="Jacques CURTIS" userId="S::jcurtis1@myges.fr::edcf499e-1a5e-4907-96c2-48f94e90cc38" providerId="AD" clId="Web-{ECBAA5CE-2CD6-4452-B09F-D57FB06E559F}" dt="2021-02-02T18:37:48.070" v="11" actId="20577"/>
+          <ac:chgData name="Jacques CURTIS" userId="S::jcurtis1@myges.fr::edcf499e-1a5e-4907-96c2-48f94e90cc38" providerId="AD" clId="Web-{06E5AF9C-8E7A-4888-AE84-5FBD32E82705}" dt="2021-02-02T22:27:25.191" v="42" actId="20577"/>
           <ac:spMkLst>
             <pc:docMk/>
             <pc:sldMk cId="2534841834" sldId="260"/>
@@ -421,72 +500,175 @@
           </ac:spMkLst>
         </pc:spChg>
       </pc:sldChg>
-      <pc:sldChg chg="modSp new">
-        <pc:chgData name="Jacques CURTIS" userId="S::jcurtis1@myges.fr::edcf499e-1a5e-4907-96c2-48f94e90cc38" providerId="AD" clId="Web-{ECBAA5CE-2CD6-4452-B09F-D57FB06E559F}" dt="2021-02-02T18:38:00.820" v="15" actId="20577"/>
-        <pc:sldMkLst>
-          <pc:docMk/>
-          <pc:sldMk cId="478765012" sldId="261"/>
-        </pc:sldMkLst>
-        <pc:spChg chg="mod">
-          <ac:chgData name="Jacques CURTIS" userId="S::jcurtis1@myges.fr::edcf499e-1a5e-4907-96c2-48f94e90cc38" providerId="AD" clId="Web-{ECBAA5CE-2CD6-4452-B09F-D57FB06E559F}" dt="2021-02-02T18:38:00.820" v="15" actId="20577"/>
-          <ac:spMkLst>
-            <pc:docMk/>
-            <pc:sldMk cId="478765012" sldId="261"/>
-            <ac:spMk id="2" creationId="{385FB8A6-47B4-4452-A516-20479E68E47E}"/>
-          </ac:spMkLst>
-        </pc:spChg>
-      </pc:sldChg>
-      <pc:sldChg chg="modSp new">
-        <pc:chgData name="Jacques CURTIS" userId="S::jcurtis1@myges.fr::edcf499e-1a5e-4907-96c2-48f94e90cc38" providerId="AD" clId="Web-{ECBAA5CE-2CD6-4452-B09F-D57FB06E559F}" dt="2021-02-02T18:38:09.149" v="19" actId="20577"/>
-        <pc:sldMkLst>
-          <pc:docMk/>
-          <pc:sldMk cId="129404930" sldId="262"/>
-        </pc:sldMkLst>
-        <pc:spChg chg="mod">
-          <ac:chgData name="Jacques CURTIS" userId="S::jcurtis1@myges.fr::edcf499e-1a5e-4907-96c2-48f94e90cc38" providerId="AD" clId="Web-{ECBAA5CE-2CD6-4452-B09F-D57FB06E559F}" dt="2021-02-02T18:38:09.149" v="19" actId="20577"/>
-          <ac:spMkLst>
-            <pc:docMk/>
-            <pc:sldMk cId="129404930" sldId="262"/>
-            <ac:spMk id="2" creationId="{8D1154D2-2DA2-4DF0-A847-72F2A08DF9E7}"/>
-          </ac:spMkLst>
-        </pc:spChg>
-      </pc:sldChg>
-      <pc:sldChg chg="modSp new">
-        <pc:chgData name="Jacques CURTIS" userId="S::jcurtis1@myges.fr::edcf499e-1a5e-4907-96c2-48f94e90cc38" providerId="AD" clId="Web-{ECBAA5CE-2CD6-4452-B09F-D57FB06E559F}" dt="2021-02-02T18:38:19.821" v="34" actId="20577"/>
+      <pc:sldChg chg="addSp delSp modSp ord">
+        <pc:chgData name="Jacques CURTIS" userId="S::jcurtis1@myges.fr::edcf499e-1a5e-4907-96c2-48f94e90cc38" providerId="AD" clId="Web-{06E5AF9C-8E7A-4888-AE84-5FBD32E82705}" dt="2021-02-02T22:38:40.065" v="318"/>
         <pc:sldMkLst>
           <pc:docMk/>
           <pc:sldMk cId="12277624" sldId="263"/>
         </pc:sldMkLst>
-        <pc:spChg chg="mod">
-          <ac:chgData name="Jacques CURTIS" userId="S::jcurtis1@myges.fr::edcf499e-1a5e-4907-96c2-48f94e90cc38" providerId="AD" clId="Web-{ECBAA5CE-2CD6-4452-B09F-D57FB06E559F}" dt="2021-02-02T18:38:19.821" v="34" actId="20577"/>
+        <pc:spChg chg="del mod">
+          <ac:chgData name="Jacques CURTIS" userId="S::jcurtis1@myges.fr::edcf499e-1a5e-4907-96c2-48f94e90cc38" providerId="AD" clId="Web-{06E5AF9C-8E7A-4888-AE84-5FBD32E82705}" dt="2021-02-02T22:32:23.853" v="160"/>
           <ac:spMkLst>
             <pc:docMk/>
             <pc:sldMk cId="12277624" sldId="263"/>
-            <ac:spMk id="2" creationId="{2CD70F59-A71A-4D0C-BDCB-405317F365B5}"/>
-          </ac:spMkLst>
-        </pc:spChg>
+            <ac:spMk id="3" creationId="{E97E73A2-8A6C-4DEA-852C-7D324B44D3DE}"/>
+          </ac:spMkLst>
+        </pc:spChg>
+        <pc:picChg chg="add mod ord">
+          <ac:chgData name="Jacques CURTIS" userId="S::jcurtis1@myges.fr::edcf499e-1a5e-4907-96c2-48f94e90cc38" providerId="AD" clId="Web-{06E5AF9C-8E7A-4888-AE84-5FBD32E82705}" dt="2021-02-02T22:36:48.562" v="313" actId="1076"/>
+          <ac:picMkLst>
+            <pc:docMk/>
+            <pc:sldMk cId="12277624" sldId="263"/>
+            <ac:picMk id="4" creationId="{1AF0028F-049D-4D6C-9A55-1BBC901CC8BE}"/>
+          </ac:picMkLst>
+        </pc:picChg>
       </pc:sldChg>
-      <pc:sldChg chg="modSp new">
-        <pc:chgData name="Jacques CURTIS" userId="S::jcurtis1@myges.fr::edcf499e-1a5e-4907-96c2-48f94e90cc38" providerId="AD" clId="Web-{ECBAA5CE-2CD6-4452-B09F-D57FB06E559F}" dt="2021-02-02T18:38:38.181" v="57" actId="20577"/>
+      <pc:sldChg chg="modSp">
+        <pc:chgData name="Jacques CURTIS" userId="S::jcurtis1@myges.fr::edcf499e-1a5e-4907-96c2-48f94e90cc38" providerId="AD" clId="Web-{06E5AF9C-8E7A-4888-AE84-5FBD32E82705}" dt="2021-02-02T22:01:21.390" v="27" actId="14100"/>
         <pc:sldMkLst>
           <pc:docMk/>
-          <pc:sldMk cId="4274174818" sldId="264"/>
+          <pc:sldMk cId="1882371955" sldId="265"/>
         </pc:sldMkLst>
         <pc:spChg chg="mod">
-          <ac:chgData name="Jacques CURTIS" userId="S::jcurtis1@myges.fr::edcf499e-1a5e-4907-96c2-48f94e90cc38" providerId="AD" clId="Web-{ECBAA5CE-2CD6-4452-B09F-D57FB06E559F}" dt="2021-02-02T18:38:38.181" v="57" actId="20577"/>
-          <ac:spMkLst>
-            <pc:docMk/>
-            <pc:sldMk cId="4274174818" sldId="264"/>
-            <ac:spMk id="2" creationId="{8CFEB035-D720-4A3D-B57C-1F8728B8764A}"/>
-          </ac:spMkLst>
-        </pc:spChg>
+          <ac:chgData name="Jacques CURTIS" userId="S::jcurtis1@myges.fr::edcf499e-1a5e-4907-96c2-48f94e90cc38" providerId="AD" clId="Web-{06E5AF9C-8E7A-4888-AE84-5FBD32E82705}" dt="2021-02-02T21:54:30.459" v="16" actId="20577"/>
+          <ac:spMkLst>
+            <pc:docMk/>
+            <pc:sldMk cId="1882371955" sldId="265"/>
+            <ac:spMk id="3" creationId="{F3C2698F-38EF-42B1-A542-D2A75CE15061}"/>
+          </ac:spMkLst>
+        </pc:spChg>
+        <pc:picChg chg="mod">
+          <ac:chgData name="Jacques CURTIS" userId="S::jcurtis1@myges.fr::edcf499e-1a5e-4907-96c2-48f94e90cc38" providerId="AD" clId="Web-{06E5AF9C-8E7A-4888-AE84-5FBD32E82705}" dt="2021-02-02T22:01:16.312" v="25" actId="1076"/>
+          <ac:picMkLst>
+            <pc:docMk/>
+            <pc:sldMk cId="1882371955" sldId="265"/>
+            <ac:picMk id="4" creationId="{FBD893E9-5FEE-4FB6-B4C0-B43849E31E15}"/>
+          </ac:picMkLst>
+        </pc:picChg>
+        <pc:picChg chg="mod">
+          <ac:chgData name="Jacques CURTIS" userId="S::jcurtis1@myges.fr::edcf499e-1a5e-4907-96c2-48f94e90cc38" providerId="AD" clId="Web-{06E5AF9C-8E7A-4888-AE84-5FBD32E82705}" dt="2021-02-02T22:01:21.390" v="27" actId="14100"/>
+          <ac:picMkLst>
+            <pc:docMk/>
+            <pc:sldMk cId="1882371955" sldId="265"/>
+            <ac:picMk id="6" creationId="{24F03C0B-F5A2-4942-9AC9-9DFEFA4D0113}"/>
+          </ac:picMkLst>
+        </pc:picChg>
+        <pc:picChg chg="mod">
+          <ac:chgData name="Jacques CURTIS" userId="S::jcurtis1@myges.fr::edcf499e-1a5e-4907-96c2-48f94e90cc38" providerId="AD" clId="Web-{06E5AF9C-8E7A-4888-AE84-5FBD32E82705}" dt="2021-02-02T22:01:11.312" v="23" actId="1076"/>
+          <ac:picMkLst>
+            <pc:docMk/>
+            <pc:sldMk cId="1882371955" sldId="265"/>
+            <ac:picMk id="7" creationId="{29220A00-070A-4021-84B5-3C8026332EBD}"/>
+          </ac:picMkLst>
+        </pc:picChg>
+      </pc:sldChg>
+      <pc:sldChg chg="addSp delSp modSp mod setBg addAnim">
+        <pc:chgData name="Jacques CURTIS" userId="S::jcurtis1@myges.fr::edcf499e-1a5e-4907-96c2-48f94e90cc38" providerId="AD" clId="Web-{06E5AF9C-8E7A-4888-AE84-5FBD32E82705}" dt="2021-02-02T22:28:31.599" v="46"/>
+        <pc:sldMkLst>
+          <pc:docMk/>
+          <pc:sldMk cId="3647639019" sldId="266"/>
+        </pc:sldMkLst>
+        <pc:spChg chg="mod">
+          <ac:chgData name="Jacques CURTIS" userId="S::jcurtis1@myges.fr::edcf499e-1a5e-4907-96c2-48f94e90cc38" providerId="AD" clId="Web-{06E5AF9C-8E7A-4888-AE84-5FBD32E82705}" dt="2021-02-02T22:28:31.599" v="46"/>
+          <ac:spMkLst>
+            <pc:docMk/>
+            <pc:sldMk cId="3647639019" sldId="266"/>
+            <ac:spMk id="2" creationId="{09B581CD-A5BC-46F4-830A-66F1847DB67B}"/>
+          </ac:spMkLst>
+        </pc:spChg>
+        <pc:spChg chg="add del">
+          <ac:chgData name="Jacques CURTIS" userId="S::jcurtis1@myges.fr::edcf499e-1a5e-4907-96c2-48f94e90cc38" providerId="AD" clId="Web-{06E5AF9C-8E7A-4888-AE84-5FBD32E82705}" dt="2021-02-02T22:28:31.599" v="46"/>
+          <ac:spMkLst>
+            <pc:docMk/>
+            <pc:sldMk cId="3647639019" sldId="266"/>
+            <ac:spMk id="8" creationId="{BD1CAB03-F6A4-4736-85F6-261056424D9D}"/>
+          </ac:spMkLst>
+        </pc:spChg>
+        <pc:spChg chg="add del">
+          <ac:chgData name="Jacques CURTIS" userId="S::jcurtis1@myges.fr::edcf499e-1a5e-4907-96c2-48f94e90cc38" providerId="AD" clId="Web-{06E5AF9C-8E7A-4888-AE84-5FBD32E82705}" dt="2021-02-02T22:28:31.599" v="46"/>
+          <ac:spMkLst>
+            <pc:docMk/>
+            <pc:sldMk cId="3647639019" sldId="266"/>
+            <ac:spMk id="10" creationId="{3E2321B3-5D47-422E-8DD6-192DA485FF63}"/>
+          </ac:spMkLst>
+        </pc:spChg>
+        <pc:spChg chg="add">
+          <ac:chgData name="Jacques CURTIS" userId="S::jcurtis1@myges.fr::edcf499e-1a5e-4907-96c2-48f94e90cc38" providerId="AD" clId="Web-{06E5AF9C-8E7A-4888-AE84-5FBD32E82705}" dt="2021-02-02T22:28:31.599" v="46"/>
+          <ac:spMkLst>
+            <pc:docMk/>
+            <pc:sldMk cId="3647639019" sldId="266"/>
+            <ac:spMk id="15" creationId="{FC23C8D4-BD3D-4473-B3D0-89011586BE82}"/>
+          </ac:spMkLst>
+        </pc:spChg>
+        <pc:picChg chg="add mod">
+          <ac:chgData name="Jacques CURTIS" userId="S::jcurtis1@myges.fr::edcf499e-1a5e-4907-96c2-48f94e90cc38" providerId="AD" clId="Web-{06E5AF9C-8E7A-4888-AE84-5FBD32E82705}" dt="2021-02-02T22:28:31.599" v="46"/>
+          <ac:picMkLst>
+            <pc:docMk/>
+            <pc:sldMk cId="3647639019" sldId="266"/>
+            <ac:picMk id="4" creationId="{06D5CEF7-FAB1-46C1-B919-B0EAFD9F6C54}"/>
+          </ac:picMkLst>
+        </pc:picChg>
+      </pc:sldChg>
+      <pc:sldChg chg="addSp delSp modSp new">
+        <pc:chgData name="Jacques CURTIS" userId="S::jcurtis1@myges.fr::edcf499e-1a5e-4907-96c2-48f94e90cc38" providerId="AD" clId="Web-{06E5AF9C-8E7A-4888-AE84-5FBD32E82705}" dt="2021-02-02T22:32:14.572" v="158"/>
+        <pc:sldMkLst>
+          <pc:docMk/>
+          <pc:sldMk cId="313168473" sldId="267"/>
+        </pc:sldMkLst>
+        <pc:spChg chg="mod">
+          <ac:chgData name="Jacques CURTIS" userId="S::jcurtis1@myges.fr::edcf499e-1a5e-4907-96c2-48f94e90cc38" providerId="AD" clId="Web-{06E5AF9C-8E7A-4888-AE84-5FBD32E82705}" dt="2021-02-02T22:16:41.942" v="31" actId="20577"/>
+          <ac:spMkLst>
+            <pc:docMk/>
+            <pc:sldMk cId="313168473" sldId="267"/>
+            <ac:spMk id="2" creationId="{5A0E1E46-36D0-4F2C-9CA9-94985C5B72CB}"/>
+          </ac:spMkLst>
+        </pc:spChg>
+        <pc:spChg chg="del">
+          <ac:chgData name="Jacques CURTIS" userId="S::jcurtis1@myges.fr::edcf499e-1a5e-4907-96c2-48f94e90cc38" providerId="AD" clId="Web-{06E5AF9C-8E7A-4888-AE84-5FBD32E82705}" dt="2021-02-02T22:16:47.458" v="32"/>
+          <ac:spMkLst>
+            <pc:docMk/>
+            <pc:sldMk cId="313168473" sldId="267"/>
+            <ac:spMk id="3" creationId="{B10F073D-0028-4E9F-B6B3-A469EC9A2D28}"/>
+          </ac:spMkLst>
+        </pc:spChg>
+        <pc:spChg chg="add mod">
+          <ac:chgData name="Jacques CURTIS" userId="S::jcurtis1@myges.fr::edcf499e-1a5e-4907-96c2-48f94e90cc38" providerId="AD" clId="Web-{06E5AF9C-8E7A-4888-AE84-5FBD32E82705}" dt="2021-02-02T22:32:14.572" v="158"/>
+          <ac:spMkLst>
+            <pc:docMk/>
+            <pc:sldMk cId="313168473" sldId="267"/>
+            <ac:spMk id="6" creationId="{3F7178DF-2EBF-4BC2-B147-180D7B4EEE10}"/>
+          </ac:spMkLst>
+        </pc:spChg>
+        <pc:picChg chg="add del mod ord">
+          <ac:chgData name="Jacques CURTIS" userId="S::jcurtis1@myges.fr::edcf499e-1a5e-4907-96c2-48f94e90cc38" providerId="AD" clId="Web-{06E5AF9C-8E7A-4888-AE84-5FBD32E82705}" dt="2021-02-02T22:32:14.572" v="158"/>
+          <ac:picMkLst>
+            <pc:docMk/>
+            <pc:sldMk cId="313168473" sldId="267"/>
+            <ac:picMk id="4" creationId="{E908B06F-05CF-4E3D-A20D-729B54887C93}"/>
+          </ac:picMkLst>
+        </pc:picChg>
+      </pc:sldChg>
+      <pc:sldChg chg="modSp">
+        <pc:chgData name="Jacques CURTIS" userId="S::jcurtis1@myges.fr::edcf499e-1a5e-4907-96c2-48f94e90cc38" providerId="AD" clId="Web-{06E5AF9C-8E7A-4888-AE84-5FBD32E82705}" dt="2021-02-02T22:36:35.984" v="312" actId="1076"/>
+        <pc:sldMkLst>
+          <pc:docMk/>
+          <pc:sldMk cId="1595895236" sldId="267"/>
+        </pc:sldMkLst>
+        <pc:picChg chg="mod">
+          <ac:chgData name="Jacques CURTIS" userId="S::jcurtis1@myges.fr::edcf499e-1a5e-4907-96c2-48f94e90cc38" providerId="AD" clId="Web-{06E5AF9C-8E7A-4888-AE84-5FBD32E82705}" dt="2021-02-02T22:36:35.984" v="312" actId="1076"/>
+          <ac:picMkLst>
+            <pc:docMk/>
+            <pc:sldMk cId="1595895236" sldId="267"/>
+            <ac:picMk id="5" creationId="{F00D5F6D-ED6F-4D1B-984B-756EF4751E1A}"/>
+          </ac:picMkLst>
+        </pc:picChg>
       </pc:sldChg>
     </pc:docChg>
   </pc:docChgLst>
   <pc:docChgLst>
     <pc:chgData name="Jacques CURTIS" userId="edcf499e-1a5e-4907-96c2-48f94e90cc38" providerId="ADAL" clId="{68C9AA30-A2DF-455F-A600-ECA66802E5A0}"/>
-    <pc:docChg chg="custSel delSld modSld sldOrd">
-      <pc:chgData name="Jacques CURTIS" userId="edcf499e-1a5e-4907-96c2-48f94e90cc38" providerId="ADAL" clId="{68C9AA30-A2DF-455F-A600-ECA66802E5A0}" dt="2021-07-28T20:31:09.256" v="760" actId="14100"/>
+    <pc:docChg chg="undo custSel addSld delSld modSld sldOrd">
+      <pc:chgData name="Jacques CURTIS" userId="edcf499e-1a5e-4907-96c2-48f94e90cc38" providerId="ADAL" clId="{68C9AA30-A2DF-455F-A600-ECA66802E5A0}" dt="2021-07-28T21:35:29.569" v="774" actId="20577"/>
       <pc:docMkLst>
         <pc:docMk/>
       </pc:docMkLst>
@@ -506,13 +688,13 @@
         </pc:spChg>
       </pc:sldChg>
       <pc:sldChg chg="modSp">
-        <pc:chgData name="Jacques CURTIS" userId="edcf499e-1a5e-4907-96c2-48f94e90cc38" providerId="ADAL" clId="{68C9AA30-A2DF-455F-A600-ECA66802E5A0}" dt="2021-07-28T20:23:02.350" v="754"/>
+        <pc:chgData name="Jacques CURTIS" userId="edcf499e-1a5e-4907-96c2-48f94e90cc38" providerId="ADAL" clId="{68C9AA30-A2DF-455F-A600-ECA66802E5A0}" dt="2021-07-28T21:34:42.635" v="767" actId="20577"/>
         <pc:sldMkLst>
           <pc:docMk/>
           <pc:sldMk cId="2246072736" sldId="258"/>
         </pc:sldMkLst>
         <pc:graphicFrameChg chg="mod">
-          <ac:chgData name="Jacques CURTIS" userId="edcf499e-1a5e-4907-96c2-48f94e90cc38" providerId="ADAL" clId="{68C9AA30-A2DF-455F-A600-ECA66802E5A0}" dt="2021-07-28T20:23:02.350" v="754"/>
+          <ac:chgData name="Jacques CURTIS" userId="edcf499e-1a5e-4907-96c2-48f94e90cc38" providerId="ADAL" clId="{68C9AA30-A2DF-455F-A600-ECA66802E5A0}" dt="2021-07-28T21:34:42.635" v="767" actId="20577"/>
           <ac:graphicFrameMkLst>
             <pc:docMk/>
             <pc:sldMk cId="2246072736" sldId="258"/>
@@ -572,8 +754,8 @@
           </ac:picMkLst>
         </pc:picChg>
       </pc:sldChg>
-      <pc:sldChg chg="ord">
-        <pc:chgData name="Jacques CURTIS" userId="edcf499e-1a5e-4907-96c2-48f94e90cc38" providerId="ADAL" clId="{68C9AA30-A2DF-455F-A600-ECA66802E5A0}" dt="2021-07-28T20:11:16.304" v="400"/>
+      <pc:sldChg chg="add del ord">
+        <pc:chgData name="Jacques CURTIS" userId="edcf499e-1a5e-4907-96c2-48f94e90cc38" providerId="ADAL" clId="{68C9AA30-A2DF-455F-A600-ECA66802E5A0}" dt="2021-07-28T21:34:33.281" v="766" actId="2696"/>
         <pc:sldMkLst>
           <pc:docMk/>
           <pc:sldMk cId="1511933680" sldId="269"/>
@@ -630,8 +812,8 @@
           </ac:spMkLst>
         </pc:spChg>
       </pc:sldChg>
-      <pc:sldChg chg="delSp modSp mod">
-        <pc:chgData name="Jacques CURTIS" userId="edcf499e-1a5e-4907-96c2-48f94e90cc38" providerId="ADAL" clId="{68C9AA30-A2DF-455F-A600-ECA66802E5A0}" dt="2021-07-28T20:16:58.352" v="621" actId="20577"/>
+      <pc:sldChg chg="delSp modSp mod modNotesTx">
+        <pc:chgData name="Jacques CURTIS" userId="edcf499e-1a5e-4907-96c2-48f94e90cc38" providerId="ADAL" clId="{68C9AA30-A2DF-455F-A600-ECA66802E5A0}" dt="2021-07-28T21:35:29.569" v="774" actId="20577"/>
         <pc:sldMkLst>
           <pc:docMk/>
           <pc:sldMk cId="2479118112" sldId="277"/>
@@ -645,7 +827,7 @@
           </ac:spMkLst>
         </pc:spChg>
         <pc:spChg chg="mod">
-          <ac:chgData name="Jacques CURTIS" userId="edcf499e-1a5e-4907-96c2-48f94e90cc38" providerId="ADAL" clId="{68C9AA30-A2DF-455F-A600-ECA66802E5A0}" dt="2021-07-28T20:16:58.352" v="621" actId="20577"/>
+          <ac:chgData name="Jacques CURTIS" userId="edcf499e-1a5e-4907-96c2-48f94e90cc38" providerId="ADAL" clId="{68C9AA30-A2DF-455F-A600-ECA66802E5A0}" dt="2021-07-28T21:35:29.569" v="774" actId="20577"/>
           <ac:spMkLst>
             <pc:docMk/>
             <pc:sldMk cId="2479118112" sldId="277"/>
@@ -661,8 +843,8 @@
           </ac:spMkLst>
         </pc:spChg>
       </pc:sldChg>
-      <pc:sldChg chg="ord">
-        <pc:chgData name="Jacques CURTIS" userId="edcf499e-1a5e-4907-96c2-48f94e90cc38" providerId="ADAL" clId="{68C9AA30-A2DF-455F-A600-ECA66802E5A0}" dt="2021-07-28T20:11:12.491" v="396"/>
+      <pc:sldChg chg="add del ord">
+        <pc:chgData name="Jacques CURTIS" userId="edcf499e-1a5e-4907-96c2-48f94e90cc38" providerId="ADAL" clId="{68C9AA30-A2DF-455F-A600-ECA66802E5A0}" dt="2021-07-28T21:32:40.742" v="765" actId="2696"/>
         <pc:sldMkLst>
           <pc:docMk/>
           <pc:sldMk cId="2568106595" sldId="279"/>
@@ -731,34 +913,726 @@
     </pc:docChg>
   </pc:docChgLst>
   <pc:docChgLst>
-    <pc:chgData name="Jacques CURTIS" userId="S::jcurtis1@myges.fr::edcf499e-1a5e-4907-96c2-48f94e90cc38" providerId="AD" clId="Web-{62324FD4-BA21-4D1E-A547-6B0597E9C68D}"/>
-    <pc:docChg chg="modSld">
-      <pc:chgData name="Jacques CURTIS" userId="S::jcurtis1@myges.fr::edcf499e-1a5e-4907-96c2-48f94e90cc38" providerId="AD" clId="Web-{62324FD4-BA21-4D1E-A547-6B0597E9C68D}" dt="2021-02-02T19:36:04.078" v="2" actId="20577"/>
+    <pc:chgData name="Jacques CURTIS" userId="edcf499e-1a5e-4907-96c2-48f94e90cc38" providerId="ADAL" clId="{6040AAD4-73F3-47F0-BF17-5914BEFB2694}"/>
+    <pc:docChg chg="custSel delSld modSld">
+      <pc:chgData name="Jacques CURTIS" userId="edcf499e-1a5e-4907-96c2-48f94e90cc38" providerId="ADAL" clId="{6040AAD4-73F3-47F0-BF17-5914BEFB2694}" dt="2021-07-29T14:02:22.333" v="171" actId="20577"/>
       <pc:docMkLst>
         <pc:docMk/>
       </pc:docMkLst>
       <pc:sldChg chg="modSp">
-        <pc:chgData name="Jacques CURTIS" userId="S::jcurtis1@myges.fr::edcf499e-1a5e-4907-96c2-48f94e90cc38" providerId="AD" clId="Web-{62324FD4-BA21-4D1E-A547-6B0597E9C68D}" dt="2021-02-02T19:36:04.078" v="2" actId="20577"/>
+        <pc:chgData name="Jacques CURTIS" userId="edcf499e-1a5e-4907-96c2-48f94e90cc38" providerId="ADAL" clId="{6040AAD4-73F3-47F0-BF17-5914BEFB2694}" dt="2021-07-29T14:02:22.333" v="171" actId="20577"/>
+        <pc:sldMkLst>
+          <pc:docMk/>
+          <pc:sldMk cId="2246072736" sldId="258"/>
+        </pc:sldMkLst>
+        <pc:graphicFrameChg chg="mod">
+          <ac:chgData name="Jacques CURTIS" userId="edcf499e-1a5e-4907-96c2-48f94e90cc38" providerId="ADAL" clId="{6040AAD4-73F3-47F0-BF17-5914BEFB2694}" dt="2021-07-29T14:02:22.333" v="171" actId="20577"/>
+          <ac:graphicFrameMkLst>
+            <pc:docMk/>
+            <pc:sldMk cId="2246072736" sldId="258"/>
+            <ac:graphicFrameMk id="7" creationId="{D52F5407-7EDB-433C-A510-407405514D2A}"/>
+          </ac:graphicFrameMkLst>
+        </pc:graphicFrameChg>
+      </pc:sldChg>
+      <pc:sldChg chg="modNotesTx">
+        <pc:chgData name="Jacques CURTIS" userId="edcf499e-1a5e-4907-96c2-48f94e90cc38" providerId="ADAL" clId="{6040AAD4-73F3-47F0-BF17-5914BEFB2694}" dt="2021-07-29T10:46:50.264" v="0" actId="20577"/>
+        <pc:sldMkLst>
+          <pc:docMk/>
+          <pc:sldMk cId="3647639019" sldId="266"/>
+        </pc:sldMkLst>
+      </pc:sldChg>
+      <pc:sldChg chg="del">
+        <pc:chgData name="Jacques CURTIS" userId="edcf499e-1a5e-4907-96c2-48f94e90cc38" providerId="ADAL" clId="{6040AAD4-73F3-47F0-BF17-5914BEFB2694}" dt="2021-07-29T12:52:01.473" v="3" actId="2696"/>
+        <pc:sldMkLst>
+          <pc:docMk/>
+          <pc:sldMk cId="1595895236" sldId="267"/>
+        </pc:sldMkLst>
+      </pc:sldChg>
+      <pc:sldChg chg="modSp mod">
+        <pc:chgData name="Jacques CURTIS" userId="edcf499e-1a5e-4907-96c2-48f94e90cc38" providerId="ADAL" clId="{6040AAD4-73F3-47F0-BF17-5914BEFB2694}" dt="2021-07-29T13:57:39.301" v="131" actId="20577"/>
+        <pc:sldMkLst>
+          <pc:docMk/>
+          <pc:sldMk cId="2479118112" sldId="277"/>
+        </pc:sldMkLst>
+        <pc:spChg chg="mod">
+          <ac:chgData name="Jacques CURTIS" userId="edcf499e-1a5e-4907-96c2-48f94e90cc38" providerId="ADAL" clId="{6040AAD4-73F3-47F0-BF17-5914BEFB2694}" dt="2021-07-29T13:57:39.301" v="131" actId="20577"/>
+          <ac:spMkLst>
+            <pc:docMk/>
+            <pc:sldMk cId="2479118112" sldId="277"/>
+            <ac:spMk id="3" creationId="{8E6869D2-2F2D-4110-A0BC-2D5C1C782EE6}"/>
+          </ac:spMkLst>
+        </pc:spChg>
+      </pc:sldChg>
+      <pc:sldChg chg="del">
+        <pc:chgData name="Jacques CURTIS" userId="edcf499e-1a5e-4907-96c2-48f94e90cc38" providerId="ADAL" clId="{6040AAD4-73F3-47F0-BF17-5914BEFB2694}" dt="2021-07-29T12:52:21.202" v="4" actId="2696"/>
+        <pc:sldMkLst>
+          <pc:docMk/>
+          <pc:sldMk cId="4127345592" sldId="280"/>
+        </pc:sldMkLst>
+      </pc:sldChg>
+    </pc:docChg>
+  </pc:docChgLst>
+  <pc:docChgLst>
+    <pc:chgData name="Saïd ZENNADI" userId="S::szennadi@myges.fr::2b0413f6-b439-4ebe-a7c6-8b4f99af3d67" providerId="AD" clId="Web-{B2144B76-1BD3-461F-B9ED-A87ABBF2EE2A}"/>
+    <pc:docChg chg="modSld">
+      <pc:chgData name="Saïd ZENNADI" userId="S::szennadi@myges.fr::2b0413f6-b439-4ebe-a7c6-8b4f99af3d67" providerId="AD" clId="Web-{B2144B76-1BD3-461F-B9ED-A87ABBF2EE2A}" dt="2021-02-25T09:17:25.450" v="1" actId="20577"/>
+      <pc:docMkLst>
+        <pc:docMk/>
+      </pc:docMkLst>
+      <pc:sldChg chg="modSp">
+        <pc:chgData name="Saïd ZENNADI" userId="S::szennadi@myges.fr::2b0413f6-b439-4ebe-a7c6-8b4f99af3d67" providerId="AD" clId="Web-{B2144B76-1BD3-461F-B9ED-A87ABBF2EE2A}" dt="2021-02-25T09:17:25.450" v="1" actId="20577"/>
+        <pc:sldMkLst>
+          <pc:docMk/>
+          <pc:sldMk cId="2246072736" sldId="258"/>
+        </pc:sldMkLst>
+        <pc:spChg chg="mod">
+          <ac:chgData name="Saïd ZENNADI" userId="S::szennadi@myges.fr::2b0413f6-b439-4ebe-a7c6-8b4f99af3d67" providerId="AD" clId="Web-{B2144B76-1BD3-461F-B9ED-A87ABBF2EE2A}" dt="2021-02-25T09:17:25.450" v="1" actId="20577"/>
+          <ac:spMkLst>
+            <pc:docMk/>
+            <pc:sldMk cId="2246072736" sldId="258"/>
+            <ac:spMk id="5" creationId="{4899AFF2-C064-46FB-91BB-52A602A794D4}"/>
+          </ac:spMkLst>
+        </pc:spChg>
+      </pc:sldChg>
+    </pc:docChg>
+  </pc:docChgLst>
+  <pc:docChgLst>
+    <pc:chgData name="Jacques CURTIS" userId="S::jcurtis1@myges.fr::edcf499e-1a5e-4907-96c2-48f94e90cc38" providerId="AD" clId="Web-{833041A3-5CD9-412F-865C-4F1EB48212E4}"/>
+    <pc:docChg chg="modSld">
+      <pc:chgData name="Jacques CURTIS" userId="S::jcurtis1@myges.fr::edcf499e-1a5e-4907-96c2-48f94e90cc38" providerId="AD" clId="Web-{833041A3-5CD9-412F-865C-4F1EB48212E4}" dt="2021-02-02T19:35:02.560" v="24" actId="1076"/>
+      <pc:docMkLst>
+        <pc:docMk/>
+      </pc:docMkLst>
+      <pc:sldChg chg="addSp modSp">
+        <pc:chgData name="Jacques CURTIS" userId="S::jcurtis1@myges.fr::edcf499e-1a5e-4907-96c2-48f94e90cc38" providerId="AD" clId="Web-{833041A3-5CD9-412F-865C-4F1EB48212E4}" dt="2021-02-02T19:32:58.278" v="8" actId="20577"/>
+        <pc:sldMkLst>
+          <pc:docMk/>
+          <pc:sldMk cId="128495895" sldId="257"/>
+        </pc:sldMkLst>
+        <pc:spChg chg="add mod">
+          <ac:chgData name="Jacques CURTIS" userId="S::jcurtis1@myges.fr::edcf499e-1a5e-4907-96c2-48f94e90cc38" providerId="AD" clId="Web-{833041A3-5CD9-412F-865C-4F1EB48212E4}" dt="2021-02-02T19:32:58.278" v="8" actId="20577"/>
+          <ac:spMkLst>
+            <pc:docMk/>
+            <pc:sldMk cId="128495895" sldId="257"/>
+            <ac:spMk id="4" creationId="{642CE904-9E3C-43AB-BAAC-AB963A410CB8}"/>
+          </ac:spMkLst>
+        </pc:spChg>
+      </pc:sldChg>
+      <pc:sldChg chg="addSp modSp">
+        <pc:chgData name="Jacques CURTIS" userId="S::jcurtis1@myges.fr::edcf499e-1a5e-4907-96c2-48f94e90cc38" providerId="AD" clId="Web-{833041A3-5CD9-412F-865C-4F1EB48212E4}" dt="2021-02-02T19:35:02.560" v="24" actId="1076"/>
+        <pc:sldMkLst>
+          <pc:docMk/>
+          <pc:sldMk cId="4001191277" sldId="259"/>
+        </pc:sldMkLst>
+        <pc:spChg chg="add mod">
+          <ac:chgData name="Jacques CURTIS" userId="S::jcurtis1@myges.fr::edcf499e-1a5e-4907-96c2-48f94e90cc38" providerId="AD" clId="Web-{833041A3-5CD9-412F-865C-4F1EB48212E4}" dt="2021-02-02T19:35:02.560" v="24" actId="1076"/>
+          <ac:spMkLst>
+            <pc:docMk/>
+            <pc:sldMk cId="4001191277" sldId="259"/>
+            <ac:spMk id="3" creationId="{30092EB7-C804-47C5-BAE9-6E2E0617BAD9}"/>
+          </ac:spMkLst>
+        </pc:spChg>
+      </pc:sldChg>
+      <pc:sldChg chg="addSp modSp">
+        <pc:chgData name="Jacques CURTIS" userId="S::jcurtis1@myges.fr::edcf499e-1a5e-4907-96c2-48f94e90cc38" providerId="AD" clId="Web-{833041A3-5CD9-412F-865C-4F1EB48212E4}" dt="2021-02-02T19:33:51.278" v="17" actId="20577"/>
+        <pc:sldMkLst>
+          <pc:docMk/>
+          <pc:sldMk cId="2534841834" sldId="260"/>
+        </pc:sldMkLst>
+        <pc:spChg chg="mod">
+          <ac:chgData name="Jacques CURTIS" userId="S::jcurtis1@myges.fr::edcf499e-1a5e-4907-96c2-48f94e90cc38" providerId="AD" clId="Web-{833041A3-5CD9-412F-865C-4F1EB48212E4}" dt="2021-02-02T19:33:51.278" v="17" actId="20577"/>
+          <ac:spMkLst>
+            <pc:docMk/>
+            <pc:sldMk cId="2534841834" sldId="260"/>
+            <ac:spMk id="2" creationId="{A20D0F5B-3518-4A38-8D84-E2E3EC2DB299}"/>
+          </ac:spMkLst>
+        </pc:spChg>
+        <pc:spChg chg="add mod">
+          <ac:chgData name="Jacques CURTIS" userId="S::jcurtis1@myges.fr::edcf499e-1a5e-4907-96c2-48f94e90cc38" providerId="AD" clId="Web-{833041A3-5CD9-412F-865C-4F1EB48212E4}" dt="2021-02-02T19:33:15.778" v="15" actId="1076"/>
+          <ac:spMkLst>
+            <pc:docMk/>
+            <pc:sldMk cId="2534841834" sldId="260"/>
+            <ac:spMk id="3" creationId="{550B1E44-F114-40BB-95C0-9B39A215E538}"/>
+          </ac:spMkLst>
+        </pc:spChg>
+      </pc:sldChg>
+      <pc:sldChg chg="addSp modSp">
+        <pc:chgData name="Jacques CURTIS" userId="S::jcurtis1@myges.fr::edcf499e-1a5e-4907-96c2-48f94e90cc38" providerId="AD" clId="Web-{833041A3-5CD9-412F-865C-4F1EB48212E4}" dt="2021-02-02T19:32:49.637" v="5" actId="20577"/>
+        <pc:sldMkLst>
+          <pc:docMk/>
+          <pc:sldMk cId="478765012" sldId="261"/>
+        </pc:sldMkLst>
+        <pc:spChg chg="mod">
+          <ac:chgData name="Jacques CURTIS" userId="S::jcurtis1@myges.fr::edcf499e-1a5e-4907-96c2-48f94e90cc38" providerId="AD" clId="Web-{833041A3-5CD9-412F-865C-4F1EB48212E4}" dt="2021-02-02T19:32:34.622" v="0" actId="1076"/>
+          <ac:spMkLst>
+            <pc:docMk/>
+            <pc:sldMk cId="478765012" sldId="261"/>
+            <ac:spMk id="2" creationId="{385FB8A6-47B4-4452-A516-20479E68E47E}"/>
+          </ac:spMkLst>
+        </pc:spChg>
+        <pc:spChg chg="add mod">
+          <ac:chgData name="Jacques CURTIS" userId="S::jcurtis1@myges.fr::edcf499e-1a5e-4907-96c2-48f94e90cc38" providerId="AD" clId="Web-{833041A3-5CD9-412F-865C-4F1EB48212E4}" dt="2021-02-02T19:32:49.637" v="5" actId="20577"/>
+          <ac:spMkLst>
+            <pc:docMk/>
+            <pc:sldMk cId="478765012" sldId="261"/>
+            <ac:spMk id="4" creationId="{2EA2358D-E47D-4824-BFFE-E9D305D00861}"/>
+          </ac:spMkLst>
+        </pc:spChg>
+      </pc:sldChg>
+      <pc:sldChg chg="addSp modSp">
+        <pc:chgData name="Jacques CURTIS" userId="S::jcurtis1@myges.fr::edcf499e-1a5e-4907-96c2-48f94e90cc38" providerId="AD" clId="Web-{833041A3-5CD9-412F-865C-4F1EB48212E4}" dt="2021-02-02T19:33:04.747" v="11" actId="20577"/>
+        <pc:sldMkLst>
+          <pc:docMk/>
+          <pc:sldMk cId="12277624" sldId="263"/>
+        </pc:sldMkLst>
+        <pc:spChg chg="add mod">
+          <ac:chgData name="Jacques CURTIS" userId="S::jcurtis1@myges.fr::edcf499e-1a5e-4907-96c2-48f94e90cc38" providerId="AD" clId="Web-{833041A3-5CD9-412F-865C-4F1EB48212E4}" dt="2021-02-02T19:33:04.747" v="11" actId="20577"/>
+          <ac:spMkLst>
+            <pc:docMk/>
+            <pc:sldMk cId="12277624" sldId="263"/>
+            <ac:spMk id="4" creationId="{F0B6301D-608D-498C-8495-16F77F01D5D1}"/>
+          </ac:spMkLst>
+        </pc:spChg>
+      </pc:sldChg>
+    </pc:docChg>
+  </pc:docChgLst>
+  <pc:docChgLst>
+    <pc:chgData name="Abdalaye KONATE" userId="3a1b60bd-d6d6-4a8d-894c-58d675819097" providerId="ADAL" clId="{3138735E-E9B9-4A92-A1F7-50F7B14DF7AF}"/>
+    <pc:docChg chg="modSld">
+      <pc:chgData name="Abdalaye KONATE" userId="3a1b60bd-d6d6-4a8d-894c-58d675819097" providerId="ADAL" clId="{3138735E-E9B9-4A92-A1F7-50F7B14DF7AF}" dt="2021-07-29T12:27:28.728" v="0" actId="14826"/>
+      <pc:docMkLst>
+        <pc:docMk/>
+      </pc:docMkLst>
+      <pc:sldChg chg="modSp">
+        <pc:chgData name="Abdalaye KONATE" userId="3a1b60bd-d6d6-4a8d-894c-58d675819097" providerId="ADAL" clId="{3138735E-E9B9-4A92-A1F7-50F7B14DF7AF}" dt="2021-07-29T12:27:28.728" v="0" actId="14826"/>
+        <pc:sldMkLst>
+          <pc:docMk/>
+          <pc:sldMk cId="4127345592" sldId="280"/>
+        </pc:sldMkLst>
+        <pc:picChg chg="mod">
+          <ac:chgData name="Abdalaye KONATE" userId="3a1b60bd-d6d6-4a8d-894c-58d675819097" providerId="ADAL" clId="{3138735E-E9B9-4A92-A1F7-50F7B14DF7AF}" dt="2021-07-29T12:27:28.728" v="0" actId="14826"/>
+          <ac:picMkLst>
+            <pc:docMk/>
+            <pc:sldMk cId="4127345592" sldId="280"/>
+            <ac:picMk id="8" creationId="{40B83E5D-F0B0-4697-BCBB-B2ADB3F8ADC4}"/>
+          </ac:picMkLst>
+        </pc:picChg>
+      </pc:sldChg>
+    </pc:docChg>
+  </pc:docChgLst>
+  <pc:docChgLst>
+    <pc:chgData name="Loïc Menissier" userId="787ab598-b75f-48c5-b377-3c6bc02464cc" providerId="ADAL" clId="{D9C97B28-23B9-4CBB-BB58-02CDDB5E84D0}"/>
+    <pc:docChg chg="modSld">
+      <pc:chgData name="Loïc Menissier" userId="787ab598-b75f-48c5-b377-3c6bc02464cc" providerId="ADAL" clId="{D9C97B28-23B9-4CBB-BB58-02CDDB5E84D0}" dt="2021-02-07T18:40:19.886" v="0"/>
+      <pc:docMkLst>
+        <pc:docMk/>
+      </pc:docMkLst>
+      <pc:sldChg chg="modSp">
+        <pc:chgData name="Loïc Menissier" userId="787ab598-b75f-48c5-b377-3c6bc02464cc" providerId="ADAL" clId="{D9C97B28-23B9-4CBB-BB58-02CDDB5E84D0}" dt="2021-02-07T18:40:19.886" v="0"/>
+        <pc:sldMkLst>
+          <pc:docMk/>
+          <pc:sldMk cId="4001191277" sldId="259"/>
+        </pc:sldMkLst>
+        <pc:graphicFrameChg chg="mod">
+          <ac:chgData name="Loïc Menissier" userId="787ab598-b75f-48c5-b377-3c6bc02464cc" providerId="ADAL" clId="{D9C97B28-23B9-4CBB-BB58-02CDDB5E84D0}" dt="2021-02-07T18:40:19.886" v="0"/>
+          <ac:graphicFrameMkLst>
+            <pc:docMk/>
+            <pc:sldMk cId="4001191277" sldId="259"/>
+            <ac:graphicFrameMk id="4" creationId="{D151F20E-D168-44AC-A09E-B84A1F5C0C6D}"/>
+          </ac:graphicFrameMkLst>
+        </pc:graphicFrameChg>
+      </pc:sldChg>
+    </pc:docChg>
+  </pc:docChgLst>
+  <pc:docChgLst>
+    <pc:chgData name="Jacques CURTIS" userId="S::jcurtis1@myges.fr::edcf499e-1a5e-4907-96c2-48f94e90cc38" providerId="AD" clId="Web-{ECBAA5CE-2CD6-4452-B09F-D57FB06E559F}"/>
+    <pc:docChg chg="addSld modSld sldOrd">
+      <pc:chgData name="Jacques CURTIS" userId="S::jcurtis1@myges.fr::edcf499e-1a5e-4907-96c2-48f94e90cc38" providerId="AD" clId="Web-{ECBAA5CE-2CD6-4452-B09F-D57FB06E559F}" dt="2021-02-02T18:38:38.181" v="57" actId="20577"/>
+      <pc:docMkLst>
+        <pc:docMk/>
+      </pc:docMkLst>
+      <pc:sldChg chg="ord">
+        <pc:chgData name="Jacques CURTIS" userId="S::jcurtis1@myges.fr::edcf499e-1a5e-4907-96c2-48f94e90cc38" providerId="AD" clId="Web-{ECBAA5CE-2CD6-4452-B09F-D57FB06E559F}" dt="2021-02-02T18:37:43.570" v="0"/>
+        <pc:sldMkLst>
+          <pc:docMk/>
+          <pc:sldMk cId="4001191277" sldId="259"/>
+        </pc:sldMkLst>
+      </pc:sldChg>
+      <pc:sldChg chg="modSp">
+        <pc:chgData name="Jacques CURTIS" userId="S::jcurtis1@myges.fr::edcf499e-1a5e-4907-96c2-48f94e90cc38" providerId="AD" clId="Web-{ECBAA5CE-2CD6-4452-B09F-D57FB06E559F}" dt="2021-02-02T18:37:48.070" v="11" actId="20577"/>
+        <pc:sldMkLst>
+          <pc:docMk/>
+          <pc:sldMk cId="2534841834" sldId="260"/>
+        </pc:sldMkLst>
+        <pc:spChg chg="mod">
+          <ac:chgData name="Jacques CURTIS" userId="S::jcurtis1@myges.fr::edcf499e-1a5e-4907-96c2-48f94e90cc38" providerId="AD" clId="Web-{ECBAA5CE-2CD6-4452-B09F-D57FB06E559F}" dt="2021-02-02T18:37:48.070" v="11" actId="20577"/>
+          <ac:spMkLst>
+            <pc:docMk/>
+            <pc:sldMk cId="2534841834" sldId="260"/>
+            <ac:spMk id="2" creationId="{A20D0F5B-3518-4A38-8D84-E2E3EC2DB299}"/>
+          </ac:spMkLst>
+        </pc:spChg>
+      </pc:sldChg>
+      <pc:sldChg chg="modSp new">
+        <pc:chgData name="Jacques CURTIS" userId="S::jcurtis1@myges.fr::edcf499e-1a5e-4907-96c2-48f94e90cc38" providerId="AD" clId="Web-{ECBAA5CE-2CD6-4452-B09F-D57FB06E559F}" dt="2021-02-02T18:38:00.820" v="15" actId="20577"/>
+        <pc:sldMkLst>
+          <pc:docMk/>
+          <pc:sldMk cId="478765012" sldId="261"/>
+        </pc:sldMkLst>
+        <pc:spChg chg="mod">
+          <ac:chgData name="Jacques CURTIS" userId="S::jcurtis1@myges.fr::edcf499e-1a5e-4907-96c2-48f94e90cc38" providerId="AD" clId="Web-{ECBAA5CE-2CD6-4452-B09F-D57FB06E559F}" dt="2021-02-02T18:38:00.820" v="15" actId="20577"/>
+          <ac:spMkLst>
+            <pc:docMk/>
+            <pc:sldMk cId="478765012" sldId="261"/>
+            <ac:spMk id="2" creationId="{385FB8A6-47B4-4452-A516-20479E68E47E}"/>
+          </ac:spMkLst>
+        </pc:spChg>
+      </pc:sldChg>
+      <pc:sldChg chg="modSp new">
+        <pc:chgData name="Jacques CURTIS" userId="S::jcurtis1@myges.fr::edcf499e-1a5e-4907-96c2-48f94e90cc38" providerId="AD" clId="Web-{ECBAA5CE-2CD6-4452-B09F-D57FB06E559F}" dt="2021-02-02T18:38:09.149" v="19" actId="20577"/>
+        <pc:sldMkLst>
+          <pc:docMk/>
+          <pc:sldMk cId="129404930" sldId="262"/>
+        </pc:sldMkLst>
+        <pc:spChg chg="mod">
+          <ac:chgData name="Jacques CURTIS" userId="S::jcurtis1@myges.fr::edcf499e-1a5e-4907-96c2-48f94e90cc38" providerId="AD" clId="Web-{ECBAA5CE-2CD6-4452-B09F-D57FB06E559F}" dt="2021-02-02T18:38:09.149" v="19" actId="20577"/>
+          <ac:spMkLst>
+            <pc:docMk/>
+            <pc:sldMk cId="129404930" sldId="262"/>
+            <ac:spMk id="2" creationId="{8D1154D2-2DA2-4DF0-A847-72F2A08DF9E7}"/>
+          </ac:spMkLst>
+        </pc:spChg>
+      </pc:sldChg>
+      <pc:sldChg chg="modSp new">
+        <pc:chgData name="Jacques CURTIS" userId="S::jcurtis1@myges.fr::edcf499e-1a5e-4907-96c2-48f94e90cc38" providerId="AD" clId="Web-{ECBAA5CE-2CD6-4452-B09F-D57FB06E559F}" dt="2021-02-02T18:38:19.821" v="34" actId="20577"/>
+        <pc:sldMkLst>
+          <pc:docMk/>
+          <pc:sldMk cId="12277624" sldId="263"/>
+        </pc:sldMkLst>
+        <pc:spChg chg="mod">
+          <ac:chgData name="Jacques CURTIS" userId="S::jcurtis1@myges.fr::edcf499e-1a5e-4907-96c2-48f94e90cc38" providerId="AD" clId="Web-{ECBAA5CE-2CD6-4452-B09F-D57FB06E559F}" dt="2021-02-02T18:38:19.821" v="34" actId="20577"/>
+          <ac:spMkLst>
+            <pc:docMk/>
+            <pc:sldMk cId="12277624" sldId="263"/>
+            <ac:spMk id="2" creationId="{2CD70F59-A71A-4D0C-BDCB-405317F365B5}"/>
+          </ac:spMkLst>
+        </pc:spChg>
+      </pc:sldChg>
+      <pc:sldChg chg="modSp new">
+        <pc:chgData name="Jacques CURTIS" userId="S::jcurtis1@myges.fr::edcf499e-1a5e-4907-96c2-48f94e90cc38" providerId="AD" clId="Web-{ECBAA5CE-2CD6-4452-B09F-D57FB06E559F}" dt="2021-02-02T18:38:38.181" v="57" actId="20577"/>
+        <pc:sldMkLst>
+          <pc:docMk/>
+          <pc:sldMk cId="4274174818" sldId="264"/>
+        </pc:sldMkLst>
+        <pc:spChg chg="mod">
+          <ac:chgData name="Jacques CURTIS" userId="S::jcurtis1@myges.fr::edcf499e-1a5e-4907-96c2-48f94e90cc38" providerId="AD" clId="Web-{ECBAA5CE-2CD6-4452-B09F-D57FB06E559F}" dt="2021-02-02T18:38:38.181" v="57" actId="20577"/>
+          <ac:spMkLst>
+            <pc:docMk/>
+            <pc:sldMk cId="4274174818" sldId="264"/>
+            <ac:spMk id="2" creationId="{8CFEB035-D720-4A3D-B57C-1F8728B8764A}"/>
+          </ac:spMkLst>
+        </pc:spChg>
+      </pc:sldChg>
+    </pc:docChg>
+  </pc:docChgLst>
+  <pc:docChgLst>
+    <pc:chgData name="Loïc MENISSIER" userId="2f577b14-8d2f-41fb-9e65-33a0241782fd" providerId="ADAL" clId="{D9C97B28-23B9-4CBB-BB58-02CDDB5E84D0}"/>
+    <pc:docChg chg="custSel addSld delSld modSld sldOrd">
+      <pc:chgData name="Loïc MENISSIER" userId="2f577b14-8d2f-41fb-9e65-33a0241782fd" providerId="ADAL" clId="{D9C97B28-23B9-4CBB-BB58-02CDDB5E84D0}" dt="2021-02-21T14:11:50.519" v="3179"/>
+      <pc:docMkLst>
+        <pc:docMk/>
+      </pc:docMkLst>
+      <pc:sldChg chg="ord">
+        <pc:chgData name="Loïc MENISSIER" userId="2f577b14-8d2f-41fb-9e65-33a0241782fd" providerId="ADAL" clId="{D9C97B28-23B9-4CBB-BB58-02CDDB5E84D0}" dt="2021-02-02T23:05:01.354" v="940"/>
         <pc:sldMkLst>
           <pc:docMk/>
           <pc:sldMk cId="3784089036" sldId="256"/>
         </pc:sldMkLst>
+      </pc:sldChg>
+      <pc:sldChg chg="modSp mod ord modNotesTx">
+        <pc:chgData name="Loïc MENISSIER" userId="2f577b14-8d2f-41fb-9e65-33a0241782fd" providerId="ADAL" clId="{D9C97B28-23B9-4CBB-BB58-02CDDB5E84D0}" dt="2021-02-03T08:31:02.701" v="1360" actId="20577"/>
+        <pc:sldMkLst>
+          <pc:docMk/>
+          <pc:sldMk cId="128495895" sldId="257"/>
+        </pc:sldMkLst>
         <pc:spChg chg="mod">
-          <ac:chgData name="Jacques CURTIS" userId="S::jcurtis1@myges.fr::edcf499e-1a5e-4907-96c2-48f94e90cc38" providerId="AD" clId="Web-{62324FD4-BA21-4D1E-A547-6B0597E9C68D}" dt="2021-02-02T19:35:59.797" v="1" actId="20577"/>
-          <ac:spMkLst>
-            <pc:docMk/>
-            <pc:sldMk cId="3784089036" sldId="256"/>
-            <ac:spMk id="2" creationId="{00000000-0000-0000-0000-000000000000}"/>
-          </ac:spMkLst>
-        </pc:spChg>
+          <ac:chgData name="Loïc MENISSIER" userId="2f577b14-8d2f-41fb-9e65-33a0241782fd" providerId="ADAL" clId="{D9C97B28-23B9-4CBB-BB58-02CDDB5E84D0}" dt="2021-02-02T21:55:44.157" v="825" actId="20577"/>
+          <ac:spMkLst>
+            <pc:docMk/>
+            <pc:sldMk cId="128495895" sldId="257"/>
+            <ac:spMk id="2" creationId="{FE9E89C0-11F1-4582-AEC5-EE80EC1B0203}"/>
+          </ac:spMkLst>
+        </pc:spChg>
+      </pc:sldChg>
+      <pc:sldChg chg="modSp mod modNotesTx">
+        <pc:chgData name="Loïc MENISSIER" userId="2f577b14-8d2f-41fb-9e65-33a0241782fd" providerId="ADAL" clId="{D9C97B28-23B9-4CBB-BB58-02CDDB5E84D0}" dt="2021-02-21T14:11:50.519" v="3179"/>
+        <pc:sldMkLst>
+          <pc:docMk/>
+          <pc:sldMk cId="4001191277" sldId="259"/>
+        </pc:sldMkLst>
+        <pc:graphicFrameChg chg="mod">
+          <ac:chgData name="Loïc MENISSIER" userId="2f577b14-8d2f-41fb-9e65-33a0241782fd" providerId="ADAL" clId="{D9C97B28-23B9-4CBB-BB58-02CDDB5E84D0}" dt="2021-02-21T14:11:50.519" v="3179"/>
+          <ac:graphicFrameMkLst>
+            <pc:docMk/>
+            <pc:sldMk cId="4001191277" sldId="259"/>
+            <ac:graphicFrameMk id="4" creationId="{D151F20E-D168-44AC-A09E-B84A1F5C0C6D}"/>
+          </ac:graphicFrameMkLst>
+        </pc:graphicFrameChg>
+      </pc:sldChg>
+      <pc:sldChg chg="new modNotesTx">
+        <pc:chgData name="Loïc MENISSIER" userId="2f577b14-8d2f-41fb-9e65-33a0241782fd" providerId="ADAL" clId="{D9C97B28-23B9-4CBB-BB58-02CDDB5E84D0}" dt="2021-02-02T19:28:02.325" v="169" actId="20577"/>
+        <pc:sldMkLst>
+          <pc:docMk/>
+          <pc:sldMk cId="2534841834" sldId="260"/>
+        </pc:sldMkLst>
+      </pc:sldChg>
+      <pc:sldChg chg="del">
+        <pc:chgData name="Loïc MENISSIER" userId="2f577b14-8d2f-41fb-9e65-33a0241782fd" providerId="ADAL" clId="{D9C97B28-23B9-4CBB-BB58-02CDDB5E84D0}" dt="2021-02-02T22:12:31.561" v="832" actId="2696"/>
+        <pc:sldMkLst>
+          <pc:docMk/>
+          <pc:sldMk cId="478765012" sldId="261"/>
+        </pc:sldMkLst>
+      </pc:sldChg>
+      <pc:sldChg chg="modNotesTx">
+        <pc:chgData name="Loïc MENISSIER" userId="2f577b14-8d2f-41fb-9e65-33a0241782fd" providerId="ADAL" clId="{D9C97B28-23B9-4CBB-BB58-02CDDB5E84D0}" dt="2021-02-03T08:44:51.817" v="2010" actId="20577"/>
+        <pc:sldMkLst>
+          <pc:docMk/>
+          <pc:sldMk cId="12277624" sldId="263"/>
+        </pc:sldMkLst>
+      </pc:sldChg>
+      <pc:sldChg chg="addSp modSp mod ord">
+        <pc:chgData name="Loïc MENISSIER" userId="2f577b14-8d2f-41fb-9e65-33a0241782fd" providerId="ADAL" clId="{D9C97B28-23B9-4CBB-BB58-02CDDB5E84D0}" dt="2021-02-03T01:22:07.177" v="1037"/>
+        <pc:sldMkLst>
+          <pc:docMk/>
+          <pc:sldMk cId="4274174818" sldId="264"/>
+        </pc:sldMkLst>
         <pc:spChg chg="mod">
-          <ac:chgData name="Jacques CURTIS" userId="S::jcurtis1@myges.fr::edcf499e-1a5e-4907-96c2-48f94e90cc38" providerId="AD" clId="Web-{62324FD4-BA21-4D1E-A547-6B0597E9C68D}" dt="2021-02-02T19:36:04.078" v="2" actId="20577"/>
-          <ac:spMkLst>
-            <pc:docMk/>
-            <pc:sldMk cId="3784089036" sldId="256"/>
-            <ac:spMk id="3" creationId="{00000000-0000-0000-0000-000000000000}"/>
-          </ac:spMkLst>
-        </pc:spChg>
+          <ac:chgData name="Loïc MENISSIER" userId="2f577b14-8d2f-41fb-9e65-33a0241782fd" providerId="ADAL" clId="{D9C97B28-23B9-4CBB-BB58-02CDDB5E84D0}" dt="2021-02-02T23:00:24.005" v="856" actId="14100"/>
+          <ac:spMkLst>
+            <pc:docMk/>
+            <pc:sldMk cId="4274174818" sldId="264"/>
+            <ac:spMk id="3" creationId="{269616CD-77A7-493F-BD0C-F96D73D64487}"/>
+          </ac:spMkLst>
+        </pc:spChg>
+        <pc:spChg chg="add mod">
+          <ac:chgData name="Loïc MENISSIER" userId="2f577b14-8d2f-41fb-9e65-33a0241782fd" providerId="ADAL" clId="{D9C97B28-23B9-4CBB-BB58-02CDDB5E84D0}" dt="2021-02-02T23:00:35.836" v="869" actId="6549"/>
+          <ac:spMkLst>
+            <pc:docMk/>
+            <pc:sldMk cId="4274174818" sldId="264"/>
+            <ac:spMk id="4" creationId="{1EFAF6D3-E9B3-4EF0-98D4-ADAAA9AEA1D9}"/>
+          </ac:spMkLst>
+        </pc:spChg>
+        <pc:spChg chg="add mod">
+          <ac:chgData name="Loïc MENISSIER" userId="2f577b14-8d2f-41fb-9e65-33a0241782fd" providerId="ADAL" clId="{D9C97B28-23B9-4CBB-BB58-02CDDB5E84D0}" dt="2021-02-02T23:02:14.026" v="938" actId="20577"/>
+          <ac:spMkLst>
+            <pc:docMk/>
+            <pc:sldMk cId="4274174818" sldId="264"/>
+            <ac:spMk id="5" creationId="{F1773E1C-60BC-45FC-BDFD-9AC360C0EF4A}"/>
+          </ac:spMkLst>
+        </pc:spChg>
+      </pc:sldChg>
+      <pc:sldChg chg="modSp">
+        <pc:chgData name="Loïc MENISSIER" userId="2f577b14-8d2f-41fb-9e65-33a0241782fd" providerId="ADAL" clId="{D9C97B28-23B9-4CBB-BB58-02CDDB5E84D0}" dt="2021-02-03T08:38:25.474" v="1580" actId="20578"/>
+        <pc:sldMkLst>
+          <pc:docMk/>
+          <pc:sldMk cId="1882371955" sldId="265"/>
+        </pc:sldMkLst>
+        <pc:spChg chg="mod">
+          <ac:chgData name="Loïc MENISSIER" userId="2f577b14-8d2f-41fb-9e65-33a0241782fd" providerId="ADAL" clId="{D9C97B28-23B9-4CBB-BB58-02CDDB5E84D0}" dt="2021-02-03T08:38:25.474" v="1580" actId="20578"/>
+          <ac:spMkLst>
+            <pc:docMk/>
+            <pc:sldMk cId="1882371955" sldId="265"/>
+            <ac:spMk id="3" creationId="{F3C2698F-38EF-42B1-A542-D2A75CE15061}"/>
+          </ac:spMkLst>
+        </pc:spChg>
+      </pc:sldChg>
+      <pc:sldChg chg="del">
+        <pc:chgData name="Loïc MENISSIER" userId="2f577b14-8d2f-41fb-9e65-33a0241782fd" providerId="ADAL" clId="{D9C97B28-23B9-4CBB-BB58-02CDDB5E84D0}" dt="2021-02-02T22:35:07.105" v="833" actId="2696"/>
+        <pc:sldMkLst>
+          <pc:docMk/>
+          <pc:sldMk cId="313168473" sldId="267"/>
+        </pc:sldMkLst>
+      </pc:sldChg>
+      <pc:sldChg chg="addSp delSp modSp new mod modNotesTx">
+        <pc:chgData name="Loïc MENISSIER" userId="2f577b14-8d2f-41fb-9e65-33a0241782fd" providerId="ADAL" clId="{D9C97B28-23B9-4CBB-BB58-02CDDB5E84D0}" dt="2021-02-03T09:14:56.559" v="3178" actId="20577"/>
+        <pc:sldMkLst>
+          <pc:docMk/>
+          <pc:sldMk cId="1595895236" sldId="267"/>
+        </pc:sldMkLst>
+        <pc:spChg chg="mod">
+          <ac:chgData name="Loïc MENISSIER" userId="2f577b14-8d2f-41fb-9e65-33a0241782fd" providerId="ADAL" clId="{D9C97B28-23B9-4CBB-BB58-02CDDB5E84D0}" dt="2021-02-02T22:35:48.799" v="844" actId="20577"/>
+          <ac:spMkLst>
+            <pc:docMk/>
+            <pc:sldMk cId="1595895236" sldId="267"/>
+            <ac:spMk id="2" creationId="{EB532BE0-D194-4FDA-B321-E2814A862AC8}"/>
+          </ac:spMkLst>
+        </pc:spChg>
+        <pc:spChg chg="del">
+          <ac:chgData name="Loïc MENISSIER" userId="2f577b14-8d2f-41fb-9e65-33a0241782fd" providerId="ADAL" clId="{D9C97B28-23B9-4CBB-BB58-02CDDB5E84D0}" dt="2021-02-02T22:35:43.482" v="835" actId="22"/>
+          <ac:spMkLst>
+            <pc:docMk/>
+            <pc:sldMk cId="1595895236" sldId="267"/>
+            <ac:spMk id="3" creationId="{5EEA3D97-49E9-43DD-92F4-36CE4A726D01}"/>
+          </ac:spMkLst>
+        </pc:spChg>
+        <pc:spChg chg="add mod">
+          <ac:chgData name="Loïc MENISSIER" userId="2f577b14-8d2f-41fb-9e65-33a0241782fd" providerId="ADAL" clId="{D9C97B28-23B9-4CBB-BB58-02CDDB5E84D0}" dt="2021-02-02T22:41:17.763" v="847" actId="478"/>
+          <ac:spMkLst>
+            <pc:docMk/>
+            <pc:sldMk cId="1595895236" sldId="267"/>
+            <ac:spMk id="9" creationId="{099439D4-DCE2-450E-8800-F4224F615B75}"/>
+          </ac:spMkLst>
+        </pc:spChg>
+        <pc:picChg chg="add del mod ord">
+          <ac:chgData name="Loïc MENISSIER" userId="2f577b14-8d2f-41fb-9e65-33a0241782fd" providerId="ADAL" clId="{D9C97B28-23B9-4CBB-BB58-02CDDB5E84D0}" dt="2021-02-02T22:41:17.763" v="847" actId="478"/>
+          <ac:picMkLst>
+            <pc:docMk/>
+            <pc:sldMk cId="1595895236" sldId="267"/>
+            <ac:picMk id="5" creationId="{F00D5F6D-ED6F-4D1B-984B-756EF4751E1A}"/>
+          </ac:picMkLst>
+        </pc:picChg>
+        <pc:picChg chg="add del">
+          <ac:chgData name="Loïc MENISSIER" userId="2f577b14-8d2f-41fb-9e65-33a0241782fd" providerId="ADAL" clId="{D9C97B28-23B9-4CBB-BB58-02CDDB5E84D0}" dt="2021-02-02T22:41:17.300" v="846" actId="478"/>
+          <ac:picMkLst>
+            <pc:docMk/>
+            <pc:sldMk cId="1595895236" sldId="267"/>
+            <ac:picMk id="7" creationId="{080CF65A-5F9E-431C-9D16-D2519117D86F}"/>
+          </ac:picMkLst>
+        </pc:picChg>
+        <pc:picChg chg="add mod">
+          <ac:chgData name="Loïc MENISSIER" userId="2f577b14-8d2f-41fb-9e65-33a0241782fd" providerId="ADAL" clId="{D9C97B28-23B9-4CBB-BB58-02CDDB5E84D0}" dt="2021-02-02T22:44:07.206" v="852" actId="1076"/>
+          <ac:picMkLst>
+            <pc:docMk/>
+            <pc:sldMk cId="1595895236" sldId="267"/>
+            <ac:picMk id="11" creationId="{C2480D07-277A-4459-8858-9480F77B9B5B}"/>
+          </ac:picMkLst>
+        </pc:picChg>
+      </pc:sldChg>
+      <pc:sldChg chg="new del ord">
+        <pc:chgData name="Loïc MENISSIER" userId="2f577b14-8d2f-41fb-9e65-33a0241782fd" providerId="ADAL" clId="{D9C97B28-23B9-4CBB-BB58-02CDDB5E84D0}" dt="2021-02-03T00:42:51.762" v="998" actId="2696"/>
+        <pc:sldMkLst>
+          <pc:docMk/>
+          <pc:sldMk cId="532297296" sldId="268"/>
+        </pc:sldMkLst>
+      </pc:sldChg>
+      <pc:sldChg chg="addSp delSp modSp new mod ord">
+        <pc:chgData name="Loïc MENISSIER" userId="2f577b14-8d2f-41fb-9e65-33a0241782fd" providerId="ADAL" clId="{D9C97B28-23B9-4CBB-BB58-02CDDB5E84D0}" dt="2021-02-03T08:37:59.290" v="1579" actId="1076"/>
+        <pc:sldMkLst>
+          <pc:docMk/>
+          <pc:sldMk cId="1511933680" sldId="269"/>
+        </pc:sldMkLst>
+        <pc:spChg chg="mod">
+          <ac:chgData name="Loïc MENISSIER" userId="2f577b14-8d2f-41fb-9e65-33a0241782fd" providerId="ADAL" clId="{D9C97B28-23B9-4CBB-BB58-02CDDB5E84D0}" dt="2021-02-03T01:22:38.219" v="1056" actId="20577"/>
+          <ac:spMkLst>
+            <pc:docMk/>
+            <pc:sldMk cId="1511933680" sldId="269"/>
+            <ac:spMk id="2" creationId="{41290B0E-191D-4DEA-8AE0-3BB5F19AE279}"/>
+          </ac:spMkLst>
+        </pc:spChg>
+        <pc:spChg chg="del">
+          <ac:chgData name="Loïc MENISSIER" userId="2f577b14-8d2f-41fb-9e65-33a0241782fd" providerId="ADAL" clId="{D9C97B28-23B9-4CBB-BB58-02CDDB5E84D0}" dt="2021-02-02T23:12:44.085" v="947" actId="22"/>
+          <ac:spMkLst>
+            <pc:docMk/>
+            <pc:sldMk cId="1511933680" sldId="269"/>
+            <ac:spMk id="3" creationId="{555A64FF-EA67-457C-AF22-9460C630D94F}"/>
+          </ac:spMkLst>
+        </pc:spChg>
+        <pc:picChg chg="add mod ord">
+          <ac:chgData name="Loïc MENISSIER" userId="2f577b14-8d2f-41fb-9e65-33a0241782fd" providerId="ADAL" clId="{D9C97B28-23B9-4CBB-BB58-02CDDB5E84D0}" dt="2021-02-03T08:37:59.290" v="1579" actId="1076"/>
+          <ac:picMkLst>
+            <pc:docMk/>
+            <pc:sldMk cId="1511933680" sldId="269"/>
+            <ac:picMk id="5" creationId="{A3DD2A2C-5270-42A2-BFDC-0876F05EDB63}"/>
+          </ac:picMkLst>
+        </pc:picChg>
+      </pc:sldChg>
+      <pc:sldChg chg="addSp delSp modSp new mod ord">
+        <pc:chgData name="Loïc MENISSIER" userId="2f577b14-8d2f-41fb-9e65-33a0241782fd" providerId="ADAL" clId="{D9C97B28-23B9-4CBB-BB58-02CDDB5E84D0}" dt="2021-02-03T00:40:25.570" v="997" actId="1076"/>
+        <pc:sldMkLst>
+          <pc:docMk/>
+          <pc:sldMk cId="2018680255" sldId="270"/>
+        </pc:sldMkLst>
+        <pc:spChg chg="mod">
+          <ac:chgData name="Loïc MENISSIER" userId="2f577b14-8d2f-41fb-9e65-33a0241782fd" providerId="ADAL" clId="{D9C97B28-23B9-4CBB-BB58-02CDDB5E84D0}" dt="2021-02-02T23:48:22.110" v="969" actId="20577"/>
+          <ac:spMkLst>
+            <pc:docMk/>
+            <pc:sldMk cId="2018680255" sldId="270"/>
+            <ac:spMk id="2" creationId="{ECBE198C-AE8C-4667-858D-36182F79ACF2}"/>
+          </ac:spMkLst>
+        </pc:spChg>
+        <pc:spChg chg="del">
+          <ac:chgData name="Loïc MENISSIER" userId="2f577b14-8d2f-41fb-9e65-33a0241782fd" providerId="ADAL" clId="{D9C97B28-23B9-4CBB-BB58-02CDDB5E84D0}" dt="2021-02-02T23:50:15.013" v="972"/>
+          <ac:spMkLst>
+            <pc:docMk/>
+            <pc:sldMk cId="2018680255" sldId="270"/>
+            <ac:spMk id="3" creationId="{B000B949-CAC5-4782-840D-91F5F59385D9}"/>
+          </ac:spMkLst>
+        </pc:spChg>
+        <pc:spChg chg="add del mod">
+          <ac:chgData name="Loïc MENISSIER" userId="2f577b14-8d2f-41fb-9e65-33a0241782fd" providerId="ADAL" clId="{D9C97B28-23B9-4CBB-BB58-02CDDB5E84D0}" dt="2021-02-03T00:40:20.647" v="995" actId="22"/>
+          <ac:spMkLst>
+            <pc:docMk/>
+            <pc:sldMk cId="2018680255" sldId="270"/>
+            <ac:spMk id="5" creationId="{881515F1-2B21-4985-ABB5-FF2F6796CF1B}"/>
+          </ac:spMkLst>
+        </pc:spChg>
+        <pc:spChg chg="add del mod">
+          <ac:chgData name="Loïc MENISSIER" userId="2f577b14-8d2f-41fb-9e65-33a0241782fd" providerId="ADAL" clId="{D9C97B28-23B9-4CBB-BB58-02CDDB5E84D0}" dt="2021-02-02T23:51:36.078" v="975"/>
+          <ac:spMkLst>
+            <pc:docMk/>
+            <pc:sldMk cId="2018680255" sldId="270"/>
+            <ac:spMk id="6" creationId="{656058A4-491D-4070-AE06-21061D8C8B28}"/>
+          </ac:spMkLst>
+        </pc:spChg>
+        <pc:spChg chg="add del mod">
+          <ac:chgData name="Loïc MENISSIER" userId="2f577b14-8d2f-41fb-9e65-33a0241782fd" providerId="ADAL" clId="{D9C97B28-23B9-4CBB-BB58-02CDDB5E84D0}" dt="2021-02-02T23:59:00.125" v="977"/>
+          <ac:spMkLst>
+            <pc:docMk/>
+            <pc:sldMk cId="2018680255" sldId="270"/>
+            <ac:spMk id="9" creationId="{E26C4281-7A66-43D0-9810-FC168C9DF270}"/>
+          </ac:spMkLst>
+        </pc:spChg>
+        <pc:spChg chg="add del mod">
+          <ac:chgData name="Loïc MENISSIER" userId="2f577b14-8d2f-41fb-9e65-33a0241782fd" providerId="ADAL" clId="{D9C97B28-23B9-4CBB-BB58-02CDDB5E84D0}" dt="2021-02-03T00:09:51.585" v="981"/>
+          <ac:spMkLst>
+            <pc:docMk/>
+            <pc:sldMk cId="2018680255" sldId="270"/>
+            <ac:spMk id="12" creationId="{461457C1-3E43-412B-996A-BF08D22FBBE7}"/>
+          </ac:spMkLst>
+        </pc:spChg>
+        <pc:graphicFrameChg chg="add del mod">
+          <ac:chgData name="Loïc MENISSIER" userId="2f577b14-8d2f-41fb-9e65-33a0241782fd" providerId="ADAL" clId="{D9C97B28-23B9-4CBB-BB58-02CDDB5E84D0}" dt="2021-02-03T00:40:00.860" v="994" actId="478"/>
+          <ac:graphicFrameMkLst>
+            <pc:docMk/>
+            <pc:sldMk cId="2018680255" sldId="270"/>
+            <ac:graphicFrameMk id="3" creationId="{B62AAB98-E0F3-4549-8F9B-3AD139B57CC5}"/>
+          </ac:graphicFrameMkLst>
+        </pc:graphicFrameChg>
+        <pc:graphicFrameChg chg="add del mod">
+          <ac:chgData name="Loïc MENISSIER" userId="2f577b14-8d2f-41fb-9e65-33a0241782fd" providerId="ADAL" clId="{D9C97B28-23B9-4CBB-BB58-02CDDB5E84D0}" dt="2021-02-02T23:50:28.764" v="974" actId="478"/>
+          <ac:graphicFrameMkLst>
+            <pc:docMk/>
+            <pc:sldMk cId="2018680255" sldId="270"/>
+            <ac:graphicFrameMk id="4" creationId="{E4E82D46-EF42-453B-AE42-E3631CB8B487}"/>
+          </ac:graphicFrameMkLst>
+        </pc:graphicFrameChg>
+        <pc:graphicFrameChg chg="add del mod">
+          <ac:chgData name="Loïc MENISSIER" userId="2f577b14-8d2f-41fb-9e65-33a0241782fd" providerId="ADAL" clId="{D9C97B28-23B9-4CBB-BB58-02CDDB5E84D0}" dt="2021-02-02T23:51:47.115" v="976" actId="478"/>
+          <ac:graphicFrameMkLst>
+            <pc:docMk/>
+            <pc:sldMk cId="2018680255" sldId="270"/>
+            <ac:graphicFrameMk id="7" creationId="{DE4F8F6C-7FCE-44BA-A4D5-F012F13EA53A}"/>
+          </ac:graphicFrameMkLst>
+        </pc:graphicFrameChg>
+        <pc:graphicFrameChg chg="add del mod">
+          <ac:chgData name="Loïc MENISSIER" userId="2f577b14-8d2f-41fb-9e65-33a0241782fd" providerId="ADAL" clId="{D9C97B28-23B9-4CBB-BB58-02CDDB5E84D0}" dt="2021-02-02T23:59:04.327" v="978" actId="478"/>
+          <ac:graphicFrameMkLst>
+            <pc:docMk/>
+            <pc:sldMk cId="2018680255" sldId="270"/>
+            <ac:graphicFrameMk id="10" creationId="{1AA15266-4542-40DE-BB41-3AFE3DE7FDDB}"/>
+          </ac:graphicFrameMkLst>
+        </pc:graphicFrameChg>
+        <pc:picChg chg="add mod ord">
+          <ac:chgData name="Loïc MENISSIER" userId="2f577b14-8d2f-41fb-9e65-33a0241782fd" providerId="ADAL" clId="{D9C97B28-23B9-4CBB-BB58-02CDDB5E84D0}" dt="2021-02-03T00:40:25.570" v="997" actId="1076"/>
+          <ac:picMkLst>
+            <pc:docMk/>
+            <pc:sldMk cId="2018680255" sldId="270"/>
+            <ac:picMk id="7" creationId="{CC64FFEF-C91B-49E6-A8F5-0C29354F3A53}"/>
+          </ac:picMkLst>
+        </pc:picChg>
+      </pc:sldChg>
+      <pc:sldChg chg="addSp delSp modSp new mod ord modNotesTx">
+        <pc:chgData name="Loïc MENISSIER" userId="2f577b14-8d2f-41fb-9e65-33a0241782fd" providerId="ADAL" clId="{D9C97B28-23B9-4CBB-BB58-02CDDB5E84D0}" dt="2021-02-03T09:13:25.343" v="3112" actId="20577"/>
+        <pc:sldMkLst>
+          <pc:docMk/>
+          <pc:sldMk cId="2622803830" sldId="271"/>
+        </pc:sldMkLst>
+        <pc:spChg chg="mod">
+          <ac:chgData name="Loïc MENISSIER" userId="2f577b14-8d2f-41fb-9e65-33a0241782fd" providerId="ADAL" clId="{D9C97B28-23B9-4CBB-BB58-02CDDB5E84D0}" dt="2021-02-03T08:23:20.435" v="1060" actId="20577"/>
+          <ac:spMkLst>
+            <pc:docMk/>
+            <pc:sldMk cId="2622803830" sldId="271"/>
+            <ac:spMk id="2" creationId="{3BC0EF4C-1EB5-4C86-A43D-C0A2976FEAB1}"/>
+          </ac:spMkLst>
+        </pc:spChg>
+        <pc:spChg chg="del">
+          <ac:chgData name="Loïc MENISSIER" userId="2f577b14-8d2f-41fb-9e65-33a0241782fd" providerId="ADAL" clId="{D9C97B28-23B9-4CBB-BB58-02CDDB5E84D0}" dt="2021-02-03T00:59:27.802" v="1002" actId="22"/>
+          <ac:spMkLst>
+            <pc:docMk/>
+            <pc:sldMk cId="2622803830" sldId="271"/>
+            <ac:spMk id="3" creationId="{772F0383-B5DA-4B34-BFD3-75D57A407F80}"/>
+          </ac:spMkLst>
+        </pc:spChg>
+        <pc:picChg chg="add mod ord">
+          <ac:chgData name="Loïc MENISSIER" userId="2f577b14-8d2f-41fb-9e65-33a0241782fd" providerId="ADAL" clId="{D9C97B28-23B9-4CBB-BB58-02CDDB5E84D0}" dt="2021-02-03T00:59:44.851" v="1011" actId="1076"/>
+          <ac:picMkLst>
+            <pc:docMk/>
+            <pc:sldMk cId="2622803830" sldId="271"/>
+            <ac:picMk id="5" creationId="{C6553EBB-C5DF-4692-871E-F74B1588D73A}"/>
+          </ac:picMkLst>
+        </pc:picChg>
+      </pc:sldChg>
+      <pc:sldChg chg="addSp delSp modSp new mod ord modNotesTx">
+        <pc:chgData name="Loïc MENISSIER" userId="2f577b14-8d2f-41fb-9e65-33a0241782fd" providerId="ADAL" clId="{D9C97B28-23B9-4CBB-BB58-02CDDB5E84D0}" dt="2021-02-03T09:07:28.788" v="2811" actId="20577"/>
+        <pc:sldMkLst>
+          <pc:docMk/>
+          <pc:sldMk cId="716132361" sldId="272"/>
+        </pc:sldMkLst>
+        <pc:spChg chg="mod">
+          <ac:chgData name="Loïc MENISSIER" userId="2f577b14-8d2f-41fb-9e65-33a0241782fd" providerId="ADAL" clId="{D9C97B28-23B9-4CBB-BB58-02CDDB5E84D0}" dt="2021-02-03T01:02:10.140" v="1020" actId="20577"/>
+          <ac:spMkLst>
+            <pc:docMk/>
+            <pc:sldMk cId="716132361" sldId="272"/>
+            <ac:spMk id="2" creationId="{69551B50-9195-4D62-9645-C3BDC4C776B2}"/>
+          </ac:spMkLst>
+        </pc:spChg>
+        <pc:spChg chg="del">
+          <ac:chgData name="Loïc MENISSIER" userId="2f577b14-8d2f-41fb-9e65-33a0241782fd" providerId="ADAL" clId="{D9C97B28-23B9-4CBB-BB58-02CDDB5E84D0}" dt="2021-02-03T01:02:11.346" v="1021" actId="22"/>
+          <ac:spMkLst>
+            <pc:docMk/>
+            <pc:sldMk cId="716132361" sldId="272"/>
+            <ac:spMk id="3" creationId="{5BB3A9FA-8EC2-45FD-9E82-A26ECF61E7F1}"/>
+          </ac:spMkLst>
+        </pc:spChg>
+        <pc:picChg chg="add mod ord">
+          <ac:chgData name="Loïc MENISSIER" userId="2f577b14-8d2f-41fb-9e65-33a0241782fd" providerId="ADAL" clId="{D9C97B28-23B9-4CBB-BB58-02CDDB5E84D0}" dt="2021-02-03T01:02:11.346" v="1021" actId="22"/>
+          <ac:picMkLst>
+            <pc:docMk/>
+            <pc:sldMk cId="716132361" sldId="272"/>
+            <ac:picMk id="5" creationId="{A4F776B6-1474-4319-AD77-6C24731280F5}"/>
+          </ac:picMkLst>
+        </pc:picChg>
+      </pc:sldChg>
+      <pc:sldChg chg="addSp delSp modSp new mod ord modNotesTx">
+        <pc:chgData name="Loïc MENISSIER" userId="2f577b14-8d2f-41fb-9e65-33a0241782fd" providerId="ADAL" clId="{D9C97B28-23B9-4CBB-BB58-02CDDB5E84D0}" dt="2021-02-03T08:48:34.409" v="2455" actId="20577"/>
+        <pc:sldMkLst>
+          <pc:docMk/>
+          <pc:sldMk cId="2542438106" sldId="273"/>
+        </pc:sldMkLst>
+        <pc:spChg chg="mod">
+          <ac:chgData name="Loïc MENISSIER" userId="2f577b14-8d2f-41fb-9e65-33a0241782fd" providerId="ADAL" clId="{D9C97B28-23B9-4CBB-BB58-02CDDB5E84D0}" dt="2021-02-03T01:02:19.752" v="1029" actId="20577"/>
+          <ac:spMkLst>
+            <pc:docMk/>
+            <pc:sldMk cId="2542438106" sldId="273"/>
+            <ac:spMk id="2" creationId="{DCDAB876-2F90-489F-A4C9-5FFA84362799}"/>
+          </ac:spMkLst>
+        </pc:spChg>
+        <pc:spChg chg="del">
+          <ac:chgData name="Loïc MENISSIER" userId="2f577b14-8d2f-41fb-9e65-33a0241782fd" providerId="ADAL" clId="{D9C97B28-23B9-4CBB-BB58-02CDDB5E84D0}" dt="2021-02-03T01:21:19.169" v="1030" actId="22"/>
+          <ac:spMkLst>
+            <pc:docMk/>
+            <pc:sldMk cId="2542438106" sldId="273"/>
+            <ac:spMk id="3" creationId="{D5ECCC34-2C76-42CF-8E72-BBBB2542FF4A}"/>
+          </ac:spMkLst>
+        </pc:spChg>
+        <pc:picChg chg="add mod ord">
+          <ac:chgData name="Loïc MENISSIER" userId="2f577b14-8d2f-41fb-9e65-33a0241782fd" providerId="ADAL" clId="{D9C97B28-23B9-4CBB-BB58-02CDDB5E84D0}" dt="2021-02-03T01:21:43.302" v="1034" actId="14100"/>
+          <ac:picMkLst>
+            <pc:docMk/>
+            <pc:sldMk cId="2542438106" sldId="273"/>
+            <ac:picMk id="5" creationId="{5A4EBC76-F00E-4440-A1D5-A9CE7C0D9B25}"/>
+          </ac:picMkLst>
+        </pc:picChg>
       </pc:sldChg>
     </pc:docChg>
   </pc:docChgLst>
@@ -865,209 +1739,158 @@
     </pc:docChg>
   </pc:docChgLst>
   <pc:docChgLst>
-    <pc:chgData name="Loïc" userId="2f577b14-8d2f-41fb-9e65-33a0241782fd" providerId="ADAL" clId="{71D562A1-A6E9-44BE-BAF3-C67F49F23CDA}"/>
-    <pc:docChg chg="undo custSel addSld modSld">
-      <pc:chgData name="Loïc" userId="2f577b14-8d2f-41fb-9e65-33a0241782fd" providerId="ADAL" clId="{71D562A1-A6E9-44BE-BAF3-C67F49F23CDA}" dt="2021-01-20T00:01:12.532" v="113"/>
+    <pc:chgData name="Saïd ZENNADI" userId="S::szennadi@myges.fr::2b0413f6-b439-4ebe-a7c6-8b4f99af3d67" providerId="AD" clId="Web-{20047ED2-9C03-4CA4-A188-F1491B6E05BF}"/>
+    <pc:docChg chg="modSld">
+      <pc:chgData name="Saïd ZENNADI" userId="S::szennadi@myges.fr::2b0413f6-b439-4ebe-a7c6-8b4f99af3d67" providerId="AD" clId="Web-{20047ED2-9C03-4CA4-A188-F1491B6E05BF}" dt="2021-02-25T09:56:51.248" v="123" actId="1076"/>
       <pc:docMkLst>
         <pc:docMk/>
       </pc:docMkLst>
-      <pc:sldChg chg="modSp mod">
-        <pc:chgData name="Loïc" userId="2f577b14-8d2f-41fb-9e65-33a0241782fd" providerId="ADAL" clId="{71D562A1-A6E9-44BE-BAF3-C67F49F23CDA}" dt="2021-01-19T22:13:45.957" v="36" actId="20577"/>
-        <pc:sldMkLst>
-          <pc:docMk/>
-          <pc:sldMk cId="3784089036" sldId="256"/>
-        </pc:sldMkLst>
-        <pc:spChg chg="mod">
-          <ac:chgData name="Loïc" userId="2f577b14-8d2f-41fb-9e65-33a0241782fd" providerId="ADAL" clId="{71D562A1-A6E9-44BE-BAF3-C67F49F23CDA}" dt="2021-01-19T22:13:45.957" v="36" actId="20577"/>
-          <ac:spMkLst>
-            <pc:docMk/>
-            <pc:sldMk cId="3784089036" sldId="256"/>
-            <ac:spMk id="2" creationId="{00000000-0000-0000-0000-000000000000}"/>
-          </ac:spMkLst>
-        </pc:spChg>
-        <pc:spChg chg="mod">
-          <ac:chgData name="Loïc" userId="2f577b14-8d2f-41fb-9e65-33a0241782fd" providerId="ADAL" clId="{71D562A1-A6E9-44BE-BAF3-C67F49F23CDA}" dt="2021-01-19T22:13:44.589" v="35" actId="20577"/>
-          <ac:spMkLst>
-            <pc:docMk/>
-            <pc:sldMk cId="3784089036" sldId="256"/>
-            <ac:spMk id="3" creationId="{00000000-0000-0000-0000-000000000000}"/>
-          </ac:spMkLst>
-        </pc:spChg>
-      </pc:sldChg>
-      <pc:sldChg chg="modSp new mod">
-        <pc:chgData name="Loïc" userId="2f577b14-8d2f-41fb-9e65-33a0241782fd" providerId="ADAL" clId="{71D562A1-A6E9-44BE-BAF3-C67F49F23CDA}" dt="2021-01-19T22:20:56.911" v="72"/>
-        <pc:sldMkLst>
-          <pc:docMk/>
-          <pc:sldMk cId="128495895" sldId="257"/>
-        </pc:sldMkLst>
-        <pc:spChg chg="mod">
-          <ac:chgData name="Loïc" userId="2f577b14-8d2f-41fb-9e65-33a0241782fd" providerId="ADAL" clId="{71D562A1-A6E9-44BE-BAF3-C67F49F23CDA}" dt="2021-01-19T22:19:52.697" v="63" actId="20577"/>
-          <ac:spMkLst>
-            <pc:docMk/>
-            <pc:sldMk cId="128495895" sldId="257"/>
-            <ac:spMk id="2" creationId="{FE9E89C0-11F1-4582-AEC5-EE80EC1B0203}"/>
-          </ac:spMkLst>
-        </pc:spChg>
-        <pc:spChg chg="mod">
-          <ac:chgData name="Loïc" userId="2f577b14-8d2f-41fb-9e65-33a0241782fd" providerId="ADAL" clId="{71D562A1-A6E9-44BE-BAF3-C67F49F23CDA}" dt="2021-01-19T22:20:56.911" v="72"/>
-          <ac:spMkLst>
-            <pc:docMk/>
-            <pc:sldMk cId="128495895" sldId="257"/>
-            <ac:spMk id="3" creationId="{9044E1CD-2D8D-42DF-A7D4-7BDE49B2C99D}"/>
-          </ac:spMkLst>
-        </pc:spChg>
-      </pc:sldChg>
-      <pc:sldChg chg="modSp new mod">
-        <pc:chgData name="Loïc" userId="2f577b14-8d2f-41fb-9e65-33a0241782fd" providerId="ADAL" clId="{71D562A1-A6E9-44BE-BAF3-C67F49F23CDA}" dt="2021-01-19T22:26:21.712" v="110" actId="20577"/>
+      <pc:sldChg chg="modSp">
+        <pc:chgData name="Saïd ZENNADI" userId="S::szennadi@myges.fr::2b0413f6-b439-4ebe-a7c6-8b4f99af3d67" providerId="AD" clId="Web-{20047ED2-9C03-4CA4-A188-F1491B6E05BF}" dt="2021-02-25T09:42:18.152" v="41" actId="20577"/>
         <pc:sldMkLst>
           <pc:docMk/>
           <pc:sldMk cId="2246072736" sldId="258"/>
         </pc:sldMkLst>
         <pc:spChg chg="mod">
-          <ac:chgData name="Loïc" userId="2f577b14-8d2f-41fb-9e65-33a0241782fd" providerId="ADAL" clId="{71D562A1-A6E9-44BE-BAF3-C67F49F23CDA}" dt="2021-01-19T22:22:11.605" v="86" actId="14100"/>
+          <ac:chgData name="Saïd ZENNADI" userId="S::szennadi@myges.fr::2b0413f6-b439-4ebe-a7c6-8b4f99af3d67" providerId="AD" clId="Web-{20047ED2-9C03-4CA4-A188-F1491B6E05BF}" dt="2021-02-25T09:42:18.152" v="41" actId="20577"/>
           <ac:spMkLst>
             <pc:docMk/>
             <pc:sldMk cId="2246072736" sldId="258"/>
-            <ac:spMk id="2" creationId="{7EB72EFF-3985-47EB-A70A-6C853E5AB87C}"/>
-          </ac:spMkLst>
-        </pc:spChg>
-        <pc:spChg chg="mod">
-          <ac:chgData name="Loïc" userId="2f577b14-8d2f-41fb-9e65-33a0241782fd" providerId="ADAL" clId="{71D562A1-A6E9-44BE-BAF3-C67F49F23CDA}" dt="2021-01-19T22:26:21.712" v="110" actId="20577"/>
-          <ac:spMkLst>
-            <pc:docMk/>
-            <pc:sldMk cId="2246072736" sldId="258"/>
-            <ac:spMk id="3" creationId="{3C2700ED-72E3-4C88-AA6A-0D6F1C838112}"/>
+            <ac:spMk id="5" creationId="{4899AFF2-C064-46FB-91BB-52A602A794D4}"/>
           </ac:spMkLst>
         </pc:spChg>
       </pc:sldChg>
-      <pc:sldChg chg="addSp delSp modSp new mod">
-        <pc:chgData name="Loïc" userId="2f577b14-8d2f-41fb-9e65-33a0241782fd" providerId="ADAL" clId="{71D562A1-A6E9-44BE-BAF3-C67F49F23CDA}" dt="2021-01-20T00:01:12.532" v="113"/>
+      <pc:sldChg chg="modSp">
+        <pc:chgData name="Saïd ZENNADI" userId="S::szennadi@myges.fr::2b0413f6-b439-4ebe-a7c6-8b4f99af3d67" providerId="AD" clId="Web-{20047ED2-9C03-4CA4-A188-F1491B6E05BF}" dt="2021-02-25T09:56:51.248" v="123" actId="1076"/>
         <pc:sldMkLst>
           <pc:docMk/>
-          <pc:sldMk cId="4001191277" sldId="259"/>
+          <pc:sldMk cId="716132361" sldId="272"/>
         </pc:sldMkLst>
-        <pc:spChg chg="mod">
-          <ac:chgData name="Loïc" userId="2f577b14-8d2f-41fb-9e65-33a0241782fd" providerId="ADAL" clId="{71D562A1-A6E9-44BE-BAF3-C67F49F23CDA}" dt="2021-01-19T22:22:31.425" v="95" actId="20577"/>
-          <ac:spMkLst>
-            <pc:docMk/>
-            <pc:sldMk cId="4001191277" sldId="259"/>
-            <ac:spMk id="2" creationId="{23322280-794E-4CD1-A14B-ECA105597895}"/>
-          </ac:spMkLst>
-        </pc:spChg>
-        <pc:spChg chg="del mod">
-          <ac:chgData name="Loïc" userId="2f577b14-8d2f-41fb-9e65-33a0241782fd" providerId="ADAL" clId="{71D562A1-A6E9-44BE-BAF3-C67F49F23CDA}" dt="2021-01-19T23:58:28.157" v="111"/>
-          <ac:spMkLst>
-            <pc:docMk/>
-            <pc:sldMk cId="4001191277" sldId="259"/>
-            <ac:spMk id="3" creationId="{9333C3CE-1A69-4BD2-8D86-6894FDD6C1D2}"/>
-          </ac:spMkLst>
-        </pc:spChg>
-        <pc:graphicFrameChg chg="add mod">
-          <ac:chgData name="Loïc" userId="2f577b14-8d2f-41fb-9e65-33a0241782fd" providerId="ADAL" clId="{71D562A1-A6E9-44BE-BAF3-C67F49F23CDA}" dt="2021-01-20T00:01:12.532" v="113"/>
+        <pc:graphicFrameChg chg="mod">
+          <ac:chgData name="Saïd ZENNADI" userId="S::szennadi@myges.fr::2b0413f6-b439-4ebe-a7c6-8b4f99af3d67" providerId="AD" clId="Web-{20047ED2-9C03-4CA4-A188-F1491B6E05BF}" dt="2021-02-25T09:56:51.248" v="123" actId="1076"/>
           <ac:graphicFrameMkLst>
             <pc:docMk/>
-            <pc:sldMk cId="4001191277" sldId="259"/>
-            <ac:graphicFrameMk id="4" creationId="{D151F20E-D168-44AC-A09E-B84A1F5C0C6D}"/>
+            <pc:sldMk cId="716132361" sldId="272"/>
+            <ac:graphicFrameMk id="5" creationId="{1D635A33-C28F-49F6-9513-A70AFD633B10}"/>
           </ac:graphicFrameMkLst>
         </pc:graphicFrameChg>
+        <pc:graphicFrameChg chg="mod">
+          <ac:chgData name="Saïd ZENNADI" userId="S::szennadi@myges.fr::2b0413f6-b439-4ebe-a7c6-8b4f99af3d67" providerId="AD" clId="Web-{20047ED2-9C03-4CA4-A188-F1491B6E05BF}" dt="2021-02-25T09:49:21.270" v="42" actId="1076"/>
+          <ac:graphicFrameMkLst>
+            <pc:docMk/>
+            <pc:sldMk cId="716132361" sldId="272"/>
+            <ac:graphicFrameMk id="10" creationId="{40F62707-A4B1-443C-BFC8-DB94B8A248BD}"/>
+          </ac:graphicFrameMkLst>
+        </pc:graphicFrameChg>
+      </pc:sldChg>
+      <pc:sldChg chg="modNotes">
+        <pc:chgData name="Saïd ZENNADI" userId="S::szennadi@myges.fr::2b0413f6-b439-4ebe-a7c6-8b4f99af3d67" providerId="AD" clId="Web-{20047ED2-9C03-4CA4-A188-F1491B6E05BF}" dt="2021-02-25T09:55:51.247" v="121"/>
+        <pc:sldMkLst>
+          <pc:docMk/>
+          <pc:sldMk cId="456194118" sldId="281"/>
+        </pc:sldMkLst>
       </pc:sldChg>
     </pc:docChg>
   </pc:docChgLst>
   <pc:docChgLst>
-    <pc:chgData name="Jacques CURTIS" userId="S::jcurtis1@myges.fr::edcf499e-1a5e-4907-96c2-48f94e90cc38" providerId="AD" clId="Web-{833041A3-5CD9-412F-865C-4F1EB48212E4}"/>
+    <pc:chgData name="Jacques CURTIS" userId="S::jcurtis1@myges.fr::edcf499e-1a5e-4907-96c2-48f94e90cc38" providerId="AD" clId="Web-{EA4DFD5F-0923-4D0F-B0BF-E02A0E1E95B0}"/>
     <pc:docChg chg="modSld">
-      <pc:chgData name="Jacques CURTIS" userId="S::jcurtis1@myges.fr::edcf499e-1a5e-4907-96c2-48f94e90cc38" providerId="AD" clId="Web-{833041A3-5CD9-412F-865C-4F1EB48212E4}" dt="2021-02-02T19:35:02.560" v="24" actId="1076"/>
+      <pc:chgData name="Jacques CURTIS" userId="S::jcurtis1@myges.fr::edcf499e-1a5e-4907-96c2-48f94e90cc38" providerId="AD" clId="Web-{EA4DFD5F-0923-4D0F-B0BF-E02A0E1E95B0}" dt="2021-07-28T20:25:15.606" v="19"/>
       <pc:docMkLst>
         <pc:docMk/>
       </pc:docMkLst>
-      <pc:sldChg chg="addSp modSp">
-        <pc:chgData name="Jacques CURTIS" userId="S::jcurtis1@myges.fr::edcf499e-1a5e-4907-96c2-48f94e90cc38" providerId="AD" clId="Web-{833041A3-5CD9-412F-865C-4F1EB48212E4}" dt="2021-02-02T19:32:58.278" v="8" actId="20577"/>
+      <pc:sldChg chg="addSp delSp modSp">
+        <pc:chgData name="Jacques CURTIS" userId="S::jcurtis1@myges.fr::edcf499e-1a5e-4907-96c2-48f94e90cc38" providerId="AD" clId="Web-{EA4DFD5F-0923-4D0F-B0BF-E02A0E1E95B0}" dt="2021-07-28T20:25:15.606" v="19"/>
         <pc:sldMkLst>
           <pc:docMk/>
-          <pc:sldMk cId="128495895" sldId="257"/>
+          <pc:sldMk cId="2246072736" sldId="258"/>
         </pc:sldMkLst>
-        <pc:spChg chg="add mod">
-          <ac:chgData name="Jacques CURTIS" userId="S::jcurtis1@myges.fr::edcf499e-1a5e-4907-96c2-48f94e90cc38" providerId="AD" clId="Web-{833041A3-5CD9-412F-865C-4F1EB48212E4}" dt="2021-02-02T19:32:58.278" v="8" actId="20577"/>
-          <ac:spMkLst>
-            <pc:docMk/>
-            <pc:sldMk cId="128495895" sldId="257"/>
-            <ac:spMk id="4" creationId="{642CE904-9E3C-43AB-BAAC-AB963A410CB8}"/>
-          </ac:spMkLst>
-        </pc:spChg>
+        <pc:spChg chg="mod">
+          <ac:chgData name="Jacques CURTIS" userId="S::jcurtis1@myges.fr::edcf499e-1a5e-4907-96c2-48f94e90cc38" providerId="AD" clId="Web-{EA4DFD5F-0923-4D0F-B0BF-E02A0E1E95B0}" dt="2021-07-28T20:25:13.122" v="16"/>
+          <ac:spMkLst>
+            <pc:docMk/>
+            <pc:sldMk cId="2246072736" sldId="258"/>
+            <ac:spMk id="2" creationId="{7EB72EFF-3985-47EB-A70A-6C853E5AB87C}"/>
+          </ac:spMkLst>
+        </pc:spChg>
+        <pc:graphicFrameChg chg="mod modGraphic">
+          <ac:chgData name="Jacques CURTIS" userId="S::jcurtis1@myges.fr::edcf499e-1a5e-4907-96c2-48f94e90cc38" providerId="AD" clId="Web-{EA4DFD5F-0923-4D0F-B0BF-E02A0E1E95B0}" dt="2021-07-28T20:25:15.606" v="19"/>
+          <ac:graphicFrameMkLst>
+            <pc:docMk/>
+            <pc:sldMk cId="2246072736" sldId="258"/>
+            <ac:graphicFrameMk id="7" creationId="{D52F5407-7EDB-433C-A510-407405514D2A}"/>
+          </ac:graphicFrameMkLst>
+        </pc:graphicFrameChg>
+        <pc:picChg chg="add del mod">
+          <ac:chgData name="Jacques CURTIS" userId="S::jcurtis1@myges.fr::edcf499e-1a5e-4907-96c2-48f94e90cc38" providerId="AD" clId="Web-{EA4DFD5F-0923-4D0F-B0BF-E02A0E1E95B0}" dt="2021-07-28T20:24:24.199" v="5"/>
+          <ac:picMkLst>
+            <pc:docMk/>
+            <pc:sldMk cId="2246072736" sldId="258"/>
+            <ac:picMk id="270" creationId="{14609089-F821-4027-B92D-555D0DAAB684}"/>
+          </ac:picMkLst>
+        </pc:picChg>
       </pc:sldChg>
-      <pc:sldChg chg="addSp modSp">
-        <pc:chgData name="Jacques CURTIS" userId="S::jcurtis1@myges.fr::edcf499e-1a5e-4907-96c2-48f94e90cc38" providerId="AD" clId="Web-{833041A3-5CD9-412F-865C-4F1EB48212E4}" dt="2021-02-02T19:35:02.560" v="24" actId="1076"/>
+    </pc:docChg>
+  </pc:docChgLst>
+  <pc:docChgLst>
+    <pc:chgData name="Loïc Menissier" userId="787ab598-b75f-48c5-b377-3c6bc02464cc" providerId="ADAL" clId="{AF8258FE-E51D-44D6-A03E-C6CBF7DB34AC}"/>
+    <pc:docChg chg="addSld modSld sldOrd">
+      <pc:chgData name="Loïc Menissier" userId="787ab598-b75f-48c5-b377-3c6bc02464cc" providerId="ADAL" clId="{AF8258FE-E51D-44D6-A03E-C6CBF7DB34AC}" dt="2021-07-28T23:14:28.372" v="22" actId="14100"/>
+      <pc:docMkLst>
+        <pc:docMk/>
+      </pc:docMkLst>
+      <pc:sldChg chg="addSp delSp modSp new mod ord">
+        <pc:chgData name="Loïc Menissier" userId="787ab598-b75f-48c5-b377-3c6bc02464cc" providerId="ADAL" clId="{AF8258FE-E51D-44D6-A03E-C6CBF7DB34AC}" dt="2021-07-28T23:14:28.372" v="22" actId="14100"/>
         <pc:sldMkLst>
           <pc:docMk/>
-          <pc:sldMk cId="4001191277" sldId="259"/>
+          <pc:sldMk cId="3684216837" sldId="281"/>
         </pc:sldMkLst>
-        <pc:spChg chg="add mod">
-          <ac:chgData name="Jacques CURTIS" userId="S::jcurtis1@myges.fr::edcf499e-1a5e-4907-96c2-48f94e90cc38" providerId="AD" clId="Web-{833041A3-5CD9-412F-865C-4F1EB48212E4}" dt="2021-02-02T19:35:02.560" v="24" actId="1076"/>
-          <ac:spMkLst>
-            <pc:docMk/>
-            <pc:sldMk cId="4001191277" sldId="259"/>
-            <ac:spMk id="3" creationId="{30092EB7-C804-47C5-BAE9-6E2E0617BAD9}"/>
-          </ac:spMkLst>
-        </pc:spChg>
+        <pc:spChg chg="mod">
+          <ac:chgData name="Loïc Menissier" userId="787ab598-b75f-48c5-b377-3c6bc02464cc" providerId="ADAL" clId="{AF8258FE-E51D-44D6-A03E-C6CBF7DB34AC}" dt="2021-07-28T23:14:26.631" v="21" actId="14100"/>
+          <ac:spMkLst>
+            <pc:docMk/>
+            <pc:sldMk cId="3684216837" sldId="281"/>
+            <ac:spMk id="2" creationId="{9107A840-EF17-4F5D-BD5E-9F0BF768CCE1}"/>
+          </ac:spMkLst>
+        </pc:spChg>
+        <pc:spChg chg="del">
+          <ac:chgData name="Loïc Menissier" userId="787ab598-b75f-48c5-b377-3c6bc02464cc" providerId="ADAL" clId="{AF8258FE-E51D-44D6-A03E-C6CBF7DB34AC}" dt="2021-07-28T23:14:18.744" v="18"/>
+          <ac:spMkLst>
+            <pc:docMk/>
+            <pc:sldMk cId="3684216837" sldId="281"/>
+            <ac:spMk id="3" creationId="{5BDB1E8B-3B90-40C5-80B7-B97CFF08F4C1}"/>
+          </ac:spMkLst>
+        </pc:spChg>
+        <pc:picChg chg="add mod">
+          <ac:chgData name="Loïc Menissier" userId="787ab598-b75f-48c5-b377-3c6bc02464cc" providerId="ADAL" clId="{AF8258FE-E51D-44D6-A03E-C6CBF7DB34AC}" dt="2021-07-28T23:14:28.372" v="22" actId="14100"/>
+          <ac:picMkLst>
+            <pc:docMk/>
+            <pc:sldMk cId="3684216837" sldId="281"/>
+            <ac:picMk id="5" creationId="{5C979B32-7FB5-4D7B-9416-4806875007B9}"/>
+          </ac:picMkLst>
+        </pc:picChg>
       </pc:sldChg>
-      <pc:sldChg chg="addSp modSp">
-        <pc:chgData name="Jacques CURTIS" userId="S::jcurtis1@myges.fr::edcf499e-1a5e-4907-96c2-48f94e90cc38" providerId="AD" clId="Web-{833041A3-5CD9-412F-865C-4F1EB48212E4}" dt="2021-02-02T19:33:51.278" v="17" actId="20577"/>
+    </pc:docChg>
+  </pc:docChgLst>
+  <pc:docChgLst>
+    <pc:chgData name="Saïd ZENNADI" userId="S::szennadi@myges.fr::2b0413f6-b439-4ebe-a7c6-8b4f99af3d67" providerId="AD" clId="Web-{9CEBD64A-FDC9-41FD-B85E-E683D644C226}"/>
+    <pc:docChg chg="modSld">
+      <pc:chgData name="Saïd ZENNADI" userId="S::szennadi@myges.fr::2b0413f6-b439-4ebe-a7c6-8b4f99af3d67" providerId="AD" clId="Web-{9CEBD64A-FDC9-41FD-B85E-E683D644C226}" dt="2021-02-03T07:28:15.718" v="2" actId="20577"/>
+      <pc:docMkLst>
+        <pc:docMk/>
+      </pc:docMkLst>
+      <pc:sldChg chg="modSp">
+        <pc:chgData name="Saïd ZENNADI" userId="S::szennadi@myges.fr::2b0413f6-b439-4ebe-a7c6-8b4f99af3d67" providerId="AD" clId="Web-{9CEBD64A-FDC9-41FD-B85E-E683D644C226}" dt="2021-02-03T07:28:15.718" v="2" actId="20577"/>
         <pc:sldMkLst>
           <pc:docMk/>
-          <pc:sldMk cId="2534841834" sldId="260"/>
+          <pc:sldMk cId="4274174818" sldId="264"/>
         </pc:sldMkLst>
         <pc:spChg chg="mod">
-          <ac:chgData name="Jacques CURTIS" userId="S::jcurtis1@myges.fr::edcf499e-1a5e-4907-96c2-48f94e90cc38" providerId="AD" clId="Web-{833041A3-5CD9-412F-865C-4F1EB48212E4}" dt="2021-02-02T19:33:51.278" v="17" actId="20577"/>
-          <ac:spMkLst>
-            <pc:docMk/>
-            <pc:sldMk cId="2534841834" sldId="260"/>
-            <ac:spMk id="2" creationId="{A20D0F5B-3518-4A38-8D84-E2E3EC2DB299}"/>
-          </ac:spMkLst>
-        </pc:spChg>
-        <pc:spChg chg="add mod">
-          <ac:chgData name="Jacques CURTIS" userId="S::jcurtis1@myges.fr::edcf499e-1a5e-4907-96c2-48f94e90cc38" providerId="AD" clId="Web-{833041A3-5CD9-412F-865C-4F1EB48212E4}" dt="2021-02-02T19:33:15.778" v="15" actId="1076"/>
-          <ac:spMkLst>
-            <pc:docMk/>
-            <pc:sldMk cId="2534841834" sldId="260"/>
-            <ac:spMk id="3" creationId="{550B1E44-F114-40BB-95C0-9B39A215E538}"/>
-          </ac:spMkLst>
-        </pc:spChg>
-      </pc:sldChg>
-      <pc:sldChg chg="addSp modSp">
-        <pc:chgData name="Jacques CURTIS" userId="S::jcurtis1@myges.fr::edcf499e-1a5e-4907-96c2-48f94e90cc38" providerId="AD" clId="Web-{833041A3-5CD9-412F-865C-4F1EB48212E4}" dt="2021-02-02T19:32:49.637" v="5" actId="20577"/>
-        <pc:sldMkLst>
-          <pc:docMk/>
-          <pc:sldMk cId="478765012" sldId="261"/>
-        </pc:sldMkLst>
-        <pc:spChg chg="mod">
-          <ac:chgData name="Jacques CURTIS" userId="S::jcurtis1@myges.fr::edcf499e-1a5e-4907-96c2-48f94e90cc38" providerId="AD" clId="Web-{833041A3-5CD9-412F-865C-4F1EB48212E4}" dt="2021-02-02T19:32:34.622" v="0" actId="1076"/>
-          <ac:spMkLst>
-            <pc:docMk/>
-            <pc:sldMk cId="478765012" sldId="261"/>
-            <ac:spMk id="2" creationId="{385FB8A6-47B4-4452-A516-20479E68E47E}"/>
-          </ac:spMkLst>
-        </pc:spChg>
-        <pc:spChg chg="add mod">
-          <ac:chgData name="Jacques CURTIS" userId="S::jcurtis1@myges.fr::edcf499e-1a5e-4907-96c2-48f94e90cc38" providerId="AD" clId="Web-{833041A3-5CD9-412F-865C-4F1EB48212E4}" dt="2021-02-02T19:32:49.637" v="5" actId="20577"/>
-          <ac:spMkLst>
-            <pc:docMk/>
-            <pc:sldMk cId="478765012" sldId="261"/>
-            <ac:spMk id="4" creationId="{2EA2358D-E47D-4824-BFFE-E9D305D00861}"/>
-          </ac:spMkLst>
-        </pc:spChg>
-      </pc:sldChg>
-      <pc:sldChg chg="addSp modSp">
-        <pc:chgData name="Jacques CURTIS" userId="S::jcurtis1@myges.fr::edcf499e-1a5e-4907-96c2-48f94e90cc38" providerId="AD" clId="Web-{833041A3-5CD9-412F-865C-4F1EB48212E4}" dt="2021-02-02T19:33:04.747" v="11" actId="20577"/>
-        <pc:sldMkLst>
-          <pc:docMk/>
-          <pc:sldMk cId="12277624" sldId="263"/>
-        </pc:sldMkLst>
-        <pc:spChg chg="add mod">
-          <ac:chgData name="Jacques CURTIS" userId="S::jcurtis1@myges.fr::edcf499e-1a5e-4907-96c2-48f94e90cc38" providerId="AD" clId="Web-{833041A3-5CD9-412F-865C-4F1EB48212E4}" dt="2021-02-02T19:33:04.747" v="11" actId="20577"/>
-          <ac:spMkLst>
-            <pc:docMk/>
-            <pc:sldMk cId="12277624" sldId="263"/>
-            <ac:spMk id="4" creationId="{F0B6301D-608D-498C-8495-16F77F01D5D1}"/>
+          <ac:chgData name="Saïd ZENNADI" userId="S::szennadi@myges.fr::2b0413f6-b439-4ebe-a7c6-8b4f99af3d67" providerId="AD" clId="Web-{9CEBD64A-FDC9-41FD-B85E-E683D644C226}" dt="2021-02-03T07:28:15.718" v="2" actId="20577"/>
+          <ac:spMkLst>
+            <pc:docMk/>
+            <pc:sldMk cId="4274174818" sldId="264"/>
+            <ac:spMk id="5" creationId="{F1773E1C-60BC-45FC-BDFD-9AC360C0EF4A}"/>
           </ac:spMkLst>
         </pc:spChg>
       </pc:sldChg>
@@ -1104,6 +1927,171 @@
     </pc:docChg>
   </pc:docChgLst>
   <pc:docChgLst>
+    <pc:chgData name="Jacques CURTIS" userId="S::jcurtis1@myges.fr::edcf499e-1a5e-4907-96c2-48f94e90cc38" providerId="AD" clId="Web-{AD555303-35CC-4517-879B-75EF68208A9E}"/>
+    <pc:docChg chg="modSld">
+      <pc:chgData name="Jacques CURTIS" userId="S::jcurtis1@myges.fr::edcf499e-1a5e-4907-96c2-48f94e90cc38" providerId="AD" clId="Web-{AD555303-35CC-4517-879B-75EF68208A9E}" dt="2021-02-02T19:01:46.980" v="92"/>
+      <pc:docMkLst>
+        <pc:docMk/>
+      </pc:docMkLst>
+      <pc:sldChg chg="addSp delSp modSp mod setBg">
+        <pc:chgData name="Jacques CURTIS" userId="S::jcurtis1@myges.fr::edcf499e-1a5e-4907-96c2-48f94e90cc38" providerId="AD" clId="Web-{AD555303-35CC-4517-879B-75EF68208A9E}" dt="2021-02-02T19:01:46.980" v="92"/>
+        <pc:sldMkLst>
+          <pc:docMk/>
+          <pc:sldMk cId="2534841834" sldId="260"/>
+        </pc:sldMkLst>
+        <pc:spChg chg="mod">
+          <ac:chgData name="Jacques CURTIS" userId="S::jcurtis1@myges.fr::edcf499e-1a5e-4907-96c2-48f94e90cc38" providerId="AD" clId="Web-{AD555303-35CC-4517-879B-75EF68208A9E}" dt="2021-02-02T19:01:46.980" v="92"/>
+          <ac:spMkLst>
+            <pc:docMk/>
+            <pc:sldMk cId="2534841834" sldId="260"/>
+            <ac:spMk id="2" creationId="{A20D0F5B-3518-4A38-8D84-E2E3EC2DB299}"/>
+          </ac:spMkLst>
+        </pc:spChg>
+        <pc:spChg chg="del">
+          <ac:chgData name="Jacques CURTIS" userId="S::jcurtis1@myges.fr::edcf499e-1a5e-4907-96c2-48f94e90cc38" providerId="AD" clId="Web-{AD555303-35CC-4517-879B-75EF68208A9E}" dt="2021-02-02T19:01:46.980" v="92"/>
+          <ac:spMkLst>
+            <pc:docMk/>
+            <pc:sldMk cId="2534841834" sldId="260"/>
+            <ac:spMk id="3" creationId="{DA3EFE32-EC2C-43B4-B246-866DC97AB8D9}"/>
+          </ac:spMkLst>
+        </pc:spChg>
+        <pc:spChg chg="add">
+          <ac:chgData name="Jacques CURTIS" userId="S::jcurtis1@myges.fr::edcf499e-1a5e-4907-96c2-48f94e90cc38" providerId="AD" clId="Web-{AD555303-35CC-4517-879B-75EF68208A9E}" dt="2021-02-02T19:01:46.980" v="92"/>
+          <ac:spMkLst>
+            <pc:docMk/>
+            <pc:sldMk cId="2534841834" sldId="260"/>
+            <ac:spMk id="8" creationId="{70068059-9097-4F05-BA38-CDD7DBF77372}"/>
+          </ac:spMkLst>
+        </pc:spChg>
+        <pc:spChg chg="add">
+          <ac:chgData name="Jacques CURTIS" userId="S::jcurtis1@myges.fr::edcf499e-1a5e-4907-96c2-48f94e90cc38" providerId="AD" clId="Web-{AD555303-35CC-4517-879B-75EF68208A9E}" dt="2021-02-02T19:01:46.980" v="92"/>
+          <ac:spMkLst>
+            <pc:docMk/>
+            <pc:sldMk cId="2534841834" sldId="260"/>
+            <ac:spMk id="10" creationId="{E164A015-EDB3-4688-8B77-9255305411E1}"/>
+          </ac:spMkLst>
+        </pc:spChg>
+      </pc:sldChg>
+      <pc:sldChg chg="addSp delSp modSp">
+        <pc:chgData name="Jacques CURTIS" userId="S::jcurtis1@myges.fr::edcf499e-1a5e-4907-96c2-48f94e90cc38" providerId="AD" clId="Web-{AD555303-35CC-4517-879B-75EF68208A9E}" dt="2021-02-02T18:47:24.436" v="13"/>
+        <pc:sldMkLst>
+          <pc:docMk/>
+          <pc:sldMk cId="478765012" sldId="261"/>
+        </pc:sldMkLst>
+        <pc:picChg chg="add del mod">
+          <ac:chgData name="Jacques CURTIS" userId="S::jcurtis1@myges.fr::edcf499e-1a5e-4907-96c2-48f94e90cc38" providerId="AD" clId="Web-{AD555303-35CC-4517-879B-75EF68208A9E}" dt="2021-02-02T18:46:03.841" v="6"/>
+          <ac:picMkLst>
+            <pc:docMk/>
+            <pc:sldMk cId="478765012" sldId="261"/>
+            <ac:picMk id="4" creationId="{CC3F19E0-0A26-47D9-94FC-738825E3630E}"/>
+          </ac:picMkLst>
+        </pc:picChg>
+        <pc:picChg chg="add del mod">
+          <ac:chgData name="Jacques CURTIS" userId="S::jcurtis1@myges.fr::edcf499e-1a5e-4907-96c2-48f94e90cc38" providerId="AD" clId="Web-{AD555303-35CC-4517-879B-75EF68208A9E}" dt="2021-02-02T18:47:19.608" v="11"/>
+          <ac:picMkLst>
+            <pc:docMk/>
+            <pc:sldMk cId="478765012" sldId="261"/>
+            <ac:picMk id="5" creationId="{5EA4112D-56F9-4EFF-B8CA-D791505B9F81}"/>
+          </ac:picMkLst>
+        </pc:picChg>
+        <pc:picChg chg="add del mod">
+          <ac:chgData name="Jacques CURTIS" userId="S::jcurtis1@myges.fr::edcf499e-1a5e-4907-96c2-48f94e90cc38" providerId="AD" clId="Web-{AD555303-35CC-4517-879B-75EF68208A9E}" dt="2021-02-02T18:47:24.436" v="13"/>
+          <ac:picMkLst>
+            <pc:docMk/>
+            <pc:sldMk cId="478765012" sldId="261"/>
+            <ac:picMk id="6" creationId="{4E454E93-1D57-4701-8FB0-DA8DDE14E46F}"/>
+          </ac:picMkLst>
+        </pc:picChg>
+      </pc:sldChg>
+      <pc:sldChg chg="modSp">
+        <pc:chgData name="Jacques CURTIS" userId="S::jcurtis1@myges.fr::edcf499e-1a5e-4907-96c2-48f94e90cc38" providerId="AD" clId="Web-{AD555303-35CC-4517-879B-75EF68208A9E}" dt="2021-02-02T18:59:11.556" v="91" actId="20577"/>
+        <pc:sldMkLst>
+          <pc:docMk/>
+          <pc:sldMk cId="12277624" sldId="263"/>
+        </pc:sldMkLst>
+        <pc:spChg chg="mod">
+          <ac:chgData name="Jacques CURTIS" userId="S::jcurtis1@myges.fr::edcf499e-1a5e-4907-96c2-48f94e90cc38" providerId="AD" clId="Web-{AD555303-35CC-4517-879B-75EF68208A9E}" dt="2021-02-02T18:59:11.556" v="91" actId="20577"/>
+          <ac:spMkLst>
+            <pc:docMk/>
+            <pc:sldMk cId="12277624" sldId="263"/>
+            <ac:spMk id="3" creationId="{E97E73A2-8A6C-4DEA-852C-7D324B44D3DE}"/>
+          </ac:spMkLst>
+        </pc:spChg>
+      </pc:sldChg>
+      <pc:sldChg chg="modSp">
+        <pc:chgData name="Jacques CURTIS" userId="S::jcurtis1@myges.fr::edcf499e-1a5e-4907-96c2-48f94e90cc38" providerId="AD" clId="Web-{AD555303-35CC-4517-879B-75EF68208A9E}" dt="2021-02-02T18:49:51.266" v="55" actId="20577"/>
+        <pc:sldMkLst>
+          <pc:docMk/>
+          <pc:sldMk cId="4274174818" sldId="264"/>
+        </pc:sldMkLst>
+        <pc:spChg chg="mod">
+          <ac:chgData name="Jacques CURTIS" userId="S::jcurtis1@myges.fr::edcf499e-1a5e-4907-96c2-48f94e90cc38" providerId="AD" clId="Web-{AD555303-35CC-4517-879B-75EF68208A9E}" dt="2021-02-02T18:49:51.266" v="55" actId="20577"/>
+          <ac:spMkLst>
+            <pc:docMk/>
+            <pc:sldMk cId="4274174818" sldId="264"/>
+            <ac:spMk id="3" creationId="{269616CD-77A7-493F-BD0C-F96D73D64487}"/>
+          </ac:spMkLst>
+        </pc:spChg>
+      </pc:sldChg>
+    </pc:docChg>
+  </pc:docChgLst>
+  <pc:docChgLst>
+    <pc:chgData name="Saïd ZENNADI" userId="S::szennadi@myges.fr::2b0413f6-b439-4ebe-a7c6-8b4f99af3d67" providerId="AD" clId="Web-{837E313D-07FD-4C0F-9F2E-042098231E59}"/>
+    <pc:docChg chg="modSld">
+      <pc:chgData name="Saïd ZENNADI" userId="S::szennadi@myges.fr::2b0413f6-b439-4ebe-a7c6-8b4f99af3d67" providerId="AD" clId="Web-{837E313D-07FD-4C0F-9F2E-042098231E59}" dt="2021-02-02T22:31:28.628" v="2" actId="20577"/>
+      <pc:docMkLst>
+        <pc:docMk/>
+      </pc:docMkLst>
+      <pc:sldChg chg="modSp">
+        <pc:chgData name="Saïd ZENNADI" userId="S::szennadi@myges.fr::2b0413f6-b439-4ebe-a7c6-8b4f99af3d67" providerId="AD" clId="Web-{837E313D-07FD-4C0F-9F2E-042098231E59}" dt="2021-02-02T22:31:28.628" v="2" actId="20577"/>
+        <pc:sldMkLst>
+          <pc:docMk/>
+          <pc:sldMk cId="4274174818" sldId="264"/>
+        </pc:sldMkLst>
+        <pc:spChg chg="mod">
+          <ac:chgData name="Saïd ZENNADI" userId="S::szennadi@myges.fr::2b0413f6-b439-4ebe-a7c6-8b4f99af3d67" providerId="AD" clId="Web-{837E313D-07FD-4C0F-9F2E-042098231E59}" dt="2021-02-02T22:31:28.628" v="2" actId="20577"/>
+          <ac:spMkLst>
+            <pc:docMk/>
+            <pc:sldMk cId="4274174818" sldId="264"/>
+            <ac:spMk id="3" creationId="{269616CD-77A7-493F-BD0C-F96D73D64487}"/>
+          </ac:spMkLst>
+        </pc:spChg>
+      </pc:sldChg>
+    </pc:docChg>
+  </pc:docChgLst>
+  <pc:docChgLst>
+    <pc:chgData name="Jacques CURTIS" userId="S::jcurtis1@myges.fr::edcf499e-1a5e-4907-96c2-48f94e90cc38" providerId="AD" clId="Web-{62324FD4-BA21-4D1E-A547-6B0597E9C68D}"/>
+    <pc:docChg chg="modSld">
+      <pc:chgData name="Jacques CURTIS" userId="S::jcurtis1@myges.fr::edcf499e-1a5e-4907-96c2-48f94e90cc38" providerId="AD" clId="Web-{62324FD4-BA21-4D1E-A547-6B0597E9C68D}" dt="2021-02-02T19:36:04.078" v="2" actId="20577"/>
+      <pc:docMkLst>
+        <pc:docMk/>
+      </pc:docMkLst>
+      <pc:sldChg chg="modSp">
+        <pc:chgData name="Jacques CURTIS" userId="S::jcurtis1@myges.fr::edcf499e-1a5e-4907-96c2-48f94e90cc38" providerId="AD" clId="Web-{62324FD4-BA21-4D1E-A547-6B0597E9C68D}" dt="2021-02-02T19:36:04.078" v="2" actId="20577"/>
+        <pc:sldMkLst>
+          <pc:docMk/>
+          <pc:sldMk cId="3784089036" sldId="256"/>
+        </pc:sldMkLst>
+        <pc:spChg chg="mod">
+          <ac:chgData name="Jacques CURTIS" userId="S::jcurtis1@myges.fr::edcf499e-1a5e-4907-96c2-48f94e90cc38" providerId="AD" clId="Web-{62324FD4-BA21-4D1E-A547-6B0597E9C68D}" dt="2021-02-02T19:35:59.797" v="1" actId="20577"/>
+          <ac:spMkLst>
+            <pc:docMk/>
+            <pc:sldMk cId="3784089036" sldId="256"/>
+            <ac:spMk id="2" creationId="{00000000-0000-0000-0000-000000000000}"/>
+          </ac:spMkLst>
+        </pc:spChg>
+        <pc:spChg chg="mod">
+          <ac:chgData name="Jacques CURTIS" userId="S::jcurtis1@myges.fr::edcf499e-1a5e-4907-96c2-48f94e90cc38" providerId="AD" clId="Web-{62324FD4-BA21-4D1E-A547-6B0597E9C68D}" dt="2021-02-02T19:36:04.078" v="2" actId="20577"/>
+          <ac:spMkLst>
+            <pc:docMk/>
+            <pc:sldMk cId="3784089036" sldId="256"/>
+            <ac:spMk id="3" creationId="{00000000-0000-0000-0000-000000000000}"/>
+          </ac:spMkLst>
+        </pc:spChg>
+      </pc:sldChg>
+    </pc:docChg>
+  </pc:docChgLst>
+  <pc:docChgLst>
     <pc:chgData name="Jacques CURTIS" userId="S::jcurtis1@myges.fr::edcf499e-1a5e-4907-96c2-48f94e90cc38" providerId="AD" clId="Web-{8F722A1A-3AA2-47EB-8AF2-354B8778F1B0}"/>
     <pc:docChg chg="delSld modSld sldOrd">
       <pc:chgData name="Jacques CURTIS" userId="S::jcurtis1@myges.fr::edcf499e-1a5e-4907-96c2-48f94e90cc38" providerId="AD" clId="Web-{8F722A1A-3AA2-47EB-8AF2-354B8778F1B0}" dt="2021-02-02T18:43:13.848" v="86" actId="20577"/>
@@ -1161,600 +2149,6 @@
           <pc:docMk/>
           <pc:sldMk cId="129404930" sldId="262"/>
         </pc:sldMkLst>
-      </pc:sldChg>
-    </pc:docChg>
-  </pc:docChgLst>
-  <pc:docChgLst>
-    <pc:chgData name="Loïc MENISSIER" userId="2f577b14-8d2f-41fb-9e65-33a0241782fd" providerId="ADAL" clId="{D9C97B28-23B9-4CBB-BB58-02CDDB5E84D0}"/>
-    <pc:docChg chg="custSel addSld delSld modSld sldOrd">
-      <pc:chgData name="Loïc MENISSIER" userId="2f577b14-8d2f-41fb-9e65-33a0241782fd" providerId="ADAL" clId="{D9C97B28-23B9-4CBB-BB58-02CDDB5E84D0}" dt="2021-02-21T14:11:50.519" v="3179"/>
-      <pc:docMkLst>
-        <pc:docMk/>
-      </pc:docMkLst>
-      <pc:sldChg chg="ord">
-        <pc:chgData name="Loïc MENISSIER" userId="2f577b14-8d2f-41fb-9e65-33a0241782fd" providerId="ADAL" clId="{D9C97B28-23B9-4CBB-BB58-02CDDB5E84D0}" dt="2021-02-02T23:05:01.354" v="940"/>
-        <pc:sldMkLst>
-          <pc:docMk/>
-          <pc:sldMk cId="3784089036" sldId="256"/>
-        </pc:sldMkLst>
-      </pc:sldChg>
-      <pc:sldChg chg="modSp mod ord modNotesTx">
-        <pc:chgData name="Loïc MENISSIER" userId="2f577b14-8d2f-41fb-9e65-33a0241782fd" providerId="ADAL" clId="{D9C97B28-23B9-4CBB-BB58-02CDDB5E84D0}" dt="2021-02-03T08:31:02.701" v="1360" actId="20577"/>
-        <pc:sldMkLst>
-          <pc:docMk/>
-          <pc:sldMk cId="128495895" sldId="257"/>
-        </pc:sldMkLst>
-        <pc:spChg chg="mod">
-          <ac:chgData name="Loïc MENISSIER" userId="2f577b14-8d2f-41fb-9e65-33a0241782fd" providerId="ADAL" clId="{D9C97B28-23B9-4CBB-BB58-02CDDB5E84D0}" dt="2021-02-02T21:55:44.157" v="825" actId="20577"/>
-          <ac:spMkLst>
-            <pc:docMk/>
-            <pc:sldMk cId="128495895" sldId="257"/>
-            <ac:spMk id="2" creationId="{FE9E89C0-11F1-4582-AEC5-EE80EC1B0203}"/>
-          </ac:spMkLst>
-        </pc:spChg>
-      </pc:sldChg>
-      <pc:sldChg chg="modSp mod modNotesTx">
-        <pc:chgData name="Loïc MENISSIER" userId="2f577b14-8d2f-41fb-9e65-33a0241782fd" providerId="ADAL" clId="{D9C97B28-23B9-4CBB-BB58-02CDDB5E84D0}" dt="2021-02-21T14:11:50.519" v="3179"/>
-        <pc:sldMkLst>
-          <pc:docMk/>
-          <pc:sldMk cId="4001191277" sldId="259"/>
-        </pc:sldMkLst>
-        <pc:graphicFrameChg chg="mod">
-          <ac:chgData name="Loïc MENISSIER" userId="2f577b14-8d2f-41fb-9e65-33a0241782fd" providerId="ADAL" clId="{D9C97B28-23B9-4CBB-BB58-02CDDB5E84D0}" dt="2021-02-21T14:11:50.519" v="3179"/>
-          <ac:graphicFrameMkLst>
-            <pc:docMk/>
-            <pc:sldMk cId="4001191277" sldId="259"/>
-            <ac:graphicFrameMk id="4" creationId="{D151F20E-D168-44AC-A09E-B84A1F5C0C6D}"/>
-          </ac:graphicFrameMkLst>
-        </pc:graphicFrameChg>
-      </pc:sldChg>
-      <pc:sldChg chg="new modNotesTx">
-        <pc:chgData name="Loïc MENISSIER" userId="2f577b14-8d2f-41fb-9e65-33a0241782fd" providerId="ADAL" clId="{D9C97B28-23B9-4CBB-BB58-02CDDB5E84D0}" dt="2021-02-02T19:28:02.325" v="169" actId="20577"/>
-        <pc:sldMkLst>
-          <pc:docMk/>
-          <pc:sldMk cId="2534841834" sldId="260"/>
-        </pc:sldMkLst>
-      </pc:sldChg>
-      <pc:sldChg chg="del">
-        <pc:chgData name="Loïc MENISSIER" userId="2f577b14-8d2f-41fb-9e65-33a0241782fd" providerId="ADAL" clId="{D9C97B28-23B9-4CBB-BB58-02CDDB5E84D0}" dt="2021-02-02T22:12:31.561" v="832" actId="2696"/>
-        <pc:sldMkLst>
-          <pc:docMk/>
-          <pc:sldMk cId="478765012" sldId="261"/>
-        </pc:sldMkLst>
-      </pc:sldChg>
-      <pc:sldChg chg="modNotesTx">
-        <pc:chgData name="Loïc MENISSIER" userId="2f577b14-8d2f-41fb-9e65-33a0241782fd" providerId="ADAL" clId="{D9C97B28-23B9-4CBB-BB58-02CDDB5E84D0}" dt="2021-02-03T08:44:51.817" v="2010" actId="20577"/>
-        <pc:sldMkLst>
-          <pc:docMk/>
-          <pc:sldMk cId="12277624" sldId="263"/>
-        </pc:sldMkLst>
-      </pc:sldChg>
-      <pc:sldChg chg="addSp modSp mod ord">
-        <pc:chgData name="Loïc MENISSIER" userId="2f577b14-8d2f-41fb-9e65-33a0241782fd" providerId="ADAL" clId="{D9C97B28-23B9-4CBB-BB58-02CDDB5E84D0}" dt="2021-02-03T01:22:07.177" v="1037"/>
-        <pc:sldMkLst>
-          <pc:docMk/>
-          <pc:sldMk cId="4274174818" sldId="264"/>
-        </pc:sldMkLst>
-        <pc:spChg chg="mod">
-          <ac:chgData name="Loïc MENISSIER" userId="2f577b14-8d2f-41fb-9e65-33a0241782fd" providerId="ADAL" clId="{D9C97B28-23B9-4CBB-BB58-02CDDB5E84D0}" dt="2021-02-02T23:00:24.005" v="856" actId="14100"/>
-          <ac:spMkLst>
-            <pc:docMk/>
-            <pc:sldMk cId="4274174818" sldId="264"/>
-            <ac:spMk id="3" creationId="{269616CD-77A7-493F-BD0C-F96D73D64487}"/>
-          </ac:spMkLst>
-        </pc:spChg>
-        <pc:spChg chg="add mod">
-          <ac:chgData name="Loïc MENISSIER" userId="2f577b14-8d2f-41fb-9e65-33a0241782fd" providerId="ADAL" clId="{D9C97B28-23B9-4CBB-BB58-02CDDB5E84D0}" dt="2021-02-02T23:00:35.836" v="869" actId="6549"/>
-          <ac:spMkLst>
-            <pc:docMk/>
-            <pc:sldMk cId="4274174818" sldId="264"/>
-            <ac:spMk id="4" creationId="{1EFAF6D3-E9B3-4EF0-98D4-ADAAA9AEA1D9}"/>
-          </ac:spMkLst>
-        </pc:spChg>
-        <pc:spChg chg="add mod">
-          <ac:chgData name="Loïc MENISSIER" userId="2f577b14-8d2f-41fb-9e65-33a0241782fd" providerId="ADAL" clId="{D9C97B28-23B9-4CBB-BB58-02CDDB5E84D0}" dt="2021-02-02T23:02:14.026" v="938" actId="20577"/>
-          <ac:spMkLst>
-            <pc:docMk/>
-            <pc:sldMk cId="4274174818" sldId="264"/>
-            <ac:spMk id="5" creationId="{F1773E1C-60BC-45FC-BDFD-9AC360C0EF4A}"/>
-          </ac:spMkLst>
-        </pc:spChg>
-      </pc:sldChg>
-      <pc:sldChg chg="modSp">
-        <pc:chgData name="Loïc MENISSIER" userId="2f577b14-8d2f-41fb-9e65-33a0241782fd" providerId="ADAL" clId="{D9C97B28-23B9-4CBB-BB58-02CDDB5E84D0}" dt="2021-02-03T08:38:25.474" v="1580" actId="20578"/>
-        <pc:sldMkLst>
-          <pc:docMk/>
-          <pc:sldMk cId="1882371955" sldId="265"/>
-        </pc:sldMkLst>
-        <pc:spChg chg="mod">
-          <ac:chgData name="Loïc MENISSIER" userId="2f577b14-8d2f-41fb-9e65-33a0241782fd" providerId="ADAL" clId="{D9C97B28-23B9-4CBB-BB58-02CDDB5E84D0}" dt="2021-02-03T08:38:25.474" v="1580" actId="20578"/>
-          <ac:spMkLst>
-            <pc:docMk/>
-            <pc:sldMk cId="1882371955" sldId="265"/>
-            <ac:spMk id="3" creationId="{F3C2698F-38EF-42B1-A542-D2A75CE15061}"/>
-          </ac:spMkLst>
-        </pc:spChg>
-      </pc:sldChg>
-      <pc:sldChg chg="del">
-        <pc:chgData name="Loïc MENISSIER" userId="2f577b14-8d2f-41fb-9e65-33a0241782fd" providerId="ADAL" clId="{D9C97B28-23B9-4CBB-BB58-02CDDB5E84D0}" dt="2021-02-02T22:35:07.105" v="833" actId="2696"/>
-        <pc:sldMkLst>
-          <pc:docMk/>
-          <pc:sldMk cId="313168473" sldId="267"/>
-        </pc:sldMkLst>
-      </pc:sldChg>
-      <pc:sldChg chg="addSp delSp modSp new mod modNotesTx">
-        <pc:chgData name="Loïc MENISSIER" userId="2f577b14-8d2f-41fb-9e65-33a0241782fd" providerId="ADAL" clId="{D9C97B28-23B9-4CBB-BB58-02CDDB5E84D0}" dt="2021-02-03T09:14:56.559" v="3178" actId="20577"/>
-        <pc:sldMkLst>
-          <pc:docMk/>
-          <pc:sldMk cId="1595895236" sldId="267"/>
-        </pc:sldMkLst>
-        <pc:spChg chg="mod">
-          <ac:chgData name="Loïc MENISSIER" userId="2f577b14-8d2f-41fb-9e65-33a0241782fd" providerId="ADAL" clId="{D9C97B28-23B9-4CBB-BB58-02CDDB5E84D0}" dt="2021-02-02T22:35:48.799" v="844" actId="20577"/>
-          <ac:spMkLst>
-            <pc:docMk/>
-            <pc:sldMk cId="1595895236" sldId="267"/>
-            <ac:spMk id="2" creationId="{EB532BE0-D194-4FDA-B321-E2814A862AC8}"/>
-          </ac:spMkLst>
-        </pc:spChg>
-        <pc:spChg chg="del">
-          <ac:chgData name="Loïc MENISSIER" userId="2f577b14-8d2f-41fb-9e65-33a0241782fd" providerId="ADAL" clId="{D9C97B28-23B9-4CBB-BB58-02CDDB5E84D0}" dt="2021-02-02T22:35:43.482" v="835" actId="22"/>
-          <ac:spMkLst>
-            <pc:docMk/>
-            <pc:sldMk cId="1595895236" sldId="267"/>
-            <ac:spMk id="3" creationId="{5EEA3D97-49E9-43DD-92F4-36CE4A726D01}"/>
-          </ac:spMkLst>
-        </pc:spChg>
-        <pc:spChg chg="add mod">
-          <ac:chgData name="Loïc MENISSIER" userId="2f577b14-8d2f-41fb-9e65-33a0241782fd" providerId="ADAL" clId="{D9C97B28-23B9-4CBB-BB58-02CDDB5E84D0}" dt="2021-02-02T22:41:17.763" v="847" actId="478"/>
-          <ac:spMkLst>
-            <pc:docMk/>
-            <pc:sldMk cId="1595895236" sldId="267"/>
-            <ac:spMk id="9" creationId="{099439D4-DCE2-450E-8800-F4224F615B75}"/>
-          </ac:spMkLst>
-        </pc:spChg>
-        <pc:picChg chg="add del mod ord">
-          <ac:chgData name="Loïc MENISSIER" userId="2f577b14-8d2f-41fb-9e65-33a0241782fd" providerId="ADAL" clId="{D9C97B28-23B9-4CBB-BB58-02CDDB5E84D0}" dt="2021-02-02T22:41:17.763" v="847" actId="478"/>
-          <ac:picMkLst>
-            <pc:docMk/>
-            <pc:sldMk cId="1595895236" sldId="267"/>
-            <ac:picMk id="5" creationId="{F00D5F6D-ED6F-4D1B-984B-756EF4751E1A}"/>
-          </ac:picMkLst>
-        </pc:picChg>
-        <pc:picChg chg="add del">
-          <ac:chgData name="Loïc MENISSIER" userId="2f577b14-8d2f-41fb-9e65-33a0241782fd" providerId="ADAL" clId="{D9C97B28-23B9-4CBB-BB58-02CDDB5E84D0}" dt="2021-02-02T22:41:17.300" v="846" actId="478"/>
-          <ac:picMkLst>
-            <pc:docMk/>
-            <pc:sldMk cId="1595895236" sldId="267"/>
-            <ac:picMk id="7" creationId="{080CF65A-5F9E-431C-9D16-D2519117D86F}"/>
-          </ac:picMkLst>
-        </pc:picChg>
-        <pc:picChg chg="add mod">
-          <ac:chgData name="Loïc MENISSIER" userId="2f577b14-8d2f-41fb-9e65-33a0241782fd" providerId="ADAL" clId="{D9C97B28-23B9-4CBB-BB58-02CDDB5E84D0}" dt="2021-02-02T22:44:07.206" v="852" actId="1076"/>
-          <ac:picMkLst>
-            <pc:docMk/>
-            <pc:sldMk cId="1595895236" sldId="267"/>
-            <ac:picMk id="11" creationId="{C2480D07-277A-4459-8858-9480F77B9B5B}"/>
-          </ac:picMkLst>
-        </pc:picChg>
-      </pc:sldChg>
-      <pc:sldChg chg="new del ord">
-        <pc:chgData name="Loïc MENISSIER" userId="2f577b14-8d2f-41fb-9e65-33a0241782fd" providerId="ADAL" clId="{D9C97B28-23B9-4CBB-BB58-02CDDB5E84D0}" dt="2021-02-03T00:42:51.762" v="998" actId="2696"/>
-        <pc:sldMkLst>
-          <pc:docMk/>
-          <pc:sldMk cId="532297296" sldId="268"/>
-        </pc:sldMkLst>
-      </pc:sldChg>
-      <pc:sldChg chg="addSp delSp modSp new mod ord">
-        <pc:chgData name="Loïc MENISSIER" userId="2f577b14-8d2f-41fb-9e65-33a0241782fd" providerId="ADAL" clId="{D9C97B28-23B9-4CBB-BB58-02CDDB5E84D0}" dt="2021-02-03T08:37:59.290" v="1579" actId="1076"/>
-        <pc:sldMkLst>
-          <pc:docMk/>
-          <pc:sldMk cId="1511933680" sldId="269"/>
-        </pc:sldMkLst>
-        <pc:spChg chg="mod">
-          <ac:chgData name="Loïc MENISSIER" userId="2f577b14-8d2f-41fb-9e65-33a0241782fd" providerId="ADAL" clId="{D9C97B28-23B9-4CBB-BB58-02CDDB5E84D0}" dt="2021-02-03T01:22:38.219" v="1056" actId="20577"/>
-          <ac:spMkLst>
-            <pc:docMk/>
-            <pc:sldMk cId="1511933680" sldId="269"/>
-            <ac:spMk id="2" creationId="{41290B0E-191D-4DEA-8AE0-3BB5F19AE279}"/>
-          </ac:spMkLst>
-        </pc:spChg>
-        <pc:spChg chg="del">
-          <ac:chgData name="Loïc MENISSIER" userId="2f577b14-8d2f-41fb-9e65-33a0241782fd" providerId="ADAL" clId="{D9C97B28-23B9-4CBB-BB58-02CDDB5E84D0}" dt="2021-02-02T23:12:44.085" v="947" actId="22"/>
-          <ac:spMkLst>
-            <pc:docMk/>
-            <pc:sldMk cId="1511933680" sldId="269"/>
-            <ac:spMk id="3" creationId="{555A64FF-EA67-457C-AF22-9460C630D94F}"/>
-          </ac:spMkLst>
-        </pc:spChg>
-        <pc:picChg chg="add mod ord">
-          <ac:chgData name="Loïc MENISSIER" userId="2f577b14-8d2f-41fb-9e65-33a0241782fd" providerId="ADAL" clId="{D9C97B28-23B9-4CBB-BB58-02CDDB5E84D0}" dt="2021-02-03T08:37:59.290" v="1579" actId="1076"/>
-          <ac:picMkLst>
-            <pc:docMk/>
-            <pc:sldMk cId="1511933680" sldId="269"/>
-            <ac:picMk id="5" creationId="{A3DD2A2C-5270-42A2-BFDC-0876F05EDB63}"/>
-          </ac:picMkLst>
-        </pc:picChg>
-      </pc:sldChg>
-      <pc:sldChg chg="addSp delSp modSp new mod ord">
-        <pc:chgData name="Loïc MENISSIER" userId="2f577b14-8d2f-41fb-9e65-33a0241782fd" providerId="ADAL" clId="{D9C97B28-23B9-4CBB-BB58-02CDDB5E84D0}" dt="2021-02-03T00:40:25.570" v="997" actId="1076"/>
-        <pc:sldMkLst>
-          <pc:docMk/>
-          <pc:sldMk cId="2018680255" sldId="270"/>
-        </pc:sldMkLst>
-        <pc:spChg chg="mod">
-          <ac:chgData name="Loïc MENISSIER" userId="2f577b14-8d2f-41fb-9e65-33a0241782fd" providerId="ADAL" clId="{D9C97B28-23B9-4CBB-BB58-02CDDB5E84D0}" dt="2021-02-02T23:48:22.110" v="969" actId="20577"/>
-          <ac:spMkLst>
-            <pc:docMk/>
-            <pc:sldMk cId="2018680255" sldId="270"/>
-            <ac:spMk id="2" creationId="{ECBE198C-AE8C-4667-858D-36182F79ACF2}"/>
-          </ac:spMkLst>
-        </pc:spChg>
-        <pc:spChg chg="del">
-          <ac:chgData name="Loïc MENISSIER" userId="2f577b14-8d2f-41fb-9e65-33a0241782fd" providerId="ADAL" clId="{D9C97B28-23B9-4CBB-BB58-02CDDB5E84D0}" dt="2021-02-02T23:50:15.013" v="972"/>
-          <ac:spMkLst>
-            <pc:docMk/>
-            <pc:sldMk cId="2018680255" sldId="270"/>
-            <ac:spMk id="3" creationId="{B000B949-CAC5-4782-840D-91F5F59385D9}"/>
-          </ac:spMkLst>
-        </pc:spChg>
-        <pc:spChg chg="add del mod">
-          <ac:chgData name="Loïc MENISSIER" userId="2f577b14-8d2f-41fb-9e65-33a0241782fd" providerId="ADAL" clId="{D9C97B28-23B9-4CBB-BB58-02CDDB5E84D0}" dt="2021-02-03T00:40:20.647" v="995" actId="22"/>
-          <ac:spMkLst>
-            <pc:docMk/>
-            <pc:sldMk cId="2018680255" sldId="270"/>
-            <ac:spMk id="5" creationId="{881515F1-2B21-4985-ABB5-FF2F6796CF1B}"/>
-          </ac:spMkLst>
-        </pc:spChg>
-        <pc:spChg chg="add del mod">
-          <ac:chgData name="Loïc MENISSIER" userId="2f577b14-8d2f-41fb-9e65-33a0241782fd" providerId="ADAL" clId="{D9C97B28-23B9-4CBB-BB58-02CDDB5E84D0}" dt="2021-02-02T23:51:36.078" v="975"/>
-          <ac:spMkLst>
-            <pc:docMk/>
-            <pc:sldMk cId="2018680255" sldId="270"/>
-            <ac:spMk id="6" creationId="{656058A4-491D-4070-AE06-21061D8C8B28}"/>
-          </ac:spMkLst>
-        </pc:spChg>
-        <pc:spChg chg="add del mod">
-          <ac:chgData name="Loïc MENISSIER" userId="2f577b14-8d2f-41fb-9e65-33a0241782fd" providerId="ADAL" clId="{D9C97B28-23B9-4CBB-BB58-02CDDB5E84D0}" dt="2021-02-02T23:59:00.125" v="977"/>
-          <ac:spMkLst>
-            <pc:docMk/>
-            <pc:sldMk cId="2018680255" sldId="270"/>
-            <ac:spMk id="9" creationId="{E26C4281-7A66-43D0-9810-FC168C9DF270}"/>
-          </ac:spMkLst>
-        </pc:spChg>
-        <pc:spChg chg="add del mod">
-          <ac:chgData name="Loïc MENISSIER" userId="2f577b14-8d2f-41fb-9e65-33a0241782fd" providerId="ADAL" clId="{D9C97B28-23B9-4CBB-BB58-02CDDB5E84D0}" dt="2021-02-03T00:09:51.585" v="981"/>
-          <ac:spMkLst>
-            <pc:docMk/>
-            <pc:sldMk cId="2018680255" sldId="270"/>
-            <ac:spMk id="12" creationId="{461457C1-3E43-412B-996A-BF08D22FBBE7}"/>
-          </ac:spMkLst>
-        </pc:spChg>
-        <pc:graphicFrameChg chg="add del mod">
-          <ac:chgData name="Loïc MENISSIER" userId="2f577b14-8d2f-41fb-9e65-33a0241782fd" providerId="ADAL" clId="{D9C97B28-23B9-4CBB-BB58-02CDDB5E84D0}" dt="2021-02-03T00:40:00.860" v="994" actId="478"/>
-          <ac:graphicFrameMkLst>
-            <pc:docMk/>
-            <pc:sldMk cId="2018680255" sldId="270"/>
-            <ac:graphicFrameMk id="3" creationId="{B62AAB98-E0F3-4549-8F9B-3AD139B57CC5}"/>
-          </ac:graphicFrameMkLst>
-        </pc:graphicFrameChg>
-        <pc:graphicFrameChg chg="add del mod">
-          <ac:chgData name="Loïc MENISSIER" userId="2f577b14-8d2f-41fb-9e65-33a0241782fd" providerId="ADAL" clId="{D9C97B28-23B9-4CBB-BB58-02CDDB5E84D0}" dt="2021-02-02T23:50:28.764" v="974" actId="478"/>
-          <ac:graphicFrameMkLst>
-            <pc:docMk/>
-            <pc:sldMk cId="2018680255" sldId="270"/>
-            <ac:graphicFrameMk id="4" creationId="{E4E82D46-EF42-453B-AE42-E3631CB8B487}"/>
-          </ac:graphicFrameMkLst>
-        </pc:graphicFrameChg>
-        <pc:graphicFrameChg chg="add del mod">
-          <ac:chgData name="Loïc MENISSIER" userId="2f577b14-8d2f-41fb-9e65-33a0241782fd" providerId="ADAL" clId="{D9C97B28-23B9-4CBB-BB58-02CDDB5E84D0}" dt="2021-02-02T23:51:47.115" v="976" actId="478"/>
-          <ac:graphicFrameMkLst>
-            <pc:docMk/>
-            <pc:sldMk cId="2018680255" sldId="270"/>
-            <ac:graphicFrameMk id="7" creationId="{DE4F8F6C-7FCE-44BA-A4D5-F012F13EA53A}"/>
-          </ac:graphicFrameMkLst>
-        </pc:graphicFrameChg>
-        <pc:graphicFrameChg chg="add del mod">
-          <ac:chgData name="Loïc MENISSIER" userId="2f577b14-8d2f-41fb-9e65-33a0241782fd" providerId="ADAL" clId="{D9C97B28-23B9-4CBB-BB58-02CDDB5E84D0}" dt="2021-02-02T23:59:04.327" v="978" actId="478"/>
-          <ac:graphicFrameMkLst>
-            <pc:docMk/>
-            <pc:sldMk cId="2018680255" sldId="270"/>
-            <ac:graphicFrameMk id="10" creationId="{1AA15266-4542-40DE-BB41-3AFE3DE7FDDB}"/>
-          </ac:graphicFrameMkLst>
-        </pc:graphicFrameChg>
-        <pc:picChg chg="add mod ord">
-          <ac:chgData name="Loïc MENISSIER" userId="2f577b14-8d2f-41fb-9e65-33a0241782fd" providerId="ADAL" clId="{D9C97B28-23B9-4CBB-BB58-02CDDB5E84D0}" dt="2021-02-03T00:40:25.570" v="997" actId="1076"/>
-          <ac:picMkLst>
-            <pc:docMk/>
-            <pc:sldMk cId="2018680255" sldId="270"/>
-            <ac:picMk id="7" creationId="{CC64FFEF-C91B-49E6-A8F5-0C29354F3A53}"/>
-          </ac:picMkLst>
-        </pc:picChg>
-      </pc:sldChg>
-      <pc:sldChg chg="addSp delSp modSp new mod ord modNotesTx">
-        <pc:chgData name="Loïc MENISSIER" userId="2f577b14-8d2f-41fb-9e65-33a0241782fd" providerId="ADAL" clId="{D9C97B28-23B9-4CBB-BB58-02CDDB5E84D0}" dt="2021-02-03T09:13:25.343" v="3112" actId="20577"/>
-        <pc:sldMkLst>
-          <pc:docMk/>
-          <pc:sldMk cId="2622803830" sldId="271"/>
-        </pc:sldMkLst>
-        <pc:spChg chg="mod">
-          <ac:chgData name="Loïc MENISSIER" userId="2f577b14-8d2f-41fb-9e65-33a0241782fd" providerId="ADAL" clId="{D9C97B28-23B9-4CBB-BB58-02CDDB5E84D0}" dt="2021-02-03T08:23:20.435" v="1060" actId="20577"/>
-          <ac:spMkLst>
-            <pc:docMk/>
-            <pc:sldMk cId="2622803830" sldId="271"/>
-            <ac:spMk id="2" creationId="{3BC0EF4C-1EB5-4C86-A43D-C0A2976FEAB1}"/>
-          </ac:spMkLst>
-        </pc:spChg>
-        <pc:spChg chg="del">
-          <ac:chgData name="Loïc MENISSIER" userId="2f577b14-8d2f-41fb-9e65-33a0241782fd" providerId="ADAL" clId="{D9C97B28-23B9-4CBB-BB58-02CDDB5E84D0}" dt="2021-02-03T00:59:27.802" v="1002" actId="22"/>
-          <ac:spMkLst>
-            <pc:docMk/>
-            <pc:sldMk cId="2622803830" sldId="271"/>
-            <ac:spMk id="3" creationId="{772F0383-B5DA-4B34-BFD3-75D57A407F80}"/>
-          </ac:spMkLst>
-        </pc:spChg>
-        <pc:picChg chg="add mod ord">
-          <ac:chgData name="Loïc MENISSIER" userId="2f577b14-8d2f-41fb-9e65-33a0241782fd" providerId="ADAL" clId="{D9C97B28-23B9-4CBB-BB58-02CDDB5E84D0}" dt="2021-02-03T00:59:44.851" v="1011" actId="1076"/>
-          <ac:picMkLst>
-            <pc:docMk/>
-            <pc:sldMk cId="2622803830" sldId="271"/>
-            <ac:picMk id="5" creationId="{C6553EBB-C5DF-4692-871E-F74B1588D73A}"/>
-          </ac:picMkLst>
-        </pc:picChg>
-      </pc:sldChg>
-      <pc:sldChg chg="addSp delSp modSp new mod ord modNotesTx">
-        <pc:chgData name="Loïc MENISSIER" userId="2f577b14-8d2f-41fb-9e65-33a0241782fd" providerId="ADAL" clId="{D9C97B28-23B9-4CBB-BB58-02CDDB5E84D0}" dt="2021-02-03T09:07:28.788" v="2811" actId="20577"/>
-        <pc:sldMkLst>
-          <pc:docMk/>
-          <pc:sldMk cId="716132361" sldId="272"/>
-        </pc:sldMkLst>
-        <pc:spChg chg="mod">
-          <ac:chgData name="Loïc MENISSIER" userId="2f577b14-8d2f-41fb-9e65-33a0241782fd" providerId="ADAL" clId="{D9C97B28-23B9-4CBB-BB58-02CDDB5E84D0}" dt="2021-02-03T01:02:10.140" v="1020" actId="20577"/>
-          <ac:spMkLst>
-            <pc:docMk/>
-            <pc:sldMk cId="716132361" sldId="272"/>
-            <ac:spMk id="2" creationId="{69551B50-9195-4D62-9645-C3BDC4C776B2}"/>
-          </ac:spMkLst>
-        </pc:spChg>
-        <pc:spChg chg="del">
-          <ac:chgData name="Loïc MENISSIER" userId="2f577b14-8d2f-41fb-9e65-33a0241782fd" providerId="ADAL" clId="{D9C97B28-23B9-4CBB-BB58-02CDDB5E84D0}" dt="2021-02-03T01:02:11.346" v="1021" actId="22"/>
-          <ac:spMkLst>
-            <pc:docMk/>
-            <pc:sldMk cId="716132361" sldId="272"/>
-            <ac:spMk id="3" creationId="{5BB3A9FA-8EC2-45FD-9E82-A26ECF61E7F1}"/>
-          </ac:spMkLst>
-        </pc:spChg>
-        <pc:picChg chg="add mod ord">
-          <ac:chgData name="Loïc MENISSIER" userId="2f577b14-8d2f-41fb-9e65-33a0241782fd" providerId="ADAL" clId="{D9C97B28-23B9-4CBB-BB58-02CDDB5E84D0}" dt="2021-02-03T01:02:11.346" v="1021" actId="22"/>
-          <ac:picMkLst>
-            <pc:docMk/>
-            <pc:sldMk cId="716132361" sldId="272"/>
-            <ac:picMk id="5" creationId="{A4F776B6-1474-4319-AD77-6C24731280F5}"/>
-          </ac:picMkLst>
-        </pc:picChg>
-      </pc:sldChg>
-      <pc:sldChg chg="addSp delSp modSp new mod ord modNotesTx">
-        <pc:chgData name="Loïc MENISSIER" userId="2f577b14-8d2f-41fb-9e65-33a0241782fd" providerId="ADAL" clId="{D9C97B28-23B9-4CBB-BB58-02CDDB5E84D0}" dt="2021-02-03T08:48:34.409" v="2455" actId="20577"/>
-        <pc:sldMkLst>
-          <pc:docMk/>
-          <pc:sldMk cId="2542438106" sldId="273"/>
-        </pc:sldMkLst>
-        <pc:spChg chg="mod">
-          <ac:chgData name="Loïc MENISSIER" userId="2f577b14-8d2f-41fb-9e65-33a0241782fd" providerId="ADAL" clId="{D9C97B28-23B9-4CBB-BB58-02CDDB5E84D0}" dt="2021-02-03T01:02:19.752" v="1029" actId="20577"/>
-          <ac:spMkLst>
-            <pc:docMk/>
-            <pc:sldMk cId="2542438106" sldId="273"/>
-            <ac:spMk id="2" creationId="{DCDAB876-2F90-489F-A4C9-5FFA84362799}"/>
-          </ac:spMkLst>
-        </pc:spChg>
-        <pc:spChg chg="del">
-          <ac:chgData name="Loïc MENISSIER" userId="2f577b14-8d2f-41fb-9e65-33a0241782fd" providerId="ADAL" clId="{D9C97B28-23B9-4CBB-BB58-02CDDB5E84D0}" dt="2021-02-03T01:21:19.169" v="1030" actId="22"/>
-          <ac:spMkLst>
-            <pc:docMk/>
-            <pc:sldMk cId="2542438106" sldId="273"/>
-            <ac:spMk id="3" creationId="{D5ECCC34-2C76-42CF-8E72-BBBB2542FF4A}"/>
-          </ac:spMkLst>
-        </pc:spChg>
-        <pc:picChg chg="add mod ord">
-          <ac:chgData name="Loïc MENISSIER" userId="2f577b14-8d2f-41fb-9e65-33a0241782fd" providerId="ADAL" clId="{D9C97B28-23B9-4CBB-BB58-02CDDB5E84D0}" dt="2021-02-03T01:21:43.302" v="1034" actId="14100"/>
-          <ac:picMkLst>
-            <pc:docMk/>
-            <pc:sldMk cId="2542438106" sldId="273"/>
-            <ac:picMk id="5" creationId="{5A4EBC76-F00E-4440-A1D5-A9CE7C0D9B25}"/>
-          </ac:picMkLst>
-        </pc:picChg>
-      </pc:sldChg>
-    </pc:docChg>
-  </pc:docChgLst>
-  <pc:docChgLst>
-    <pc:chgData name="Jacques CURTIS" userId="S::jcurtis1@myges.fr::edcf499e-1a5e-4907-96c2-48f94e90cc38" providerId="AD" clId="Web-{8C4D3AC2-ABB9-4F0E-B7A0-A4178AD46552}"/>
-    <pc:docChg chg="modSld">
-      <pc:chgData name="Jacques CURTIS" userId="S::jcurtis1@myges.fr::edcf499e-1a5e-4907-96c2-48f94e90cc38" providerId="AD" clId="Web-{8C4D3AC2-ABB9-4F0E-B7A0-A4178AD46552}" dt="2021-02-02T21:39:15.411" v="4"/>
-      <pc:docMkLst>
-        <pc:docMk/>
-      </pc:docMkLst>
-      <pc:sldChg chg="delSp">
-        <pc:chgData name="Jacques CURTIS" userId="S::jcurtis1@myges.fr::edcf499e-1a5e-4907-96c2-48f94e90cc38" providerId="AD" clId="Web-{8C4D3AC2-ABB9-4F0E-B7A0-A4178AD46552}" dt="2021-02-02T21:39:06.270" v="1"/>
-        <pc:sldMkLst>
-          <pc:docMk/>
-          <pc:sldMk cId="128495895" sldId="257"/>
-        </pc:sldMkLst>
-        <pc:spChg chg="del">
-          <ac:chgData name="Jacques CURTIS" userId="S::jcurtis1@myges.fr::edcf499e-1a5e-4907-96c2-48f94e90cc38" providerId="AD" clId="Web-{8C4D3AC2-ABB9-4F0E-B7A0-A4178AD46552}" dt="2021-02-02T21:39:06.270" v="1"/>
-          <ac:spMkLst>
-            <pc:docMk/>
-            <pc:sldMk cId="128495895" sldId="257"/>
-            <ac:spMk id="4" creationId="{642CE904-9E3C-43AB-BAAC-AB963A410CB8}"/>
-          </ac:spMkLst>
-        </pc:spChg>
-      </pc:sldChg>
-      <pc:sldChg chg="delSp">
-        <pc:chgData name="Jacques CURTIS" userId="S::jcurtis1@myges.fr::edcf499e-1a5e-4907-96c2-48f94e90cc38" providerId="AD" clId="Web-{8C4D3AC2-ABB9-4F0E-B7A0-A4178AD46552}" dt="2021-02-02T21:39:11.130" v="3"/>
-        <pc:sldMkLst>
-          <pc:docMk/>
-          <pc:sldMk cId="4001191277" sldId="259"/>
-        </pc:sldMkLst>
-        <pc:spChg chg="del">
-          <ac:chgData name="Jacques CURTIS" userId="S::jcurtis1@myges.fr::edcf499e-1a5e-4907-96c2-48f94e90cc38" providerId="AD" clId="Web-{8C4D3AC2-ABB9-4F0E-B7A0-A4178AD46552}" dt="2021-02-02T21:39:11.130" v="3"/>
-          <ac:spMkLst>
-            <pc:docMk/>
-            <pc:sldMk cId="4001191277" sldId="259"/>
-            <ac:spMk id="3" creationId="{30092EB7-C804-47C5-BAE9-6E2E0617BAD9}"/>
-          </ac:spMkLst>
-        </pc:spChg>
-      </pc:sldChg>
-      <pc:sldChg chg="delSp">
-        <pc:chgData name="Jacques CURTIS" userId="S::jcurtis1@myges.fr::edcf499e-1a5e-4907-96c2-48f94e90cc38" providerId="AD" clId="Web-{8C4D3AC2-ABB9-4F0E-B7A0-A4178AD46552}" dt="2021-02-02T21:39:15.411" v="4"/>
-        <pc:sldMkLst>
-          <pc:docMk/>
-          <pc:sldMk cId="2534841834" sldId="260"/>
-        </pc:sldMkLst>
-        <pc:spChg chg="del">
-          <ac:chgData name="Jacques CURTIS" userId="S::jcurtis1@myges.fr::edcf499e-1a5e-4907-96c2-48f94e90cc38" providerId="AD" clId="Web-{8C4D3AC2-ABB9-4F0E-B7A0-A4178AD46552}" dt="2021-02-02T21:39:15.411" v="4"/>
-          <ac:spMkLst>
-            <pc:docMk/>
-            <pc:sldMk cId="2534841834" sldId="260"/>
-            <ac:spMk id="3" creationId="{550B1E44-F114-40BB-95C0-9B39A215E538}"/>
-          </ac:spMkLst>
-        </pc:spChg>
-      </pc:sldChg>
-      <pc:sldChg chg="delSp">
-        <pc:chgData name="Jacques CURTIS" userId="S::jcurtis1@myges.fr::edcf499e-1a5e-4907-96c2-48f94e90cc38" providerId="AD" clId="Web-{8C4D3AC2-ABB9-4F0E-B7A0-A4178AD46552}" dt="2021-02-02T21:39:08.286" v="2"/>
-        <pc:sldMkLst>
-          <pc:docMk/>
-          <pc:sldMk cId="478765012" sldId="261"/>
-        </pc:sldMkLst>
-        <pc:spChg chg="del">
-          <ac:chgData name="Jacques CURTIS" userId="S::jcurtis1@myges.fr::edcf499e-1a5e-4907-96c2-48f94e90cc38" providerId="AD" clId="Web-{8C4D3AC2-ABB9-4F0E-B7A0-A4178AD46552}" dt="2021-02-02T21:39:08.286" v="2"/>
-          <ac:spMkLst>
-            <pc:docMk/>
-            <pc:sldMk cId="478765012" sldId="261"/>
-            <ac:spMk id="4" creationId="{2EA2358D-E47D-4824-BFFE-E9D305D00861}"/>
-          </ac:spMkLst>
-        </pc:spChg>
-      </pc:sldChg>
-      <pc:sldChg chg="delSp">
-        <pc:chgData name="Jacques CURTIS" userId="S::jcurtis1@myges.fr::edcf499e-1a5e-4907-96c2-48f94e90cc38" providerId="AD" clId="Web-{8C4D3AC2-ABB9-4F0E-B7A0-A4178AD46552}" dt="2021-02-02T21:39:02.582" v="0"/>
-        <pc:sldMkLst>
-          <pc:docMk/>
-          <pc:sldMk cId="12277624" sldId="263"/>
-        </pc:sldMkLst>
-        <pc:spChg chg="del">
-          <ac:chgData name="Jacques CURTIS" userId="S::jcurtis1@myges.fr::edcf499e-1a5e-4907-96c2-48f94e90cc38" providerId="AD" clId="Web-{8C4D3AC2-ABB9-4F0E-B7A0-A4178AD46552}" dt="2021-02-02T21:39:02.582" v="0"/>
-          <ac:spMkLst>
-            <pc:docMk/>
-            <pc:sldMk cId="12277624" sldId="263"/>
-            <ac:spMk id="4" creationId="{F0B6301D-608D-498C-8495-16F77F01D5D1}"/>
-          </ac:spMkLst>
-        </pc:spChg>
-      </pc:sldChg>
-    </pc:docChg>
-  </pc:docChgLst>
-  <pc:docChgLst>
-    <pc:chgData name="Jacques CURTIS" userId="S::jcurtis1@myges.fr::edcf499e-1a5e-4907-96c2-48f94e90cc38" providerId="AD" clId="Web-{AD555303-35CC-4517-879B-75EF68208A9E}"/>
-    <pc:docChg chg="modSld">
-      <pc:chgData name="Jacques CURTIS" userId="S::jcurtis1@myges.fr::edcf499e-1a5e-4907-96c2-48f94e90cc38" providerId="AD" clId="Web-{AD555303-35CC-4517-879B-75EF68208A9E}" dt="2021-02-02T19:01:46.980" v="92"/>
-      <pc:docMkLst>
-        <pc:docMk/>
-      </pc:docMkLst>
-      <pc:sldChg chg="addSp delSp modSp mod setBg">
-        <pc:chgData name="Jacques CURTIS" userId="S::jcurtis1@myges.fr::edcf499e-1a5e-4907-96c2-48f94e90cc38" providerId="AD" clId="Web-{AD555303-35CC-4517-879B-75EF68208A9E}" dt="2021-02-02T19:01:46.980" v="92"/>
-        <pc:sldMkLst>
-          <pc:docMk/>
-          <pc:sldMk cId="2534841834" sldId="260"/>
-        </pc:sldMkLst>
-        <pc:spChg chg="mod">
-          <ac:chgData name="Jacques CURTIS" userId="S::jcurtis1@myges.fr::edcf499e-1a5e-4907-96c2-48f94e90cc38" providerId="AD" clId="Web-{AD555303-35CC-4517-879B-75EF68208A9E}" dt="2021-02-02T19:01:46.980" v="92"/>
-          <ac:spMkLst>
-            <pc:docMk/>
-            <pc:sldMk cId="2534841834" sldId="260"/>
-            <ac:spMk id="2" creationId="{A20D0F5B-3518-4A38-8D84-E2E3EC2DB299}"/>
-          </ac:spMkLst>
-        </pc:spChg>
-        <pc:spChg chg="del">
-          <ac:chgData name="Jacques CURTIS" userId="S::jcurtis1@myges.fr::edcf499e-1a5e-4907-96c2-48f94e90cc38" providerId="AD" clId="Web-{AD555303-35CC-4517-879B-75EF68208A9E}" dt="2021-02-02T19:01:46.980" v="92"/>
-          <ac:spMkLst>
-            <pc:docMk/>
-            <pc:sldMk cId="2534841834" sldId="260"/>
-            <ac:spMk id="3" creationId="{DA3EFE32-EC2C-43B4-B246-866DC97AB8D9}"/>
-          </ac:spMkLst>
-        </pc:spChg>
-        <pc:spChg chg="add">
-          <ac:chgData name="Jacques CURTIS" userId="S::jcurtis1@myges.fr::edcf499e-1a5e-4907-96c2-48f94e90cc38" providerId="AD" clId="Web-{AD555303-35CC-4517-879B-75EF68208A9E}" dt="2021-02-02T19:01:46.980" v="92"/>
-          <ac:spMkLst>
-            <pc:docMk/>
-            <pc:sldMk cId="2534841834" sldId="260"/>
-            <ac:spMk id="8" creationId="{70068059-9097-4F05-BA38-CDD7DBF77372}"/>
-          </ac:spMkLst>
-        </pc:spChg>
-        <pc:spChg chg="add">
-          <ac:chgData name="Jacques CURTIS" userId="S::jcurtis1@myges.fr::edcf499e-1a5e-4907-96c2-48f94e90cc38" providerId="AD" clId="Web-{AD555303-35CC-4517-879B-75EF68208A9E}" dt="2021-02-02T19:01:46.980" v="92"/>
-          <ac:spMkLst>
-            <pc:docMk/>
-            <pc:sldMk cId="2534841834" sldId="260"/>
-            <ac:spMk id="10" creationId="{E164A015-EDB3-4688-8B77-9255305411E1}"/>
-          </ac:spMkLst>
-        </pc:spChg>
-      </pc:sldChg>
-      <pc:sldChg chg="addSp delSp modSp">
-        <pc:chgData name="Jacques CURTIS" userId="S::jcurtis1@myges.fr::edcf499e-1a5e-4907-96c2-48f94e90cc38" providerId="AD" clId="Web-{AD555303-35CC-4517-879B-75EF68208A9E}" dt="2021-02-02T18:47:24.436" v="13"/>
-        <pc:sldMkLst>
-          <pc:docMk/>
-          <pc:sldMk cId="478765012" sldId="261"/>
-        </pc:sldMkLst>
-        <pc:picChg chg="add del mod">
-          <ac:chgData name="Jacques CURTIS" userId="S::jcurtis1@myges.fr::edcf499e-1a5e-4907-96c2-48f94e90cc38" providerId="AD" clId="Web-{AD555303-35CC-4517-879B-75EF68208A9E}" dt="2021-02-02T18:46:03.841" v="6"/>
-          <ac:picMkLst>
-            <pc:docMk/>
-            <pc:sldMk cId="478765012" sldId="261"/>
-            <ac:picMk id="4" creationId="{CC3F19E0-0A26-47D9-94FC-738825E3630E}"/>
-          </ac:picMkLst>
-        </pc:picChg>
-        <pc:picChg chg="add del mod">
-          <ac:chgData name="Jacques CURTIS" userId="S::jcurtis1@myges.fr::edcf499e-1a5e-4907-96c2-48f94e90cc38" providerId="AD" clId="Web-{AD555303-35CC-4517-879B-75EF68208A9E}" dt="2021-02-02T18:47:19.608" v="11"/>
-          <ac:picMkLst>
-            <pc:docMk/>
-            <pc:sldMk cId="478765012" sldId="261"/>
-            <ac:picMk id="5" creationId="{5EA4112D-56F9-4EFF-B8CA-D791505B9F81}"/>
-          </ac:picMkLst>
-        </pc:picChg>
-        <pc:picChg chg="add del mod">
-          <ac:chgData name="Jacques CURTIS" userId="S::jcurtis1@myges.fr::edcf499e-1a5e-4907-96c2-48f94e90cc38" providerId="AD" clId="Web-{AD555303-35CC-4517-879B-75EF68208A9E}" dt="2021-02-02T18:47:24.436" v="13"/>
-          <ac:picMkLst>
-            <pc:docMk/>
-            <pc:sldMk cId="478765012" sldId="261"/>
-            <ac:picMk id="6" creationId="{4E454E93-1D57-4701-8FB0-DA8DDE14E46F}"/>
-          </ac:picMkLst>
-        </pc:picChg>
-      </pc:sldChg>
-      <pc:sldChg chg="modSp">
-        <pc:chgData name="Jacques CURTIS" userId="S::jcurtis1@myges.fr::edcf499e-1a5e-4907-96c2-48f94e90cc38" providerId="AD" clId="Web-{AD555303-35CC-4517-879B-75EF68208A9E}" dt="2021-02-02T18:59:11.556" v="91" actId="20577"/>
-        <pc:sldMkLst>
-          <pc:docMk/>
-          <pc:sldMk cId="12277624" sldId="263"/>
-        </pc:sldMkLst>
-        <pc:spChg chg="mod">
-          <ac:chgData name="Jacques CURTIS" userId="S::jcurtis1@myges.fr::edcf499e-1a5e-4907-96c2-48f94e90cc38" providerId="AD" clId="Web-{AD555303-35CC-4517-879B-75EF68208A9E}" dt="2021-02-02T18:59:11.556" v="91" actId="20577"/>
-          <ac:spMkLst>
-            <pc:docMk/>
-            <pc:sldMk cId="12277624" sldId="263"/>
-            <ac:spMk id="3" creationId="{E97E73A2-8A6C-4DEA-852C-7D324B44D3DE}"/>
-          </ac:spMkLst>
-        </pc:spChg>
-      </pc:sldChg>
-      <pc:sldChg chg="modSp">
-        <pc:chgData name="Jacques CURTIS" userId="S::jcurtis1@myges.fr::edcf499e-1a5e-4907-96c2-48f94e90cc38" providerId="AD" clId="Web-{AD555303-35CC-4517-879B-75EF68208A9E}" dt="2021-02-02T18:49:51.266" v="55" actId="20577"/>
-        <pc:sldMkLst>
-          <pc:docMk/>
-          <pc:sldMk cId="4274174818" sldId="264"/>
-        </pc:sldMkLst>
-        <pc:spChg chg="mod">
-          <ac:chgData name="Jacques CURTIS" userId="S::jcurtis1@myges.fr::edcf499e-1a5e-4907-96c2-48f94e90cc38" providerId="AD" clId="Web-{AD555303-35CC-4517-879B-75EF68208A9E}" dt="2021-02-02T18:49:51.266" v="55" actId="20577"/>
-          <ac:spMkLst>
-            <pc:docMk/>
-            <pc:sldMk cId="4274174818" sldId="264"/>
-            <ac:spMk id="3" creationId="{269616CD-77A7-493F-BD0C-F96D73D64487}"/>
-          </ac:spMkLst>
-        </pc:spChg>
       </pc:sldChg>
     </pc:docChg>
   </pc:docChgLst>
@@ -3083,409 +3477,6 @@
     </pc:docChg>
   </pc:docChgLst>
   <pc:docChgLst>
-    <pc:chgData name="Jacques CURTIS" userId="S::jcurtis1@myges.fr::edcf499e-1a5e-4907-96c2-48f94e90cc38" providerId="AD" clId="Web-{EFAE836B-D726-47D4-8B95-A0EB1A2CFC26}"/>
-    <pc:docChg chg="addSld modSld">
-      <pc:chgData name="Jacques CURTIS" userId="S::jcurtis1@myges.fr::edcf499e-1a5e-4907-96c2-48f94e90cc38" providerId="AD" clId="Web-{EFAE836B-D726-47D4-8B95-A0EB1A2CFC26}" dt="2021-02-02T20:00:48.909" v="194" actId="20577"/>
-      <pc:docMkLst>
-        <pc:docMk/>
-      </pc:docMkLst>
-      <pc:sldChg chg="modSp">
-        <pc:chgData name="Jacques CURTIS" userId="S::jcurtis1@myges.fr::edcf499e-1a5e-4907-96c2-48f94e90cc38" providerId="AD" clId="Web-{EFAE836B-D726-47D4-8B95-A0EB1A2CFC26}" dt="2021-02-02T20:00:42.252" v="187" actId="20577"/>
-        <pc:sldMkLst>
-          <pc:docMk/>
-          <pc:sldMk cId="2246072736" sldId="258"/>
-        </pc:sldMkLst>
-        <pc:spChg chg="mod">
-          <ac:chgData name="Jacques CURTIS" userId="S::jcurtis1@myges.fr::edcf499e-1a5e-4907-96c2-48f94e90cc38" providerId="AD" clId="Web-{EFAE836B-D726-47D4-8B95-A0EB1A2CFC26}" dt="2021-02-02T20:00:42.252" v="187" actId="20577"/>
-          <ac:spMkLst>
-            <pc:docMk/>
-            <pc:sldMk cId="2246072736" sldId="258"/>
-            <ac:spMk id="3" creationId="{3C2700ED-72E3-4C88-AA6A-0D6F1C838112}"/>
-          </ac:spMkLst>
-        </pc:spChg>
-      </pc:sldChg>
-      <pc:sldChg chg="modSp new">
-        <pc:chgData name="Jacques CURTIS" userId="S::jcurtis1@myges.fr::edcf499e-1a5e-4907-96c2-48f94e90cc38" providerId="AD" clId="Web-{EFAE836B-D726-47D4-8B95-A0EB1A2CFC26}" dt="2021-02-02T20:00:48.909" v="194" actId="20577"/>
-        <pc:sldMkLst>
-          <pc:docMk/>
-          <pc:sldMk cId="1882371955" sldId="265"/>
-        </pc:sldMkLst>
-        <pc:spChg chg="mod">
-          <ac:chgData name="Jacques CURTIS" userId="S::jcurtis1@myges.fr::edcf499e-1a5e-4907-96c2-48f94e90cc38" providerId="AD" clId="Web-{EFAE836B-D726-47D4-8B95-A0EB1A2CFC26}" dt="2021-02-02T20:00:48.909" v="194" actId="20577"/>
-          <ac:spMkLst>
-            <pc:docMk/>
-            <pc:sldMk cId="1882371955" sldId="265"/>
-            <ac:spMk id="2" creationId="{B96F274B-202F-4180-A0E3-5FDE17C7AA99}"/>
-          </ac:spMkLst>
-        </pc:spChg>
-        <pc:spChg chg="mod">
-          <ac:chgData name="Jacques CURTIS" userId="S::jcurtis1@myges.fr::edcf499e-1a5e-4907-96c2-48f94e90cc38" providerId="AD" clId="Web-{EFAE836B-D726-47D4-8B95-A0EB1A2CFC26}" dt="2021-02-02T19:59:44.797" v="170" actId="20577"/>
-          <ac:spMkLst>
-            <pc:docMk/>
-            <pc:sldMk cId="1882371955" sldId="265"/>
-            <ac:spMk id="3" creationId="{F3C2698F-38EF-42B1-A542-D2A75CE15061}"/>
-          </ac:spMkLst>
-        </pc:spChg>
-      </pc:sldChg>
-      <pc:sldChg chg="delSp modSp new">
-        <pc:chgData name="Jacques CURTIS" userId="S::jcurtis1@myges.fr::edcf499e-1a5e-4907-96c2-48f94e90cc38" providerId="AD" clId="Web-{EFAE836B-D726-47D4-8B95-A0EB1A2CFC26}" dt="2021-02-02T19:58:51.202" v="144" actId="14100"/>
-        <pc:sldMkLst>
-          <pc:docMk/>
-          <pc:sldMk cId="3647639019" sldId="266"/>
-        </pc:sldMkLst>
-        <pc:spChg chg="mod">
-          <ac:chgData name="Jacques CURTIS" userId="S::jcurtis1@myges.fr::edcf499e-1a5e-4907-96c2-48f94e90cc38" providerId="AD" clId="Web-{EFAE836B-D726-47D4-8B95-A0EB1A2CFC26}" dt="2021-02-02T19:58:51.202" v="144" actId="14100"/>
-          <ac:spMkLst>
-            <pc:docMk/>
-            <pc:sldMk cId="3647639019" sldId="266"/>
-            <ac:spMk id="2" creationId="{09B581CD-A5BC-46F4-830A-66F1847DB67B}"/>
-          </ac:spMkLst>
-        </pc:spChg>
-        <pc:spChg chg="del">
-          <ac:chgData name="Jacques CURTIS" userId="S::jcurtis1@myges.fr::edcf499e-1a5e-4907-96c2-48f94e90cc38" providerId="AD" clId="Web-{EFAE836B-D726-47D4-8B95-A0EB1A2CFC26}" dt="2021-02-02T19:58:37.686" v="141"/>
-          <ac:spMkLst>
-            <pc:docMk/>
-            <pc:sldMk cId="3647639019" sldId="266"/>
-            <ac:spMk id="3" creationId="{68139D27-C785-4B83-9CC6-F4ACF271D9D9}"/>
-          </ac:spMkLst>
-        </pc:spChg>
-      </pc:sldChg>
-    </pc:docChg>
-  </pc:docChgLst>
-  <pc:docChgLst>
-    <pc:chgData name="Saïd ZENNADI" userId="S::szennadi@myges.fr::2b0413f6-b439-4ebe-a7c6-8b4f99af3d67" providerId="AD" clId="Web-{20047ED2-9C03-4CA4-A188-F1491B6E05BF}"/>
-    <pc:docChg chg="modSld">
-      <pc:chgData name="Saïd ZENNADI" userId="S::szennadi@myges.fr::2b0413f6-b439-4ebe-a7c6-8b4f99af3d67" providerId="AD" clId="Web-{20047ED2-9C03-4CA4-A188-F1491B6E05BF}" dt="2021-02-25T09:56:51.248" v="123" actId="1076"/>
-      <pc:docMkLst>
-        <pc:docMk/>
-      </pc:docMkLst>
-      <pc:sldChg chg="modSp">
-        <pc:chgData name="Saïd ZENNADI" userId="S::szennadi@myges.fr::2b0413f6-b439-4ebe-a7c6-8b4f99af3d67" providerId="AD" clId="Web-{20047ED2-9C03-4CA4-A188-F1491B6E05BF}" dt="2021-02-25T09:42:18.152" v="41" actId="20577"/>
-        <pc:sldMkLst>
-          <pc:docMk/>
-          <pc:sldMk cId="2246072736" sldId="258"/>
-        </pc:sldMkLst>
-        <pc:spChg chg="mod">
-          <ac:chgData name="Saïd ZENNADI" userId="S::szennadi@myges.fr::2b0413f6-b439-4ebe-a7c6-8b4f99af3d67" providerId="AD" clId="Web-{20047ED2-9C03-4CA4-A188-F1491B6E05BF}" dt="2021-02-25T09:42:18.152" v="41" actId="20577"/>
-          <ac:spMkLst>
-            <pc:docMk/>
-            <pc:sldMk cId="2246072736" sldId="258"/>
-            <ac:spMk id="5" creationId="{4899AFF2-C064-46FB-91BB-52A602A794D4}"/>
-          </ac:spMkLst>
-        </pc:spChg>
-      </pc:sldChg>
-      <pc:sldChg chg="modSp">
-        <pc:chgData name="Saïd ZENNADI" userId="S::szennadi@myges.fr::2b0413f6-b439-4ebe-a7c6-8b4f99af3d67" providerId="AD" clId="Web-{20047ED2-9C03-4CA4-A188-F1491B6E05BF}" dt="2021-02-25T09:56:51.248" v="123" actId="1076"/>
-        <pc:sldMkLst>
-          <pc:docMk/>
-          <pc:sldMk cId="716132361" sldId="272"/>
-        </pc:sldMkLst>
-        <pc:graphicFrameChg chg="mod">
-          <ac:chgData name="Saïd ZENNADI" userId="S::szennadi@myges.fr::2b0413f6-b439-4ebe-a7c6-8b4f99af3d67" providerId="AD" clId="Web-{20047ED2-9C03-4CA4-A188-F1491B6E05BF}" dt="2021-02-25T09:56:51.248" v="123" actId="1076"/>
-          <ac:graphicFrameMkLst>
-            <pc:docMk/>
-            <pc:sldMk cId="716132361" sldId="272"/>
-            <ac:graphicFrameMk id="5" creationId="{1D635A33-C28F-49F6-9513-A70AFD633B10}"/>
-          </ac:graphicFrameMkLst>
-        </pc:graphicFrameChg>
-        <pc:graphicFrameChg chg="mod">
-          <ac:chgData name="Saïd ZENNADI" userId="S::szennadi@myges.fr::2b0413f6-b439-4ebe-a7c6-8b4f99af3d67" providerId="AD" clId="Web-{20047ED2-9C03-4CA4-A188-F1491B6E05BF}" dt="2021-02-25T09:49:21.270" v="42" actId="1076"/>
-          <ac:graphicFrameMkLst>
-            <pc:docMk/>
-            <pc:sldMk cId="716132361" sldId="272"/>
-            <ac:graphicFrameMk id="10" creationId="{40F62707-A4B1-443C-BFC8-DB94B8A248BD}"/>
-          </ac:graphicFrameMkLst>
-        </pc:graphicFrameChg>
-      </pc:sldChg>
-      <pc:sldChg chg="modNotes">
-        <pc:chgData name="Saïd ZENNADI" userId="S::szennadi@myges.fr::2b0413f6-b439-4ebe-a7c6-8b4f99af3d67" providerId="AD" clId="Web-{20047ED2-9C03-4CA4-A188-F1491B6E05BF}" dt="2021-02-25T09:55:51.247" v="121"/>
-        <pc:sldMkLst>
-          <pc:docMk/>
-          <pc:sldMk cId="456194118" sldId="281"/>
-        </pc:sldMkLst>
-      </pc:sldChg>
-    </pc:docChg>
-  </pc:docChgLst>
-  <pc:docChgLst>
-    <pc:chgData name="Jacques CURTIS" userId="S::jcurtis1@myges.fr::edcf499e-1a5e-4907-96c2-48f94e90cc38" providerId="AD" clId="Web-{06E5AF9C-8E7A-4888-AE84-5FBD32E82705}"/>
-    <pc:docChg chg="addSld modSld sldOrd">
-      <pc:chgData name="Jacques CURTIS" userId="S::jcurtis1@myges.fr::edcf499e-1a5e-4907-96c2-48f94e90cc38" providerId="AD" clId="Web-{06E5AF9C-8E7A-4888-AE84-5FBD32E82705}" dt="2021-02-02T22:38:49.737" v="320"/>
-      <pc:docMkLst>
-        <pc:docMk/>
-      </pc:docMkLst>
-      <pc:sldChg chg="ord">
-        <pc:chgData name="Jacques CURTIS" userId="S::jcurtis1@myges.fr::edcf499e-1a5e-4907-96c2-48f94e90cc38" providerId="AD" clId="Web-{06E5AF9C-8E7A-4888-AE84-5FBD32E82705}" dt="2021-02-02T22:38:49.737" v="320"/>
-        <pc:sldMkLst>
-          <pc:docMk/>
-          <pc:sldMk cId="3784089036" sldId="256"/>
-        </pc:sldMkLst>
-      </pc:sldChg>
-      <pc:sldChg chg="addSp delSp modSp mod ord setBg">
-        <pc:chgData name="Jacques CURTIS" userId="S::jcurtis1@myges.fr::edcf499e-1a5e-4907-96c2-48f94e90cc38" providerId="AD" clId="Web-{06E5AF9C-8E7A-4888-AE84-5FBD32E82705}" dt="2021-02-02T22:38:42.330" v="319"/>
-        <pc:sldMkLst>
-          <pc:docMk/>
-          <pc:sldMk cId="128495895" sldId="257"/>
-        </pc:sldMkLst>
-        <pc:spChg chg="mod">
-          <ac:chgData name="Jacques CURTIS" userId="S::jcurtis1@myges.fr::edcf499e-1a5e-4907-96c2-48f94e90cc38" providerId="AD" clId="Web-{06E5AF9C-8E7A-4888-AE84-5FBD32E82705}" dt="2021-02-02T21:59:44.325" v="17"/>
-          <ac:spMkLst>
-            <pc:docMk/>
-            <pc:sldMk cId="128495895" sldId="257"/>
-            <ac:spMk id="2" creationId="{FE9E89C0-11F1-4582-AEC5-EE80EC1B0203}"/>
-          </ac:spMkLst>
-        </pc:spChg>
-        <pc:spChg chg="del">
-          <ac:chgData name="Jacques CURTIS" userId="S::jcurtis1@myges.fr::edcf499e-1a5e-4907-96c2-48f94e90cc38" providerId="AD" clId="Web-{06E5AF9C-8E7A-4888-AE84-5FBD32E82705}" dt="2021-02-02T21:59:44.325" v="17"/>
-          <ac:spMkLst>
-            <pc:docMk/>
-            <pc:sldMk cId="128495895" sldId="257"/>
-            <ac:spMk id="3" creationId="{9044E1CD-2D8D-42DF-A7D4-7BDE49B2C99D}"/>
-          </ac:spMkLst>
-        </pc:spChg>
-        <pc:graphicFrameChg chg="add">
-          <ac:chgData name="Jacques CURTIS" userId="S::jcurtis1@myges.fr::edcf499e-1a5e-4907-96c2-48f94e90cc38" providerId="AD" clId="Web-{06E5AF9C-8E7A-4888-AE84-5FBD32E82705}" dt="2021-02-02T21:59:44.325" v="17"/>
-          <ac:graphicFrameMkLst>
-            <pc:docMk/>
-            <pc:sldMk cId="128495895" sldId="257"/>
-            <ac:graphicFrameMk id="5" creationId="{52E22C8A-9EDC-41E4-99DA-09FC011C7832}"/>
-          </ac:graphicFrameMkLst>
-        </pc:graphicFrameChg>
-      </pc:sldChg>
-      <pc:sldChg chg="addSp delSp modSp mod setBg modNotes">
-        <pc:chgData name="Jacques CURTIS" userId="S::jcurtis1@myges.fr::edcf499e-1a5e-4907-96c2-48f94e90cc38" providerId="AD" clId="Web-{06E5AF9C-8E7A-4888-AE84-5FBD32E82705}" dt="2021-02-02T22:34:14.075" v="309"/>
-        <pc:sldMkLst>
-          <pc:docMk/>
-          <pc:sldMk cId="2246072736" sldId="258"/>
-        </pc:sldMkLst>
-        <pc:spChg chg="mod">
-          <ac:chgData name="Jacques CURTIS" userId="S::jcurtis1@myges.fr::edcf499e-1a5e-4907-96c2-48f94e90cc38" providerId="AD" clId="Web-{06E5AF9C-8E7A-4888-AE84-5FBD32E82705}" dt="2021-02-02T22:00:34.405" v="20"/>
-          <ac:spMkLst>
-            <pc:docMk/>
-            <pc:sldMk cId="2246072736" sldId="258"/>
-            <ac:spMk id="2" creationId="{7EB72EFF-3985-47EB-A70A-6C853E5AB87C}"/>
-          </ac:spMkLst>
-        </pc:spChg>
-        <pc:spChg chg="add del">
-          <ac:chgData name="Jacques CURTIS" userId="S::jcurtis1@myges.fr::edcf499e-1a5e-4907-96c2-48f94e90cc38" providerId="AD" clId="Web-{06E5AF9C-8E7A-4888-AE84-5FBD32E82705}" dt="2021-02-02T22:00:34.405" v="20"/>
-          <ac:spMkLst>
-            <pc:docMk/>
-            <pc:sldMk cId="2246072736" sldId="258"/>
-            <ac:spMk id="3" creationId="{3C2700ED-72E3-4C88-AA6A-0D6F1C838112}"/>
-          </ac:spMkLst>
-        </pc:spChg>
-        <pc:graphicFrameChg chg="add del">
-          <ac:chgData name="Jacques CURTIS" userId="S::jcurtis1@myges.fr::edcf499e-1a5e-4907-96c2-48f94e90cc38" providerId="AD" clId="Web-{06E5AF9C-8E7A-4888-AE84-5FBD32E82705}" dt="2021-02-02T22:00:34.342" v="19"/>
-          <ac:graphicFrameMkLst>
-            <pc:docMk/>
-            <pc:sldMk cId="2246072736" sldId="258"/>
-            <ac:graphicFrameMk id="5" creationId="{8404C77B-6236-47AD-9B83-EE194D0BBA45}"/>
-          </ac:graphicFrameMkLst>
-        </pc:graphicFrameChg>
-        <pc:graphicFrameChg chg="add">
-          <ac:chgData name="Jacques CURTIS" userId="S::jcurtis1@myges.fr::edcf499e-1a5e-4907-96c2-48f94e90cc38" providerId="AD" clId="Web-{06E5AF9C-8E7A-4888-AE84-5FBD32E82705}" dt="2021-02-02T22:00:34.405" v="20"/>
-          <ac:graphicFrameMkLst>
-            <pc:docMk/>
-            <pc:sldMk cId="2246072736" sldId="258"/>
-            <ac:graphicFrameMk id="6" creationId="{D8839239-5319-4E65-BA0E-0DF54BE45BC9}"/>
-          </ac:graphicFrameMkLst>
-        </pc:graphicFrameChg>
-      </pc:sldChg>
-      <pc:sldChg chg="modSp">
-        <pc:chgData name="Jacques CURTIS" userId="S::jcurtis1@myges.fr::edcf499e-1a5e-4907-96c2-48f94e90cc38" providerId="AD" clId="Web-{06E5AF9C-8E7A-4888-AE84-5FBD32E82705}" dt="2021-02-02T22:19:43.212" v="41" actId="1076"/>
-        <pc:sldMkLst>
-          <pc:docMk/>
-          <pc:sldMk cId="4001191277" sldId="259"/>
-        </pc:sldMkLst>
-        <pc:graphicFrameChg chg="mod">
-          <ac:chgData name="Jacques CURTIS" userId="S::jcurtis1@myges.fr::edcf499e-1a5e-4907-96c2-48f94e90cc38" providerId="AD" clId="Web-{06E5AF9C-8E7A-4888-AE84-5FBD32E82705}" dt="2021-02-02T22:19:43.212" v="41" actId="1076"/>
-          <ac:graphicFrameMkLst>
-            <pc:docMk/>
-            <pc:sldMk cId="4001191277" sldId="259"/>
-            <ac:graphicFrameMk id="4" creationId="{D151F20E-D168-44AC-A09E-B84A1F5C0C6D}"/>
-          </ac:graphicFrameMkLst>
-        </pc:graphicFrameChg>
-      </pc:sldChg>
-      <pc:sldChg chg="modSp">
-        <pc:chgData name="Jacques CURTIS" userId="S::jcurtis1@myges.fr::edcf499e-1a5e-4907-96c2-48f94e90cc38" providerId="AD" clId="Web-{06E5AF9C-8E7A-4888-AE84-5FBD32E82705}" dt="2021-02-02T22:27:25.191" v="42" actId="20577"/>
-        <pc:sldMkLst>
-          <pc:docMk/>
-          <pc:sldMk cId="2534841834" sldId="260"/>
-        </pc:sldMkLst>
-        <pc:spChg chg="mod">
-          <ac:chgData name="Jacques CURTIS" userId="S::jcurtis1@myges.fr::edcf499e-1a5e-4907-96c2-48f94e90cc38" providerId="AD" clId="Web-{06E5AF9C-8E7A-4888-AE84-5FBD32E82705}" dt="2021-02-02T22:27:25.191" v="42" actId="20577"/>
-          <ac:spMkLst>
-            <pc:docMk/>
-            <pc:sldMk cId="2534841834" sldId="260"/>
-            <ac:spMk id="2" creationId="{A20D0F5B-3518-4A38-8D84-E2E3EC2DB299}"/>
-          </ac:spMkLst>
-        </pc:spChg>
-      </pc:sldChg>
-      <pc:sldChg chg="addSp delSp modSp ord">
-        <pc:chgData name="Jacques CURTIS" userId="S::jcurtis1@myges.fr::edcf499e-1a5e-4907-96c2-48f94e90cc38" providerId="AD" clId="Web-{06E5AF9C-8E7A-4888-AE84-5FBD32E82705}" dt="2021-02-02T22:38:40.065" v="318"/>
-        <pc:sldMkLst>
-          <pc:docMk/>
-          <pc:sldMk cId="12277624" sldId="263"/>
-        </pc:sldMkLst>
-        <pc:spChg chg="del mod">
-          <ac:chgData name="Jacques CURTIS" userId="S::jcurtis1@myges.fr::edcf499e-1a5e-4907-96c2-48f94e90cc38" providerId="AD" clId="Web-{06E5AF9C-8E7A-4888-AE84-5FBD32E82705}" dt="2021-02-02T22:32:23.853" v="160"/>
-          <ac:spMkLst>
-            <pc:docMk/>
-            <pc:sldMk cId="12277624" sldId="263"/>
-            <ac:spMk id="3" creationId="{E97E73A2-8A6C-4DEA-852C-7D324B44D3DE}"/>
-          </ac:spMkLst>
-        </pc:spChg>
-        <pc:picChg chg="add mod ord">
-          <ac:chgData name="Jacques CURTIS" userId="S::jcurtis1@myges.fr::edcf499e-1a5e-4907-96c2-48f94e90cc38" providerId="AD" clId="Web-{06E5AF9C-8E7A-4888-AE84-5FBD32E82705}" dt="2021-02-02T22:36:48.562" v="313" actId="1076"/>
-          <ac:picMkLst>
-            <pc:docMk/>
-            <pc:sldMk cId="12277624" sldId="263"/>
-            <ac:picMk id="4" creationId="{1AF0028F-049D-4D6C-9A55-1BBC901CC8BE}"/>
-          </ac:picMkLst>
-        </pc:picChg>
-      </pc:sldChg>
-      <pc:sldChg chg="modSp">
-        <pc:chgData name="Jacques CURTIS" userId="S::jcurtis1@myges.fr::edcf499e-1a5e-4907-96c2-48f94e90cc38" providerId="AD" clId="Web-{06E5AF9C-8E7A-4888-AE84-5FBD32E82705}" dt="2021-02-02T22:01:21.390" v="27" actId="14100"/>
-        <pc:sldMkLst>
-          <pc:docMk/>
-          <pc:sldMk cId="1882371955" sldId="265"/>
-        </pc:sldMkLst>
-        <pc:spChg chg="mod">
-          <ac:chgData name="Jacques CURTIS" userId="S::jcurtis1@myges.fr::edcf499e-1a5e-4907-96c2-48f94e90cc38" providerId="AD" clId="Web-{06E5AF9C-8E7A-4888-AE84-5FBD32E82705}" dt="2021-02-02T21:54:30.459" v="16" actId="20577"/>
-          <ac:spMkLst>
-            <pc:docMk/>
-            <pc:sldMk cId="1882371955" sldId="265"/>
-            <ac:spMk id="3" creationId="{F3C2698F-38EF-42B1-A542-D2A75CE15061}"/>
-          </ac:spMkLst>
-        </pc:spChg>
-        <pc:picChg chg="mod">
-          <ac:chgData name="Jacques CURTIS" userId="S::jcurtis1@myges.fr::edcf499e-1a5e-4907-96c2-48f94e90cc38" providerId="AD" clId="Web-{06E5AF9C-8E7A-4888-AE84-5FBD32E82705}" dt="2021-02-02T22:01:16.312" v="25" actId="1076"/>
-          <ac:picMkLst>
-            <pc:docMk/>
-            <pc:sldMk cId="1882371955" sldId="265"/>
-            <ac:picMk id="4" creationId="{FBD893E9-5FEE-4FB6-B4C0-B43849E31E15}"/>
-          </ac:picMkLst>
-        </pc:picChg>
-        <pc:picChg chg="mod">
-          <ac:chgData name="Jacques CURTIS" userId="S::jcurtis1@myges.fr::edcf499e-1a5e-4907-96c2-48f94e90cc38" providerId="AD" clId="Web-{06E5AF9C-8E7A-4888-AE84-5FBD32E82705}" dt="2021-02-02T22:01:21.390" v="27" actId="14100"/>
-          <ac:picMkLst>
-            <pc:docMk/>
-            <pc:sldMk cId="1882371955" sldId="265"/>
-            <ac:picMk id="6" creationId="{24F03C0B-F5A2-4942-9AC9-9DFEFA4D0113}"/>
-          </ac:picMkLst>
-        </pc:picChg>
-        <pc:picChg chg="mod">
-          <ac:chgData name="Jacques CURTIS" userId="S::jcurtis1@myges.fr::edcf499e-1a5e-4907-96c2-48f94e90cc38" providerId="AD" clId="Web-{06E5AF9C-8E7A-4888-AE84-5FBD32E82705}" dt="2021-02-02T22:01:11.312" v="23" actId="1076"/>
-          <ac:picMkLst>
-            <pc:docMk/>
-            <pc:sldMk cId="1882371955" sldId="265"/>
-            <ac:picMk id="7" creationId="{29220A00-070A-4021-84B5-3C8026332EBD}"/>
-          </ac:picMkLst>
-        </pc:picChg>
-      </pc:sldChg>
-      <pc:sldChg chg="addSp delSp modSp mod setBg addAnim">
-        <pc:chgData name="Jacques CURTIS" userId="S::jcurtis1@myges.fr::edcf499e-1a5e-4907-96c2-48f94e90cc38" providerId="AD" clId="Web-{06E5AF9C-8E7A-4888-AE84-5FBD32E82705}" dt="2021-02-02T22:28:31.599" v="46"/>
-        <pc:sldMkLst>
-          <pc:docMk/>
-          <pc:sldMk cId="3647639019" sldId="266"/>
-        </pc:sldMkLst>
-        <pc:spChg chg="mod">
-          <ac:chgData name="Jacques CURTIS" userId="S::jcurtis1@myges.fr::edcf499e-1a5e-4907-96c2-48f94e90cc38" providerId="AD" clId="Web-{06E5AF9C-8E7A-4888-AE84-5FBD32E82705}" dt="2021-02-02T22:28:31.599" v="46"/>
-          <ac:spMkLst>
-            <pc:docMk/>
-            <pc:sldMk cId="3647639019" sldId="266"/>
-            <ac:spMk id="2" creationId="{09B581CD-A5BC-46F4-830A-66F1847DB67B}"/>
-          </ac:spMkLst>
-        </pc:spChg>
-        <pc:spChg chg="add del">
-          <ac:chgData name="Jacques CURTIS" userId="S::jcurtis1@myges.fr::edcf499e-1a5e-4907-96c2-48f94e90cc38" providerId="AD" clId="Web-{06E5AF9C-8E7A-4888-AE84-5FBD32E82705}" dt="2021-02-02T22:28:31.599" v="46"/>
-          <ac:spMkLst>
-            <pc:docMk/>
-            <pc:sldMk cId="3647639019" sldId="266"/>
-            <ac:spMk id="8" creationId="{BD1CAB03-F6A4-4736-85F6-261056424D9D}"/>
-          </ac:spMkLst>
-        </pc:spChg>
-        <pc:spChg chg="add del">
-          <ac:chgData name="Jacques CURTIS" userId="S::jcurtis1@myges.fr::edcf499e-1a5e-4907-96c2-48f94e90cc38" providerId="AD" clId="Web-{06E5AF9C-8E7A-4888-AE84-5FBD32E82705}" dt="2021-02-02T22:28:31.599" v="46"/>
-          <ac:spMkLst>
-            <pc:docMk/>
-            <pc:sldMk cId="3647639019" sldId="266"/>
-            <ac:spMk id="10" creationId="{3E2321B3-5D47-422E-8DD6-192DA485FF63}"/>
-          </ac:spMkLst>
-        </pc:spChg>
-        <pc:spChg chg="add">
-          <ac:chgData name="Jacques CURTIS" userId="S::jcurtis1@myges.fr::edcf499e-1a5e-4907-96c2-48f94e90cc38" providerId="AD" clId="Web-{06E5AF9C-8E7A-4888-AE84-5FBD32E82705}" dt="2021-02-02T22:28:31.599" v="46"/>
-          <ac:spMkLst>
-            <pc:docMk/>
-            <pc:sldMk cId="3647639019" sldId="266"/>
-            <ac:spMk id="15" creationId="{FC23C8D4-BD3D-4473-B3D0-89011586BE82}"/>
-          </ac:spMkLst>
-        </pc:spChg>
-        <pc:picChg chg="add mod">
-          <ac:chgData name="Jacques CURTIS" userId="S::jcurtis1@myges.fr::edcf499e-1a5e-4907-96c2-48f94e90cc38" providerId="AD" clId="Web-{06E5AF9C-8E7A-4888-AE84-5FBD32E82705}" dt="2021-02-02T22:28:31.599" v="46"/>
-          <ac:picMkLst>
-            <pc:docMk/>
-            <pc:sldMk cId="3647639019" sldId="266"/>
-            <ac:picMk id="4" creationId="{06D5CEF7-FAB1-46C1-B919-B0EAFD9F6C54}"/>
-          </ac:picMkLst>
-        </pc:picChg>
-      </pc:sldChg>
-      <pc:sldChg chg="addSp delSp modSp new">
-        <pc:chgData name="Jacques CURTIS" userId="S::jcurtis1@myges.fr::edcf499e-1a5e-4907-96c2-48f94e90cc38" providerId="AD" clId="Web-{06E5AF9C-8E7A-4888-AE84-5FBD32E82705}" dt="2021-02-02T22:32:14.572" v="158"/>
-        <pc:sldMkLst>
-          <pc:docMk/>
-          <pc:sldMk cId="313168473" sldId="267"/>
-        </pc:sldMkLst>
-        <pc:spChg chg="mod">
-          <ac:chgData name="Jacques CURTIS" userId="S::jcurtis1@myges.fr::edcf499e-1a5e-4907-96c2-48f94e90cc38" providerId="AD" clId="Web-{06E5AF9C-8E7A-4888-AE84-5FBD32E82705}" dt="2021-02-02T22:16:41.942" v="31" actId="20577"/>
-          <ac:spMkLst>
-            <pc:docMk/>
-            <pc:sldMk cId="313168473" sldId="267"/>
-            <ac:spMk id="2" creationId="{5A0E1E46-36D0-4F2C-9CA9-94985C5B72CB}"/>
-          </ac:spMkLst>
-        </pc:spChg>
-        <pc:spChg chg="del">
-          <ac:chgData name="Jacques CURTIS" userId="S::jcurtis1@myges.fr::edcf499e-1a5e-4907-96c2-48f94e90cc38" providerId="AD" clId="Web-{06E5AF9C-8E7A-4888-AE84-5FBD32E82705}" dt="2021-02-02T22:16:47.458" v="32"/>
-          <ac:spMkLst>
-            <pc:docMk/>
-            <pc:sldMk cId="313168473" sldId="267"/>
-            <ac:spMk id="3" creationId="{B10F073D-0028-4E9F-B6B3-A469EC9A2D28}"/>
-          </ac:spMkLst>
-        </pc:spChg>
-        <pc:spChg chg="add mod">
-          <ac:chgData name="Jacques CURTIS" userId="S::jcurtis1@myges.fr::edcf499e-1a5e-4907-96c2-48f94e90cc38" providerId="AD" clId="Web-{06E5AF9C-8E7A-4888-AE84-5FBD32E82705}" dt="2021-02-02T22:32:14.572" v="158"/>
-          <ac:spMkLst>
-            <pc:docMk/>
-            <pc:sldMk cId="313168473" sldId="267"/>
-            <ac:spMk id="6" creationId="{3F7178DF-2EBF-4BC2-B147-180D7B4EEE10}"/>
-          </ac:spMkLst>
-        </pc:spChg>
-        <pc:picChg chg="add del mod ord">
-          <ac:chgData name="Jacques CURTIS" userId="S::jcurtis1@myges.fr::edcf499e-1a5e-4907-96c2-48f94e90cc38" providerId="AD" clId="Web-{06E5AF9C-8E7A-4888-AE84-5FBD32E82705}" dt="2021-02-02T22:32:14.572" v="158"/>
-          <ac:picMkLst>
-            <pc:docMk/>
-            <pc:sldMk cId="313168473" sldId="267"/>
-            <ac:picMk id="4" creationId="{E908B06F-05CF-4E3D-A20D-729B54887C93}"/>
-          </ac:picMkLst>
-        </pc:picChg>
-      </pc:sldChg>
-      <pc:sldChg chg="modSp">
-        <pc:chgData name="Jacques CURTIS" userId="S::jcurtis1@myges.fr::edcf499e-1a5e-4907-96c2-48f94e90cc38" providerId="AD" clId="Web-{06E5AF9C-8E7A-4888-AE84-5FBD32E82705}" dt="2021-02-02T22:36:35.984" v="312" actId="1076"/>
-        <pc:sldMkLst>
-          <pc:docMk/>
-          <pc:sldMk cId="1595895236" sldId="267"/>
-        </pc:sldMkLst>
-        <pc:picChg chg="mod">
-          <ac:chgData name="Jacques CURTIS" userId="S::jcurtis1@myges.fr::edcf499e-1a5e-4907-96c2-48f94e90cc38" providerId="AD" clId="Web-{06E5AF9C-8E7A-4888-AE84-5FBD32E82705}" dt="2021-02-02T22:36:35.984" v="312" actId="1076"/>
-          <ac:picMkLst>
-            <pc:docMk/>
-            <pc:sldMk cId="1595895236" sldId="267"/>
-            <ac:picMk id="5" creationId="{F00D5F6D-ED6F-4D1B-984B-756EF4751E1A}"/>
-          </ac:picMkLst>
-        </pc:picChg>
-      </pc:sldChg>
-    </pc:docChg>
-  </pc:docChgLst>
-  <pc:docChgLst>
     <pc:chgData name="Saïd ZENNADI" userId="S::szennadi@myges.fr::2b0413f6-b439-4ebe-a7c6-8b4f99af3d67" providerId="AD" clId="Web-{4489F13A-C8A8-4795-90BB-4DF3ADE9A33B}"/>
     <pc:docChg chg="modSld">
       <pc:chgData name="Saïd ZENNADI" userId="S::szennadi@myges.fr::2b0413f6-b439-4ebe-a7c6-8b4f99af3d67" providerId="AD" clId="Web-{4489F13A-C8A8-4795-90BB-4DF3ADE9A33B}" dt="2021-02-02T23:29:03.772" v="10"/>
@@ -3530,6 +3521,139 @@
             <ac:picMk id="6" creationId="{6003058C-CEFE-43E2-8289-D95FA245BD70}"/>
           </ac:picMkLst>
         </pc:picChg>
+      </pc:sldChg>
+    </pc:docChg>
+  </pc:docChgLst>
+  <pc:docChgLst>
+    <pc:chgData name="Jacques CURTIS" userId="edcf499e-1a5e-4907-96c2-48f94e90cc38" providerId="ADAL" clId="{11CE124B-D2C7-4523-9046-2A07ACA31D74}"/>
+    <pc:docChg chg="modSld">
+      <pc:chgData name="Jacques CURTIS" userId="edcf499e-1a5e-4907-96c2-48f94e90cc38" providerId="ADAL" clId="{11CE124B-D2C7-4523-9046-2A07ACA31D74}" dt="2021-07-28T18:31:04.116" v="0"/>
+      <pc:docMkLst>
+        <pc:docMk/>
+      </pc:docMkLst>
+      <pc:sldChg chg="modSp">
+        <pc:chgData name="Jacques CURTIS" userId="edcf499e-1a5e-4907-96c2-48f94e90cc38" providerId="ADAL" clId="{11CE124B-D2C7-4523-9046-2A07ACA31D74}" dt="2021-07-28T18:31:04.116" v="0"/>
+        <pc:sldMkLst>
+          <pc:docMk/>
+          <pc:sldMk cId="4127345592" sldId="280"/>
+        </pc:sldMkLst>
+        <pc:graphicFrameChg chg="mod">
+          <ac:chgData name="Jacques CURTIS" userId="edcf499e-1a5e-4907-96c2-48f94e90cc38" providerId="ADAL" clId="{11CE124B-D2C7-4523-9046-2A07ACA31D74}" dt="2021-07-28T18:31:04.116" v="0"/>
+          <ac:graphicFrameMkLst>
+            <pc:docMk/>
+            <pc:sldMk cId="4127345592" sldId="280"/>
+            <ac:graphicFrameMk id="7" creationId="{D5422442-C9FD-4847-B789-3A7E1F66DEC8}"/>
+          </ac:graphicFrameMkLst>
+        </pc:graphicFrameChg>
+      </pc:sldChg>
+    </pc:docChg>
+  </pc:docChgLst>
+  <pc:docChgLst>
+    <pc:chgData name="Loïc" userId="2f577b14-8d2f-41fb-9e65-33a0241782fd" providerId="ADAL" clId="{71D562A1-A6E9-44BE-BAF3-C67F49F23CDA}"/>
+    <pc:docChg chg="undo custSel addSld modSld">
+      <pc:chgData name="Loïc" userId="2f577b14-8d2f-41fb-9e65-33a0241782fd" providerId="ADAL" clId="{71D562A1-A6E9-44BE-BAF3-C67F49F23CDA}" dt="2021-01-20T00:01:12.532" v="113"/>
+      <pc:docMkLst>
+        <pc:docMk/>
+      </pc:docMkLst>
+      <pc:sldChg chg="modSp mod">
+        <pc:chgData name="Loïc" userId="2f577b14-8d2f-41fb-9e65-33a0241782fd" providerId="ADAL" clId="{71D562A1-A6E9-44BE-BAF3-C67F49F23CDA}" dt="2021-01-19T22:13:45.957" v="36" actId="20577"/>
+        <pc:sldMkLst>
+          <pc:docMk/>
+          <pc:sldMk cId="3784089036" sldId="256"/>
+        </pc:sldMkLst>
+        <pc:spChg chg="mod">
+          <ac:chgData name="Loïc" userId="2f577b14-8d2f-41fb-9e65-33a0241782fd" providerId="ADAL" clId="{71D562A1-A6E9-44BE-BAF3-C67F49F23CDA}" dt="2021-01-19T22:13:45.957" v="36" actId="20577"/>
+          <ac:spMkLst>
+            <pc:docMk/>
+            <pc:sldMk cId="3784089036" sldId="256"/>
+            <ac:spMk id="2" creationId="{00000000-0000-0000-0000-000000000000}"/>
+          </ac:spMkLst>
+        </pc:spChg>
+        <pc:spChg chg="mod">
+          <ac:chgData name="Loïc" userId="2f577b14-8d2f-41fb-9e65-33a0241782fd" providerId="ADAL" clId="{71D562A1-A6E9-44BE-BAF3-C67F49F23CDA}" dt="2021-01-19T22:13:44.589" v="35" actId="20577"/>
+          <ac:spMkLst>
+            <pc:docMk/>
+            <pc:sldMk cId="3784089036" sldId="256"/>
+            <ac:spMk id="3" creationId="{00000000-0000-0000-0000-000000000000}"/>
+          </ac:spMkLst>
+        </pc:spChg>
+      </pc:sldChg>
+      <pc:sldChg chg="modSp new mod">
+        <pc:chgData name="Loïc" userId="2f577b14-8d2f-41fb-9e65-33a0241782fd" providerId="ADAL" clId="{71D562A1-A6E9-44BE-BAF3-C67F49F23CDA}" dt="2021-01-19T22:20:56.911" v="72"/>
+        <pc:sldMkLst>
+          <pc:docMk/>
+          <pc:sldMk cId="128495895" sldId="257"/>
+        </pc:sldMkLst>
+        <pc:spChg chg="mod">
+          <ac:chgData name="Loïc" userId="2f577b14-8d2f-41fb-9e65-33a0241782fd" providerId="ADAL" clId="{71D562A1-A6E9-44BE-BAF3-C67F49F23CDA}" dt="2021-01-19T22:19:52.697" v="63" actId="20577"/>
+          <ac:spMkLst>
+            <pc:docMk/>
+            <pc:sldMk cId="128495895" sldId="257"/>
+            <ac:spMk id="2" creationId="{FE9E89C0-11F1-4582-AEC5-EE80EC1B0203}"/>
+          </ac:spMkLst>
+        </pc:spChg>
+        <pc:spChg chg="mod">
+          <ac:chgData name="Loïc" userId="2f577b14-8d2f-41fb-9e65-33a0241782fd" providerId="ADAL" clId="{71D562A1-A6E9-44BE-BAF3-C67F49F23CDA}" dt="2021-01-19T22:20:56.911" v="72"/>
+          <ac:spMkLst>
+            <pc:docMk/>
+            <pc:sldMk cId="128495895" sldId="257"/>
+            <ac:spMk id="3" creationId="{9044E1CD-2D8D-42DF-A7D4-7BDE49B2C99D}"/>
+          </ac:spMkLst>
+        </pc:spChg>
+      </pc:sldChg>
+      <pc:sldChg chg="modSp new mod">
+        <pc:chgData name="Loïc" userId="2f577b14-8d2f-41fb-9e65-33a0241782fd" providerId="ADAL" clId="{71D562A1-A6E9-44BE-BAF3-C67F49F23CDA}" dt="2021-01-19T22:26:21.712" v="110" actId="20577"/>
+        <pc:sldMkLst>
+          <pc:docMk/>
+          <pc:sldMk cId="2246072736" sldId="258"/>
+        </pc:sldMkLst>
+        <pc:spChg chg="mod">
+          <ac:chgData name="Loïc" userId="2f577b14-8d2f-41fb-9e65-33a0241782fd" providerId="ADAL" clId="{71D562A1-A6E9-44BE-BAF3-C67F49F23CDA}" dt="2021-01-19T22:22:11.605" v="86" actId="14100"/>
+          <ac:spMkLst>
+            <pc:docMk/>
+            <pc:sldMk cId="2246072736" sldId="258"/>
+            <ac:spMk id="2" creationId="{7EB72EFF-3985-47EB-A70A-6C853E5AB87C}"/>
+          </ac:spMkLst>
+        </pc:spChg>
+        <pc:spChg chg="mod">
+          <ac:chgData name="Loïc" userId="2f577b14-8d2f-41fb-9e65-33a0241782fd" providerId="ADAL" clId="{71D562A1-A6E9-44BE-BAF3-C67F49F23CDA}" dt="2021-01-19T22:26:21.712" v="110" actId="20577"/>
+          <ac:spMkLst>
+            <pc:docMk/>
+            <pc:sldMk cId="2246072736" sldId="258"/>
+            <ac:spMk id="3" creationId="{3C2700ED-72E3-4C88-AA6A-0D6F1C838112}"/>
+          </ac:spMkLst>
+        </pc:spChg>
+      </pc:sldChg>
+      <pc:sldChg chg="addSp delSp modSp new mod">
+        <pc:chgData name="Loïc" userId="2f577b14-8d2f-41fb-9e65-33a0241782fd" providerId="ADAL" clId="{71D562A1-A6E9-44BE-BAF3-C67F49F23CDA}" dt="2021-01-20T00:01:12.532" v="113"/>
+        <pc:sldMkLst>
+          <pc:docMk/>
+          <pc:sldMk cId="4001191277" sldId="259"/>
+        </pc:sldMkLst>
+        <pc:spChg chg="mod">
+          <ac:chgData name="Loïc" userId="2f577b14-8d2f-41fb-9e65-33a0241782fd" providerId="ADAL" clId="{71D562A1-A6E9-44BE-BAF3-C67F49F23CDA}" dt="2021-01-19T22:22:31.425" v="95" actId="20577"/>
+          <ac:spMkLst>
+            <pc:docMk/>
+            <pc:sldMk cId="4001191277" sldId="259"/>
+            <ac:spMk id="2" creationId="{23322280-794E-4CD1-A14B-ECA105597895}"/>
+          </ac:spMkLst>
+        </pc:spChg>
+        <pc:spChg chg="del mod">
+          <ac:chgData name="Loïc" userId="2f577b14-8d2f-41fb-9e65-33a0241782fd" providerId="ADAL" clId="{71D562A1-A6E9-44BE-BAF3-C67F49F23CDA}" dt="2021-01-19T23:58:28.157" v="111"/>
+          <ac:spMkLst>
+            <pc:docMk/>
+            <pc:sldMk cId="4001191277" sldId="259"/>
+            <ac:spMk id="3" creationId="{9333C3CE-1A69-4BD2-8D86-6894FDD6C1D2}"/>
+          </ac:spMkLst>
+        </pc:spChg>
+        <pc:graphicFrameChg chg="add mod">
+          <ac:chgData name="Loïc" userId="2f577b14-8d2f-41fb-9e65-33a0241782fd" providerId="ADAL" clId="{71D562A1-A6E9-44BE-BAF3-C67F49F23CDA}" dt="2021-01-20T00:01:12.532" v="113"/>
+          <ac:graphicFrameMkLst>
+            <pc:docMk/>
+            <pc:sldMk cId="4001191277" sldId="259"/>
+            <ac:graphicFrameMk id="4" creationId="{D151F20E-D168-44AC-A09E-B84A1F5C0C6D}"/>
+          </ac:graphicFrameMkLst>
+        </pc:graphicFrameChg>
       </pc:sldChg>
     </pc:docChg>
   </pc:docChgLst>
@@ -5266,10 +5390,10 @@
             </a:lnSpc>
           </a:pPr>
           <a:r>
-            <a:rPr lang="fr-FR"/>
+            <a:rPr lang="fr-FR" dirty="0"/>
             <a:t>Présentation de l’équipe</a:t>
           </a:r>
-          <a:endParaRPr lang="en-US"/>
+          <a:endParaRPr lang="en-US" dirty="0"/>
         </a:p>
       </dgm:t>
     </dgm:pt>
@@ -5308,10 +5432,10 @@
             </a:lnSpc>
           </a:pPr>
           <a:r>
-            <a:rPr lang="fr-FR"/>
+            <a:rPr lang="fr-FR" dirty="0"/>
             <a:t>Présentation du contexte</a:t>
           </a:r>
-          <a:endParaRPr lang="en-US"/>
+          <a:endParaRPr lang="en-US" dirty="0"/>
         </a:p>
       </dgm:t>
     </dgm:pt>
@@ -5350,22 +5474,22 @@
             </a:lnSpc>
           </a:pPr>
           <a:r>
-            <a:rPr lang="fr-FR">
+            <a:rPr lang="fr-FR" dirty="0">
               <a:latin typeface="Bookman Old Style" panose="02050604050505020204"/>
             </a:rPr>
             <a:t>Solutions</a:t>
           </a:r>
           <a:r>
-            <a:rPr lang="fr-FR"/>
+            <a:rPr lang="fr-FR" dirty="0"/>
             <a:t> mises en </a:t>
           </a:r>
           <a:r>
-            <a:rPr lang="fr-FR">
+            <a:rPr lang="fr-FR" dirty="0">
               <a:latin typeface="Bookman Old Style" panose="02050604050505020204"/>
             </a:rPr>
             <a:t>places</a:t>
           </a:r>
-          <a:endParaRPr lang="en-US"/>
+          <a:endParaRPr lang="en-US" dirty="0"/>
         </a:p>
       </dgm:t>
     </dgm:pt>
@@ -5404,10 +5528,10 @@
             </a:lnSpc>
           </a:pPr>
           <a:r>
-            <a:rPr lang="fr-FR"/>
+            <a:rPr lang="fr-FR" dirty="0"/>
             <a:t>Analyse du besoin</a:t>
           </a:r>
-          <a:endParaRPr lang="en-US"/>
+          <a:endParaRPr lang="en-US" dirty="0"/>
         </a:p>
       </dgm:t>
     </dgm:pt>
@@ -5446,20 +5570,20 @@
             </a:lnSpc>
           </a:pPr>
           <a:r>
-            <a:rPr lang="fr-FR"/>
+            <a:rPr lang="fr-FR" dirty="0"/>
             <a:t>Présentation de </a:t>
           </a:r>
           <a:r>
-            <a:rPr lang="fr-FR">
+            <a:rPr lang="fr-FR" dirty="0">
               <a:latin typeface="Bookman Old Style" panose="02050604050505020204"/>
             </a:rPr>
             <a:t>l’ancienne </a:t>
           </a:r>
           <a:r>
-            <a:rPr lang="fr-FR"/>
+            <a:rPr lang="fr-FR" dirty="0"/>
             <a:t>infrastructure</a:t>
           </a:r>
-          <a:endParaRPr lang="en-US">
+          <a:endParaRPr lang="en-US" dirty="0">
             <a:latin typeface="Bookman Old Style" panose="02050604050505020204"/>
           </a:endParaRPr>
         </a:p>
@@ -5487,7 +5611,7 @@
         </a:p>
       </dgm:t>
     </dgm:pt>
-    <dgm:pt modelId="{A577E113-3F4F-4AC6-9DE5-A71F0C9217E9}">
+    <dgm:pt modelId="{8CB48A2B-906C-4302-BED8-880984B0C819}">
       <dgm:prSet/>
       <dgm:spPr/>
       <dgm:t>
@@ -5500,14 +5624,13 @@
             </a:lnSpc>
           </a:pPr>
           <a:r>
-            <a:rPr lang="fr-FR"/>
-            <a:t>Organisation du projet</a:t>
+            <a:rPr lang="en-US" dirty="0"/>
+            <a:t>Présentation de la maquette</a:t>
           </a:r>
-          <a:endParaRPr lang="en-US"/>
         </a:p>
       </dgm:t>
     </dgm:pt>
-    <dgm:pt modelId="{0C37021F-27B9-4D9A-AC4E-0A204A8ED739}" type="parTrans" cxnId="{C00FB34E-4879-4AA4-8D48-9973716B785D}">
+    <dgm:pt modelId="{6DD30B60-93EB-4303-91BF-6BDB8EA71C6C}" type="parTrans" cxnId="{3F3D3BF7-F25F-4557-88C1-68C6E42B6BCA}">
       <dgm:prSet/>
       <dgm:spPr/>
       <dgm:t>
@@ -5518,7 +5641,7 @@
         </a:p>
       </dgm:t>
     </dgm:pt>
-    <dgm:pt modelId="{37AF3F12-4003-4239-8F71-DC765E245930}" type="sibTrans" cxnId="{C00FB34E-4879-4AA4-8D48-9973716B785D}">
+    <dgm:pt modelId="{56EBF59D-C10A-43CD-9115-57FE310F426B}" type="sibTrans" cxnId="{3F3D3BF7-F25F-4557-88C1-68C6E42B6BCA}">
       <dgm:prSet/>
       <dgm:spPr/>
       <dgm:t>
@@ -5603,20 +5726,20 @@
       <dgm:prSet presAssocID="{2790E0A7-E632-4196-A171-B7FDFDFA7066}" presName="vert1" presStyleCnt="0"/>
       <dgm:spPr/>
     </dgm:pt>
-    <dgm:pt modelId="{49D94D5C-E141-4E4D-B7D8-F90DC3A4AC58}" type="pres">
-      <dgm:prSet presAssocID="{A577E113-3F4F-4AC6-9DE5-A71F0C9217E9}" presName="thickLine" presStyleLbl="alignNode1" presStyleIdx="4" presStyleCnt="6"/>
+    <dgm:pt modelId="{F1D4155E-EFF9-4FFF-8EF0-3FDE97E74418}" type="pres">
+      <dgm:prSet presAssocID="{8CB48A2B-906C-4302-BED8-880984B0C819}" presName="thickLine" presStyleLbl="alignNode1" presStyleIdx="4" presStyleCnt="6"/>
       <dgm:spPr/>
     </dgm:pt>
-    <dgm:pt modelId="{7143C411-EFBE-4A63-9304-34A60BFB45A5}" type="pres">
-      <dgm:prSet presAssocID="{A577E113-3F4F-4AC6-9DE5-A71F0C9217E9}" presName="horz1" presStyleCnt="0"/>
+    <dgm:pt modelId="{08BE9F75-9886-4101-9AAA-9EA3BF3A328F}" type="pres">
+      <dgm:prSet presAssocID="{8CB48A2B-906C-4302-BED8-880984B0C819}" presName="horz1" presStyleCnt="0"/>
       <dgm:spPr/>
     </dgm:pt>
-    <dgm:pt modelId="{B7DCA47B-3561-4651-AB22-4E7AF0DFEADF}" type="pres">
-      <dgm:prSet presAssocID="{A577E113-3F4F-4AC6-9DE5-A71F0C9217E9}" presName="tx1" presStyleLbl="revTx" presStyleIdx="4" presStyleCnt="6"/>
+    <dgm:pt modelId="{DC7D52A5-ED38-4261-BD96-2A94206CCC2E}" type="pres">
+      <dgm:prSet presAssocID="{8CB48A2B-906C-4302-BED8-880984B0C819}" presName="tx1" presStyleLbl="revTx" presStyleIdx="4" presStyleCnt="6"/>
       <dgm:spPr/>
     </dgm:pt>
-    <dgm:pt modelId="{E5930C28-1698-4822-ADD6-BAA84B77591E}" type="pres">
-      <dgm:prSet presAssocID="{A577E113-3F4F-4AC6-9DE5-A71F0C9217E9}" presName="vert1" presStyleCnt="0"/>
+    <dgm:pt modelId="{D5799C67-305F-4374-AAC1-79AC9A13C233}" type="pres">
+      <dgm:prSet presAssocID="{8CB48A2B-906C-4302-BED8-880984B0C819}" presName="vert1" presStyleCnt="0"/>
       <dgm:spPr/>
     </dgm:pt>
     <dgm:pt modelId="{46E5B914-8C4D-4C05-BB91-56EB88D602DE}" type="pres">
@@ -5641,15 +5764,15 @@
     <dgm:cxn modelId="{2EC42F07-4662-4E4C-9B5C-B1482A20979D}" srcId="{4B47F5C8-8460-465F-82E3-1C618E7CF272}" destId="{5433DF6E-0AA6-43B3-BDEF-63F98B82044C}" srcOrd="1" destOrd="0" parTransId="{08508E3C-5B6C-4FCE-9952-CB5C3ACEE90D}" sibTransId="{7190C50A-9EB9-445B-82D3-5EC7A2B14EA8}"/>
     <dgm:cxn modelId="{362E5024-054F-4D6D-9341-DDB7FD8EC2AF}" type="presOf" srcId="{2790E0A7-E632-4196-A171-B7FDFDFA7066}" destId="{34F80141-B4AF-4DB9-BC36-0F72B542BABE}" srcOrd="0" destOrd="0" presId="urn:microsoft.com/office/officeart/2008/layout/LinedList"/>
     <dgm:cxn modelId="{03250228-8395-4EFD-9E2A-C07585646F4A}" type="presOf" srcId="{4B47F5C8-8460-465F-82E3-1C618E7CF272}" destId="{23B47ED0-09F8-44D4-83A8-79B5D1293283}" srcOrd="0" destOrd="0" presId="urn:microsoft.com/office/officeart/2008/layout/LinedList"/>
-    <dgm:cxn modelId="{C00FB34E-4879-4AA4-8D48-9973716B785D}" srcId="{4B47F5C8-8460-465F-82E3-1C618E7CF272}" destId="{A577E113-3F4F-4AC6-9DE5-A71F0C9217E9}" srcOrd="4" destOrd="0" parTransId="{0C37021F-27B9-4D9A-AC4E-0A204A8ED739}" sibTransId="{37AF3F12-4003-4239-8F71-DC765E245930}"/>
     <dgm:cxn modelId="{E6700695-0549-4A7D-BAB8-EABA37605DD4}" type="presOf" srcId="{A8CBE098-AFF8-4C67-9324-958B1A21839F}" destId="{6C5AC0AB-8903-4592-A5D0-360B70B71239}" srcOrd="0" destOrd="0" presId="urn:microsoft.com/office/officeart/2008/layout/LinedList"/>
     <dgm:cxn modelId="{42E56EA9-42E6-458D-9670-453AB280A5E9}" type="presOf" srcId="{5433DF6E-0AA6-43B3-BDEF-63F98B82044C}" destId="{1E3C0C7C-9670-419A-871D-D61A050F520E}" srcOrd="0" destOrd="0" presId="urn:microsoft.com/office/officeart/2008/layout/LinedList"/>
-    <dgm:cxn modelId="{C39EBCB1-09EA-4530-B480-C74A86492421}" type="presOf" srcId="{A577E113-3F4F-4AC6-9DE5-A71F0C9217E9}" destId="{B7DCA47B-3561-4651-AB22-4E7AF0DFEADF}" srcOrd="0" destOrd="0" presId="urn:microsoft.com/office/officeart/2008/layout/LinedList"/>
     <dgm:cxn modelId="{7211E7B4-67C9-45C0-BF18-E346843EAC58}" srcId="{4B47F5C8-8460-465F-82E3-1C618E7CF272}" destId="{71127672-437C-4DED-96DD-58E049D47FC1}" srcOrd="0" destOrd="0" parTransId="{A87FB2F2-874B-4395-A12A-80F372731384}" sibTransId="{968192C0-4AB8-4B6C-982D-8100E06F80ED}"/>
+    <dgm:cxn modelId="{03802FBB-5AF1-41C9-BD03-54FEF6359830}" type="presOf" srcId="{8CB48A2B-906C-4302-BED8-880984B0C819}" destId="{DC7D52A5-ED38-4261-BD96-2A94206CCC2E}" srcOrd="0" destOrd="0" presId="urn:microsoft.com/office/officeart/2008/layout/LinedList"/>
     <dgm:cxn modelId="{5F6A3EBB-B2D6-4C64-8B57-1ECDEF30326E}" srcId="{4B47F5C8-8460-465F-82E3-1C618E7CF272}" destId="{A8CBE098-AFF8-4C67-9324-958B1A21839F}" srcOrd="2" destOrd="0" parTransId="{48D0810A-D5EB-4E9F-98B4-3B0E00923F89}" sibTransId="{5A3DC856-152A-4FB4-B4F3-09783E3766CF}"/>
     <dgm:cxn modelId="{9D72DAD0-E206-45D4-8C58-D9804A24E67D}" srcId="{4B47F5C8-8460-465F-82E3-1C618E7CF272}" destId="{82F4D549-4C82-443F-8147-F97A91E88E71}" srcOrd="5" destOrd="0" parTransId="{03ED521E-A40C-4816-8BF6-D8B2217E584C}" sibTransId="{3901FE0C-4142-4C94-9C19-2FAA2EBE3922}"/>
     <dgm:cxn modelId="{30A0AEE8-199C-4221-80C7-FB1B918E0AF9}" type="presOf" srcId="{82F4D549-4C82-443F-8147-F97A91E88E71}" destId="{36DAE42F-AB07-4B36-B410-48D900EF324A}" srcOrd="0" destOrd="0" presId="urn:microsoft.com/office/officeart/2008/layout/LinedList"/>
     <dgm:cxn modelId="{D0F006ED-710D-47EB-8223-E3A47F20B482}" type="presOf" srcId="{71127672-437C-4DED-96DD-58E049D47FC1}" destId="{2B298751-51B5-4764-952D-0F6A83340F14}" srcOrd="0" destOrd="0" presId="urn:microsoft.com/office/officeart/2008/layout/LinedList"/>
+    <dgm:cxn modelId="{3F3D3BF7-F25F-4557-88C1-68C6E42B6BCA}" srcId="{4B47F5C8-8460-465F-82E3-1C618E7CF272}" destId="{8CB48A2B-906C-4302-BED8-880984B0C819}" srcOrd="4" destOrd="0" parTransId="{6DD30B60-93EB-4303-91BF-6BDB8EA71C6C}" sibTransId="{56EBF59D-C10A-43CD-9115-57FE310F426B}"/>
     <dgm:cxn modelId="{AA7D9385-D5D7-4B1F-9EFF-F5D2D0ABD9C6}" type="presParOf" srcId="{23B47ED0-09F8-44D4-83A8-79B5D1293283}" destId="{C27FB40A-3EF4-4DD6-AF33-F7885E8EFA1B}" srcOrd="0" destOrd="0" presId="urn:microsoft.com/office/officeart/2008/layout/LinedList"/>
     <dgm:cxn modelId="{0E660EE3-ADF5-43BD-8CAC-52ED487B1F3D}" type="presParOf" srcId="{23B47ED0-09F8-44D4-83A8-79B5D1293283}" destId="{33007A3C-E444-4BDD-BBC9-D90E5CA686D2}" srcOrd="1" destOrd="0" presId="urn:microsoft.com/office/officeart/2008/layout/LinedList"/>
     <dgm:cxn modelId="{60F7D31B-051B-4188-A8F7-6C1D08CB0916}" type="presParOf" srcId="{33007A3C-E444-4BDD-BBC9-D90E5CA686D2}" destId="{2B298751-51B5-4764-952D-0F6A83340F14}" srcOrd="0" destOrd="0" presId="urn:microsoft.com/office/officeart/2008/layout/LinedList"/>
@@ -5666,10 +5789,10 @@
     <dgm:cxn modelId="{E5420B97-A49D-4BCD-A30C-ED6F1D85DF07}" type="presParOf" srcId="{23B47ED0-09F8-44D4-83A8-79B5D1293283}" destId="{43B68BAE-E682-4EBC-AE67-9463131446B6}" srcOrd="7" destOrd="0" presId="urn:microsoft.com/office/officeart/2008/layout/LinedList"/>
     <dgm:cxn modelId="{0DB35A39-1581-448F-9BE2-ECAAA135676F}" type="presParOf" srcId="{43B68BAE-E682-4EBC-AE67-9463131446B6}" destId="{34F80141-B4AF-4DB9-BC36-0F72B542BABE}" srcOrd="0" destOrd="0" presId="urn:microsoft.com/office/officeart/2008/layout/LinedList"/>
     <dgm:cxn modelId="{8C367BF5-E9B8-4DEB-A20B-41E158A882E2}" type="presParOf" srcId="{43B68BAE-E682-4EBC-AE67-9463131446B6}" destId="{A4DC6D29-C628-43BA-8DB0-83660D9E6C89}" srcOrd="1" destOrd="0" presId="urn:microsoft.com/office/officeart/2008/layout/LinedList"/>
-    <dgm:cxn modelId="{E4DE478C-72D9-40CA-81E0-500A811243AE}" type="presParOf" srcId="{23B47ED0-09F8-44D4-83A8-79B5D1293283}" destId="{49D94D5C-E141-4E4D-B7D8-F90DC3A4AC58}" srcOrd="8" destOrd="0" presId="urn:microsoft.com/office/officeart/2008/layout/LinedList"/>
-    <dgm:cxn modelId="{A59D607E-2AEA-42C0-A770-BE553DE67298}" type="presParOf" srcId="{23B47ED0-09F8-44D4-83A8-79B5D1293283}" destId="{7143C411-EFBE-4A63-9304-34A60BFB45A5}" srcOrd="9" destOrd="0" presId="urn:microsoft.com/office/officeart/2008/layout/LinedList"/>
-    <dgm:cxn modelId="{293D28D6-8D7C-4D5A-8C78-4CBB93082D52}" type="presParOf" srcId="{7143C411-EFBE-4A63-9304-34A60BFB45A5}" destId="{B7DCA47B-3561-4651-AB22-4E7AF0DFEADF}" srcOrd="0" destOrd="0" presId="urn:microsoft.com/office/officeart/2008/layout/LinedList"/>
-    <dgm:cxn modelId="{956FFAC2-02AE-4276-817D-D711DDD3AF5C}" type="presParOf" srcId="{7143C411-EFBE-4A63-9304-34A60BFB45A5}" destId="{E5930C28-1698-4822-ADD6-BAA84B77591E}" srcOrd="1" destOrd="0" presId="urn:microsoft.com/office/officeart/2008/layout/LinedList"/>
+    <dgm:cxn modelId="{D3471FA5-EBDA-46F3-A8B8-56F045786373}" type="presParOf" srcId="{23B47ED0-09F8-44D4-83A8-79B5D1293283}" destId="{F1D4155E-EFF9-4FFF-8EF0-3FDE97E74418}" srcOrd="8" destOrd="0" presId="urn:microsoft.com/office/officeart/2008/layout/LinedList"/>
+    <dgm:cxn modelId="{1CE1656C-00A2-4E21-8090-1D19695AEEAC}" type="presParOf" srcId="{23B47ED0-09F8-44D4-83A8-79B5D1293283}" destId="{08BE9F75-9886-4101-9AAA-9EA3BF3A328F}" srcOrd="9" destOrd="0" presId="urn:microsoft.com/office/officeart/2008/layout/LinedList"/>
+    <dgm:cxn modelId="{DEFB14E5-388A-405B-B194-8DF68766347B}" type="presParOf" srcId="{08BE9F75-9886-4101-9AAA-9EA3BF3A328F}" destId="{DC7D52A5-ED38-4261-BD96-2A94206CCC2E}" srcOrd="0" destOrd="0" presId="urn:microsoft.com/office/officeart/2008/layout/LinedList"/>
+    <dgm:cxn modelId="{209640D7-524A-49BF-9210-1FC0B7785C3A}" type="presParOf" srcId="{08BE9F75-9886-4101-9AAA-9EA3BF3A328F}" destId="{D5799C67-305F-4374-AAC1-79AC9A13C233}" srcOrd="1" destOrd="0" presId="urn:microsoft.com/office/officeart/2008/layout/LinedList"/>
     <dgm:cxn modelId="{2F134388-4E08-4093-8BD4-9A52A14B077F}" type="presParOf" srcId="{23B47ED0-09F8-44D4-83A8-79B5D1293283}" destId="{46E5B914-8C4D-4C05-BB91-56EB88D602DE}" srcOrd="10" destOrd="0" presId="urn:microsoft.com/office/officeart/2008/layout/LinedList"/>
     <dgm:cxn modelId="{40A10739-E97F-48F3-B8D5-A00C4BEB15B1}" type="presParOf" srcId="{23B47ED0-09F8-44D4-83A8-79B5D1293283}" destId="{945DD253-3037-4140-9B56-844E083ECE6E}" srcOrd="11" destOrd="0" presId="urn:microsoft.com/office/officeart/2008/layout/LinedList"/>
     <dgm:cxn modelId="{074C267D-982A-441A-8E85-A08814D6911E}" type="presParOf" srcId="{945DD253-3037-4140-9B56-844E083ECE6E}" destId="{36DAE42F-AB07-4B36-B410-48D900EF324A}" srcOrd="0" destOrd="0" presId="urn:microsoft.com/office/officeart/2008/layout/LinedList"/>
@@ -5818,10 +5941,10 @@
         <a:lstStyle/>
         <a:p>
           <a:r>
-            <a:rPr lang="fr-FR"/>
+            <a:rPr lang="fr-FR" dirty="0"/>
             <a:t>Abdalaye KONATE</a:t>
           </a:r>
-          <a:endParaRPr lang="en-US"/>
+          <a:endParaRPr lang="en-US" dirty="0"/>
         </a:p>
       </dgm:t>
     </dgm:pt>
@@ -6066,10 +6189,10 @@
             <a:buNone/>
           </a:pPr>
           <a:r>
-            <a:rPr lang="fr-FR" sz="2300" kern="1200"/>
+            <a:rPr lang="fr-FR" sz="2300" kern="1200" dirty="0"/>
             <a:t>Présentation de l’équipe</a:t>
           </a:r>
-          <a:endParaRPr lang="en-US" sz="2300" kern="1200"/>
+          <a:endParaRPr lang="en-US" sz="2300" kern="1200" dirty="0"/>
         </a:p>
       </dsp:txBody>
       <dsp:txXfrm>
@@ -6176,10 +6299,10 @@
             <a:buNone/>
           </a:pPr>
           <a:r>
-            <a:rPr lang="fr-FR" sz="2300" kern="1200"/>
+            <a:rPr lang="fr-FR" sz="2300" kern="1200" dirty="0"/>
             <a:t>Présentation du contexte</a:t>
           </a:r>
-          <a:endParaRPr lang="en-US" sz="2300" kern="1200"/>
+          <a:endParaRPr lang="en-US" sz="2300" kern="1200" dirty="0"/>
         </a:p>
       </dsp:txBody>
       <dsp:txXfrm>
@@ -6286,20 +6409,20 @@
             <a:buNone/>
           </a:pPr>
           <a:r>
-            <a:rPr lang="fr-FR" sz="2300" kern="1200"/>
+            <a:rPr lang="fr-FR" sz="2300" kern="1200" dirty="0"/>
             <a:t>Présentation de </a:t>
           </a:r>
           <a:r>
-            <a:rPr lang="fr-FR" sz="2300" kern="1200">
+            <a:rPr lang="fr-FR" sz="2300" kern="1200" dirty="0">
               <a:latin typeface="Bookman Old Style" panose="02050604050505020204"/>
             </a:rPr>
             <a:t>l’ancienne </a:t>
           </a:r>
           <a:r>
-            <a:rPr lang="fr-FR" sz="2300" kern="1200"/>
+            <a:rPr lang="fr-FR" sz="2300" kern="1200" dirty="0"/>
             <a:t>infrastructure</a:t>
           </a:r>
-          <a:endParaRPr lang="en-US" sz="2300" kern="1200">
+          <a:endParaRPr lang="en-US" sz="2300" kern="1200" dirty="0">
             <a:latin typeface="Bookman Old Style" panose="02050604050505020204"/>
           </a:endParaRPr>
         </a:p>
@@ -6408,10 +6531,10 @@
             <a:buNone/>
           </a:pPr>
           <a:r>
-            <a:rPr lang="fr-FR" sz="2300" kern="1200"/>
+            <a:rPr lang="fr-FR" sz="2300" kern="1200" dirty="0"/>
             <a:t>Analyse du besoin</a:t>
           </a:r>
-          <a:endParaRPr lang="en-US" sz="2300" kern="1200"/>
+          <a:endParaRPr lang="en-US" sz="2300" kern="1200" dirty="0"/>
         </a:p>
       </dsp:txBody>
       <dsp:txXfrm>
@@ -6419,7 +6542,7 @@
         <a:ext cx="5924550" cy="770771"/>
       </dsp:txXfrm>
     </dsp:sp>
-    <dsp:sp modelId="{49D94D5C-E141-4E4D-B7D8-F90DC3A4AC58}">
+    <dsp:sp modelId="{F1D4155E-EFF9-4FFF-8EF0-3FDE97E74418}">
       <dsp:nvSpPr>
         <dsp:cNvPr id="0" name=""/>
         <dsp:cNvSpPr/>
@@ -6468,7 +6591,7 @@
         </a:fontRef>
       </dsp:style>
     </dsp:sp>
-    <dsp:sp modelId="{B7DCA47B-3561-4651-AB22-4E7AF0DFEADF}">
+    <dsp:sp modelId="{DC7D52A5-ED38-4261-BD96-2A94206CCC2E}">
       <dsp:nvSpPr>
         <dsp:cNvPr id="0" name=""/>
         <dsp:cNvSpPr/>
@@ -6518,10 +6641,9 @@
             <a:buNone/>
           </a:pPr>
           <a:r>
-            <a:rPr lang="fr-FR" sz="2300" kern="1200"/>
-            <a:t>Organisation du projet</a:t>
+            <a:rPr lang="en-US" sz="2300" kern="1200" dirty="0"/>
+            <a:t>Présentation de la maquette</a:t>
           </a:r>
-          <a:endParaRPr lang="en-US" sz="2300" kern="1200"/>
         </a:p>
       </dsp:txBody>
       <dsp:txXfrm>
@@ -6628,22 +6750,22 @@
             <a:buNone/>
           </a:pPr>
           <a:r>
-            <a:rPr lang="fr-FR" sz="2300" kern="1200">
+            <a:rPr lang="fr-FR" sz="2300" kern="1200" dirty="0">
               <a:latin typeface="Bookman Old Style" panose="02050604050505020204"/>
             </a:rPr>
             <a:t>Solutions</a:t>
           </a:r>
           <a:r>
-            <a:rPr lang="fr-FR" sz="2300" kern="1200"/>
+            <a:rPr lang="fr-FR" sz="2300" kern="1200" dirty="0"/>
             <a:t> mises en </a:t>
           </a:r>
           <a:r>
-            <a:rPr lang="fr-FR" sz="2300" kern="1200">
+            <a:rPr lang="fr-FR" sz="2300" kern="1200" dirty="0">
               <a:latin typeface="Bookman Old Style" panose="02050604050505020204"/>
             </a:rPr>
             <a:t>places</a:t>
           </a:r>
-          <a:endParaRPr lang="en-US" sz="2300" kern="1200"/>
+          <a:endParaRPr lang="en-US" sz="2300" kern="1200" dirty="0"/>
         </a:p>
       </dsp:txBody>
       <dsp:txXfrm>
@@ -7236,10 +7358,10 @@
             <a:buNone/>
           </a:pPr>
           <a:r>
-            <a:rPr lang="fr-FR" sz="5000" kern="1200"/>
+            <a:rPr lang="fr-FR" sz="5000" kern="1200" dirty="0"/>
             <a:t>Abdalaye KONATE</a:t>
           </a:r>
-          <a:endParaRPr lang="en-US" sz="5000" kern="1200"/>
+          <a:endParaRPr lang="en-US" sz="5000" kern="1200" dirty="0"/>
         </a:p>
       </dsp:txBody>
       <dsp:txXfrm>
@@ -10333,7 +10455,7 @@
           <a:p>
             <a:fld id="{C716E99D-99A2-4CCE-B5BA-132FE277C59E}" type="datetimeFigureOut">
               <a:rPr lang="fr-FR" smtClean="0"/>
-              <a:t>28/07/2021</a:t>
+              <a:t>29/07/2021</a:t>
             </a:fld>
             <a:endParaRPr lang="fr-FR"/>
           </a:p>
@@ -10491,7 +10613,7 @@
           <a:p>
             <a:fld id="{4683EED4-D82B-4260-88B1-C53BD4B291D5}" type="slidenum">
               <a:rPr lang="fr-FR" smtClean="0"/>
-              <a:t>‹#›</a:t>
+              <a:t>‹N°›</a:t>
             </a:fld>
             <a:endParaRPr lang="fr-FR"/>
           </a:p>
@@ -10644,19 +10766,7 @@
           <a:bodyPr/>
           <a:lstStyle/>
           <a:p>
-            <a:endParaRPr lang="en-US">
-              <a:cs typeface="Calibri"/>
-            </a:endParaRPr>
-          </a:p>
-          <a:p>
-            <a:endParaRPr lang="en-US">
-              <a:cs typeface="Calibri"/>
-            </a:endParaRPr>
-          </a:p>
-          <a:p>
-            <a:endParaRPr lang="en-US">
-              <a:cs typeface="Calibri"/>
-            </a:endParaRPr>
+            <a:endParaRPr lang="fr-FR" dirty="0"/>
           </a:p>
         </p:txBody>
       </p:sp>
@@ -10677,7 +10787,7 @@
           <a:p>
             <a:fld id="{4683EED4-D82B-4260-88B1-C53BD4B291D5}" type="slidenum">
               <a:rPr lang="fr-FR" smtClean="0"/>
-              <a:t>2</a:t>
+              <a:t>1</a:t>
             </a:fld>
             <a:endParaRPr lang="fr-FR"/>
           </a:p>
@@ -10686,231 +10796,7 @@
     </p:spTree>
     <p:extLst>
       <p:ext uri="{BB962C8B-B14F-4D97-AF65-F5344CB8AC3E}">
-        <p14:creationId xmlns:p14="http://schemas.microsoft.com/office/powerpoint/2010/main" val="2200423328"/>
-      </p:ext>
-    </p:extLst>
-  </p:cSld>
-  <p:clrMapOvr>
-    <a:masterClrMapping/>
-  </p:clrMapOvr>
-</p:notes>
-</file>
-
-<file path=ppt/notesSlides/notesSlide10.xml><?xml version="1.0" encoding="utf-8"?>
-<p:notes xmlns:a="http://schemas.openxmlformats.org/drawingml/2006/main" xmlns:r="http://schemas.openxmlformats.org/officeDocument/2006/relationships" xmlns:p="http://schemas.openxmlformats.org/presentationml/2006/main">
-  <p:cSld>
-    <p:spTree>
-      <p:nvGrpSpPr>
-        <p:cNvPr id="1" name=""/>
-        <p:cNvGrpSpPr/>
-        <p:nvPr/>
-      </p:nvGrpSpPr>
-      <p:grpSpPr>
-        <a:xfrm>
-          <a:off x="0" y="0"/>
-          <a:ext cx="0" cy="0"/>
-          <a:chOff x="0" y="0"/>
-          <a:chExt cx="0" cy="0"/>
-        </a:xfrm>
-      </p:grpSpPr>
-      <p:sp>
-        <p:nvSpPr>
-          <p:cNvPr id="2" name="Espace réservé de l'image des diapositives 1"/>
-          <p:cNvSpPr>
-            <a:spLocks noGrp="1" noRot="1" noChangeAspect="1"/>
-          </p:cNvSpPr>
-          <p:nvPr>
-            <p:ph type="sldImg"/>
-          </p:nvPr>
-        </p:nvSpPr>
-        <p:spPr/>
-      </p:sp>
-      <p:sp>
-        <p:nvSpPr>
-          <p:cNvPr id="3" name="Espace réservé des notes 2"/>
-          <p:cNvSpPr>
-            <a:spLocks noGrp="1"/>
-          </p:cNvSpPr>
-          <p:nvPr>
-            <p:ph type="body" idx="1"/>
-          </p:nvPr>
-        </p:nvSpPr>
-        <p:spPr/>
-        <p:txBody>
-          <a:bodyPr/>
-          <a:lstStyle/>
-          <a:p>
-            <a:r>
-              <a:rPr lang="fr-FR"/>
-              <a:t>Découpage de la mise en place de ces solutions en 3 lots :</a:t>
-            </a:r>
-          </a:p>
-          <a:p>
-            <a:pPr marL="171450" indent="-171450">
-              <a:buFont typeface="Arial" panose="020B0604020202020204" pitchFamily="34" charset="0"/>
-              <a:buChar char="•"/>
-            </a:pPr>
-            <a:r>
-              <a:rPr lang="fr-FR"/>
-              <a:t>Installation matériels</a:t>
-            </a:r>
-          </a:p>
-          <a:p>
-            <a:pPr marL="171450" indent="-171450">
-              <a:buFont typeface="Arial" panose="020B0604020202020204" pitchFamily="34" charset="0"/>
-              <a:buChar char="•"/>
-            </a:pPr>
-            <a:r>
-              <a:rPr lang="fr-FR"/>
-              <a:t>Installation logiciels</a:t>
-            </a:r>
-          </a:p>
-          <a:p>
-            <a:pPr marL="171450" indent="-171450">
-              <a:buFont typeface="Arial" panose="020B0604020202020204" pitchFamily="34" charset="0"/>
-              <a:buChar char="•"/>
-            </a:pPr>
-            <a:r>
-              <a:rPr lang="fr-FR"/>
-              <a:t>Modification/Configuration des installations présentes</a:t>
-            </a:r>
-          </a:p>
-          <a:p>
-            <a:pPr marL="171450" indent="-171450">
-              <a:buFont typeface="Arial" panose="020B0604020202020204" pitchFamily="34" charset="0"/>
-              <a:buChar char="•"/>
-            </a:pPr>
-            <a:endParaRPr lang="fr-FR"/>
-          </a:p>
-          <a:p>
-            <a:pPr marL="0" indent="0">
-              <a:buFont typeface="Arial" panose="020B0604020202020204" pitchFamily="34" charset="0"/>
-              <a:buNone/>
-            </a:pPr>
-            <a:r>
-              <a:rPr lang="fr-FR"/>
-              <a:t>Estimation de la charge de travail à 1 mois</a:t>
-            </a:r>
-          </a:p>
-        </p:txBody>
-      </p:sp>
-      <p:sp>
-        <p:nvSpPr>
-          <p:cNvPr id="4" name="Espace réservé du numéro de diapositive 3"/>
-          <p:cNvSpPr>
-            <a:spLocks noGrp="1"/>
-          </p:cNvSpPr>
-          <p:nvPr>
-            <p:ph type="sldNum" sz="quarter" idx="5"/>
-          </p:nvPr>
-        </p:nvSpPr>
-        <p:spPr/>
-        <p:txBody>
-          <a:bodyPr/>
-          <a:lstStyle/>
-          <a:p>
-            <a:fld id="{4683EED4-D82B-4260-88B1-C53BD4B291D5}" type="slidenum">
-              <a:rPr lang="fr-FR" smtClean="0"/>
-              <a:t>11</a:t>
-            </a:fld>
-            <a:endParaRPr lang="fr-FR"/>
-          </a:p>
-        </p:txBody>
-      </p:sp>
-    </p:spTree>
-    <p:extLst>
-      <p:ext uri="{BB962C8B-B14F-4D97-AF65-F5344CB8AC3E}">
-        <p14:creationId xmlns:p14="http://schemas.microsoft.com/office/powerpoint/2010/main" val="2852198094"/>
-      </p:ext>
-    </p:extLst>
-  </p:cSld>
-  <p:clrMapOvr>
-    <a:masterClrMapping/>
-  </p:clrMapOvr>
-</p:notes>
-</file>
-
-<file path=ppt/notesSlides/notesSlide11.xml><?xml version="1.0" encoding="utf-8"?>
-<p:notes xmlns:a="http://schemas.openxmlformats.org/drawingml/2006/main" xmlns:r="http://schemas.openxmlformats.org/officeDocument/2006/relationships" xmlns:p="http://schemas.openxmlformats.org/presentationml/2006/main">
-  <p:cSld>
-    <p:spTree>
-      <p:nvGrpSpPr>
-        <p:cNvPr id="1" name=""/>
-        <p:cNvGrpSpPr/>
-        <p:nvPr/>
-      </p:nvGrpSpPr>
-      <p:grpSpPr>
-        <a:xfrm>
-          <a:off x="0" y="0"/>
-          <a:ext cx="0" cy="0"/>
-          <a:chOff x="0" y="0"/>
-          <a:chExt cx="0" cy="0"/>
-        </a:xfrm>
-      </p:grpSpPr>
-      <p:sp>
-        <p:nvSpPr>
-          <p:cNvPr id="2" name="Espace réservé de l'image des diapositives 1"/>
-          <p:cNvSpPr>
-            <a:spLocks noGrp="1" noRot="1" noChangeAspect="1"/>
-          </p:cNvSpPr>
-          <p:nvPr>
-            <p:ph type="sldImg"/>
-          </p:nvPr>
-        </p:nvSpPr>
-        <p:spPr/>
-      </p:sp>
-      <p:sp>
-        <p:nvSpPr>
-          <p:cNvPr id="3" name="Espace réservé des notes 2"/>
-          <p:cNvSpPr>
-            <a:spLocks noGrp="1"/>
-          </p:cNvSpPr>
-          <p:nvPr>
-            <p:ph type="body" idx="1"/>
-          </p:nvPr>
-        </p:nvSpPr>
-        <p:spPr/>
-        <p:txBody>
-          <a:bodyPr/>
-          <a:lstStyle/>
-          <a:p>
-            <a:r>
-              <a:rPr lang="fr-FR"/>
-              <a:t>Choix de deux solutions avec un prix réduit. Redondance de donnée pour la sécurité. </a:t>
-            </a:r>
-          </a:p>
-          <a:p>
-            <a:endParaRPr lang="fr-FR"/>
-          </a:p>
-        </p:txBody>
-      </p:sp>
-      <p:sp>
-        <p:nvSpPr>
-          <p:cNvPr id="4" name="Espace réservé du numéro de diapositive 3"/>
-          <p:cNvSpPr>
-            <a:spLocks noGrp="1"/>
-          </p:cNvSpPr>
-          <p:nvPr>
-            <p:ph type="sldNum" sz="quarter" idx="5"/>
-          </p:nvPr>
-        </p:nvSpPr>
-        <p:spPr/>
-        <p:txBody>
-          <a:bodyPr/>
-          <a:lstStyle/>
-          <a:p>
-            <a:fld id="{4683EED4-D82B-4260-88B1-C53BD4B291D5}" type="slidenum">
-              <a:rPr lang="fr-FR" smtClean="0"/>
-              <a:t>12</a:t>
-            </a:fld>
-            <a:endParaRPr lang="fr-FR"/>
-          </a:p>
-        </p:txBody>
-      </p:sp>
-    </p:spTree>
-    <p:extLst>
-      <p:ext uri="{BB962C8B-B14F-4D97-AF65-F5344CB8AC3E}">
-        <p14:creationId xmlns:p14="http://schemas.microsoft.com/office/powerpoint/2010/main" val="1704206167"/>
+        <p14:creationId xmlns:p14="http://schemas.microsoft.com/office/powerpoint/2010/main" val="1949978423"/>
       </p:ext>
     </p:extLst>
   </p:cSld>
@@ -10964,83 +10850,19 @@
           <a:bodyPr/>
           <a:lstStyle/>
           <a:p>
-            <a:r>
-              <a:rPr lang="fr-FR"/>
-              <a:t>Jacques Curtis : S’occupe du mangement et du conseil.</a:t>
-            </a:r>
-          </a:p>
-          <a:p>
-            <a:r>
-              <a:rPr lang="fr-FR"/>
-              <a:t>Saïd Zennadi : </a:t>
-            </a:r>
-            <a:r>
-              <a:rPr lang="fr-FR" sz="1800">
-                <a:effectLst/>
-                <a:latin typeface="Arial" panose="020B0604020202020204" pitchFamily="34" charset="0"/>
-                <a:ea typeface="Calibri" panose="020F0502020204030204" pitchFamily="34" charset="0"/>
-              </a:rPr>
-              <a:t>En charge de la sécurité</a:t>
-            </a:r>
-          </a:p>
-          <a:p>
-            <a:pPr marL="0" marR="0" lvl="0" indent="0" algn="l" defTabSz="914400" rtl="0" eaLnBrk="1" fontAlgn="auto" latinLnBrk="0" hangingPunct="1">
-              <a:lnSpc>
-                <a:spcPct val="100000"/>
-              </a:lnSpc>
-              <a:spcBef>
-                <a:spcPts val="0"/>
-              </a:spcBef>
-              <a:spcAft>
-                <a:spcPts val="0"/>
-              </a:spcAft>
-              <a:buClrTx/>
-              <a:buSzTx/>
-              <a:buFontTx/>
-              <a:buNone/>
-              <a:tabLst/>
-              <a:defRPr/>
-            </a:pPr>
-            <a:r>
-              <a:rPr lang="fr-FR" sz="1800">
-                <a:effectLst/>
-                <a:latin typeface="Arial" panose="020B0604020202020204" pitchFamily="34" charset="0"/>
-              </a:rPr>
-              <a:t>Lois </a:t>
-            </a:r>
-            <a:r>
-              <a:rPr lang="fr-FR" sz="1800" err="1">
-                <a:effectLst/>
-                <a:latin typeface="Arial" panose="020B0604020202020204" pitchFamily="34" charset="0"/>
-              </a:rPr>
-              <a:t>Menissier</a:t>
-            </a:r>
-            <a:r>
-              <a:rPr lang="fr-FR" sz="1800">
-                <a:effectLst/>
-                <a:latin typeface="Arial" panose="020B0604020202020204" pitchFamily="34" charset="0"/>
-              </a:rPr>
-              <a:t> et Abdalaye Konate : </a:t>
-            </a:r>
-            <a:r>
-              <a:rPr lang="fr-FR" sz="1800">
-                <a:effectLst/>
-                <a:latin typeface="Arial" panose="020B0604020202020204" pitchFamily="34" charset="0"/>
-                <a:ea typeface="Calibri" panose="020F0502020204030204" pitchFamily="34" charset="0"/>
-                <a:cs typeface="Arial" panose="020B0604020202020204" pitchFamily="34" charset="0"/>
-              </a:rPr>
-              <a:t>Infrastructure réseau</a:t>
-            </a:r>
-            <a:endParaRPr lang="fr-FR"/>
-          </a:p>
-          <a:p>
-            <a:r>
-              <a:rPr lang="fr-FR"/>
-              <a:t>Présenter le prestataire, le client, le cheminement au projet puis l’équipe !</a:t>
-            </a:r>
-          </a:p>
-          <a:p>
-            <a:endParaRPr lang="fr-FR"/>
+            <a:endParaRPr lang="en-US">
+              <a:cs typeface="Calibri"/>
+            </a:endParaRPr>
+          </a:p>
+          <a:p>
+            <a:endParaRPr lang="en-US">
+              <a:cs typeface="Calibri"/>
+            </a:endParaRPr>
+          </a:p>
+          <a:p>
+            <a:endParaRPr lang="en-US">
+              <a:cs typeface="Calibri"/>
+            </a:endParaRPr>
           </a:p>
         </p:txBody>
       </p:sp>
@@ -11061,7 +10883,7 @@
           <a:p>
             <a:fld id="{4683EED4-D82B-4260-88B1-C53BD4B291D5}" type="slidenum">
               <a:rPr lang="fr-FR" smtClean="0"/>
-              <a:t>3</a:t>
+              <a:t>2</a:t>
             </a:fld>
             <a:endParaRPr lang="fr-FR"/>
           </a:p>
@@ -11070,7 +10892,7 @@
     </p:spTree>
     <p:extLst>
       <p:ext uri="{BB962C8B-B14F-4D97-AF65-F5344CB8AC3E}">
-        <p14:creationId xmlns:p14="http://schemas.microsoft.com/office/powerpoint/2010/main" val="2847202807"/>
+        <p14:creationId xmlns:p14="http://schemas.microsoft.com/office/powerpoint/2010/main" val="2200423328"/>
       </p:ext>
     </p:extLst>
   </p:cSld>
@@ -11126,14 +10948,81 @@
           <a:p>
             <a:r>
               <a:rPr lang="fr-FR"/>
-              <a:t>Mentionner les mots MOA (client) &amp; MOE (prestataire)</a:t>
+              <a:t>Jacques Curtis : S’occupe du mangement et du conseil.</a:t>
             </a:r>
           </a:p>
           <a:p>
             <a:r>
               <a:rPr lang="fr-FR"/>
-              <a:t>Nous avons répondu à une appel d’offre concernant la rénovation du système d’information de l’hôpital. </a:t>
+              <a:t>Saïd Zennadi : </a:t>
             </a:r>
+            <a:r>
+              <a:rPr lang="fr-FR" sz="1800">
+                <a:effectLst/>
+                <a:latin typeface="Arial" panose="020B0604020202020204" pitchFamily="34" charset="0"/>
+                <a:ea typeface="Calibri" panose="020F0502020204030204" pitchFamily="34" charset="0"/>
+              </a:rPr>
+              <a:t>En charge de la sécurité</a:t>
+            </a:r>
+          </a:p>
+          <a:p>
+            <a:pPr marL="0" marR="0" lvl="0" indent="0" algn="l" defTabSz="914400" rtl="0" eaLnBrk="1" fontAlgn="auto" latinLnBrk="0" hangingPunct="1">
+              <a:lnSpc>
+                <a:spcPct val="100000"/>
+              </a:lnSpc>
+              <a:spcBef>
+                <a:spcPts val="0"/>
+              </a:spcBef>
+              <a:spcAft>
+                <a:spcPts val="0"/>
+              </a:spcAft>
+              <a:buClrTx/>
+              <a:buSzTx/>
+              <a:buFontTx/>
+              <a:buNone/>
+              <a:tabLst/>
+              <a:defRPr/>
+            </a:pPr>
+            <a:r>
+              <a:rPr lang="fr-FR" sz="1800">
+                <a:effectLst/>
+                <a:latin typeface="Arial" panose="020B0604020202020204" pitchFamily="34" charset="0"/>
+              </a:rPr>
+              <a:t>Lois </a:t>
+            </a:r>
+            <a:r>
+              <a:rPr lang="fr-FR" sz="1800" err="1">
+                <a:effectLst/>
+                <a:latin typeface="Arial" panose="020B0604020202020204" pitchFamily="34" charset="0"/>
+              </a:rPr>
+              <a:t>Menissier</a:t>
+            </a:r>
+            <a:r>
+              <a:rPr lang="fr-FR" sz="1800">
+                <a:effectLst/>
+                <a:latin typeface="Arial" panose="020B0604020202020204" pitchFamily="34" charset="0"/>
+              </a:rPr>
+              <a:t> et Abdalaye Konate : </a:t>
+            </a:r>
+            <a:r>
+              <a:rPr lang="fr-FR" sz="1800">
+                <a:effectLst/>
+                <a:latin typeface="Arial" panose="020B0604020202020204" pitchFamily="34" charset="0"/>
+                <a:ea typeface="Calibri" panose="020F0502020204030204" pitchFamily="34" charset="0"/>
+                <a:cs typeface="Arial" panose="020B0604020202020204" pitchFamily="34" charset="0"/>
+              </a:rPr>
+              <a:t>Infrastructure réseau</a:t>
+            </a:r>
+            <a:endParaRPr lang="fr-FR"/>
+          </a:p>
+          <a:p>
+            <a:r>
+              <a:rPr lang="fr-FR"/>
+              <a:t>Présenter le prestataire, le client, le cheminement au projet puis l’équipe !</a:t>
+            </a:r>
+          </a:p>
+          <a:p>
+            <a:endParaRPr lang="fr-FR"/>
           </a:p>
         </p:txBody>
       </p:sp>
@@ -11154,7 +11043,7 @@
           <a:p>
             <a:fld id="{4683EED4-D82B-4260-88B1-C53BD4B291D5}" type="slidenum">
               <a:rPr lang="fr-FR" smtClean="0"/>
-              <a:t>4</a:t>
+              <a:t>3</a:t>
             </a:fld>
             <a:endParaRPr lang="fr-FR"/>
           </a:p>
@@ -11163,7 +11052,7 @@
     </p:spTree>
     <p:extLst>
       <p:ext uri="{BB962C8B-B14F-4D97-AF65-F5344CB8AC3E}">
-        <p14:creationId xmlns:p14="http://schemas.microsoft.com/office/powerpoint/2010/main" val="1626449310"/>
+        <p14:creationId xmlns:p14="http://schemas.microsoft.com/office/powerpoint/2010/main" val="2847202807"/>
       </p:ext>
     </p:extLst>
   </p:cSld>
@@ -11219,41 +11108,14 @@
           <a:p>
             <a:r>
               <a:rPr lang="fr-FR"/>
-              <a:t>Un switch cœur Cisco 3550 et plusieurs switch Cisco 2950 ou 2960</a:t>
+              <a:t>Mentionner les mots MOA (client) &amp; MOE (prestataire)</a:t>
             </a:r>
           </a:p>
           <a:p>
             <a:r>
               <a:rPr lang="fr-FR"/>
-              <a:t>Plusieurs switch non administrable avec des équipements dans un cloisonnement de réseau abandonné. </a:t>
+              <a:t>Nous avons répondu à une appel d’offre concernant la rénovation du système d’information de l’hôpital. </a:t>
             </a:r>
-          </a:p>
-          <a:p>
-            <a:r>
-              <a:rPr lang="fr-FR"/>
-              <a:t>Risques de saturation du réseau par les broadcast et de sécurité sans cloisonnement.</a:t>
-            </a:r>
-          </a:p>
-          <a:p>
-            <a:r>
-              <a:rPr lang="fr-FR"/>
-              <a:t>Accès à internet lent fonctionnant sur un réseau VDSL.</a:t>
-            </a:r>
-          </a:p>
-          <a:p>
-            <a:r>
-              <a:rPr lang="fr-FR"/>
-              <a:t>Ils ont un réseau câblé en Ethernet 100 Base T</a:t>
-            </a:r>
-          </a:p>
-          <a:p>
-            <a:r>
-              <a:rPr lang="fr-FR"/>
-              <a:t>La gestion des droits par services est sur un serveur AD vieillissant et incomplet. </a:t>
-            </a:r>
-          </a:p>
-          <a:p>
-            <a:endParaRPr lang="fr-FR"/>
           </a:p>
         </p:txBody>
       </p:sp>
@@ -11274,7 +11136,7 @@
           <a:p>
             <a:fld id="{4683EED4-D82B-4260-88B1-C53BD4B291D5}" type="slidenum">
               <a:rPr lang="fr-FR" smtClean="0"/>
-              <a:t>5</a:t>
+              <a:t>4</a:t>
             </a:fld>
             <a:endParaRPr lang="fr-FR"/>
           </a:p>
@@ -11283,7 +11145,7 @@
     </p:spTree>
     <p:extLst>
       <p:ext uri="{BB962C8B-B14F-4D97-AF65-F5344CB8AC3E}">
-        <p14:creationId xmlns:p14="http://schemas.microsoft.com/office/powerpoint/2010/main" val="1995113360"/>
+        <p14:creationId xmlns:p14="http://schemas.microsoft.com/office/powerpoint/2010/main" val="1626449310"/>
       </p:ext>
     </p:extLst>
   </p:cSld>
@@ -11358,7 +11220,7 @@
           <a:p>
             <a:fld id="{4683EED4-D82B-4260-88B1-C53BD4B291D5}" type="slidenum">
               <a:rPr lang="fr-FR" smtClean="0"/>
-              <a:t>6</a:t>
+              <a:t>5</a:t>
             </a:fld>
             <a:endParaRPr lang="fr-FR"/>
           </a:p>
@@ -11422,12 +11284,12 @@
           <a:lstStyle/>
           <a:p>
             <a:r>
-              <a:rPr lang="fr-FR"/>
+              <a:rPr lang="fr-FR" dirty="0"/>
               <a:t>Après l’analyse de l’existant et de l’audit du système d’informations, nous avons établit les besoins suivants :</a:t>
             </a:r>
           </a:p>
           <a:p>
-            <a:endParaRPr lang="fr-FR"/>
+            <a:endParaRPr lang="fr-FR" dirty="0"/>
           </a:p>
           <a:p>
             <a:pPr marL="171450" indent="-171450">
@@ -11435,7 +11297,7 @@
               <a:buChar char="•"/>
             </a:pPr>
             <a:r>
-              <a:rPr lang="fr-FR"/>
+              <a:rPr lang="fr-FR" dirty="0"/>
               <a:t>L’accès aux données et applications métiers est ralentit. Une redondance des données doit être mise en place avant tout. 70% des données de l’hôpital sont des informations de santé, donc important d’assuré une disponibilité. Remplacement des liens pour assuré un débit minimal correct entre les clients/serveurs.</a:t>
             </a:r>
           </a:p>
@@ -11444,7 +11306,7 @@
               <a:buFont typeface="Arial" panose="020B0604020202020204" pitchFamily="34" charset="0"/>
               <a:buChar char="•"/>
             </a:pPr>
-            <a:endParaRPr lang="fr-FR"/>
+            <a:endParaRPr lang="fr-FR" dirty="0"/>
           </a:p>
           <a:p>
             <a:pPr marL="171450" indent="-171450">
@@ -11452,7 +11314,7 @@
               <a:buChar char="•"/>
             </a:pPr>
             <a:r>
-              <a:rPr lang="fr-FR"/>
+              <a:rPr lang="fr-FR" dirty="0"/>
               <a:t>Cela consiste à organisé les ressources suivantes : les données, les procédures, les systèmes et sous-systèmes d’équipements.  Affiné les droits d’accès aux utilisateurs et groupes, mettre en place une répartition des charges serveurs logiciels sur le cluster.</a:t>
             </a:r>
           </a:p>
@@ -11461,7 +11323,7 @@
               <a:buFont typeface="Arial" panose="020B0604020202020204" pitchFamily="34" charset="0"/>
               <a:buChar char="•"/>
             </a:pPr>
-            <a:endParaRPr lang="fr-FR"/>
+            <a:endParaRPr lang="fr-FR" dirty="0"/>
           </a:p>
           <a:p>
             <a:pPr marL="171450" indent="-171450">
@@ -11469,7 +11331,7 @@
               <a:buChar char="•"/>
             </a:pPr>
             <a:r>
-              <a:rPr lang="fr-FR"/>
+              <a:rPr lang="fr-FR" dirty="0"/>
               <a:t>Consiste à déployé des logiciels collaboratif. </a:t>
             </a:r>
           </a:p>
@@ -11478,7 +11340,7 @@
               <a:buFont typeface="Arial" panose="020B0604020202020204" pitchFamily="34" charset="0"/>
               <a:buChar char="•"/>
             </a:pPr>
-            <a:endParaRPr lang="fr-FR"/>
+            <a:endParaRPr lang="fr-FR" dirty="0"/>
           </a:p>
           <a:p>
             <a:pPr marL="171450" indent="-171450">
@@ -11486,7 +11348,7 @@
               <a:buChar char="•"/>
             </a:pPr>
             <a:r>
-              <a:rPr lang="fr-FR"/>
+              <a:rPr lang="fr-FR" dirty="0"/>
               <a:t>Mise en place de procédure de résolution de problème et d’installation de service ou matériel du projet au cas où. </a:t>
             </a:r>
           </a:p>
@@ -11495,7 +11357,7 @@
               <a:buFont typeface="Arial" panose="020B0604020202020204" pitchFamily="34" charset="0"/>
               <a:buChar char="•"/>
             </a:pPr>
-            <a:endParaRPr lang="fr-FR"/>
+            <a:endParaRPr lang="fr-FR" dirty="0"/>
           </a:p>
           <a:p>
             <a:pPr marL="171450" indent="-171450">
@@ -11503,7 +11365,7 @@
               <a:buChar char="•"/>
             </a:pPr>
             <a:r>
-              <a:rPr lang="fr-FR"/>
+              <a:rPr lang="fr-FR" dirty="0"/>
               <a:t>Respecter de manière générale le triangle de la sécurité informatique</a:t>
             </a:r>
           </a:p>
@@ -11512,7 +11374,7 @@
               <a:buFont typeface="Arial" panose="020B0604020202020204" pitchFamily="34" charset="0"/>
               <a:buNone/>
             </a:pPr>
-            <a:endParaRPr lang="fr-FR"/>
+            <a:endParaRPr lang="fr-FR" dirty="0"/>
           </a:p>
           <a:p>
             <a:pPr marL="0" indent="0">
@@ -11520,7 +11382,7 @@
               <a:buNone/>
             </a:pPr>
             <a:r>
-              <a:rPr lang="fr-FR"/>
+              <a:rPr lang="fr-FR" dirty="0"/>
               <a:t> </a:t>
             </a:r>
           </a:p>
@@ -11543,7 +11405,7 @@
           <a:p>
             <a:fld id="{4683EED4-D82B-4260-88B1-C53BD4B291D5}" type="slidenum">
               <a:rPr lang="fr-FR" smtClean="0"/>
-              <a:t>7</a:t>
+              <a:t>6</a:t>
             </a:fld>
             <a:endParaRPr lang="fr-FR"/>
           </a:p>
@@ -11606,52 +11468,7 @@
           <a:bodyPr/>
           <a:lstStyle/>
           <a:p>
-            <a:r>
-              <a:rPr lang="fr-FR"/>
-              <a:t>Voici la répartition en différents lots</a:t>
-            </a:r>
-          </a:p>
-          <a:p>
-            <a:r>
-              <a:rPr lang="fr-FR"/>
-              <a:t>Le chemin critique représenté en rouge</a:t>
-            </a:r>
-          </a:p>
-          <a:p>
-            <a:r>
-              <a:rPr lang="fr-FR"/>
-              <a:t>L’utilisation de planning de référence une fois toutes les semaines à la fin de chaque réunion hebdomadaire communiqué régulièrement au client</a:t>
-            </a:r>
-          </a:p>
-          <a:p>
-            <a:r>
-              <a:rPr lang="fr-FR"/>
-              <a:t>Les réunions hebdomadaires force le fractionnement des tâches parallèles</a:t>
-            </a:r>
-          </a:p>
-          <a:p>
-            <a:r>
-              <a:rPr lang="fr-FR"/>
-              <a:t>La plus grosse partit du projet est basé sur les installations logiciels</a:t>
-            </a:r>
-          </a:p>
-          <a:p>
-            <a:endParaRPr lang="fr-FR"/>
-          </a:p>
-          <a:p>
-            <a:r>
-              <a:rPr lang="fr-FR"/>
-              <a:t>466 heures de travails estimé. </a:t>
-            </a:r>
-          </a:p>
-          <a:p>
-            <a:r>
-              <a:rPr lang="fr-FR"/>
-              <a:t>Durée total du projet sur 32 jours. </a:t>
-            </a:r>
-          </a:p>
-          <a:p>
-            <a:endParaRPr lang="fr-FR"/>
+            <a:endParaRPr lang="fr-FR" dirty="0"/>
           </a:p>
         </p:txBody>
       </p:sp>
@@ -11681,7 +11498,7 @@
     </p:spTree>
     <p:extLst>
       <p:ext uri="{BB962C8B-B14F-4D97-AF65-F5344CB8AC3E}">
-        <p14:creationId xmlns:p14="http://schemas.microsoft.com/office/powerpoint/2010/main" val="301198478"/>
+        <p14:creationId xmlns:p14="http://schemas.microsoft.com/office/powerpoint/2010/main" val="2852198094"/>
       </p:ext>
     </p:extLst>
   </p:cSld>
@@ -11735,10 +11552,7 @@
           <a:bodyPr/>
           <a:lstStyle/>
           <a:p>
-            <a:r>
-              <a:rPr lang="fr-FR"/>
-              <a:t>Cette méthode de réunion permet de ciblé les problèmes rencontré durant les étapes de projets. </a:t>
-            </a:r>
+            <a:endParaRPr lang="fr-FR" dirty="0"/>
           </a:p>
         </p:txBody>
       </p:sp>
@@ -11768,91 +11582,7 @@
     </p:spTree>
     <p:extLst>
       <p:ext uri="{BB962C8B-B14F-4D97-AF65-F5344CB8AC3E}">
-        <p14:creationId xmlns:p14="http://schemas.microsoft.com/office/powerpoint/2010/main" val="3741626569"/>
-      </p:ext>
-    </p:extLst>
-  </p:cSld>
-  <p:clrMapOvr>
-    <a:masterClrMapping/>
-  </p:clrMapOvr>
-</p:notes>
-</file>
-
-<file path=ppt/notesSlides/notesSlide9.xml><?xml version="1.0" encoding="utf-8"?>
-<p:notes xmlns:a="http://schemas.openxmlformats.org/drawingml/2006/main" xmlns:r="http://schemas.openxmlformats.org/officeDocument/2006/relationships" xmlns:p="http://schemas.openxmlformats.org/presentationml/2006/main">
-  <p:cSld>
-    <p:spTree>
-      <p:nvGrpSpPr>
-        <p:cNvPr id="1" name=""/>
-        <p:cNvGrpSpPr/>
-        <p:nvPr/>
-      </p:nvGrpSpPr>
-      <p:grpSpPr>
-        <a:xfrm>
-          <a:off x="0" y="0"/>
-          <a:ext cx="0" cy="0"/>
-          <a:chOff x="0" y="0"/>
-          <a:chExt cx="0" cy="0"/>
-        </a:xfrm>
-      </p:grpSpPr>
-      <p:sp>
-        <p:nvSpPr>
-          <p:cNvPr id="2" name="Espace réservé de l'image des diapositives 1"/>
-          <p:cNvSpPr>
-            <a:spLocks noGrp="1" noRot="1" noChangeAspect="1"/>
-          </p:cNvSpPr>
-          <p:nvPr>
-            <p:ph type="sldImg"/>
-          </p:nvPr>
-        </p:nvSpPr>
-        <p:spPr/>
-      </p:sp>
-      <p:sp>
-        <p:nvSpPr>
-          <p:cNvPr id="3" name="Espace réservé des notes 2"/>
-          <p:cNvSpPr>
-            <a:spLocks noGrp="1"/>
-          </p:cNvSpPr>
-          <p:nvPr>
-            <p:ph type="body" idx="1"/>
-          </p:nvPr>
-        </p:nvSpPr>
-        <p:spPr/>
-        <p:txBody>
-          <a:bodyPr/>
-          <a:lstStyle/>
-          <a:p>
-            <a:endParaRPr lang="fr-FR"/>
-          </a:p>
-        </p:txBody>
-      </p:sp>
-      <p:sp>
-        <p:nvSpPr>
-          <p:cNvPr id="4" name="Espace réservé du numéro de diapositive 3"/>
-          <p:cNvSpPr>
-            <a:spLocks noGrp="1"/>
-          </p:cNvSpPr>
-          <p:nvPr>
-            <p:ph type="sldNum" sz="quarter" idx="5"/>
-          </p:nvPr>
-        </p:nvSpPr>
-        <p:spPr/>
-        <p:txBody>
-          <a:bodyPr/>
-          <a:lstStyle/>
-          <a:p>
-            <a:fld id="{4683EED4-D82B-4260-88B1-C53BD4B291D5}" type="slidenum">
-              <a:rPr lang="fr-FR" smtClean="0"/>
-              <a:t>10</a:t>
-            </a:fld>
-            <a:endParaRPr lang="fr-FR"/>
-          </a:p>
-        </p:txBody>
-      </p:sp>
-    </p:spTree>
-    <p:extLst>
-      <p:ext uri="{BB962C8B-B14F-4D97-AF65-F5344CB8AC3E}">
-        <p14:creationId xmlns:p14="http://schemas.microsoft.com/office/powerpoint/2010/main" val="1253878747"/>
+        <p14:creationId xmlns:p14="http://schemas.microsoft.com/office/powerpoint/2010/main" val="1704206167"/>
       </p:ext>
     </p:extLst>
   </p:cSld>
@@ -11995,7 +11725,7 @@
           <a:p>
             <a:fld id="{638941B0-F4D5-4460-BCAD-F7E2B41A8257}" type="datetimeFigureOut">
               <a:rPr lang="de-DE" smtClean="0"/>
-              <a:t>28.07.2021</a:t>
+              <a:t>29.07.2021</a:t>
             </a:fld>
             <a:endParaRPr lang="de-DE"/>
           </a:p>
@@ -12037,7 +11767,7 @@
           <a:p>
             <a:fld id="{27C6CCC6-2BE5-4E42-96A4-D1E8E81A3D8E}" type="slidenum">
               <a:rPr lang="de-DE" smtClean="0"/>
-              <a:t>‹#›</a:t>
+              <a:t>‹N°›</a:t>
             </a:fld>
             <a:endParaRPr lang="de-DE"/>
           </a:p>
@@ -12282,7 +12012,7 @@
           <a:p>
             <a:fld id="{638941B0-F4D5-4460-BCAD-F7E2B41A8257}" type="datetimeFigureOut">
               <a:rPr lang="de-DE" smtClean="0"/>
-              <a:t>28.07.2021</a:t>
+              <a:t>29.07.2021</a:t>
             </a:fld>
             <a:endParaRPr lang="de-DE"/>
           </a:p>
@@ -12324,7 +12054,7 @@
           <a:p>
             <a:fld id="{27C6CCC6-2BE5-4E42-96A4-D1E8E81A3D8E}" type="slidenum">
               <a:rPr lang="de-DE" smtClean="0"/>
-              <a:t>‹#›</a:t>
+              <a:t>‹N°›</a:t>
             </a:fld>
             <a:endParaRPr lang="de-DE"/>
           </a:p>
@@ -12474,7 +12204,7 @@
           <a:p>
             <a:fld id="{638941B0-F4D5-4460-BCAD-F7E2B41A8257}" type="datetimeFigureOut">
               <a:rPr lang="de-DE" smtClean="0"/>
-              <a:t>28.07.2021</a:t>
+              <a:t>29.07.2021</a:t>
             </a:fld>
             <a:endParaRPr lang="de-DE"/>
           </a:p>
@@ -12516,7 +12246,7 @@
           <a:p>
             <a:fld id="{27C6CCC6-2BE5-4E42-96A4-D1E8E81A3D8E}" type="slidenum">
               <a:rPr lang="de-DE" smtClean="0"/>
-              <a:t>‹#›</a:t>
+              <a:t>‹N°›</a:t>
             </a:fld>
             <a:endParaRPr lang="de-DE"/>
           </a:p>
@@ -12735,7 +12465,7 @@
           <a:p>
             <a:fld id="{638941B0-F4D5-4460-BCAD-F7E2B41A8257}" type="datetimeFigureOut">
               <a:rPr lang="de-DE" smtClean="0"/>
-              <a:t>28.07.2021</a:t>
+              <a:t>29.07.2021</a:t>
             </a:fld>
             <a:endParaRPr lang="de-DE"/>
           </a:p>
@@ -12777,7 +12507,7 @@
           <a:p>
             <a:fld id="{27C6CCC6-2BE5-4E42-96A4-D1E8E81A3D8E}" type="slidenum">
               <a:rPr lang="de-DE" smtClean="0"/>
-              <a:t>‹#›</a:t>
+              <a:t>‹N°›</a:t>
             </a:fld>
             <a:endParaRPr lang="de-DE"/>
           </a:p>
@@ -13159,7 +12889,7 @@
           <a:p>
             <a:fld id="{638941B0-F4D5-4460-BCAD-F7E2B41A8257}" type="datetimeFigureOut">
               <a:rPr lang="de-DE" smtClean="0"/>
-              <a:t>28.07.2021</a:t>
+              <a:t>29.07.2021</a:t>
             </a:fld>
             <a:endParaRPr lang="de-DE"/>
           </a:p>
@@ -13201,7 +12931,7 @@
           <a:p>
             <a:fld id="{27C6CCC6-2BE5-4E42-96A4-D1E8E81A3D8E}" type="slidenum">
               <a:rPr lang="de-DE" smtClean="0"/>
-              <a:t>‹#›</a:t>
+              <a:t>‹N°›</a:t>
             </a:fld>
             <a:endParaRPr lang="de-DE"/>
           </a:p>
@@ -13705,7 +13435,7 @@
           <a:p>
             <a:fld id="{638941B0-F4D5-4460-BCAD-F7E2B41A8257}" type="datetimeFigureOut">
               <a:rPr lang="de-DE" smtClean="0"/>
-              <a:t>28.07.2021</a:t>
+              <a:t>29.07.2021</a:t>
             </a:fld>
             <a:endParaRPr lang="de-DE"/>
           </a:p>
@@ -13747,7 +13477,7 @@
           <a:p>
             <a:fld id="{27C6CCC6-2BE5-4E42-96A4-D1E8E81A3D8E}" type="slidenum">
               <a:rPr lang="de-DE" smtClean="0"/>
-              <a:t>‹#›</a:t>
+              <a:t>‹N°›</a:t>
             </a:fld>
             <a:endParaRPr lang="de-DE"/>
           </a:p>
@@ -14545,7 +14275,7 @@
           <a:p>
             <a:fld id="{638941B0-F4D5-4460-BCAD-F7E2B41A8257}" type="datetimeFigureOut">
               <a:rPr lang="de-DE" smtClean="0"/>
-              <a:t>28.07.2021</a:t>
+              <a:t>29.07.2021</a:t>
             </a:fld>
             <a:endParaRPr lang="de-DE"/>
           </a:p>
@@ -14587,7 +14317,7 @@
           <a:p>
             <a:fld id="{27C6CCC6-2BE5-4E42-96A4-D1E8E81A3D8E}" type="slidenum">
               <a:rPr lang="de-DE" smtClean="0"/>
-              <a:t>‹#›</a:t>
+              <a:t>‹N°›</a:t>
             </a:fld>
             <a:endParaRPr lang="de-DE"/>
           </a:p>
@@ -14715,7 +14445,7 @@
           <a:p>
             <a:fld id="{638941B0-F4D5-4460-BCAD-F7E2B41A8257}" type="datetimeFigureOut">
               <a:rPr lang="de-DE" smtClean="0"/>
-              <a:t>28.07.2021</a:t>
+              <a:t>29.07.2021</a:t>
             </a:fld>
             <a:endParaRPr lang="de-DE"/>
           </a:p>
@@ -14757,7 +14487,7 @@
           <a:p>
             <a:fld id="{27C6CCC6-2BE5-4E42-96A4-D1E8E81A3D8E}" type="slidenum">
               <a:rPr lang="de-DE" smtClean="0"/>
-              <a:t>‹#›</a:t>
+              <a:t>‹N°›</a:t>
             </a:fld>
             <a:endParaRPr lang="de-DE"/>
           </a:p>
@@ -14899,7 +14629,7 @@
           <a:p>
             <a:fld id="{638941B0-F4D5-4460-BCAD-F7E2B41A8257}" type="datetimeFigureOut">
               <a:rPr lang="de-DE" smtClean="0"/>
-              <a:t>28.07.2021</a:t>
+              <a:t>29.07.2021</a:t>
             </a:fld>
             <a:endParaRPr lang="de-DE"/>
           </a:p>
@@ -14941,7 +14671,7 @@
           <a:p>
             <a:fld id="{27C6CCC6-2BE5-4E42-96A4-D1E8E81A3D8E}" type="slidenum">
               <a:rPr lang="de-DE" smtClean="0"/>
-              <a:t>‹#›</a:t>
+              <a:t>‹N°›</a:t>
             </a:fld>
             <a:endParaRPr lang="de-DE"/>
           </a:p>
@@ -15069,7 +14799,7 @@
           <a:p>
             <a:fld id="{638941B0-F4D5-4460-BCAD-F7E2B41A8257}" type="datetimeFigureOut">
               <a:rPr lang="de-DE" smtClean="0"/>
-              <a:t>28.07.2021</a:t>
+              <a:t>29.07.2021</a:t>
             </a:fld>
             <a:endParaRPr lang="de-DE"/>
           </a:p>
@@ -15111,7 +14841,7 @@
           <a:p>
             <a:fld id="{27C6CCC6-2BE5-4E42-96A4-D1E8E81A3D8E}" type="slidenum">
               <a:rPr lang="de-DE" smtClean="0"/>
-              <a:t>‹#›</a:t>
+              <a:t>‹N°›</a:t>
             </a:fld>
             <a:endParaRPr lang="de-DE"/>
           </a:p>
@@ -15317,7 +15047,7 @@
           <a:p>
             <a:fld id="{638941B0-F4D5-4460-BCAD-F7E2B41A8257}" type="datetimeFigureOut">
               <a:rPr lang="de-DE" smtClean="0"/>
-              <a:t>28.07.2021</a:t>
+              <a:t>29.07.2021</a:t>
             </a:fld>
             <a:endParaRPr lang="de-DE"/>
           </a:p>
@@ -15359,7 +15089,7 @@
           <a:p>
             <a:fld id="{27C6CCC6-2BE5-4E42-96A4-D1E8E81A3D8E}" type="slidenum">
               <a:rPr lang="de-DE" smtClean="0"/>
-              <a:t>‹#›</a:t>
+              <a:t>‹N°›</a:t>
             </a:fld>
             <a:endParaRPr lang="de-DE"/>
           </a:p>
@@ -15554,7 +15284,7 @@
           <a:p>
             <a:fld id="{638941B0-F4D5-4460-BCAD-F7E2B41A8257}" type="datetimeFigureOut">
               <a:rPr lang="de-DE" smtClean="0"/>
-              <a:t>28.07.2021</a:t>
+              <a:t>29.07.2021</a:t>
             </a:fld>
             <a:endParaRPr lang="de-DE"/>
           </a:p>
@@ -15596,7 +15326,7 @@
           <a:p>
             <a:fld id="{27C6CCC6-2BE5-4E42-96A4-D1E8E81A3D8E}" type="slidenum">
               <a:rPr lang="de-DE" smtClean="0"/>
-              <a:t>‹#›</a:t>
+              <a:t>‹N°›</a:t>
             </a:fld>
             <a:endParaRPr lang="de-DE"/>
           </a:p>
@@ -15927,7 +15657,7 @@
           <a:p>
             <a:fld id="{638941B0-F4D5-4460-BCAD-F7E2B41A8257}" type="datetimeFigureOut">
               <a:rPr lang="de-DE" smtClean="0"/>
-              <a:t>28.07.2021</a:t>
+              <a:t>29.07.2021</a:t>
             </a:fld>
             <a:endParaRPr lang="de-DE"/>
           </a:p>
@@ -15969,7 +15699,7 @@
           <a:p>
             <a:fld id="{27C6CCC6-2BE5-4E42-96A4-D1E8E81A3D8E}" type="slidenum">
               <a:rPr lang="de-DE" smtClean="0"/>
-              <a:t>‹#›</a:t>
+              <a:t>‹N°›</a:t>
             </a:fld>
             <a:endParaRPr lang="de-DE"/>
           </a:p>
@@ -16045,7 +15775,7 @@
           <a:p>
             <a:fld id="{638941B0-F4D5-4460-BCAD-F7E2B41A8257}" type="datetimeFigureOut">
               <a:rPr lang="de-DE" smtClean="0"/>
-              <a:t>28.07.2021</a:t>
+              <a:t>29.07.2021</a:t>
             </a:fld>
             <a:endParaRPr lang="de-DE"/>
           </a:p>
@@ -16087,7 +15817,7 @@
           <a:p>
             <a:fld id="{27C6CCC6-2BE5-4E42-96A4-D1E8E81A3D8E}" type="slidenum">
               <a:rPr lang="de-DE" smtClean="0"/>
-              <a:t>‹#›</a:t>
+              <a:t>‹N°›</a:t>
             </a:fld>
             <a:endParaRPr lang="de-DE"/>
           </a:p>
@@ -16140,7 +15870,7 @@
           <a:p>
             <a:fld id="{638941B0-F4D5-4460-BCAD-F7E2B41A8257}" type="datetimeFigureOut">
               <a:rPr lang="de-DE" smtClean="0"/>
-              <a:t>28.07.2021</a:t>
+              <a:t>29.07.2021</a:t>
             </a:fld>
             <a:endParaRPr lang="de-DE"/>
           </a:p>
@@ -16182,7 +15912,7 @@
           <a:p>
             <a:fld id="{27C6CCC6-2BE5-4E42-96A4-D1E8E81A3D8E}" type="slidenum">
               <a:rPr lang="de-DE" smtClean="0"/>
-              <a:t>‹#›</a:t>
+              <a:t>‹N°›</a:t>
             </a:fld>
             <a:endParaRPr lang="de-DE"/>
           </a:p>
@@ -16391,7 +16121,7 @@
           <a:p>
             <a:fld id="{638941B0-F4D5-4460-BCAD-F7E2B41A8257}" type="datetimeFigureOut">
               <a:rPr lang="de-DE" smtClean="0"/>
-              <a:t>28.07.2021</a:t>
+              <a:t>29.07.2021</a:t>
             </a:fld>
             <a:endParaRPr lang="de-DE"/>
           </a:p>
@@ -16433,7 +16163,7 @@
           <a:p>
             <a:fld id="{27C6CCC6-2BE5-4E42-96A4-D1E8E81A3D8E}" type="slidenum">
               <a:rPr lang="de-DE" smtClean="0"/>
-              <a:t>‹#›</a:t>
+              <a:t>‹N°›</a:t>
             </a:fld>
             <a:endParaRPr lang="de-DE"/>
           </a:p>
@@ -16678,7 +16408,7 @@
           <a:p>
             <a:fld id="{638941B0-F4D5-4460-BCAD-F7E2B41A8257}" type="datetimeFigureOut">
               <a:rPr lang="de-DE" smtClean="0"/>
-              <a:t>28.07.2021</a:t>
+              <a:t>29.07.2021</a:t>
             </a:fld>
             <a:endParaRPr lang="de-DE"/>
           </a:p>
@@ -16720,7 +16450,7 @@
           <a:p>
             <a:fld id="{27C6CCC6-2BE5-4E42-96A4-D1E8E81A3D8E}" type="slidenum">
               <a:rPr lang="de-DE" smtClean="0"/>
-              <a:t>‹#›</a:t>
+              <a:t>‹N°›</a:t>
             </a:fld>
             <a:endParaRPr lang="de-DE"/>
           </a:p>
@@ -16891,7 +16621,7 @@
           <a:p>
             <a:fld id="{638941B0-F4D5-4460-BCAD-F7E2B41A8257}" type="datetimeFigureOut">
               <a:rPr lang="de-DE" smtClean="0"/>
-              <a:t>28.07.2021</a:t>
+              <a:t>29.07.2021</a:t>
             </a:fld>
             <a:endParaRPr lang="de-DE"/>
           </a:p>
@@ -16969,7 +16699,7 @@
           <a:p>
             <a:fld id="{27C6CCC6-2BE5-4E42-96A4-D1E8E81A3D8E}" type="slidenum">
               <a:rPr lang="de-DE" smtClean="0"/>
-              <a:t>‹#›</a:t>
+              <a:t>‹N°›</a:t>
             </a:fld>
             <a:endParaRPr lang="de-DE"/>
           </a:p>
@@ -17388,7 +17118,7 @@
           <a:lstStyle/>
           <a:p>
             <a:r>
-              <a:rPr lang="de-DE"/>
+              <a:rPr lang="de-DE" dirty="0"/>
               <a:t>PROJET ANNUEL</a:t>
             </a:r>
           </a:p>
@@ -17428,612 +17158,6 @@
   <p:clrMapOvr>
     <a:masterClrMapping/>
   </p:clrMapOvr>
-</p:sld>
-</file>
-
-<file path=ppt/slides/slide10.xml><?xml version="1.0" encoding="utf-8"?>
-<p:sld xmlns:a="http://schemas.openxmlformats.org/drawingml/2006/main" xmlns:r="http://schemas.openxmlformats.org/officeDocument/2006/relationships" xmlns:p="http://schemas.openxmlformats.org/presentationml/2006/main">
-  <p:cSld>
-    <p:spTree>
-      <p:nvGrpSpPr>
-        <p:cNvPr id="1" name=""/>
-        <p:cNvGrpSpPr/>
-        <p:nvPr/>
-      </p:nvGrpSpPr>
-      <p:grpSpPr>
-        <a:xfrm>
-          <a:off x="0" y="0"/>
-          <a:ext cx="0" cy="0"/>
-          <a:chOff x="0" y="0"/>
-          <a:chExt cx="0" cy="0"/>
-        </a:xfrm>
-      </p:grpSpPr>
-      <p:sp>
-        <p:nvSpPr>
-          <p:cNvPr id="2" name="Titre 1">
-            <a:extLst>
-              <a:ext uri="{FF2B5EF4-FFF2-40B4-BE49-F238E27FC236}">
-                <a16:creationId xmlns:a16="http://schemas.microsoft.com/office/drawing/2014/main" id="{1738DA26-F6A8-4AE6-99C9-6A9BCC27A8F6}"/>
-              </a:ext>
-            </a:extLst>
-          </p:cNvPr>
-          <p:cNvSpPr>
-            <a:spLocks noGrp="1"/>
-          </p:cNvSpPr>
-          <p:nvPr>
-            <p:ph type="title"/>
-          </p:nvPr>
-        </p:nvSpPr>
-        <p:spPr>
-          <a:xfrm>
-            <a:off x="913795" y="609601"/>
-            <a:ext cx="10353761" cy="680349"/>
-          </a:xfrm>
-        </p:spPr>
-        <p:txBody>
-          <a:bodyPr>
-            <a:normAutofit/>
-          </a:bodyPr>
-          <a:lstStyle/>
-          <a:p>
-            <a:r>
-              <a:rPr lang="fr-FR"/>
-              <a:t>Solution mise en place</a:t>
-            </a:r>
-          </a:p>
-        </p:txBody>
-      </p:sp>
-      <p:sp>
-        <p:nvSpPr>
-          <p:cNvPr id="4" name="Titre 1">
-            <a:extLst>
-              <a:ext uri="{FF2B5EF4-FFF2-40B4-BE49-F238E27FC236}">
-                <a16:creationId xmlns:a16="http://schemas.microsoft.com/office/drawing/2014/main" id="{BEE80EBC-4F7A-40AE-A7F3-7D97D8DF62E1}"/>
-              </a:ext>
-            </a:extLst>
-          </p:cNvPr>
-          <p:cNvSpPr txBox="1">
-            <a:spLocks/>
-          </p:cNvSpPr>
-          <p:nvPr/>
-        </p:nvSpPr>
-        <p:spPr>
-          <a:xfrm>
-            <a:off x="913794" y="1459676"/>
-            <a:ext cx="10353761" cy="466661"/>
-          </a:xfrm>
-          <a:prstGeom prst="rect">
-            <a:avLst/>
-          </a:prstGeom>
-        </p:spPr>
-        <p:txBody>
-          <a:bodyPr vert="horz" lIns="91440" tIns="45720" rIns="91440" bIns="45720" rtlCol="0" anchor="ctr">
-            <a:noAutofit/>
-          </a:bodyPr>
-          <a:lstStyle>
-            <a:lvl1pPr algn="ctr" defTabSz="914400" rtl="0" eaLnBrk="1" latinLnBrk="0" hangingPunct="1">
-              <a:lnSpc>
-                <a:spcPct val="90000"/>
-              </a:lnSpc>
-              <a:spcBef>
-                <a:spcPct val="0"/>
-              </a:spcBef>
-              <a:buNone/>
-              <a:defRPr sz="3400" b="1" i="0" kern="1200" cap="all">
-                <a:solidFill>
-                  <a:schemeClr val="tx1"/>
-                </a:solidFill>
-                <a:effectLst>
-                  <a:outerShdw blurRad="50800" dist="63500" dir="2700000" algn="tl" rotWithShape="0">
-                    <a:srgbClr val="000000">
-                      <a:alpha val="48000"/>
-                    </a:srgbClr>
-                  </a:outerShdw>
-                </a:effectLst>
-                <a:latin typeface="+mj-lt"/>
-                <a:ea typeface="+mj-ea"/>
-                <a:cs typeface="+mj-cs"/>
-              </a:defRPr>
-            </a:lvl1pPr>
-          </a:lstStyle>
-          <a:p>
-            <a:r>
-              <a:rPr lang="fr-FR" sz="2800"/>
-              <a:t>Maquette infrastructure</a:t>
-            </a:r>
-          </a:p>
-        </p:txBody>
-      </p:sp>
-      <p:pic>
-        <p:nvPicPr>
-          <p:cNvPr id="8" name="Espace réservé du contenu 7">
-            <a:extLst>
-              <a:ext uri="{FF2B5EF4-FFF2-40B4-BE49-F238E27FC236}">
-                <a16:creationId xmlns:a16="http://schemas.microsoft.com/office/drawing/2014/main" id="{40B83E5D-F0B0-4697-BCBB-B2ADB3F8ADC4}"/>
-              </a:ext>
-            </a:extLst>
-          </p:cNvPr>
-          <p:cNvPicPr>
-            <a:picLocks noGrp="1" noChangeAspect="1"/>
-          </p:cNvPicPr>
-          <p:nvPr>
-            <p:ph idx="1"/>
-          </p:nvPr>
-        </p:nvPicPr>
-        <p:blipFill>
-          <a:blip r:embed="rId3">
-            <a:extLst>
-              <a:ext uri="{28A0092B-C50C-407E-A947-70E740481C1C}">
-                <a14:useLocalDpi xmlns:a14="http://schemas.microsoft.com/office/drawing/2010/main" val="0"/>
-              </a:ext>
-            </a:extLst>
-          </a:blip>
-          <a:stretch>
-            <a:fillRect/>
-          </a:stretch>
-        </p:blipFill>
-        <p:spPr>
-          <a:xfrm>
-            <a:off x="2163255" y="1909875"/>
-            <a:ext cx="8022378" cy="4845488"/>
-          </a:xfrm>
-        </p:spPr>
-      </p:pic>
-    </p:spTree>
-    <p:extLst>
-      <p:ext uri="{BB962C8B-B14F-4D97-AF65-F5344CB8AC3E}">
-        <p14:creationId xmlns:p14="http://schemas.microsoft.com/office/powerpoint/2010/main" val="4127345592"/>
-      </p:ext>
-    </p:extLst>
-  </p:cSld>
-  <p:clrMapOvr>
-    <a:masterClrMapping/>
-  </p:clrMapOvr>
-</p:sld>
-</file>
-
-<file path=ppt/slides/slide11.xml><?xml version="1.0" encoding="utf-8"?>
-<p:sld xmlns:a="http://schemas.openxmlformats.org/drawingml/2006/main" xmlns:r="http://schemas.openxmlformats.org/officeDocument/2006/relationships" xmlns:p="http://schemas.openxmlformats.org/presentationml/2006/main">
-  <p:cSld>
-    <p:spTree>
-      <p:nvGrpSpPr>
-        <p:cNvPr id="1" name=""/>
-        <p:cNvGrpSpPr/>
-        <p:nvPr/>
-      </p:nvGrpSpPr>
-      <p:grpSpPr>
-        <a:xfrm>
-          <a:off x="0" y="0"/>
-          <a:ext cx="0" cy="0"/>
-          <a:chOff x="0" y="0"/>
-          <a:chExt cx="0" cy="0"/>
-        </a:xfrm>
-      </p:grpSpPr>
-      <p:sp>
-        <p:nvSpPr>
-          <p:cNvPr id="2" name="Titre 1">
-            <a:extLst>
-              <a:ext uri="{FF2B5EF4-FFF2-40B4-BE49-F238E27FC236}">
-                <a16:creationId xmlns:a16="http://schemas.microsoft.com/office/drawing/2014/main" id="{1738DA26-F6A8-4AE6-99C9-6A9BCC27A8F6}"/>
-              </a:ext>
-            </a:extLst>
-          </p:cNvPr>
-          <p:cNvSpPr>
-            <a:spLocks noGrp="1"/>
-          </p:cNvSpPr>
-          <p:nvPr>
-            <p:ph type="title"/>
-          </p:nvPr>
-        </p:nvSpPr>
-        <p:spPr>
-          <a:xfrm>
-            <a:off x="913795" y="609601"/>
-            <a:ext cx="10353761" cy="680349"/>
-          </a:xfrm>
-        </p:spPr>
-        <p:txBody>
-          <a:bodyPr>
-            <a:normAutofit/>
-          </a:bodyPr>
-          <a:lstStyle/>
-          <a:p>
-            <a:r>
-              <a:rPr lang="fr-FR"/>
-              <a:t>Solution mise en place</a:t>
-            </a:r>
-          </a:p>
-        </p:txBody>
-      </p:sp>
-      <p:sp>
-        <p:nvSpPr>
-          <p:cNvPr id="3" name="Espace réservé du contenu 2">
-            <a:extLst>
-              <a:ext uri="{FF2B5EF4-FFF2-40B4-BE49-F238E27FC236}">
-                <a16:creationId xmlns:a16="http://schemas.microsoft.com/office/drawing/2014/main" id="{8E6869D2-2F2D-4110-A0BC-2D5C1C782EE6}"/>
-              </a:ext>
-            </a:extLst>
-          </p:cNvPr>
-          <p:cNvSpPr>
-            <a:spLocks noGrp="1"/>
-          </p:cNvSpPr>
-          <p:nvPr>
-            <p:ph idx="1"/>
-          </p:nvPr>
-        </p:nvSpPr>
-        <p:spPr>
-          <a:xfrm>
-            <a:off x="913795" y="1865242"/>
-            <a:ext cx="10353762" cy="3695136"/>
-          </a:xfrm>
-        </p:spPr>
-        <p:txBody>
-          <a:bodyPr/>
-          <a:lstStyle/>
-          <a:p>
-            <a:r>
-              <a:rPr lang="fr-FR"/>
-              <a:t>Installation et configuration d’un Windows Serveur AD principal et secondaire avec migration de Windows server 2016 à Windows server 2019.</a:t>
-            </a:r>
-          </a:p>
-          <a:p>
-            <a:r>
-              <a:rPr lang="fr-FR"/>
-              <a:t>Installation d’une solution de Cloud </a:t>
-            </a:r>
-            <a:r>
-              <a:rPr lang="fr-FR" err="1"/>
-              <a:t>computing</a:t>
-            </a:r>
-            <a:r>
-              <a:rPr lang="fr-FR"/>
-              <a:t> : </a:t>
-            </a:r>
-            <a:r>
-              <a:rPr lang="fr-FR" err="1"/>
-              <a:t>Xpenology</a:t>
-            </a:r>
-            <a:endParaRPr lang="fr-FR"/>
-          </a:p>
-          <a:p>
-            <a:r>
-              <a:rPr lang="fr-FR"/>
-              <a:t>Installation d’un outil de création de ticket : GLPI</a:t>
-            </a:r>
-          </a:p>
-          <a:p>
-            <a:r>
-              <a:rPr lang="fr-FR"/>
-              <a:t>Installation et configuration d’un firewall : </a:t>
-            </a:r>
-            <a:r>
-              <a:rPr lang="fr-FR" err="1"/>
-              <a:t>Pfsense</a:t>
-            </a:r>
-            <a:endParaRPr lang="fr-FR"/>
-          </a:p>
-          <a:p>
-            <a:r>
-              <a:rPr lang="fr-FR"/>
-              <a:t>Installation et configuration d’un logiciel de supervision : Zabbix</a:t>
-            </a:r>
-          </a:p>
-        </p:txBody>
-      </p:sp>
-    </p:spTree>
-    <p:extLst>
-      <p:ext uri="{BB962C8B-B14F-4D97-AF65-F5344CB8AC3E}">
-        <p14:creationId xmlns:p14="http://schemas.microsoft.com/office/powerpoint/2010/main" val="2479118112"/>
-      </p:ext>
-    </p:extLst>
-  </p:cSld>
-  <p:clrMapOvr>
-    <a:masterClrMapping/>
-  </p:clrMapOvr>
-</p:sld>
-</file>
-
-<file path=ppt/slides/slide12.xml><?xml version="1.0" encoding="utf-8"?>
-<p:sld xmlns:a="http://schemas.openxmlformats.org/drawingml/2006/main" xmlns:r="http://schemas.openxmlformats.org/officeDocument/2006/relationships" xmlns:p="http://schemas.openxmlformats.org/presentationml/2006/main">
-  <p:cSld>
-    <p:bg>
-      <p:bgPr>
-        <a:blipFill rotWithShape="1">
-          <a:blip r:embed="rId3">
-            <a:duotone>
-              <a:schemeClr val="bg2">
-                <a:shade val="18000"/>
-                <a:satMod val="160000"/>
-                <a:lumMod val="28000"/>
-              </a:schemeClr>
-              <a:schemeClr val="bg2">
-                <a:tint val="95000"/>
-                <a:satMod val="160000"/>
-                <a:lumMod val="116000"/>
-              </a:schemeClr>
-            </a:duotone>
-          </a:blip>
-          <a:stretch/>
-        </a:blipFill>
-        <a:effectLst/>
-      </p:bgPr>
-    </p:bg>
-    <p:spTree>
-      <p:nvGrpSpPr>
-        <p:cNvPr id="1" name=""/>
-        <p:cNvGrpSpPr/>
-        <p:nvPr/>
-      </p:nvGrpSpPr>
-      <p:grpSpPr>
-        <a:xfrm>
-          <a:off x="0" y="0"/>
-          <a:ext cx="0" cy="0"/>
-          <a:chOff x="0" y="0"/>
-          <a:chExt cx="0" cy="0"/>
-        </a:xfrm>
-      </p:grpSpPr>
-      <p:pic>
-        <p:nvPicPr>
-          <p:cNvPr id="4" name="Picture 3" descr="Point d’interrogation sur fond vert pastel">
-            <a:extLst>
-              <a:ext uri="{FF2B5EF4-FFF2-40B4-BE49-F238E27FC236}">
-                <a16:creationId xmlns:a16="http://schemas.microsoft.com/office/drawing/2014/main" id="{06D5CEF7-FAB1-46C1-B919-B0EAFD9F6C54}"/>
-              </a:ext>
-            </a:extLst>
-          </p:cNvPr>
-          <p:cNvPicPr>
-            <a:picLocks noChangeAspect="1"/>
-          </p:cNvPicPr>
-          <p:nvPr/>
-        </p:nvPicPr>
-        <p:blipFill rotWithShape="1">
-          <a:blip r:embed="rId4">
-            <a:alphaModFix amt="35000"/>
-            <a:grayscl/>
-          </a:blip>
-          <a:srcRect t="5021" b="19979"/>
-          <a:stretch/>
-        </p:blipFill>
-        <p:spPr>
-          <a:xfrm>
-            <a:off x="20" y="2030"/>
-            <a:ext cx="12191980" cy="6855970"/>
-          </a:xfrm>
-          <a:prstGeom prst="rect">
-            <a:avLst/>
-          </a:prstGeom>
-        </p:spPr>
-      </p:pic>
-      <p:sp>
-        <p:nvSpPr>
-          <p:cNvPr id="15" name="Rectangle 14">
-            <a:extLst>
-              <a:ext uri="{FF2B5EF4-FFF2-40B4-BE49-F238E27FC236}">
-                <a16:creationId xmlns:a16="http://schemas.microsoft.com/office/drawing/2014/main" id="{FC23C8D4-BD3D-4473-B3D0-89011586BE82}"/>
-              </a:ext>
-              <a:ext uri="{C183D7F6-B498-43B3-948B-1728B52AA6E4}">
-                <adec:decorative xmlns:adec="http://schemas.microsoft.com/office/drawing/2017/decorative" val="1"/>
-              </a:ext>
-            </a:extLst>
-          </p:cNvPr>
-          <p:cNvSpPr>
-            <a:spLocks noGrp="1" noRot="1" noChangeAspect="1" noMove="1" noResize="1" noEditPoints="1" noAdjustHandles="1" noChangeArrowheads="1" noChangeShapeType="1" noTextEdit="1"/>
-          </p:cNvSpPr>
-          <p:nvPr>
-            <p:extLst>
-              <p:ext uri="{386F3935-93C4-4BCD-93E2-E3B085C9AB24}">
-                <p16:designElem xmlns:p16="http://schemas.microsoft.com/office/powerpoint/2015/main" val="1"/>
-              </p:ext>
-            </p:extLst>
-          </p:nvPr>
-        </p:nvSpPr>
-        <p:spPr>
-          <a:xfrm>
-            <a:off x="0" y="0"/>
-            <a:ext cx="12192000" cy="6858000"/>
-          </a:xfrm>
-          <a:prstGeom prst="rect">
-            <a:avLst/>
-          </a:prstGeom>
-          <a:gradFill flip="none" rotWithShape="1">
-            <a:gsLst>
-              <a:gs pos="32000">
-                <a:schemeClr val="bg2">
-                  <a:lumMod val="75000"/>
-                  <a:alpha val="5000"/>
-                </a:schemeClr>
-              </a:gs>
-              <a:gs pos="100000">
-                <a:schemeClr val="bg2">
-                  <a:lumMod val="40000"/>
-                </a:schemeClr>
-              </a:gs>
-            </a:gsLst>
-            <a:path path="circle">
-              <a:fillToRect l="50000" t="5000" r="50000" b="95000"/>
-            </a:path>
-            <a:tileRect/>
-          </a:gradFill>
-          <a:ln w="9525" cap="flat" cmpd="sng" algn="ctr">
-            <a:noFill/>
-            <a:prstDash val="solid"/>
-          </a:ln>
-          <a:effectLst/>
-        </p:spPr>
-        <p:txBody>
-          <a:bodyPr rtlCol="0" anchor="ctr"/>
-          <a:lstStyle/>
-          <a:p>
-            <a:pPr marL="0" marR="0" lvl="0" indent="0" algn="ctr" defTabSz="457200" eaLnBrk="1" fontAlgn="auto" latinLnBrk="0" hangingPunct="1">
-              <a:lnSpc>
-                <a:spcPct val="100000"/>
-              </a:lnSpc>
-              <a:spcBef>
-                <a:spcPts val="0"/>
-              </a:spcBef>
-              <a:spcAft>
-                <a:spcPts val="0"/>
-              </a:spcAft>
-              <a:buClrTx/>
-              <a:buSzTx/>
-              <a:buFontTx/>
-              <a:buNone/>
-              <a:tabLst/>
-              <a:defRPr/>
-            </a:pPr>
-            <a:endParaRPr kumimoji="0" lang="en-US" sz="1800" b="0" i="0" u="none" strike="noStrike" kern="0" cap="none" spc="0" normalizeH="0" baseline="0" noProof="0">
-              <a:ln>
-                <a:noFill/>
-              </a:ln>
-              <a:solidFill>
-                <a:prstClr val="white"/>
-              </a:solidFill>
-              <a:effectLst/>
-              <a:uLnTx/>
-              <a:uFillTx/>
-              <a:latin typeface="Calibri"/>
-              <a:ea typeface="+mn-ea"/>
-              <a:cs typeface="+mn-cs"/>
-            </a:endParaRPr>
-          </a:p>
-        </p:txBody>
-      </p:sp>
-      <p:sp>
-        <p:nvSpPr>
-          <p:cNvPr id="2" name="Titre 1">
-            <a:extLst>
-              <a:ext uri="{FF2B5EF4-FFF2-40B4-BE49-F238E27FC236}">
-                <a16:creationId xmlns:a16="http://schemas.microsoft.com/office/drawing/2014/main" id="{09B581CD-A5BC-46F4-830A-66F1847DB67B}"/>
-              </a:ext>
-            </a:extLst>
-          </p:cNvPr>
-          <p:cNvSpPr>
-            <a:spLocks noGrp="1"/>
-          </p:cNvSpPr>
-          <p:nvPr>
-            <p:ph type="title"/>
-          </p:nvPr>
-        </p:nvSpPr>
-        <p:spPr>
-          <a:xfrm>
-            <a:off x="1595269" y="1122363"/>
-            <a:ext cx="9001462" cy="2387600"/>
-          </a:xfrm>
-        </p:spPr>
-        <p:txBody>
-          <a:bodyPr vert="horz" lIns="91440" tIns="45720" rIns="91440" bIns="45720" rtlCol="0" anchor="b">
-            <a:normAutofit/>
-          </a:bodyPr>
-          <a:lstStyle/>
-          <a:p>
-            <a:r>
-              <a:rPr lang="en-US" sz="4800"/>
-              <a:t>Avez-vous des questions?</a:t>
-            </a:r>
-          </a:p>
-        </p:txBody>
-      </p:sp>
-    </p:spTree>
-    <p:extLst>
-      <p:ext uri="{BB962C8B-B14F-4D97-AF65-F5344CB8AC3E}">
-        <p14:creationId xmlns:p14="http://schemas.microsoft.com/office/powerpoint/2010/main" val="3647639019"/>
-      </p:ext>
-    </p:extLst>
-  </p:cSld>
-  <p:clrMapOvr>
-    <a:masterClrMapping/>
-  </p:clrMapOvr>
-  <p:timing>
-    <p:tnLst>
-      <p:par>
-        <p:cTn id="1" dur="indefinite" restart="never" nodeType="tmRoot">
-          <p:childTnLst>
-            <p:seq concurrent="1" nextAc="seek">
-              <p:cTn id="2" dur="indefinite" nodeType="mainSeq">
-                <p:childTnLst>
-                  <p:par>
-                    <p:cTn id="3" fill="hold">
-                      <p:stCondLst>
-                        <p:cond delay="indefinite"/>
-                        <p:cond evt="onBegin" delay="0">
-                          <p:tn val="2"/>
-                        </p:cond>
-                      </p:stCondLst>
-                      <p:childTnLst>
-                        <p:par>
-                          <p:cTn id="4" fill="hold">
-                            <p:stCondLst>
-                              <p:cond delay="0"/>
-                            </p:stCondLst>
-                            <p:childTnLst>
-                              <p:par>
-                                <p:cTn id="5" presetID="10" presetClass="entr" presetSubtype="0" fill="hold" grpId="0" nodeType="withEffect">
-                                  <p:stCondLst>
-                                    <p:cond delay="0"/>
-                                  </p:stCondLst>
-                                  <p:iterate type="lt">
-                                    <p:tmPct val="10000"/>
-                                  </p:iterate>
-                                  <p:childTnLst>
-                                    <p:set>
-                                      <p:cBhvr>
-                                        <p:cTn id="6" dur="1" fill="hold">
-                                          <p:stCondLst>
-                                            <p:cond delay="0"/>
-                                          </p:stCondLst>
-                                        </p:cTn>
-                                        <p:tgtEl>
-                                          <p:spTgt spid="2"/>
-                                        </p:tgtEl>
-                                        <p:attrNameLst>
-                                          <p:attrName>style.visibility</p:attrName>
-                                        </p:attrNameLst>
-                                      </p:cBhvr>
-                                      <p:to>
-                                        <p:strVal val="visible"/>
-                                      </p:to>
-                                    </p:set>
-                                    <p:animEffect transition="in" filter="fade">
-                                      <p:cBhvr>
-                                        <p:cTn id="7" dur="400"/>
-                                        <p:tgtEl>
-                                          <p:spTgt spid="2"/>
-                                        </p:tgtEl>
-                                      </p:cBhvr>
-                                    </p:animEffect>
-                                  </p:childTnLst>
-                                </p:cTn>
-                              </p:par>
-                            </p:childTnLst>
-                          </p:cTn>
-                        </p:par>
-                      </p:childTnLst>
-                    </p:cTn>
-                  </p:par>
-                </p:childTnLst>
-              </p:cTn>
-              <p:prevCondLst>
-                <p:cond evt="onPrev" delay="0">
-                  <p:tgtEl>
-                    <p:sldTgt/>
-                  </p:tgtEl>
-                </p:cond>
-              </p:prevCondLst>
-              <p:nextCondLst>
-                <p:cond evt="onNext" delay="0">
-                  <p:tgtEl>
-                    <p:sldTgt/>
-                  </p:tgtEl>
-                </p:cond>
-              </p:nextCondLst>
-            </p:seq>
-          </p:childTnLst>
-        </p:cTn>
-      </p:par>
-    </p:tnLst>
-    <p:bldLst>
-      <p:bldP spid="2" grpId="0"/>
-    </p:bldLst>
-  </p:timing>
 </p:sld>
 </file>
 
@@ -18124,7 +17248,7 @@
           <p:nvPr>
             <p:extLst>
               <p:ext uri="{D42A27DB-BD31-4B8C-83A1-F6EECF244321}">
-                <p14:modId xmlns:p14="http://schemas.microsoft.com/office/powerpoint/2010/main" val="808367762"/>
+                <p14:modId xmlns:p14="http://schemas.microsoft.com/office/powerpoint/2010/main" val="2974188952"/>
               </p:ext>
             </p:extLst>
           </p:nvPr>
@@ -18220,7 +17344,7 @@
           <a:lstStyle/>
           <a:p>
             <a:r>
-              <a:rPr lang="fr-FR"/>
+              <a:rPr lang="fr-FR" dirty="0"/>
               <a:t>Equipe assigné au projet</a:t>
             </a:r>
           </a:p>
@@ -18649,487 +17773,6 @@
           <p:cNvPr id="2" name="Titre 1">
             <a:extLst>
               <a:ext uri="{FF2B5EF4-FFF2-40B4-BE49-F238E27FC236}">
-                <a16:creationId xmlns:a16="http://schemas.microsoft.com/office/drawing/2014/main" id="{EB532BE0-D194-4FDA-B321-E2814A862AC8}"/>
-              </a:ext>
-            </a:extLst>
-          </p:cNvPr>
-          <p:cNvSpPr>
-            <a:spLocks noGrp="1"/>
-          </p:cNvSpPr>
-          <p:nvPr>
-            <p:ph type="title"/>
-          </p:nvPr>
-        </p:nvSpPr>
-        <p:spPr>
-          <a:xfrm>
-            <a:off x="4927472" y="609600"/>
-            <a:ext cx="6340084" cy="1326321"/>
-          </a:xfrm>
-        </p:spPr>
-        <p:txBody>
-          <a:bodyPr>
-            <a:normAutofit/>
-          </a:bodyPr>
-          <a:lstStyle/>
-          <a:p>
-            <a:r>
-              <a:rPr lang="fr-FR" u="sng">
-                <a:effectLst>
-                  <a:outerShdw blurRad="38100" dist="38100" dir="2700000" algn="tl">
-                    <a:srgbClr val="000000">
-                      <a:alpha val="43137"/>
-                    </a:srgbClr>
-                  </a:outerShdw>
-                </a:effectLst>
-              </a:rPr>
-              <a:t>Ancienne infra</a:t>
-            </a:r>
-          </a:p>
-        </p:txBody>
-      </p:sp>
-      <p:sp>
-        <p:nvSpPr>
-          <p:cNvPr id="12" name="Rectangle 11">
-            <a:extLst>
-              <a:ext uri="{FF2B5EF4-FFF2-40B4-BE49-F238E27FC236}">
-                <a16:creationId xmlns:a16="http://schemas.microsoft.com/office/drawing/2014/main" id="{9D374119-2129-4781-ACAB-9C3618BD4B7D}"/>
-              </a:ext>
-              <a:ext uri="{C183D7F6-B498-43B3-948B-1728B52AA6E4}">
-                <adec:decorative xmlns:adec="http://schemas.microsoft.com/office/drawing/2017/decorative" val="1"/>
-              </a:ext>
-            </a:extLst>
-          </p:cNvPr>
-          <p:cNvSpPr>
-            <a:spLocks noGrp="1" noRot="1" noChangeAspect="1" noMove="1" noResize="1" noEditPoints="1" noAdjustHandles="1" noChangeArrowheads="1" noChangeShapeType="1" noTextEdit="1"/>
-          </p:cNvSpPr>
-          <p:nvPr>
-            <p:extLst>
-              <p:ext uri="{386F3935-93C4-4BCD-93E2-E3B085C9AB24}">
-                <p16:designElem xmlns:p16="http://schemas.microsoft.com/office/powerpoint/2015/main" val="1"/>
-              </p:ext>
-            </p:extLst>
-          </p:nvPr>
-        </p:nvSpPr>
-        <p:spPr>
-          <a:xfrm>
-            <a:off x="752475" y="733425"/>
-            <a:ext cx="3743325" cy="5391150"/>
-          </a:xfrm>
-          <a:prstGeom prst="rect">
-            <a:avLst/>
-          </a:prstGeom>
-          <a:solidFill>
-            <a:schemeClr val="tx1"/>
-          </a:solidFill>
-          <a:ln w="190500" cap="sq">
-            <a:solidFill>
-              <a:srgbClr val="FFFFFF"/>
-            </a:solidFill>
-            <a:miter lim="800000"/>
-          </a:ln>
-          <a:effectLst>
-            <a:outerShdw blurRad="54991" dist="17780" dir="5400000" algn="ctr" rotWithShape="0">
-              <a:schemeClr val="bg1">
-                <a:alpha val="40000"/>
-              </a:schemeClr>
-            </a:outerShdw>
-          </a:effectLst>
-          <a:scene3d>
-            <a:camera prst="orthographicFront"/>
-            <a:lightRig rig="twoPt" dir="t">
-              <a:rot lat="0" lon="0" rev="7200000"/>
-            </a:lightRig>
-          </a:scene3d>
-          <a:sp3d>
-            <a:bevelT w="25400" h="19050"/>
-          </a:sp3d>
-        </p:spPr>
-        <p:style>
-          <a:lnRef idx="2">
-            <a:schemeClr val="accent1">
-              <a:shade val="50000"/>
-            </a:schemeClr>
-          </a:lnRef>
-          <a:fillRef idx="1">
-            <a:schemeClr val="accent1"/>
-          </a:fillRef>
-          <a:effectRef idx="0">
-            <a:schemeClr val="accent1"/>
-          </a:effectRef>
-          <a:fontRef idx="minor">
-            <a:schemeClr val="lt1"/>
-          </a:fontRef>
-        </p:style>
-        <p:txBody>
-          <a:bodyPr rtlCol="0" anchor="ctr"/>
-          <a:lstStyle/>
-          <a:p>
-            <a:pPr algn="ctr"/>
-            <a:endParaRPr lang="en-US"/>
-          </a:p>
-        </p:txBody>
-      </p:sp>
-      <p:sp>
-        <p:nvSpPr>
-          <p:cNvPr id="14" name="Rectangle 13">
-            <a:extLst>
-              <a:ext uri="{FF2B5EF4-FFF2-40B4-BE49-F238E27FC236}">
-                <a16:creationId xmlns:a16="http://schemas.microsoft.com/office/drawing/2014/main" id="{CD49B4B0-3C14-40B1-82E0-072A4678F087}"/>
-              </a:ext>
-              <a:ext uri="{C183D7F6-B498-43B3-948B-1728B52AA6E4}">
-                <adec:decorative xmlns:adec="http://schemas.microsoft.com/office/drawing/2017/decorative" val="1"/>
-              </a:ext>
-            </a:extLst>
-          </p:cNvPr>
-          <p:cNvSpPr>
-            <a:spLocks noGrp="1" noRot="1" noChangeAspect="1" noMove="1" noResize="1" noEditPoints="1" noAdjustHandles="1" noChangeArrowheads="1" noChangeShapeType="1" noTextEdit="1"/>
-          </p:cNvSpPr>
-          <p:nvPr>
-            <p:extLst>
-              <p:ext uri="{386F3935-93C4-4BCD-93E2-E3B085C9AB24}">
-                <p16:designElem xmlns:p16="http://schemas.microsoft.com/office/powerpoint/2015/main" val="1"/>
-              </p:ext>
-            </p:extLst>
-          </p:nvPr>
-        </p:nvSpPr>
-        <p:spPr>
-          <a:xfrm>
-            <a:off x="811340" y="804806"/>
-            <a:ext cx="3625595" cy="5248389"/>
-          </a:xfrm>
-          <a:prstGeom prst="rect">
-            <a:avLst/>
-          </a:prstGeom>
-          <a:noFill/>
-          <a:ln w="12700">
-            <a:solidFill>
-              <a:schemeClr val="bg2"/>
-            </a:solidFill>
-          </a:ln>
-        </p:spPr>
-        <p:style>
-          <a:lnRef idx="2">
-            <a:schemeClr val="accent1">
-              <a:shade val="50000"/>
-            </a:schemeClr>
-          </a:lnRef>
-          <a:fillRef idx="1">
-            <a:schemeClr val="accent1"/>
-          </a:fillRef>
-          <a:effectRef idx="0">
-            <a:schemeClr val="accent1"/>
-          </a:effectRef>
-          <a:fontRef idx="minor">
-            <a:schemeClr val="lt1"/>
-          </a:fontRef>
-        </p:style>
-        <p:txBody>
-          <a:bodyPr rtlCol="0" anchor="ctr"/>
-          <a:lstStyle/>
-          <a:p>
-            <a:pPr algn="ctr"/>
-            <a:endParaRPr lang="en-US"/>
-          </a:p>
-        </p:txBody>
-      </p:sp>
-      <p:sp>
-        <p:nvSpPr>
-          <p:cNvPr id="8" name="Content Placeholder 8">
-            <a:extLst>
-              <a:ext uri="{FF2B5EF4-FFF2-40B4-BE49-F238E27FC236}">
-                <a16:creationId xmlns:a16="http://schemas.microsoft.com/office/drawing/2014/main" id="{5FDB044E-2A58-4611-9EC3-5D048E12D886}"/>
-              </a:ext>
-            </a:extLst>
-          </p:cNvPr>
-          <p:cNvSpPr>
-            <a:spLocks noGrp="1"/>
-          </p:cNvSpPr>
-          <p:nvPr>
-            <p:ph idx="1"/>
-          </p:nvPr>
-        </p:nvSpPr>
-        <p:spPr>
-          <a:xfrm>
-            <a:off x="4927471" y="2096064"/>
-            <a:ext cx="6340085" cy="3695136"/>
-          </a:xfrm>
-        </p:spPr>
-        <p:txBody>
-          <a:bodyPr>
-            <a:normAutofit/>
-          </a:bodyPr>
-          <a:lstStyle/>
-          <a:p>
-            <a:r>
-              <a:rPr lang="en-US" err="1"/>
-              <a:t>Postes</a:t>
-            </a:r>
-            <a:r>
-              <a:rPr lang="en-US"/>
-              <a:t> </a:t>
-            </a:r>
-            <a:r>
-              <a:rPr lang="en-US" err="1"/>
-              <a:t>informatiques</a:t>
-            </a:r>
-            <a:r>
-              <a:rPr lang="en-US"/>
-              <a:t> : 225</a:t>
-            </a:r>
-          </a:p>
-          <a:p>
-            <a:r>
-              <a:rPr lang="en-US"/>
-              <a:t>Direction des </a:t>
-            </a:r>
-            <a:r>
-              <a:rPr lang="en-US" err="1"/>
-              <a:t>systèmes</a:t>
-            </a:r>
-            <a:r>
-              <a:rPr lang="en-US"/>
-              <a:t> </a:t>
-            </a:r>
-            <a:r>
-              <a:rPr lang="en-US" err="1"/>
-              <a:t>informatiques</a:t>
-            </a:r>
-            <a:endParaRPr lang="en-US"/>
-          </a:p>
-          <a:p>
-            <a:r>
-              <a:rPr lang="en-US"/>
-              <a:t>Local </a:t>
-            </a:r>
-            <a:r>
-              <a:rPr lang="en-US" err="1"/>
-              <a:t>informatique</a:t>
-            </a:r>
-            <a:r>
-              <a:rPr lang="en-US"/>
-              <a:t> </a:t>
-            </a:r>
-            <a:r>
-              <a:rPr lang="fr-FR"/>
-              <a:t>situé au cœur de l’hôpital</a:t>
-            </a:r>
-          </a:p>
-          <a:p>
-            <a:r>
-              <a:rPr lang="fr-FR"/>
-              <a:t>Matériel d’interconnexion et câblage vieillissant </a:t>
-            </a:r>
-          </a:p>
-          <a:p>
-            <a:endParaRPr lang="fr-FR"/>
-          </a:p>
-          <a:p>
-            <a:endParaRPr lang="en-US"/>
-          </a:p>
-        </p:txBody>
-      </p:sp>
-      <p:pic>
-        <p:nvPicPr>
-          <p:cNvPr id="10" name="Image 9">
-            <a:extLst>
-              <a:ext uri="{FF2B5EF4-FFF2-40B4-BE49-F238E27FC236}">
-                <a16:creationId xmlns:a16="http://schemas.microsoft.com/office/drawing/2014/main" id="{B029AD65-7CDC-4BF2-8CC5-6BA7DF3F98EE}"/>
-              </a:ext>
-            </a:extLst>
-          </p:cNvPr>
-          <p:cNvPicPr/>
-          <p:nvPr/>
-        </p:nvPicPr>
-        <p:blipFill rotWithShape="1">
-          <a:blip r:embed="rId4">
-            <a:extLst>
-              <a:ext uri="{28A0092B-C50C-407E-A947-70E740481C1C}">
-                <a14:useLocalDpi xmlns:a14="http://schemas.microsoft.com/office/drawing/2010/main" val="0"/>
-              </a:ext>
-            </a:extLst>
-          </a:blip>
-          <a:srcRect t="4082"/>
-          <a:stretch/>
-        </p:blipFill>
-        <p:spPr bwMode="auto">
-          <a:xfrm>
-            <a:off x="656948" y="609600"/>
-            <a:ext cx="3959440" cy="5604769"/>
-          </a:xfrm>
-          <a:prstGeom prst="rect">
-            <a:avLst/>
-          </a:prstGeom>
-          <a:ln>
-            <a:noFill/>
-          </a:ln>
-          <a:extLst>
-            <a:ext uri="{53640926-AAD7-44D8-BBD7-CCE9431645EC}">
-              <a14:shadowObscured xmlns:a14="http://schemas.microsoft.com/office/drawing/2010/main"/>
-            </a:ext>
-          </a:extLst>
-        </p:spPr>
-      </p:pic>
-      <p:sp>
-        <p:nvSpPr>
-          <p:cNvPr id="3" name="Rectangle 2">
-            <a:extLst>
-              <a:ext uri="{FF2B5EF4-FFF2-40B4-BE49-F238E27FC236}">
-                <a16:creationId xmlns:a16="http://schemas.microsoft.com/office/drawing/2014/main" id="{8BC5D198-A239-41FB-B4C3-7CD66C2981E7}"/>
-              </a:ext>
-            </a:extLst>
-          </p:cNvPr>
-          <p:cNvSpPr/>
-          <p:nvPr/>
-        </p:nvSpPr>
-        <p:spPr>
-          <a:xfrm>
-            <a:off x="2105025" y="2959101"/>
-            <a:ext cx="127000" cy="371474"/>
-          </a:xfrm>
-          <a:prstGeom prst="rect">
-            <a:avLst/>
-          </a:prstGeom>
-          <a:noFill/>
-          <a:ln>
-            <a:solidFill>
-              <a:srgbClr val="FF0000"/>
-            </a:solidFill>
-          </a:ln>
-        </p:spPr>
-        <p:style>
-          <a:lnRef idx="2">
-            <a:schemeClr val="accent5">
-              <a:shade val="50000"/>
-            </a:schemeClr>
-          </a:lnRef>
-          <a:fillRef idx="1">
-            <a:schemeClr val="accent5"/>
-          </a:fillRef>
-          <a:effectRef idx="0">
-            <a:schemeClr val="accent5"/>
-          </a:effectRef>
-          <a:fontRef idx="minor">
-            <a:schemeClr val="lt1"/>
-          </a:fontRef>
-        </p:style>
-        <p:txBody>
-          <a:bodyPr rtlCol="0" anchor="ctr"/>
-          <a:lstStyle/>
-          <a:p>
-            <a:pPr algn="ctr"/>
-            <a:endParaRPr lang="fr-FR"/>
-          </a:p>
-        </p:txBody>
-      </p:sp>
-      <p:sp>
-        <p:nvSpPr>
-          <p:cNvPr id="4" name="Flèche : gauche 3">
-            <a:extLst>
-              <a:ext uri="{FF2B5EF4-FFF2-40B4-BE49-F238E27FC236}">
-                <a16:creationId xmlns:a16="http://schemas.microsoft.com/office/drawing/2014/main" id="{8129B60D-7E67-43BB-828B-F7FBC06DCE1F}"/>
-              </a:ext>
-            </a:extLst>
-          </p:cNvPr>
-          <p:cNvSpPr/>
-          <p:nvPr/>
-        </p:nvSpPr>
-        <p:spPr>
-          <a:xfrm>
-            <a:off x="2269850" y="3144838"/>
-            <a:ext cx="216175" cy="95250"/>
-          </a:xfrm>
-          <a:prstGeom prst="leftArrow">
-            <a:avLst/>
-          </a:prstGeom>
-          <a:noFill/>
-          <a:ln>
-            <a:solidFill>
-              <a:srgbClr val="FF0000"/>
-            </a:solidFill>
-          </a:ln>
-        </p:spPr>
-        <p:style>
-          <a:lnRef idx="2">
-            <a:schemeClr val="accent1">
-              <a:shade val="50000"/>
-            </a:schemeClr>
-          </a:lnRef>
-          <a:fillRef idx="1">
-            <a:schemeClr val="accent1"/>
-          </a:fillRef>
-          <a:effectRef idx="0">
-            <a:schemeClr val="accent1"/>
-          </a:effectRef>
-          <a:fontRef idx="minor">
-            <a:schemeClr val="lt1"/>
-          </a:fontRef>
-        </p:style>
-        <p:txBody>
-          <a:bodyPr rtlCol="0" anchor="ctr"/>
-          <a:lstStyle/>
-          <a:p>
-            <a:pPr algn="ctr"/>
-            <a:endParaRPr lang="fr-FR"/>
-          </a:p>
-        </p:txBody>
-      </p:sp>
-    </p:spTree>
-    <p:extLst>
-      <p:ext uri="{BB962C8B-B14F-4D97-AF65-F5344CB8AC3E}">
-        <p14:creationId xmlns:p14="http://schemas.microsoft.com/office/powerpoint/2010/main" val="1595895236"/>
-      </p:ext>
-    </p:extLst>
-  </p:cSld>
-  <p:clrMapOvr>
-    <a:masterClrMapping/>
-  </p:clrMapOvr>
-</p:sld>
-</file>
-
-<file path=ppt/slides/slide6.xml><?xml version="1.0" encoding="utf-8"?>
-<p:sld xmlns:a="http://schemas.openxmlformats.org/drawingml/2006/main" xmlns:r="http://schemas.openxmlformats.org/officeDocument/2006/relationships" xmlns:p="http://schemas.openxmlformats.org/presentationml/2006/main">
-  <p:cSld>
-    <p:bg>
-      <p:bgPr>
-        <a:blipFill rotWithShape="1">
-          <a:blip r:embed="rId3">
-            <a:duotone>
-              <a:schemeClr val="bg2">
-                <a:shade val="18000"/>
-                <a:satMod val="160000"/>
-                <a:lumMod val="28000"/>
-              </a:schemeClr>
-              <a:schemeClr val="bg2">
-                <a:tint val="95000"/>
-                <a:satMod val="160000"/>
-                <a:lumMod val="116000"/>
-              </a:schemeClr>
-            </a:duotone>
-          </a:blip>
-          <a:stretch/>
-        </a:blipFill>
-        <a:effectLst/>
-      </p:bgPr>
-    </p:bg>
-    <p:spTree>
-      <p:nvGrpSpPr>
-        <p:cNvPr id="1" name=""/>
-        <p:cNvGrpSpPr/>
-        <p:nvPr/>
-      </p:nvGrpSpPr>
-      <p:grpSpPr>
-        <a:xfrm>
-          <a:off x="0" y="0"/>
-          <a:ext cx="0" cy="0"/>
-          <a:chOff x="0" y="0"/>
-          <a:chExt cx="0" cy="0"/>
-        </a:xfrm>
-      </p:grpSpPr>
-      <p:sp>
-        <p:nvSpPr>
-          <p:cNvPr id="2" name="Titre 1">
-            <a:extLst>
-              <a:ext uri="{FF2B5EF4-FFF2-40B4-BE49-F238E27FC236}">
                 <a16:creationId xmlns:a16="http://schemas.microsoft.com/office/drawing/2014/main" id="{6CB6352A-D76B-4742-AAFA-E5D37D268645}"/>
               </a:ext>
             </a:extLst>
@@ -19154,11 +17797,11 @@
           <a:lstStyle/>
           <a:p>
             <a:r>
-              <a:rPr lang="en-US" u="sng" err="1"/>
+              <a:rPr lang="en-US" u="sng" dirty="0" err="1"/>
               <a:t>Ancienne</a:t>
             </a:r>
             <a:r>
-              <a:rPr lang="en-US" u="sng"/>
+              <a:rPr lang="en-US" u="sng" dirty="0"/>
               <a:t> infra</a:t>
             </a:r>
           </a:p>
@@ -19196,71 +17839,71 @@
               <a:buNone/>
             </a:pPr>
             <a:r>
-              <a:rPr lang="en-US" err="1"/>
+              <a:rPr lang="en-US" dirty="0" err="1"/>
               <a:t>Diagramme</a:t>
             </a:r>
             <a:r>
-              <a:rPr lang="en-US"/>
+              <a:rPr lang="en-US" dirty="0"/>
               <a:t> reseau</a:t>
             </a:r>
           </a:p>
           <a:p>
             <a:r>
-              <a:rPr lang="en-US" sz="1400"/>
+              <a:rPr lang="en-US" sz="1400" dirty="0"/>
               <a:t>Switch </a:t>
             </a:r>
             <a:r>
-              <a:rPr lang="en-US" sz="1400" err="1"/>
+              <a:rPr lang="en-US" sz="1400" dirty="0" err="1"/>
               <a:t>primaire</a:t>
             </a:r>
             <a:r>
-              <a:rPr lang="en-US" sz="1400"/>
+              <a:rPr lang="en-US" sz="1400" dirty="0"/>
               <a:t> et switch </a:t>
             </a:r>
             <a:r>
-              <a:rPr lang="en-US" sz="1400" err="1"/>
+              <a:rPr lang="en-US" sz="1400" dirty="0" err="1"/>
               <a:t>secondaires</a:t>
             </a:r>
-            <a:endParaRPr lang="en-US" sz="1400"/>
+            <a:endParaRPr lang="en-US" sz="1400" dirty="0"/>
           </a:p>
           <a:p>
             <a:r>
-              <a:rPr lang="en-US" sz="1400" err="1"/>
+              <a:rPr lang="en-US" sz="1400" dirty="0" err="1"/>
               <a:t>Découpage</a:t>
             </a:r>
             <a:r>
-              <a:rPr lang="en-US" sz="1400"/>
+              <a:rPr lang="en-US" sz="1400" dirty="0"/>
               <a:t> par VLANs des corps de métier</a:t>
             </a:r>
           </a:p>
           <a:p>
             <a:r>
-              <a:rPr lang="en-US" sz="1400" err="1"/>
+              <a:rPr lang="en-US" sz="1400" dirty="0" err="1"/>
               <a:t>Filtrage</a:t>
             </a:r>
             <a:r>
-              <a:rPr lang="en-US" sz="1400"/>
+              <a:rPr lang="en-US" sz="1400" dirty="0"/>
               <a:t> du reseaux internet pour les clients</a:t>
             </a:r>
           </a:p>
           <a:p>
             <a:r>
-              <a:rPr lang="en-US" sz="1400"/>
+              <a:rPr lang="en-US" sz="1400" dirty="0"/>
               <a:t>DMZ pour </a:t>
             </a:r>
             <a:r>
-              <a:rPr lang="en-US" sz="1400" err="1"/>
+              <a:rPr lang="en-US" sz="1400" dirty="0" err="1"/>
               <a:t>utilisation</a:t>
             </a:r>
             <a:r>
-              <a:rPr lang="en-US" sz="1400"/>
+              <a:rPr lang="en-US" sz="1400" dirty="0"/>
               <a:t> des services </a:t>
             </a:r>
             <a:r>
-              <a:rPr lang="en-US" sz="1400" err="1"/>
+              <a:rPr lang="en-US" sz="1400" dirty="0" err="1"/>
               <a:t>distants</a:t>
             </a:r>
-            <a:endParaRPr lang="en-US" sz="1400"/>
+            <a:endParaRPr lang="en-US" sz="1400" dirty="0"/>
           </a:p>
         </p:txBody>
       </p:sp>
@@ -19456,7 +18099,7 @@
 </p:sld>
 </file>
 
-<file path=ppt/slides/slide7.xml><?xml version="1.0" encoding="utf-8"?>
+<file path=ppt/slides/slide6.xml><?xml version="1.0" encoding="utf-8"?>
 <p:sld xmlns:a="http://schemas.openxmlformats.org/drawingml/2006/main" xmlns:r="http://schemas.openxmlformats.org/officeDocument/2006/relationships" xmlns:p="http://schemas.openxmlformats.org/presentationml/2006/main">
   <p:cSld>
     <p:bg>
@@ -19560,25 +18203,25 @@
           <a:lstStyle/>
           <a:p>
             <a:r>
-              <a:rPr lang="fr-FR" sz="1400"/>
+              <a:rPr lang="fr-FR" sz="1400" dirty="0"/>
               <a:t>Disponibilité et rapidité des services</a:t>
             </a:r>
           </a:p>
           <a:p>
             <a:r>
-              <a:rPr lang="fr-FR" sz="1400"/>
+              <a:rPr lang="fr-FR" sz="1400" dirty="0"/>
               <a:t>Consolider l’organisation des ressources du système d’informations</a:t>
             </a:r>
           </a:p>
           <a:p>
             <a:r>
-              <a:rPr lang="fr-FR" sz="1400"/>
+              <a:rPr lang="fr-FR" sz="1400" dirty="0"/>
               <a:t>Outils utilisateurs</a:t>
             </a:r>
           </a:p>
           <a:p>
             <a:r>
-              <a:rPr lang="fr-FR" sz="1400"/>
+              <a:rPr lang="fr-FR" sz="1400" dirty="0"/>
               <a:t>Outils pour le service informatique</a:t>
             </a:r>
           </a:p>
@@ -19829,7 +18472,7 @@
               </a:spcAft>
             </a:pPr>
             <a:r>
-              <a:rPr lang="fr-FR" sz="2000"/>
+              <a:rPr lang="fr-FR" sz="2000" dirty="0"/>
               <a:t>Besoins fonctionnels</a:t>
             </a:r>
           </a:p>
@@ -19839,6 +18482,104 @@
     <p:extLst>
       <p:ext uri="{BB962C8B-B14F-4D97-AF65-F5344CB8AC3E}">
         <p14:creationId xmlns:p14="http://schemas.microsoft.com/office/powerpoint/2010/main" val="12277624"/>
+      </p:ext>
+    </p:extLst>
+  </p:cSld>
+  <p:clrMapOvr>
+    <a:masterClrMapping/>
+  </p:clrMapOvr>
+</p:sld>
+</file>
+
+<file path=ppt/slides/slide7.xml><?xml version="1.0" encoding="utf-8"?>
+<p:sld xmlns:a="http://schemas.openxmlformats.org/drawingml/2006/main" xmlns:r="http://schemas.openxmlformats.org/officeDocument/2006/relationships" xmlns:p="http://schemas.openxmlformats.org/presentationml/2006/main">
+  <p:cSld>
+    <p:spTree>
+      <p:nvGrpSpPr>
+        <p:cNvPr id="1" name=""/>
+        <p:cNvGrpSpPr/>
+        <p:nvPr/>
+      </p:nvGrpSpPr>
+      <p:grpSpPr>
+        <a:xfrm>
+          <a:off x="0" y="0"/>
+          <a:ext cx="0" cy="0"/>
+          <a:chOff x="0" y="0"/>
+          <a:chExt cx="0" cy="0"/>
+        </a:xfrm>
+      </p:grpSpPr>
+      <p:sp>
+        <p:nvSpPr>
+          <p:cNvPr id="2" name="Titre 1">
+            <a:extLst>
+              <a:ext uri="{FF2B5EF4-FFF2-40B4-BE49-F238E27FC236}">
+                <a16:creationId xmlns:a16="http://schemas.microsoft.com/office/drawing/2014/main" id="{9107A840-EF17-4F5D-BD5E-9F0BF768CCE1}"/>
+              </a:ext>
+            </a:extLst>
+          </p:cNvPr>
+          <p:cNvSpPr>
+            <a:spLocks noGrp="1"/>
+          </p:cNvSpPr>
+          <p:nvPr>
+            <p:ph type="title"/>
+          </p:nvPr>
+        </p:nvSpPr>
+        <p:spPr>
+          <a:xfrm>
+            <a:off x="913795" y="609600"/>
+            <a:ext cx="10353761" cy="689811"/>
+          </a:xfrm>
+        </p:spPr>
+        <p:txBody>
+          <a:bodyPr/>
+          <a:lstStyle/>
+          <a:p>
+            <a:r>
+              <a:rPr lang="fr-FR" dirty="0"/>
+              <a:t>Maquette adapté</a:t>
+            </a:r>
+          </a:p>
+        </p:txBody>
+      </p:sp>
+      <p:pic>
+        <p:nvPicPr>
+          <p:cNvPr id="5" name="Espace réservé du contenu 4">
+            <a:extLst>
+              <a:ext uri="{FF2B5EF4-FFF2-40B4-BE49-F238E27FC236}">
+                <a16:creationId xmlns:a16="http://schemas.microsoft.com/office/drawing/2014/main" id="{5C979B32-7FB5-4D7B-9416-4806875007B9}"/>
+              </a:ext>
+            </a:extLst>
+          </p:cNvPr>
+          <p:cNvPicPr>
+            <a:picLocks noGrp="1" noChangeAspect="1"/>
+          </p:cNvPicPr>
+          <p:nvPr>
+            <p:ph idx="1"/>
+          </p:nvPr>
+        </p:nvPicPr>
+        <p:blipFill>
+          <a:blip r:embed="rId2">
+            <a:extLst>
+              <a:ext uri="{28A0092B-C50C-407E-A947-70E740481C1C}">
+                <a14:useLocalDpi xmlns:a14="http://schemas.microsoft.com/office/drawing/2010/main" val="0"/>
+              </a:ext>
+            </a:extLst>
+          </a:blip>
+          <a:stretch>
+            <a:fillRect/>
+          </a:stretch>
+        </p:blipFill>
+        <p:spPr>
+          <a:xfrm>
+            <a:off x="2523050" y="1395663"/>
+            <a:ext cx="7198466" cy="5139705"/>
+          </a:xfrm>
+        </p:spPr>
+      </p:pic>
+    </p:spTree>
+    <p:extLst>
+      <p:ext uri="{BB962C8B-B14F-4D97-AF65-F5344CB8AC3E}">
+        <p14:creationId xmlns:p14="http://schemas.microsoft.com/office/powerpoint/2010/main" val="3684216837"/>
       </p:ext>
     </p:extLst>
   </p:cSld>
@@ -19895,44 +18636,99 @@
           <a:p>
             <a:r>
               <a:rPr lang="fr-FR"/>
-              <a:t>Organisation du projet</a:t>
+              <a:t>Solution mise en place</a:t>
             </a:r>
           </a:p>
         </p:txBody>
       </p:sp>
-      <p:pic>
-        <p:nvPicPr>
-          <p:cNvPr id="5" name="Espace réservé du contenu 4">
+      <p:sp>
+        <p:nvSpPr>
+          <p:cNvPr id="3" name="Espace réservé du contenu 2">
             <a:extLst>
               <a:ext uri="{FF2B5EF4-FFF2-40B4-BE49-F238E27FC236}">
-                <a16:creationId xmlns:a16="http://schemas.microsoft.com/office/drawing/2014/main" id="{C24A523B-68DF-447F-9315-E7B0C8419DC5}"/>
+                <a16:creationId xmlns:a16="http://schemas.microsoft.com/office/drawing/2014/main" id="{8E6869D2-2F2D-4110-A0BC-2D5C1C782EE6}"/>
               </a:ext>
             </a:extLst>
           </p:cNvPr>
-          <p:cNvPicPr>
-            <a:picLocks noGrp="1" noChangeAspect="1"/>
-          </p:cNvPicPr>
+          <p:cNvSpPr>
+            <a:spLocks noGrp="1"/>
+          </p:cNvSpPr>
           <p:nvPr>
             <p:ph idx="1"/>
           </p:nvPr>
-        </p:nvPicPr>
-        <p:blipFill>
-          <a:blip r:embed="rId3"/>
-          <a:stretch>
-            <a:fillRect/>
-          </a:stretch>
-        </p:blipFill>
+        </p:nvSpPr>
         <p:spPr>
           <a:xfrm>
-            <a:off x="0" y="2115281"/>
-            <a:ext cx="12192000" cy="4005665"/>
+            <a:off x="913795" y="1865242"/>
+            <a:ext cx="10353762" cy="3695136"/>
           </a:xfrm>
         </p:spPr>
-      </p:pic>
+        <p:txBody>
+          <a:bodyPr/>
+          <a:lstStyle/>
+          <a:p>
+            <a:r>
+              <a:rPr lang="fr-FR" dirty="0"/>
+              <a:t>Installation d’un hôte : ESXi</a:t>
+            </a:r>
+          </a:p>
+          <a:p>
+            <a:r>
+              <a:rPr lang="fr-FR" dirty="0"/>
+              <a:t>Installation et configuration d’un Windows Serveur AD principal et secondaire.</a:t>
+            </a:r>
+          </a:p>
+          <a:p>
+            <a:r>
+              <a:rPr lang="fr-FR" dirty="0"/>
+              <a:t>Installation et configuration d’un firewall : </a:t>
+            </a:r>
+            <a:r>
+              <a:rPr lang="fr-FR" dirty="0" err="1"/>
+              <a:t>Pfsense</a:t>
+            </a:r>
+            <a:endParaRPr lang="fr-FR" dirty="0"/>
+          </a:p>
+          <a:p>
+            <a:r>
+              <a:rPr lang="fr-FR" dirty="0"/>
+              <a:t>(Installation et configuration d’un logiciel de supervision : Zabbix)</a:t>
+            </a:r>
+          </a:p>
+          <a:p>
+            <a:r>
+              <a:rPr lang="fr-FR" dirty="0"/>
+              <a:t>Installation d’une solution de Cloud </a:t>
+            </a:r>
+            <a:r>
+              <a:rPr lang="fr-FR" dirty="0" err="1"/>
+              <a:t>computing</a:t>
+            </a:r>
+            <a:r>
+              <a:rPr lang="fr-FR" dirty="0"/>
+              <a:t> : </a:t>
+            </a:r>
+            <a:r>
+              <a:rPr lang="fr-FR" dirty="0" err="1"/>
+              <a:t>Xpenology</a:t>
+            </a:r>
+            <a:endParaRPr lang="fr-FR" dirty="0"/>
+          </a:p>
+          <a:p>
+            <a:r>
+              <a:rPr lang="fr-FR" dirty="0"/>
+              <a:t>Installation d’un outil de création de ticket : GLPI</a:t>
+            </a:r>
+          </a:p>
+          <a:p>
+            <a:endParaRPr lang="fr-FR" dirty="0"/>
+          </a:p>
+        </p:txBody>
+      </p:sp>
     </p:spTree>
     <p:extLst>
       <p:ext uri="{BB962C8B-B14F-4D97-AF65-F5344CB8AC3E}">
-        <p14:creationId xmlns:p14="http://schemas.microsoft.com/office/powerpoint/2010/main" val="2568106595"/>
+        <p14:creationId xmlns:p14="http://schemas.microsoft.com/office/powerpoint/2010/main" val="2479118112"/>
       </p:ext>
     </p:extLst>
   </p:cSld>
@@ -19945,6 +18741,28 @@
 <file path=ppt/slides/slide9.xml><?xml version="1.0" encoding="utf-8"?>
 <p:sld xmlns:a="http://schemas.openxmlformats.org/drawingml/2006/main" xmlns:r="http://schemas.openxmlformats.org/officeDocument/2006/relationships" xmlns:p="http://schemas.openxmlformats.org/presentationml/2006/main">
   <p:cSld>
+    <p:bg>
+      <p:bgPr>
+        <a:blipFill rotWithShape="1">
+          <a:blip r:embed="rId3">
+            <a:duotone>
+              <a:schemeClr val="bg2">
+                <a:shade val="18000"/>
+                <a:satMod val="160000"/>
+                <a:lumMod val="28000"/>
+              </a:schemeClr>
+              <a:schemeClr val="bg2">
+                <a:tint val="95000"/>
+                <a:satMod val="160000"/>
+                <a:lumMod val="116000"/>
+              </a:schemeClr>
+            </a:duotone>
+          </a:blip>
+          <a:stretch/>
+        </a:blipFill>
+        <a:effectLst/>
+      </p:bgPr>
+    </p:bg>
     <p:spTree>
       <p:nvGrpSpPr>
         <p:cNvPr id="1" name=""/>
@@ -19961,156 +18779,161 @@
       </p:grpSpPr>
       <p:pic>
         <p:nvPicPr>
-          <p:cNvPr id="5" name="Espace réservé du contenu 4">
+          <p:cNvPr id="4" name="Picture 3" descr="Point d’interrogation sur fond vert pastel">
             <a:extLst>
               <a:ext uri="{FF2B5EF4-FFF2-40B4-BE49-F238E27FC236}">
-                <a16:creationId xmlns:a16="http://schemas.microsoft.com/office/drawing/2014/main" id="{A3DD2A2C-5270-42A2-BFDC-0876F05EDB63}"/>
+                <a16:creationId xmlns:a16="http://schemas.microsoft.com/office/drawing/2014/main" id="{06D5CEF7-FAB1-46C1-B919-B0EAFD9F6C54}"/>
               </a:ext>
             </a:extLst>
           </p:cNvPr>
           <p:cNvPicPr>
-            <a:picLocks noGrp="1" noChangeAspect="1"/>
+            <a:picLocks noChangeAspect="1"/>
           </p:cNvPicPr>
-          <p:nvPr>
-            <p:ph idx="1"/>
-          </p:nvPr>
+          <p:nvPr/>
         </p:nvPicPr>
-        <p:blipFill>
-          <a:blip r:embed="rId3"/>
-          <a:stretch>
-            <a:fillRect/>
-          </a:stretch>
+        <p:blipFill rotWithShape="1">
+          <a:blip r:embed="rId4">
+            <a:alphaModFix amt="35000"/>
+            <a:grayscl/>
+          </a:blip>
+          <a:srcRect t="5021" b="19979"/>
+          <a:stretch/>
         </p:blipFill>
         <p:spPr>
           <a:xfrm>
-            <a:off x="1948194" y="2200616"/>
-            <a:ext cx="8284962" cy="3695700"/>
-          </a:xfrm>
-        </p:spPr>
-      </p:pic>
-      <p:sp>
-        <p:nvSpPr>
-          <p:cNvPr id="4" name="Titre 1">
-            <a:extLst>
-              <a:ext uri="{FF2B5EF4-FFF2-40B4-BE49-F238E27FC236}">
-                <a16:creationId xmlns:a16="http://schemas.microsoft.com/office/drawing/2014/main" id="{B94E6FB7-99D1-489C-9173-6AA55110E514}"/>
-              </a:ext>
-            </a:extLst>
-          </p:cNvPr>
-          <p:cNvSpPr txBox="1">
-            <a:spLocks/>
-          </p:cNvSpPr>
-          <p:nvPr/>
-        </p:nvSpPr>
-        <p:spPr>
-          <a:xfrm>
-            <a:off x="1913244" y="-127976"/>
-            <a:ext cx="8354862" cy="1089660"/>
+            <a:off x="20" y="2030"/>
+            <a:ext cx="12191980" cy="6855970"/>
           </a:xfrm>
           <a:prstGeom prst="rect">
             <a:avLst/>
           </a:prstGeom>
         </p:spPr>
+      </p:pic>
+      <p:sp>
+        <p:nvSpPr>
+          <p:cNvPr id="15" name="Rectangle 14">
+            <a:extLst>
+              <a:ext uri="{FF2B5EF4-FFF2-40B4-BE49-F238E27FC236}">
+                <a16:creationId xmlns:a16="http://schemas.microsoft.com/office/drawing/2014/main" id="{FC23C8D4-BD3D-4473-B3D0-89011586BE82}"/>
+              </a:ext>
+              <a:ext uri="{C183D7F6-B498-43B3-948B-1728B52AA6E4}">
+                <adec:decorative xmlns:adec="http://schemas.microsoft.com/office/drawing/2017/decorative" val="1"/>
+              </a:ext>
+            </a:extLst>
+          </p:cNvPr>
+          <p:cNvSpPr>
+            <a:spLocks noGrp="1" noRot="1" noChangeAspect="1" noMove="1" noResize="1" noEditPoints="1" noAdjustHandles="1" noChangeArrowheads="1" noChangeShapeType="1" noTextEdit="1"/>
+          </p:cNvSpPr>
+          <p:nvPr>
+            <p:extLst>
+              <p:ext uri="{386F3935-93C4-4BCD-93E2-E3B085C9AB24}">
+                <p16:designElem xmlns:p16="http://schemas.microsoft.com/office/powerpoint/2015/main" val="1"/>
+              </p:ext>
+            </p:extLst>
+          </p:nvPr>
+        </p:nvSpPr>
+        <p:spPr>
+          <a:xfrm>
+            <a:off x="0" y="0"/>
+            <a:ext cx="12192000" cy="6858000"/>
+          </a:xfrm>
+          <a:prstGeom prst="rect">
+            <a:avLst/>
+          </a:prstGeom>
+          <a:gradFill flip="none" rotWithShape="1">
+            <a:gsLst>
+              <a:gs pos="32000">
+                <a:schemeClr val="bg2">
+                  <a:lumMod val="75000"/>
+                  <a:alpha val="5000"/>
+                </a:schemeClr>
+              </a:gs>
+              <a:gs pos="100000">
+                <a:schemeClr val="bg2">
+                  <a:lumMod val="40000"/>
+                </a:schemeClr>
+              </a:gs>
+            </a:gsLst>
+            <a:path path="circle">
+              <a:fillToRect l="50000" t="5000" r="50000" b="95000"/>
+            </a:path>
+            <a:tileRect/>
+          </a:gradFill>
+          <a:ln w="9525" cap="flat" cmpd="sng" algn="ctr">
+            <a:noFill/>
+            <a:prstDash val="solid"/>
+          </a:ln>
+          <a:effectLst/>
+        </p:spPr>
+        <p:txBody>
+          <a:bodyPr rtlCol="0" anchor="ctr"/>
+          <a:lstStyle/>
+          <a:p>
+            <a:pPr marL="0" marR="0" lvl="0" indent="0" algn="ctr" defTabSz="457200" eaLnBrk="1" fontAlgn="auto" latinLnBrk="0" hangingPunct="1">
+              <a:lnSpc>
+                <a:spcPct val="100000"/>
+              </a:lnSpc>
+              <a:spcBef>
+                <a:spcPts val="0"/>
+              </a:spcBef>
+              <a:spcAft>
+                <a:spcPts val="0"/>
+              </a:spcAft>
+              <a:buClrTx/>
+              <a:buSzTx/>
+              <a:buFontTx/>
+              <a:buNone/>
+              <a:tabLst/>
+              <a:defRPr/>
+            </a:pPr>
+            <a:endParaRPr kumimoji="0" lang="en-US" sz="1800" b="0" i="0" u="none" strike="noStrike" kern="0" cap="none" spc="0" normalizeH="0" baseline="0" noProof="0">
+              <a:ln>
+                <a:noFill/>
+              </a:ln>
+              <a:solidFill>
+                <a:prstClr val="white"/>
+              </a:solidFill>
+              <a:effectLst/>
+              <a:uLnTx/>
+              <a:uFillTx/>
+              <a:latin typeface="Calibri"/>
+              <a:ea typeface="+mn-ea"/>
+              <a:cs typeface="+mn-cs"/>
+            </a:endParaRPr>
+          </a:p>
+        </p:txBody>
+      </p:sp>
+      <p:sp>
+        <p:nvSpPr>
+          <p:cNvPr id="2" name="Titre 1">
+            <a:extLst>
+              <a:ext uri="{FF2B5EF4-FFF2-40B4-BE49-F238E27FC236}">
+                <a16:creationId xmlns:a16="http://schemas.microsoft.com/office/drawing/2014/main" id="{09B581CD-A5BC-46F4-830A-66F1847DB67B}"/>
+              </a:ext>
+            </a:extLst>
+          </p:cNvPr>
+          <p:cNvSpPr>
+            <a:spLocks noGrp="1"/>
+          </p:cNvSpPr>
+          <p:nvPr>
+            <p:ph type="title"/>
+          </p:nvPr>
+        </p:nvSpPr>
+        <p:spPr>
+          <a:xfrm>
+            <a:off x="1595269" y="1122363"/>
+            <a:ext cx="9001462" cy="2387600"/>
+          </a:xfrm>
+        </p:spPr>
         <p:txBody>
           <a:bodyPr vert="horz" lIns="91440" tIns="45720" rIns="91440" bIns="45720" rtlCol="0" anchor="b">
             <a:normAutofit/>
           </a:bodyPr>
-          <a:lstStyle>
-            <a:lvl1pPr algn="ctr" defTabSz="914400" rtl="0" eaLnBrk="1" latinLnBrk="0" hangingPunct="1">
-              <a:lnSpc>
-                <a:spcPct val="90000"/>
-              </a:lnSpc>
-              <a:spcBef>
-                <a:spcPct val="0"/>
-              </a:spcBef>
-              <a:buNone/>
-              <a:defRPr sz="3400" b="1" i="0" kern="1200" cap="all">
-                <a:solidFill>
-                  <a:schemeClr val="tx1"/>
-                </a:solidFill>
-                <a:effectLst>
-                  <a:outerShdw blurRad="50800" dist="63500" dir="2700000" algn="tl" rotWithShape="0">
-                    <a:srgbClr val="000000">
-                      <a:alpha val="48000"/>
-                    </a:srgbClr>
-                  </a:outerShdw>
-                </a:effectLst>
-                <a:latin typeface="+mj-lt"/>
-                <a:ea typeface="+mj-ea"/>
-                <a:cs typeface="+mj-cs"/>
-              </a:defRPr>
-            </a:lvl1pPr>
-          </a:lstStyle>
+          <a:lstStyle/>
           <a:p>
             <a:r>
-              <a:rPr lang="en-US"/>
-              <a:t>Communication </a:t>
-            </a:r>
-            <a:r>
-              <a:rPr lang="en-US" err="1"/>
-              <a:t>projet</a:t>
-            </a:r>
-            <a:endParaRPr lang="en-US"/>
-          </a:p>
-        </p:txBody>
-      </p:sp>
-      <p:sp>
-        <p:nvSpPr>
-          <p:cNvPr id="7" name="Titre 1">
-            <a:extLst>
-              <a:ext uri="{FF2B5EF4-FFF2-40B4-BE49-F238E27FC236}">
-                <a16:creationId xmlns:a16="http://schemas.microsoft.com/office/drawing/2014/main" id="{4B173241-259F-4B27-B0AB-65E2EC752C1D}"/>
-              </a:ext>
-            </a:extLst>
-          </p:cNvPr>
-          <p:cNvSpPr txBox="1">
-            <a:spLocks/>
-          </p:cNvSpPr>
-          <p:nvPr/>
-        </p:nvSpPr>
-        <p:spPr>
-          <a:xfrm>
-            <a:off x="913794" y="1114488"/>
-            <a:ext cx="10353761" cy="466661"/>
-          </a:xfrm>
-          <a:prstGeom prst="rect">
-            <a:avLst/>
-          </a:prstGeom>
-        </p:spPr>
-        <p:txBody>
-          <a:bodyPr vert="horz" lIns="91440" tIns="45720" rIns="91440" bIns="45720" rtlCol="0" anchor="ctr">
-            <a:noAutofit/>
-          </a:bodyPr>
-          <a:lstStyle>
-            <a:lvl1pPr algn="ctr" defTabSz="914400" rtl="0" eaLnBrk="1" latinLnBrk="0" hangingPunct="1">
-              <a:lnSpc>
-                <a:spcPct val="90000"/>
-              </a:lnSpc>
-              <a:spcBef>
-                <a:spcPct val="0"/>
-              </a:spcBef>
-              <a:buNone/>
-              <a:defRPr sz="3400" b="1" i="0" kern="1200" cap="all">
-                <a:solidFill>
-                  <a:schemeClr val="tx1"/>
-                </a:solidFill>
-                <a:effectLst>
-                  <a:outerShdw blurRad="50800" dist="63500" dir="2700000" algn="tl" rotWithShape="0">
-                    <a:srgbClr val="000000">
-                      <a:alpha val="48000"/>
-                    </a:srgbClr>
-                  </a:outerShdw>
-                </a:effectLst>
-                <a:latin typeface="+mj-lt"/>
-                <a:ea typeface="+mj-ea"/>
-                <a:cs typeface="+mj-cs"/>
-              </a:defRPr>
-            </a:lvl1pPr>
-          </a:lstStyle>
-          <a:p>
-            <a:r>
-              <a:rPr lang="fr-FR" sz="2800"/>
-              <a:t>Méthode de réunion</a:t>
+              <a:rPr lang="en-US" sz="4800"/>
+              <a:t>Avez-vous des questions?</a:t>
             </a:r>
           </a:p>
         </p:txBody>
@@ -20118,13 +18941,105 @@
     </p:spTree>
     <p:extLst>
       <p:ext uri="{BB962C8B-B14F-4D97-AF65-F5344CB8AC3E}">
-        <p14:creationId xmlns:p14="http://schemas.microsoft.com/office/powerpoint/2010/main" val="1511933680"/>
+        <p14:creationId xmlns:p14="http://schemas.microsoft.com/office/powerpoint/2010/main" val="3647639019"/>
       </p:ext>
     </p:extLst>
   </p:cSld>
   <p:clrMapOvr>
     <a:masterClrMapping/>
   </p:clrMapOvr>
+  <p:timing>
+    <p:tnLst>
+      <p:par>
+        <p:cTn id="1" dur="indefinite" restart="never" nodeType="tmRoot">
+          <p:childTnLst>
+            <p:seq concurrent="1" nextAc="seek">
+              <p:cTn id="2" dur="indefinite" nodeType="mainSeq">
+                <p:childTnLst>
+                  <p:par>
+                    <p:cTn id="3" fill="hold">
+                      <p:stCondLst>
+                        <p:cond delay="indefinite"/>
+                        <p:cond evt="onBegin" delay="0">
+                          <p:tn val="2"/>
+                        </p:cond>
+                      </p:stCondLst>
+                      <p:childTnLst>
+                        <p:par>
+                          <p:cTn id="4" fill="hold">
+                            <p:stCondLst>
+                              <p:cond delay="0"/>
+                            </p:stCondLst>
+                            <p:childTnLst>
+                              <p:par>
+                                <p:cTn id="5" presetID="10" presetClass="entr" presetSubtype="0" fill="hold" grpId="0" nodeType="withEffect">
+                                  <p:stCondLst>
+                                    <p:cond delay="0"/>
+                                  </p:stCondLst>
+                                  <p:iterate type="lt">
+                                    <p:tmPct val="10000"/>
+                                  </p:iterate>
+                                  <p:childTnLst>
+                                    <p:set>
+                                      <p:cBhvr>
+                                        <p:cTn id="6" dur="1" fill="hold">
+                                          <p:stCondLst>
+                                            <p:cond delay="0"/>
+                                          </p:stCondLst>
+                                        </p:cTn>
+                                        <p:tgtEl>
+                                          <p:spTgt spid="2"/>
+                                        </p:tgtEl>
+                                        <p:attrNameLst>
+                                          <p:attrName>style.visibility</p:attrName>
+                                        </p:attrNameLst>
+                                      </p:cBhvr>
+                                      <p:to>
+                                        <p:strVal val="visible"/>
+                                      </p:to>
+                                    </p:set>
+                                    <p:animEffect transition="in" filter="fade">
+                                      <p:cBhvr>
+                                        <p:cTn id="7" dur="400"/>
+                                        <p:tgtEl>
+                                          <p:spTgt spid="2"/>
+                                        </p:tgtEl>
+                                      </p:cBhvr>
+                                    </p:animEffect>
+                                  </p:childTnLst>
+                                </p:cTn>
+                              </p:par>
+                            </p:childTnLst>
+                          </p:cTn>
+                        </p:par>
+                      </p:childTnLst>
+                    </p:cTn>
+                  </p:par>
+                </p:childTnLst>
+              </p:cTn>
+              <p:prevCondLst>
+                <p:cond evt="onPrev" delay="0">
+                  <p:tgtEl>
+                    <p:sldTgt/>
+                  </p:tgtEl>
+                </p:cond>
+              </p:prevCondLst>
+              <p:nextCondLst>
+                <p:cond evt="onNext" delay="0">
+                  <p:tgtEl>
+                    <p:sldTgt/>
+                  </p:tgtEl>
+                </p:cond>
+              </p:nextCondLst>
+            </p:seq>
+          </p:childTnLst>
+        </p:cTn>
+      </p:par>
+    </p:tnLst>
+    <p:bldLst>
+      <p:bldP spid="2" grpId="0"/>
+    </p:bldLst>
+  </p:timing>
 </p:sld>
 </file>
 
@@ -20680,12 +19595,21 @@
 </file>
 
 <file path=customXml/item1.xml><?xml version="1.0" encoding="utf-8"?>
+<?mso-contentType ?>
+<FormTemplates xmlns="http://schemas.microsoft.com/sharepoint/v3/contenttype/forms">
+  <Display>DocumentLibraryForm</Display>
+  <Edit>DocumentLibraryForm</Edit>
+  <New>DocumentLibraryForm</New>
+</FormTemplates>
+</file>
+
+<file path=customXml/item2.xml><?xml version="1.0" encoding="utf-8"?>
 <p:properties xmlns:p="http://schemas.microsoft.com/office/2006/metadata/properties" xmlns:xsi="http://www.w3.org/2001/XMLSchema-instance" xmlns:pc="http://schemas.microsoft.com/office/infopath/2007/PartnerControls">
   <documentManagement/>
 </p:properties>
 </file>
 
-<file path=customXml/item2.xml><?xml version="1.0" encoding="utf-8"?>
+<file path=customXml/item3.xml><?xml version="1.0" encoding="utf-8"?>
 <ct:contentTypeSchema xmlns:ct="http://schemas.microsoft.com/office/2006/metadata/contentType" xmlns:ma="http://schemas.microsoft.com/office/2006/metadata/properties/metaAttributes" ct:_="" ma:_="" ma:contentTypeName="Document" ma:contentTypeID="0x0101000EF589D790553643A1263CB6BF71C7FD" ma:contentTypeVersion="10" ma:contentTypeDescription="Crée un document." ma:contentTypeScope="" ma:versionID="fe4a7d3b6cb79ac5e2a9453634ef2c09">
   <xsd:schema xmlns:xsd="http://www.w3.org/2001/XMLSchema" xmlns:xs="http://www.w3.org/2001/XMLSchema" xmlns:p="http://schemas.microsoft.com/office/2006/metadata/properties" xmlns:ns2="bb06c343-6fb6-4718-b03b-c70205744255" xmlns:ns3="dc663585-9544-4ee4-97fe-a77fc836a74e" targetNamespace="http://schemas.microsoft.com/office/2006/metadata/properties" ma:root="true" ma:fieldsID="a9ce2836dbc5e67b1a66f2e5826b2158" ns2:_="" ns3:_="">
     <xsd:import namespace="bb06c343-6fb6-4718-b03b-c70205744255"/>
@@ -20890,16 +19814,15 @@
 </ct:contentTypeSchema>
 </file>
 
-<file path=customXml/item3.xml><?xml version="1.0" encoding="utf-8"?>
-<?mso-contentType ?>
-<FormTemplates xmlns="http://schemas.microsoft.com/sharepoint/v3/contenttype/forms">
-  <Display>DocumentLibraryForm</Display>
-  <Edit>DocumentLibraryForm</Edit>
-  <New>DocumentLibraryForm</New>
-</FormTemplates>
+<file path=customXml/itemProps1.xml><?xml version="1.0" encoding="utf-8"?>
+<ds:datastoreItem xmlns:ds="http://schemas.openxmlformats.org/officeDocument/2006/customXml" ds:itemID="{183319A2-FE81-42E9-A63D-B6CB8B8E9516}">
+  <ds:schemaRefs>
+    <ds:schemaRef ds:uri="http://schemas.microsoft.com/sharepoint/v3/contenttype/forms"/>
+  </ds:schemaRefs>
+</ds:datastoreItem>
 </file>
 
-<file path=customXml/itemProps1.xml><?xml version="1.0" encoding="utf-8"?>
+<file path=customXml/itemProps2.xml><?xml version="1.0" encoding="utf-8"?>
 <ds:datastoreItem xmlns:ds="http://schemas.openxmlformats.org/officeDocument/2006/customXml" ds:itemID="{8EE2E8E9-2727-4E1A-B6FD-8E069034F31D}">
   <ds:schemaRefs>
     <ds:schemaRef ds:uri="http://schemas.microsoft.com/office/2006/metadata/properties"/>
@@ -20909,7 +19832,7 @@
 </ds:datastoreItem>
 </file>
 
-<file path=customXml/itemProps2.xml><?xml version="1.0" encoding="utf-8"?>
+<file path=customXml/itemProps3.xml><?xml version="1.0" encoding="utf-8"?>
 <ds:datastoreItem xmlns:ds="http://schemas.openxmlformats.org/officeDocument/2006/customXml" ds:itemID="{5C26C532-4BBC-4701-81AA-27D8DA7B1A09}">
   <ds:schemaRefs>
     <ds:schemaRef ds:uri="bb06c343-6fb6-4718-b03b-c70205744255"/>
@@ -20926,12 +19849,4 @@
     <ds:schemaRef ds:uri="http://www.w3.org/2001/XMLSchema"/>
   </ds:schemaRefs>
 </ds:datastoreItem>
-</file>
-
-<file path=customXml/itemProps3.xml><?xml version="1.0" encoding="utf-8"?>
-<ds:datastoreItem xmlns:ds="http://schemas.openxmlformats.org/officeDocument/2006/customXml" ds:itemID="{183319A2-FE81-42E9-A63D-B6CB8B8E9516}">
-  <ds:schemaRefs>
-    <ds:schemaRef ds:uri="http://schemas.microsoft.com/sharepoint/v3/contenttype/forms"/>
-  </ds:schemaRefs>
-</ds:datastoreItem>
 </file>